--- a/presentation/Final/Final.pptx
+++ b/presentation/Final/Final.pptx
@@ -5,26 +5,28 @@
     <p:sldMasterId id="2147483684" r:id="rId1"/>
   </p:sldMasterIdLst>
   <p:notesMasterIdLst>
-    <p:notesMasterId r:id="rId19"/>
+    <p:notesMasterId r:id="rId21"/>
   </p:notesMasterIdLst>
   <p:sldIdLst>
     <p:sldId id="256" r:id="rId2"/>
     <p:sldId id="257" r:id="rId3"/>
     <p:sldId id="258" r:id="rId4"/>
     <p:sldId id="261" r:id="rId5"/>
-    <p:sldId id="259" r:id="rId6"/>
-    <p:sldId id="262" r:id="rId7"/>
-    <p:sldId id="274" r:id="rId8"/>
-    <p:sldId id="271" r:id="rId9"/>
-    <p:sldId id="275" r:id="rId10"/>
-    <p:sldId id="276" r:id="rId11"/>
-    <p:sldId id="264" r:id="rId12"/>
-    <p:sldId id="263" r:id="rId13"/>
-    <p:sldId id="272" r:id="rId14"/>
-    <p:sldId id="268" r:id="rId15"/>
-    <p:sldId id="273" r:id="rId16"/>
-    <p:sldId id="269" r:id="rId17"/>
-    <p:sldId id="277" r:id="rId18"/>
+    <p:sldId id="278" r:id="rId6"/>
+    <p:sldId id="259" r:id="rId7"/>
+    <p:sldId id="262" r:id="rId8"/>
+    <p:sldId id="274" r:id="rId9"/>
+    <p:sldId id="279" r:id="rId10"/>
+    <p:sldId id="271" r:id="rId11"/>
+    <p:sldId id="275" r:id="rId12"/>
+    <p:sldId id="276" r:id="rId13"/>
+    <p:sldId id="264" r:id="rId14"/>
+    <p:sldId id="263" r:id="rId15"/>
+    <p:sldId id="272" r:id="rId16"/>
+    <p:sldId id="268" r:id="rId17"/>
+    <p:sldId id="273" r:id="rId18"/>
+    <p:sldId id="269" r:id="rId19"/>
+    <p:sldId id="277" r:id="rId20"/>
   </p:sldIdLst>
   <p:sldSz cx="12192000" cy="6858000"/>
   <p:notesSz cx="6858000" cy="9144000"/>
@@ -125,7 +127,7 @@
   </p:defaultTextStyle>
   <p:extLst>
     <p:ext uri="{EFAFB233-063F-42B5-8137-9DF3F51BA10A}">
-      <p15:sldGuideLst xmlns="" xmlns:p15="http://schemas.microsoft.com/office/powerpoint/2012/main">
+      <p15:sldGuideLst xmlns:p15="http://schemas.microsoft.com/office/powerpoint/2012/main" xmlns="">
         <p15:guide id="1" orient="horz" pos="2160">
           <p15:clr>
             <a:srgbClr val="A4A3A4"/>
@@ -737,7 +739,7 @@
           <a:p>
             <a:fld id="{4C40B096-980F-4B1D-B616-BA01D9772A24}" type="slidenum">
               <a:rPr lang="de-DE" smtClean="0"/>
-              <a:t>5</a:t>
+              <a:t>6</a:t>
             </a:fld>
             <a:endParaRPr lang="de-DE"/>
           </a:p>
@@ -825,7 +827,7 @@
           <a:p>
             <a:fld id="{4C40B096-980F-4B1D-B616-BA01D9772A24}" type="slidenum">
               <a:rPr lang="de-DE" smtClean="0"/>
-              <a:t>10</a:t>
+              <a:t>12</a:t>
             </a:fld>
             <a:endParaRPr lang="de-DE"/>
           </a:p>
@@ -913,7 +915,7 @@
           <a:p>
             <a:fld id="{4C40B096-980F-4B1D-B616-BA01D9772A24}" type="slidenum">
               <a:rPr lang="de-DE" smtClean="0"/>
-              <a:t>11</a:t>
+              <a:t>13</a:t>
             </a:fld>
             <a:endParaRPr lang="de-DE"/>
           </a:p>
@@ -1001,7 +1003,7 @@
           <a:p>
             <a:fld id="{4C40B096-980F-4B1D-B616-BA01D9772A24}" type="slidenum">
               <a:rPr lang="de-DE" smtClean="0"/>
-              <a:t>12</a:t>
+              <a:t>14</a:t>
             </a:fld>
             <a:endParaRPr lang="de-DE"/>
           </a:p>
@@ -1089,7 +1091,7 @@
           <a:p>
             <a:fld id="{4C40B096-980F-4B1D-B616-BA01D9772A24}" type="slidenum">
               <a:rPr lang="de-DE" smtClean="0"/>
-              <a:t>13</a:t>
+              <a:t>15</a:t>
             </a:fld>
             <a:endParaRPr lang="de-DE"/>
           </a:p>
@@ -1177,7 +1179,7 @@
           <a:p>
             <a:fld id="{4C40B096-980F-4B1D-B616-BA01D9772A24}" type="slidenum">
               <a:rPr lang="de-DE" smtClean="0"/>
-              <a:t>14</a:t>
+              <a:t>16</a:t>
             </a:fld>
             <a:endParaRPr lang="de-DE"/>
           </a:p>
@@ -1265,7 +1267,7 @@
           <a:p>
             <a:fld id="{4C40B096-980F-4B1D-B616-BA01D9772A24}" type="slidenum">
               <a:rPr lang="de-DE" smtClean="0"/>
-              <a:t>15</a:t>
+              <a:t>17</a:t>
             </a:fld>
             <a:endParaRPr lang="de-DE"/>
           </a:p>
@@ -5228,7 +5230,7 @@
                   </a:schemeClr>
                 </a:solidFill>
               </a:rPr>
-              <a:t>CLASS DIAGRAM &amp; ARCHITEKTUR</a:t>
+              <a:t>JIRA</a:t>
             </a:r>
             <a:endParaRPr lang="de-DE" dirty="0">
               <a:solidFill>
@@ -5242,6 +5244,91 @@
       </p:sp>
       <p:sp>
         <p:nvSpPr>
+          <p:cNvPr id="3" name="Inhaltsplatzhalter 2"/>
+          <p:cNvSpPr>
+            <a:spLocks noGrp="1"/>
+          </p:cNvSpPr>
+          <p:nvPr>
+            <p:ph idx="1"/>
+          </p:nvPr>
+        </p:nvSpPr>
+        <p:spPr>
+          <a:xfrm>
+            <a:off x="1097280" y="2553324"/>
+            <a:ext cx="10058400" cy="4023360"/>
+          </a:xfrm>
+        </p:spPr>
+        <p:txBody>
+          <a:bodyPr/>
+          <a:lstStyle/>
+          <a:p>
+            <a:endParaRPr lang="de-DE" sz="1800" dirty="0" smtClean="0">
+              <a:hlinkClick r:id="rId2"/>
+            </a:endParaRPr>
+          </a:p>
+          <a:p>
+            <a:endParaRPr lang="de-DE" sz="1800" dirty="0">
+              <a:hlinkClick r:id="rId2"/>
+            </a:endParaRPr>
+          </a:p>
+          <a:p>
+            <a:endParaRPr lang="de-DE" sz="1800" dirty="0" smtClean="0">
+              <a:hlinkClick r:id="rId2"/>
+            </a:endParaRPr>
+          </a:p>
+          <a:p>
+            <a:endParaRPr lang="de-DE" sz="1800" dirty="0">
+              <a:hlinkClick r:id="rId2"/>
+            </a:endParaRPr>
+          </a:p>
+          <a:p>
+            <a:endParaRPr lang="de-DE" sz="1800" dirty="0" smtClean="0">
+              <a:hlinkClick r:id="rId2"/>
+            </a:endParaRPr>
+          </a:p>
+          <a:p>
+            <a:endParaRPr lang="de-DE" sz="1800" dirty="0">
+              <a:hlinkClick r:id="rId2"/>
+            </a:endParaRPr>
+          </a:p>
+          <a:p>
+            <a:endParaRPr lang="de-DE" sz="1800" dirty="0" smtClean="0">
+              <a:hlinkClick r:id="rId2"/>
+            </a:endParaRPr>
+          </a:p>
+          <a:p>
+            <a:endParaRPr lang="de-DE" sz="1800" dirty="0">
+              <a:hlinkClick r:id="rId2"/>
+            </a:endParaRPr>
+          </a:p>
+          <a:p>
+            <a:r>
+              <a:rPr lang="de-DE" sz="1800" dirty="0" smtClean="0">
+                <a:hlinkClick r:id="rId2"/>
+              </a:rPr>
+              <a:t>http</a:t>
+            </a:r>
+            <a:r>
+              <a:rPr lang="de-DE" sz="1800" dirty="0">
+                <a:hlinkClick r:id="rId2"/>
+              </a:rPr>
+              <a:t>://</a:t>
+            </a:r>
+            <a:r>
+              <a:rPr lang="de-DE" sz="1800" dirty="0" smtClean="0">
+                <a:hlinkClick r:id="rId2"/>
+              </a:rPr>
+              <a:t>193.196.7.27:8080/secure/RapidBoard.jspa?rapidView=8&amp;projectKey=NAP&amp;view=planning.nodetail</a:t>
+            </a:r>
+            <a:endParaRPr lang="de-DE" sz="1800" dirty="0" smtClean="0"/>
+          </a:p>
+          <a:p>
+            <a:endParaRPr lang="de-DE" dirty="0" smtClean="0"/>
+          </a:p>
+        </p:txBody>
+      </p:sp>
+      <p:sp>
+        <p:nvSpPr>
           <p:cNvPr id="5" name="Foliennummernplatzhalter 4"/>
           <p:cNvSpPr>
             <a:spLocks noGrp="1"/>
@@ -5258,6 +5345,641 @@
             <a:fld id="{BEA2534F-1EDD-48ED-BC5A-02D188FC5C63}" type="slidenum">
               <a:rPr lang="de-DE" smtClean="0"/>
               <a:t>10</a:t>
+            </a:fld>
+            <a:endParaRPr lang="de-DE" dirty="0"/>
+          </a:p>
+        </p:txBody>
+      </p:sp>
+      <p:pic>
+        <p:nvPicPr>
+          <p:cNvPr id="2050" name="Picture 2" descr="https://jira.atlassian.com/images/atlassian-jira-logo-large.png"/>
+          <p:cNvPicPr>
+            <a:picLocks noChangeAspect="1" noChangeArrowheads="1"/>
+          </p:cNvPicPr>
+          <p:nvPr/>
+        </p:nvPicPr>
+        <p:blipFill>
+          <a:blip r:embed="rId3">
+            <a:extLst>
+              <a:ext uri="{28A0092B-C50C-407E-A947-70E740481C1C}">
+                <a14:useLocalDpi xmlns:a14="http://schemas.microsoft.com/office/drawing/2010/main" val="0"/>
+              </a:ext>
+            </a:extLst>
+          </a:blip>
+          <a:srcRect/>
+          <a:stretch>
+            <a:fillRect/>
+          </a:stretch>
+        </p:blipFill>
+        <p:spPr bwMode="auto">
+          <a:xfrm>
+            <a:off x="4978140" y="1964417"/>
+            <a:ext cx="2235720" cy="876753"/>
+          </a:xfrm>
+          <a:prstGeom prst="rect">
+            <a:avLst/>
+          </a:prstGeom>
+          <a:noFill/>
+          <a:extLst>
+            <a:ext uri="{909E8E84-426E-40DD-AFC4-6F175D3DCCD1}">
+              <a14:hiddenFill xmlns:a14="http://schemas.microsoft.com/office/drawing/2010/main">
+                <a:solidFill>
+                  <a:srgbClr val="FFFFFF"/>
+                </a:solidFill>
+              </a14:hiddenFill>
+            </a:ext>
+          </a:extLst>
+        </p:spPr>
+      </p:pic>
+      <p:pic>
+        <p:nvPicPr>
+          <p:cNvPr id="2051" name="Picture 3" descr="C:\Users\mincekara\Desktop\2015-12-09 12_56_23-Nappy, the ingenious - Agile Board - JIRA.png"/>
+          <p:cNvPicPr>
+            <a:picLocks noChangeAspect="1" noChangeArrowheads="1"/>
+          </p:cNvPicPr>
+          <p:nvPr/>
+        </p:nvPicPr>
+        <p:blipFill>
+          <a:blip r:embed="rId4">
+            <a:extLst>
+              <a:ext uri="{28A0092B-C50C-407E-A947-70E740481C1C}">
+                <a14:useLocalDpi xmlns:a14="http://schemas.microsoft.com/office/drawing/2010/main" val="0"/>
+              </a:ext>
+            </a:extLst>
+          </a:blip>
+          <a:srcRect/>
+          <a:stretch>
+            <a:fillRect/>
+          </a:stretch>
+        </p:blipFill>
+        <p:spPr bwMode="auto">
+          <a:xfrm>
+            <a:off x="458169" y="3000750"/>
+            <a:ext cx="11275662" cy="2830087"/>
+          </a:xfrm>
+          <a:prstGeom prst="rect">
+            <a:avLst/>
+          </a:prstGeom>
+          <a:noFill/>
+          <a:extLst>
+            <a:ext uri="{909E8E84-426E-40DD-AFC4-6F175D3DCCD1}">
+              <a14:hiddenFill xmlns:a14="http://schemas.microsoft.com/office/drawing/2010/main">
+                <a:solidFill>
+                  <a:srgbClr val="FFFFFF"/>
+                </a:solidFill>
+              </a14:hiddenFill>
+            </a:ext>
+          </a:extLst>
+        </p:spPr>
+      </p:pic>
+    </p:spTree>
+    <p:extLst>
+      <p:ext uri="{BB962C8B-B14F-4D97-AF65-F5344CB8AC3E}">
+        <p14:creationId xmlns:p14="http://schemas.microsoft.com/office/powerpoint/2010/main" val="1991744233"/>
+      </p:ext>
+    </p:extLst>
+  </p:cSld>
+  <p:clrMapOvr>
+    <a:masterClrMapping/>
+  </p:clrMapOvr>
+  <p:timing>
+    <p:tnLst>
+      <p:par>
+        <p:cTn id="1" dur="indefinite" restart="never" nodeType="tmRoot"/>
+      </p:par>
+    </p:tnLst>
+  </p:timing>
+</p:sld>
+</file>
+
+<file path=ppt/slides/slide11.xml><?xml version="1.0" encoding="utf-8"?>
+<p:sld xmlns:a="http://schemas.openxmlformats.org/drawingml/2006/main" xmlns:r="http://schemas.openxmlformats.org/officeDocument/2006/relationships" xmlns:p="http://schemas.openxmlformats.org/presentationml/2006/main">
+  <p:cSld>
+    <p:spTree>
+      <p:nvGrpSpPr>
+        <p:cNvPr id="1" name=""/>
+        <p:cNvGrpSpPr/>
+        <p:nvPr/>
+      </p:nvGrpSpPr>
+      <p:grpSpPr>
+        <a:xfrm>
+          <a:off x="0" y="0"/>
+          <a:ext cx="0" cy="0"/>
+          <a:chOff x="0" y="0"/>
+          <a:chExt cx="0" cy="0"/>
+        </a:xfrm>
+      </p:grpSpPr>
+      <p:sp>
+        <p:nvSpPr>
+          <p:cNvPr id="2" name="Titel 1"/>
+          <p:cNvSpPr>
+            <a:spLocks noGrp="1"/>
+          </p:cNvSpPr>
+          <p:nvPr>
+            <p:ph type="title"/>
+          </p:nvPr>
+        </p:nvSpPr>
+        <p:spPr>
+          <a:xfrm>
+            <a:off x="1097280" y="286603"/>
+            <a:ext cx="10058400" cy="1450757"/>
+          </a:xfrm>
+        </p:spPr>
+        <p:txBody>
+          <a:bodyPr/>
+          <a:lstStyle/>
+          <a:p>
+            <a:r>
+              <a:rPr lang="de-DE" dirty="0" smtClean="0">
+                <a:solidFill>
+                  <a:schemeClr val="bg1">
+                    <a:lumMod val="50000"/>
+                  </a:schemeClr>
+                </a:solidFill>
+              </a:rPr>
+              <a:t>BURNDOWN-DIAGRAMM</a:t>
+            </a:r>
+            <a:endParaRPr lang="de-DE" dirty="0">
+              <a:solidFill>
+                <a:schemeClr val="bg1">
+                  <a:lumMod val="50000"/>
+                </a:schemeClr>
+              </a:solidFill>
+            </a:endParaRPr>
+          </a:p>
+        </p:txBody>
+      </p:sp>
+      <p:sp>
+        <p:nvSpPr>
+          <p:cNvPr id="5" name="Foliennummernplatzhalter 4"/>
+          <p:cNvSpPr>
+            <a:spLocks noGrp="1"/>
+          </p:cNvSpPr>
+          <p:nvPr>
+            <p:ph type="sldNum" sz="quarter" idx="12"/>
+          </p:nvPr>
+        </p:nvSpPr>
+        <p:spPr/>
+        <p:txBody>
+          <a:bodyPr/>
+          <a:lstStyle/>
+          <a:p>
+            <a:fld id="{BEA2534F-1EDD-48ED-BC5A-02D188FC5C63}" type="slidenum">
+              <a:rPr lang="de-DE" smtClean="0"/>
+              <a:t>11</a:t>
+            </a:fld>
+            <a:endParaRPr lang="de-DE" dirty="0"/>
+          </a:p>
+        </p:txBody>
+      </p:sp>
+      <p:pic>
+        <p:nvPicPr>
+          <p:cNvPr id="3" name="Picture 2" descr="C:\Duales Studium\01 Theorie\4. Semester\03 Software Engineering\docs\jira\1er Sprint.png"/>
+          <p:cNvPicPr>
+            <a:picLocks noChangeAspect="1" noChangeArrowheads="1"/>
+          </p:cNvPicPr>
+          <p:nvPr/>
+        </p:nvPicPr>
+        <p:blipFill>
+          <a:blip r:embed="rId2">
+            <a:extLst>
+              <a:ext uri="{28A0092B-C50C-407E-A947-70E740481C1C}">
+                <a14:useLocalDpi xmlns:a14="http://schemas.microsoft.com/office/drawing/2010/main" val="0"/>
+              </a:ext>
+            </a:extLst>
+          </a:blip>
+          <a:srcRect/>
+          <a:stretch>
+            <a:fillRect/>
+          </a:stretch>
+        </p:blipFill>
+        <p:spPr bwMode="auto">
+          <a:xfrm>
+            <a:off x="220270" y="1833788"/>
+            <a:ext cx="11751460" cy="3424010"/>
+          </a:xfrm>
+          <a:prstGeom prst="rect">
+            <a:avLst/>
+          </a:prstGeom>
+          <a:noFill/>
+          <a:extLst>
+            <a:ext uri="{909E8E84-426E-40DD-AFC4-6F175D3DCCD1}">
+              <a14:hiddenFill xmlns:a14="http://schemas.microsoft.com/office/drawing/2010/main">
+                <a:solidFill>
+                  <a:srgbClr val="FFFFFF"/>
+                </a:solidFill>
+              </a14:hiddenFill>
+            </a:ext>
+          </a:extLst>
+        </p:spPr>
+      </p:pic>
+      <p:pic>
+        <p:nvPicPr>
+          <p:cNvPr id="1027" name="Picture 3" descr="C:\Duales Studium\01 Theorie\4. Semester\03 Software Engineering\docs\jira\2ter Sprint.png"/>
+          <p:cNvPicPr>
+            <a:picLocks noChangeAspect="1" noChangeArrowheads="1"/>
+          </p:cNvPicPr>
+          <p:nvPr/>
+        </p:nvPicPr>
+        <p:blipFill>
+          <a:blip r:embed="rId3">
+            <a:extLst>
+              <a:ext uri="{28A0092B-C50C-407E-A947-70E740481C1C}">
+                <a14:useLocalDpi xmlns:a14="http://schemas.microsoft.com/office/drawing/2010/main" val="0"/>
+              </a:ext>
+            </a:extLst>
+          </a:blip>
+          <a:srcRect/>
+          <a:stretch>
+            <a:fillRect/>
+          </a:stretch>
+        </p:blipFill>
+        <p:spPr bwMode="auto">
+          <a:xfrm>
+            <a:off x="220270" y="2367202"/>
+            <a:ext cx="11682671" cy="3424010"/>
+          </a:xfrm>
+          <a:prstGeom prst="rect">
+            <a:avLst/>
+          </a:prstGeom>
+          <a:noFill/>
+          <a:extLst>
+            <a:ext uri="{909E8E84-426E-40DD-AFC4-6F175D3DCCD1}">
+              <a14:hiddenFill xmlns:a14="http://schemas.microsoft.com/office/drawing/2010/main">
+                <a:solidFill>
+                  <a:srgbClr val="FFFFFF"/>
+                </a:solidFill>
+              </a14:hiddenFill>
+            </a:ext>
+          </a:extLst>
+        </p:spPr>
+      </p:pic>
+      <p:pic>
+        <p:nvPicPr>
+          <p:cNvPr id="1028" name="Picture 4" descr="C:\Duales Studium\01 Theorie\4. Semester\03 Software Engineering\docs\jira\3ter Sprint.png"/>
+          <p:cNvPicPr>
+            <a:picLocks noChangeAspect="1" noChangeArrowheads="1"/>
+          </p:cNvPicPr>
+          <p:nvPr/>
+        </p:nvPicPr>
+        <p:blipFill>
+          <a:blip r:embed="rId4">
+            <a:extLst>
+              <a:ext uri="{28A0092B-C50C-407E-A947-70E740481C1C}">
+                <a14:useLocalDpi xmlns:a14="http://schemas.microsoft.com/office/drawing/2010/main" val="0"/>
+              </a:ext>
+            </a:extLst>
+          </a:blip>
+          <a:srcRect/>
+          <a:stretch>
+            <a:fillRect/>
+          </a:stretch>
+        </p:blipFill>
+        <p:spPr bwMode="auto">
+          <a:xfrm>
+            <a:off x="220270" y="2889731"/>
+            <a:ext cx="11807374" cy="3424010"/>
+          </a:xfrm>
+          <a:prstGeom prst="rect">
+            <a:avLst/>
+          </a:prstGeom>
+          <a:noFill/>
+          <a:extLst>
+            <a:ext uri="{909E8E84-426E-40DD-AFC4-6F175D3DCCD1}">
+              <a14:hiddenFill xmlns:a14="http://schemas.microsoft.com/office/drawing/2010/main">
+                <a:solidFill>
+                  <a:srgbClr val="FFFFFF"/>
+                </a:solidFill>
+              </a14:hiddenFill>
+            </a:ext>
+          </a:extLst>
+        </p:spPr>
+      </p:pic>
+    </p:spTree>
+    <p:extLst>
+      <p:ext uri="{BB962C8B-B14F-4D97-AF65-F5344CB8AC3E}">
+        <p14:creationId xmlns:p14="http://schemas.microsoft.com/office/powerpoint/2010/main" val="3107559251"/>
+      </p:ext>
+    </p:extLst>
+  </p:cSld>
+  <p:clrMapOvr>
+    <a:masterClrMapping/>
+  </p:clrMapOvr>
+  <p:timing>
+    <p:tnLst>
+      <p:par>
+        <p:cTn id="1" dur="indefinite" restart="never" nodeType="tmRoot">
+          <p:childTnLst>
+            <p:seq concurrent="1" nextAc="seek">
+              <p:cTn id="2" dur="indefinite" nodeType="mainSeq">
+                <p:childTnLst>
+                  <p:par>
+                    <p:cTn id="3" fill="hold">
+                      <p:stCondLst>
+                        <p:cond delay="indefinite"/>
+                      </p:stCondLst>
+                      <p:childTnLst>
+                        <p:par>
+                          <p:cTn id="4" fill="hold">
+                            <p:stCondLst>
+                              <p:cond delay="0"/>
+                            </p:stCondLst>
+                            <p:childTnLst>
+                              <p:par>
+                                <p:cTn id="5" presetID="10" presetClass="exit" presetSubtype="0" fill="hold" nodeType="clickEffect">
+                                  <p:stCondLst>
+                                    <p:cond delay="0"/>
+                                  </p:stCondLst>
+                                  <p:childTnLst>
+                                    <p:animEffect transition="out" filter="fade">
+                                      <p:cBhvr>
+                                        <p:cTn id="6" dur="500"/>
+                                        <p:tgtEl>
+                                          <p:spTgt spid="3"/>
+                                        </p:tgtEl>
+                                      </p:cBhvr>
+                                    </p:animEffect>
+                                    <p:set>
+                                      <p:cBhvr>
+                                        <p:cTn id="7" dur="1" fill="hold">
+                                          <p:stCondLst>
+                                            <p:cond delay="499"/>
+                                          </p:stCondLst>
+                                        </p:cTn>
+                                        <p:tgtEl>
+                                          <p:spTgt spid="3"/>
+                                        </p:tgtEl>
+                                        <p:attrNameLst>
+                                          <p:attrName>style.visibility</p:attrName>
+                                        </p:attrNameLst>
+                                      </p:cBhvr>
+                                      <p:to>
+                                        <p:strVal val="hidden"/>
+                                      </p:to>
+                                    </p:set>
+                                  </p:childTnLst>
+                                </p:cTn>
+                              </p:par>
+                            </p:childTnLst>
+                          </p:cTn>
+                        </p:par>
+                      </p:childTnLst>
+                    </p:cTn>
+                  </p:par>
+                  <p:par>
+                    <p:cTn id="8" fill="hold">
+                      <p:stCondLst>
+                        <p:cond delay="indefinite"/>
+                      </p:stCondLst>
+                      <p:childTnLst>
+                        <p:par>
+                          <p:cTn id="9" fill="hold">
+                            <p:stCondLst>
+                              <p:cond delay="0"/>
+                            </p:stCondLst>
+                            <p:childTnLst>
+                              <p:par>
+                                <p:cTn id="10" presetID="10" presetClass="entr" presetSubtype="0" fill="hold" nodeType="clickEffect">
+                                  <p:stCondLst>
+                                    <p:cond delay="0"/>
+                                  </p:stCondLst>
+                                  <p:childTnLst>
+                                    <p:set>
+                                      <p:cBhvr>
+                                        <p:cTn id="11" dur="1" fill="hold">
+                                          <p:stCondLst>
+                                            <p:cond delay="0"/>
+                                          </p:stCondLst>
+                                        </p:cTn>
+                                        <p:tgtEl>
+                                          <p:spTgt spid="1027"/>
+                                        </p:tgtEl>
+                                        <p:attrNameLst>
+                                          <p:attrName>style.visibility</p:attrName>
+                                        </p:attrNameLst>
+                                      </p:cBhvr>
+                                      <p:to>
+                                        <p:strVal val="visible"/>
+                                      </p:to>
+                                    </p:set>
+                                    <p:animEffect transition="in" filter="fade">
+                                      <p:cBhvr>
+                                        <p:cTn id="12" dur="500"/>
+                                        <p:tgtEl>
+                                          <p:spTgt spid="1027"/>
+                                        </p:tgtEl>
+                                      </p:cBhvr>
+                                    </p:animEffect>
+                                  </p:childTnLst>
+                                </p:cTn>
+                              </p:par>
+                            </p:childTnLst>
+                          </p:cTn>
+                        </p:par>
+                      </p:childTnLst>
+                    </p:cTn>
+                  </p:par>
+                  <p:par>
+                    <p:cTn id="13" fill="hold">
+                      <p:stCondLst>
+                        <p:cond delay="indefinite"/>
+                      </p:stCondLst>
+                      <p:childTnLst>
+                        <p:par>
+                          <p:cTn id="14" fill="hold">
+                            <p:stCondLst>
+                              <p:cond delay="0"/>
+                            </p:stCondLst>
+                            <p:childTnLst>
+                              <p:par>
+                                <p:cTn id="15" presetID="10" presetClass="exit" presetSubtype="0" fill="hold" nodeType="clickEffect">
+                                  <p:stCondLst>
+                                    <p:cond delay="0"/>
+                                  </p:stCondLst>
+                                  <p:childTnLst>
+                                    <p:animEffect transition="out" filter="fade">
+                                      <p:cBhvr>
+                                        <p:cTn id="16" dur="500"/>
+                                        <p:tgtEl>
+                                          <p:spTgt spid="1027"/>
+                                        </p:tgtEl>
+                                      </p:cBhvr>
+                                    </p:animEffect>
+                                    <p:set>
+                                      <p:cBhvr>
+                                        <p:cTn id="17" dur="1" fill="hold">
+                                          <p:stCondLst>
+                                            <p:cond delay="499"/>
+                                          </p:stCondLst>
+                                        </p:cTn>
+                                        <p:tgtEl>
+                                          <p:spTgt spid="1027"/>
+                                        </p:tgtEl>
+                                        <p:attrNameLst>
+                                          <p:attrName>style.visibility</p:attrName>
+                                        </p:attrNameLst>
+                                      </p:cBhvr>
+                                      <p:to>
+                                        <p:strVal val="hidden"/>
+                                      </p:to>
+                                    </p:set>
+                                  </p:childTnLst>
+                                </p:cTn>
+                              </p:par>
+                            </p:childTnLst>
+                          </p:cTn>
+                        </p:par>
+                      </p:childTnLst>
+                    </p:cTn>
+                  </p:par>
+                  <p:par>
+                    <p:cTn id="18" fill="hold">
+                      <p:stCondLst>
+                        <p:cond delay="indefinite"/>
+                      </p:stCondLst>
+                      <p:childTnLst>
+                        <p:par>
+                          <p:cTn id="19" fill="hold">
+                            <p:stCondLst>
+                              <p:cond delay="0"/>
+                            </p:stCondLst>
+                            <p:childTnLst>
+                              <p:par>
+                                <p:cTn id="20" presetID="10" presetClass="entr" presetSubtype="0" fill="hold" nodeType="clickEffect">
+                                  <p:stCondLst>
+                                    <p:cond delay="0"/>
+                                  </p:stCondLst>
+                                  <p:childTnLst>
+                                    <p:set>
+                                      <p:cBhvr>
+                                        <p:cTn id="21" dur="1" fill="hold">
+                                          <p:stCondLst>
+                                            <p:cond delay="0"/>
+                                          </p:stCondLst>
+                                        </p:cTn>
+                                        <p:tgtEl>
+                                          <p:spTgt spid="1028"/>
+                                        </p:tgtEl>
+                                        <p:attrNameLst>
+                                          <p:attrName>style.visibility</p:attrName>
+                                        </p:attrNameLst>
+                                      </p:cBhvr>
+                                      <p:to>
+                                        <p:strVal val="visible"/>
+                                      </p:to>
+                                    </p:set>
+                                    <p:animEffect transition="in" filter="fade">
+                                      <p:cBhvr>
+                                        <p:cTn id="22" dur="500"/>
+                                        <p:tgtEl>
+                                          <p:spTgt spid="1028"/>
+                                        </p:tgtEl>
+                                      </p:cBhvr>
+                                    </p:animEffect>
+                                  </p:childTnLst>
+                                </p:cTn>
+                              </p:par>
+                            </p:childTnLst>
+                          </p:cTn>
+                        </p:par>
+                      </p:childTnLst>
+                    </p:cTn>
+                  </p:par>
+                </p:childTnLst>
+              </p:cTn>
+              <p:prevCondLst>
+                <p:cond evt="onPrev" delay="0">
+                  <p:tgtEl>
+                    <p:sldTgt/>
+                  </p:tgtEl>
+                </p:cond>
+              </p:prevCondLst>
+              <p:nextCondLst>
+                <p:cond evt="onNext" delay="0">
+                  <p:tgtEl>
+                    <p:sldTgt/>
+                  </p:tgtEl>
+                </p:cond>
+              </p:nextCondLst>
+            </p:seq>
+          </p:childTnLst>
+        </p:cTn>
+      </p:par>
+    </p:tnLst>
+  </p:timing>
+</p:sld>
+</file>
+
+<file path=ppt/slides/slide12.xml><?xml version="1.0" encoding="utf-8"?>
+<p:sld xmlns:a="http://schemas.openxmlformats.org/drawingml/2006/main" xmlns:r="http://schemas.openxmlformats.org/officeDocument/2006/relationships" xmlns:p="http://schemas.openxmlformats.org/presentationml/2006/main">
+  <p:cSld>
+    <p:spTree>
+      <p:nvGrpSpPr>
+        <p:cNvPr id="1" name=""/>
+        <p:cNvGrpSpPr/>
+        <p:nvPr/>
+      </p:nvGrpSpPr>
+      <p:grpSpPr>
+        <a:xfrm>
+          <a:off x="0" y="0"/>
+          <a:ext cx="0" cy="0"/>
+          <a:chOff x="0" y="0"/>
+          <a:chExt cx="0" cy="0"/>
+        </a:xfrm>
+      </p:grpSpPr>
+      <p:sp>
+        <p:nvSpPr>
+          <p:cNvPr id="2" name="Titel 1"/>
+          <p:cNvSpPr>
+            <a:spLocks noGrp="1"/>
+          </p:cNvSpPr>
+          <p:nvPr>
+            <p:ph type="title"/>
+          </p:nvPr>
+        </p:nvSpPr>
+        <p:spPr/>
+        <p:txBody>
+          <a:bodyPr/>
+          <a:lstStyle/>
+          <a:p>
+            <a:r>
+              <a:rPr lang="de-DE" dirty="0" smtClean="0">
+                <a:solidFill>
+                  <a:schemeClr val="bg1">
+                    <a:lumMod val="50000"/>
+                  </a:schemeClr>
+                </a:solidFill>
+              </a:rPr>
+              <a:t>CLASS DIAGRAM &amp; ARCHITEKTUR</a:t>
+            </a:r>
+            <a:endParaRPr lang="de-DE" dirty="0">
+              <a:solidFill>
+                <a:schemeClr val="bg1">
+                  <a:lumMod val="50000"/>
+                </a:schemeClr>
+              </a:solidFill>
+            </a:endParaRPr>
+          </a:p>
+        </p:txBody>
+      </p:sp>
+      <p:sp>
+        <p:nvSpPr>
+          <p:cNvPr id="5" name="Foliennummernplatzhalter 4"/>
+          <p:cNvSpPr>
+            <a:spLocks noGrp="1"/>
+          </p:cNvSpPr>
+          <p:nvPr>
+            <p:ph type="sldNum" sz="quarter" idx="12"/>
+          </p:nvPr>
+        </p:nvSpPr>
+        <p:spPr/>
+        <p:txBody>
+          <a:bodyPr/>
+          <a:lstStyle/>
+          <a:p>
+            <a:fld id="{BEA2534F-1EDD-48ED-BC5A-02D188FC5C63}" type="slidenum">
+              <a:rPr lang="de-DE" smtClean="0"/>
+              <a:t>12</a:t>
             </a:fld>
             <a:endParaRPr lang="de-DE" dirty="0"/>
           </a:p>
@@ -5325,7 +6047,7 @@
         </p:blipFill>
         <p:spPr bwMode="auto">
           <a:xfrm>
-            <a:off x="7932057" y="2092325"/>
+            <a:off x="7548600" y="2353582"/>
             <a:ext cx="4165600" cy="2976563"/>
           </a:xfrm>
           <a:prstGeom prst="rect">
@@ -5363,7 +6085,7 @@
 </p:sld>
 </file>
 
-<file path=ppt/slides/slide11.xml><?xml version="1.0" encoding="utf-8"?>
+<file path=ppt/slides/slide13.xml><?xml version="1.0" encoding="utf-8"?>
 <p:sld xmlns:a="http://schemas.openxmlformats.org/drawingml/2006/main" xmlns:r="http://schemas.openxmlformats.org/officeDocument/2006/relationships" xmlns:p="http://schemas.openxmlformats.org/presentationml/2006/main">
   <p:cSld>
     <p:spTree>
@@ -5432,7 +6154,7 @@
           <a:p>
             <a:fld id="{BEA2534F-1EDD-48ED-BC5A-02D188FC5C63}" type="slidenum">
               <a:rPr lang="de-DE" smtClean="0"/>
-              <a:t>11</a:t>
+              <a:t>13</a:t>
             </a:fld>
             <a:endParaRPr lang="de-DE" dirty="0"/>
           </a:p>
@@ -5542,7 +6264,7 @@
 </p:sld>
 </file>
 
-<file path=ppt/slides/slide12.xml><?xml version="1.0" encoding="utf-8"?>
+<file path=ppt/slides/slide14.xml><?xml version="1.0" encoding="utf-8"?>
 <p:sld xmlns:a="http://schemas.openxmlformats.org/drawingml/2006/main" xmlns:r="http://schemas.openxmlformats.org/officeDocument/2006/relationships" xmlns:p="http://schemas.openxmlformats.org/presentationml/2006/main">
   <p:cSld>
     <p:spTree>
@@ -5708,7 +6430,7 @@
           <a:p>
             <a:fld id="{BEA2534F-1EDD-48ED-BC5A-02D188FC5C63}" type="slidenum">
               <a:rPr lang="de-DE" smtClean="0"/>
-              <a:t>12</a:t>
+              <a:t>14</a:t>
             </a:fld>
             <a:endParaRPr lang="de-DE" dirty="0"/>
           </a:p>
@@ -5716,14 +6438,14 @@
       </p:sp>
       <p:pic>
         <p:nvPicPr>
-          <p:cNvPr id="2050" name="Picture 2" descr="C:\Users\mincekara\Desktop\2015-12-09 08_08_10-Database Diagram.pdf - Foxit Reader.png"/>
+          <p:cNvPr id="1026" name="Picture 2" descr="C:\Duales Studium\01 Theorie\4. Semester\03 Software Engineering\docs\presentation\Final\Database Diagram.png"/>
           <p:cNvPicPr>
             <a:picLocks noChangeAspect="1" noChangeArrowheads="1"/>
           </p:cNvPicPr>
           <p:nvPr/>
         </p:nvPicPr>
         <p:blipFill>
-          <a:blip r:embed="rId3">
+          <a:blip r:embed="rId3" cstate="print">
             <a:extLst>
               <a:ext uri="{28A0092B-C50C-407E-A947-70E740481C1C}">
                 <a14:useLocalDpi xmlns:a14="http://schemas.microsoft.com/office/drawing/2010/main" val="0"/>
@@ -5737,8 +6459,8 @@
         </p:blipFill>
         <p:spPr bwMode="auto">
           <a:xfrm>
-            <a:off x="5225143" y="416911"/>
-            <a:ext cx="6520543" cy="5580036"/>
+            <a:off x="5200465" y="130630"/>
+            <a:ext cx="6309466" cy="6148201"/>
           </a:xfrm>
           <a:prstGeom prst="rect">
             <a:avLst/>
@@ -5775,7 +6497,7 @@
 </p:sld>
 </file>
 
-<file path=ppt/slides/slide13.xml><?xml version="1.0" encoding="utf-8"?>
+<file path=ppt/slides/slide15.xml><?xml version="1.0" encoding="utf-8"?>
 <p:sld xmlns:a="http://schemas.openxmlformats.org/drawingml/2006/main" xmlns:r="http://schemas.openxmlformats.org/officeDocument/2006/relationships" xmlns:p="http://schemas.openxmlformats.org/presentationml/2006/main">
   <p:cSld>
     <p:spTree>
@@ -5866,7 +6588,7 @@
           <a:p>
             <a:fld id="{BEA2534F-1EDD-48ED-BC5A-02D188FC5C63}" type="slidenum">
               <a:rPr lang="de-DE" smtClean="0"/>
-              <a:t>13</a:t>
+              <a:t>15</a:t>
             </a:fld>
             <a:endParaRPr lang="de-DE" dirty="0"/>
           </a:p>
@@ -5933,298 +6655,6 @@
 </p:sld>
 </file>
 
-<file path=ppt/slides/slide14.xml><?xml version="1.0" encoding="utf-8"?>
-<p:sld xmlns:a="http://schemas.openxmlformats.org/drawingml/2006/main" xmlns:r="http://schemas.openxmlformats.org/officeDocument/2006/relationships" xmlns:p="http://schemas.openxmlformats.org/presentationml/2006/main">
-  <p:cSld>
-    <p:spTree>
-      <p:nvGrpSpPr>
-        <p:cNvPr id="1" name=""/>
-        <p:cNvGrpSpPr/>
-        <p:nvPr/>
-      </p:nvGrpSpPr>
-      <p:grpSpPr>
-        <a:xfrm>
-          <a:off x="0" y="0"/>
-          <a:ext cx="0" cy="0"/>
-          <a:chOff x="0" y="0"/>
-          <a:chExt cx="0" cy="0"/>
-        </a:xfrm>
-      </p:grpSpPr>
-      <p:sp>
-        <p:nvSpPr>
-          <p:cNvPr id="2" name="Titel 1"/>
-          <p:cNvSpPr>
-            <a:spLocks noGrp="1"/>
-          </p:cNvSpPr>
-          <p:nvPr>
-            <p:ph type="title"/>
-          </p:nvPr>
-        </p:nvSpPr>
-        <p:spPr/>
-        <p:txBody>
-          <a:bodyPr/>
-          <a:lstStyle/>
-          <a:p>
-            <a:r>
-              <a:rPr lang="de-DE" dirty="0" smtClean="0">
-                <a:solidFill>
-                  <a:schemeClr val="bg1">
-                    <a:lumMod val="50000"/>
-                  </a:schemeClr>
-                </a:solidFill>
-              </a:rPr>
-              <a:t>DEMO – ENJOY </a:t>
-            </a:r>
-            <a:r>
-              <a:rPr lang="de-DE" dirty="0" smtClean="0">
-                <a:solidFill>
-                  <a:schemeClr val="bg1">
-                    <a:lumMod val="50000"/>
-                  </a:schemeClr>
-                </a:solidFill>
-                <a:sym typeface="Wingdings" panose="05000000000000000000" pitchFamily="2" charset="2"/>
-              </a:rPr>
-              <a:t></a:t>
-            </a:r>
-            <a:endParaRPr lang="de-DE" dirty="0">
-              <a:solidFill>
-                <a:schemeClr val="bg1">
-                  <a:lumMod val="50000"/>
-                </a:schemeClr>
-              </a:solidFill>
-            </a:endParaRPr>
-          </a:p>
-        </p:txBody>
-      </p:sp>
-      <p:sp>
-        <p:nvSpPr>
-          <p:cNvPr id="3" name="Inhaltsplatzhalter 2"/>
-          <p:cNvSpPr>
-            <a:spLocks noGrp="1"/>
-          </p:cNvSpPr>
-          <p:nvPr>
-            <p:ph idx="1"/>
-          </p:nvPr>
-        </p:nvSpPr>
-        <p:spPr/>
-        <p:txBody>
-          <a:bodyPr/>
-          <a:lstStyle/>
-          <a:p>
-            <a:r>
-              <a:rPr lang="de-DE" dirty="0" err="1" smtClean="0"/>
-              <a:t>Executable</a:t>
-            </a:r>
-            <a:r>
-              <a:rPr lang="de-DE" dirty="0" smtClean="0"/>
-              <a:t> </a:t>
-            </a:r>
-            <a:r>
-              <a:rPr lang="de-DE" dirty="0" err="1" smtClean="0"/>
-              <a:t>Jar</a:t>
-            </a:r>
-            <a:r>
-              <a:rPr lang="de-DE" dirty="0"/>
-              <a:t>: </a:t>
-            </a:r>
-            <a:r>
-              <a:rPr lang="de-DE" dirty="0" smtClean="0"/>
-              <a:t/>
-            </a:r>
-            <a:br>
-              <a:rPr lang="de-DE" dirty="0" smtClean="0"/>
-            </a:br>
-            <a:r>
-              <a:rPr lang="de-DE" dirty="0" smtClean="0">
-                <a:hlinkClick r:id="rId3"/>
-              </a:rPr>
-              <a:t>https</a:t>
-            </a:r>
-            <a:r>
-              <a:rPr lang="de-DE" dirty="0">
-                <a:hlinkClick r:id="rId3"/>
-              </a:rPr>
-              <a:t>://</a:t>
-            </a:r>
-            <a:r>
-              <a:rPr lang="de-DE" dirty="0" smtClean="0">
-                <a:hlinkClick r:id="rId3"/>
-              </a:rPr>
-              <a:t>github.com/nappydevelopment/Nappy-the-ingenious/blob/master/jar/Nappy-the-ingenious.jar</a:t>
-            </a:r>
-            <a:r>
-              <a:rPr lang="de-DE" dirty="0" smtClean="0"/>
-              <a:t> </a:t>
-            </a:r>
-            <a:endParaRPr lang="de-DE" dirty="0"/>
-          </a:p>
-        </p:txBody>
-      </p:sp>
-      <p:sp>
-        <p:nvSpPr>
-          <p:cNvPr id="5" name="Foliennummernplatzhalter 4"/>
-          <p:cNvSpPr>
-            <a:spLocks noGrp="1"/>
-          </p:cNvSpPr>
-          <p:nvPr>
-            <p:ph type="sldNum" sz="quarter" idx="12"/>
-          </p:nvPr>
-        </p:nvSpPr>
-        <p:spPr/>
-        <p:txBody>
-          <a:bodyPr/>
-          <a:lstStyle/>
-          <a:p>
-            <a:fld id="{BEA2534F-1EDD-48ED-BC5A-02D188FC5C63}" type="slidenum">
-              <a:rPr lang="de-DE" smtClean="0"/>
-              <a:t>14</a:t>
-            </a:fld>
-            <a:endParaRPr lang="de-DE" dirty="0"/>
-          </a:p>
-        </p:txBody>
-      </p:sp>
-    </p:spTree>
-    <p:extLst>
-      <p:ext uri="{BB962C8B-B14F-4D97-AF65-F5344CB8AC3E}">
-        <p14:creationId xmlns:p14="http://schemas.microsoft.com/office/powerpoint/2010/main" val="465211113"/>
-      </p:ext>
-    </p:extLst>
-  </p:cSld>
-  <p:clrMapOvr>
-    <a:masterClrMapping/>
-  </p:clrMapOvr>
-  <p:timing>
-    <p:tnLst>
-      <p:par>
-        <p:cTn id="1" dur="indefinite" restart="never" nodeType="tmRoot"/>
-      </p:par>
-    </p:tnLst>
-  </p:timing>
-</p:sld>
-</file>
-
-<file path=ppt/slides/slide15.xml><?xml version="1.0" encoding="utf-8"?>
-<p:sld xmlns:a="http://schemas.openxmlformats.org/drawingml/2006/main" xmlns:r="http://schemas.openxmlformats.org/officeDocument/2006/relationships" xmlns:p="http://schemas.openxmlformats.org/presentationml/2006/main">
-  <p:cSld>
-    <p:spTree>
-      <p:nvGrpSpPr>
-        <p:cNvPr id="1" name=""/>
-        <p:cNvGrpSpPr/>
-        <p:nvPr/>
-      </p:nvGrpSpPr>
-      <p:grpSpPr>
-        <a:xfrm>
-          <a:off x="0" y="0"/>
-          <a:ext cx="0" cy="0"/>
-          <a:chOff x="0" y="0"/>
-          <a:chExt cx="0" cy="0"/>
-        </a:xfrm>
-      </p:grpSpPr>
-      <p:sp>
-        <p:nvSpPr>
-          <p:cNvPr id="2" name="Titel 1"/>
-          <p:cNvSpPr>
-            <a:spLocks noGrp="1"/>
-          </p:cNvSpPr>
-          <p:nvPr>
-            <p:ph type="title"/>
-          </p:nvPr>
-        </p:nvSpPr>
-        <p:spPr/>
-        <p:txBody>
-          <a:bodyPr/>
-          <a:lstStyle/>
-          <a:p>
-            <a:r>
-              <a:rPr lang="de-DE" dirty="0" smtClean="0">
-                <a:solidFill>
-                  <a:schemeClr val="bg1">
-                    <a:lumMod val="50000"/>
-                  </a:schemeClr>
-                </a:solidFill>
-              </a:rPr>
-              <a:t>Zusammenfassung</a:t>
-            </a:r>
-            <a:endParaRPr lang="de-DE" dirty="0">
-              <a:solidFill>
-                <a:schemeClr val="bg1">
-                  <a:lumMod val="50000"/>
-                </a:schemeClr>
-              </a:solidFill>
-            </a:endParaRPr>
-          </a:p>
-        </p:txBody>
-      </p:sp>
-      <p:sp>
-        <p:nvSpPr>
-          <p:cNvPr id="3" name="Inhaltsplatzhalter 2"/>
-          <p:cNvSpPr>
-            <a:spLocks noGrp="1"/>
-          </p:cNvSpPr>
-          <p:nvPr>
-            <p:ph idx="1"/>
-          </p:nvPr>
-        </p:nvSpPr>
-        <p:spPr/>
-        <p:txBody>
-          <a:bodyPr/>
-          <a:lstStyle/>
-          <a:p>
-            <a:pPr>
-              <a:buFont typeface="Courier New" panose="02070309020205020404" pitchFamily="49" charset="0"/>
-              <a:buChar char="o"/>
-            </a:pPr>
-            <a:r>
-              <a:rPr lang="de-DE" dirty="0" smtClean="0"/>
-              <a:t>s</a:t>
-            </a:r>
-            <a:endParaRPr lang="de-DE" dirty="0"/>
-          </a:p>
-        </p:txBody>
-      </p:sp>
-      <p:sp>
-        <p:nvSpPr>
-          <p:cNvPr id="5" name="Foliennummernplatzhalter 4"/>
-          <p:cNvSpPr>
-            <a:spLocks noGrp="1"/>
-          </p:cNvSpPr>
-          <p:nvPr>
-            <p:ph type="sldNum" sz="quarter" idx="12"/>
-          </p:nvPr>
-        </p:nvSpPr>
-        <p:spPr/>
-        <p:txBody>
-          <a:bodyPr/>
-          <a:lstStyle/>
-          <a:p>
-            <a:fld id="{BEA2534F-1EDD-48ED-BC5A-02D188FC5C63}" type="slidenum">
-              <a:rPr lang="de-DE" smtClean="0"/>
-              <a:t>15</a:t>
-            </a:fld>
-            <a:endParaRPr lang="de-DE" dirty="0"/>
-          </a:p>
-        </p:txBody>
-      </p:sp>
-    </p:spTree>
-    <p:extLst>
-      <p:ext uri="{BB962C8B-B14F-4D97-AF65-F5344CB8AC3E}">
-        <p14:creationId xmlns:p14="http://schemas.microsoft.com/office/powerpoint/2010/main" val="1843818158"/>
-      </p:ext>
-    </p:extLst>
-  </p:cSld>
-  <p:clrMapOvr>
-    <a:masterClrMapping/>
-  </p:clrMapOvr>
-  <p:timing>
-    <p:tnLst>
-      <p:par>
-        <p:cTn id="1" dur="indefinite" restart="never" nodeType="tmRoot"/>
-      </p:par>
-    </p:tnLst>
-  </p:timing>
-</p:sld>
-</file>
-
 <file path=ppt/slides/slide16.xml><?xml version="1.0" encoding="utf-8"?>
 <p:sld xmlns:a="http://schemas.openxmlformats.org/drawingml/2006/main" xmlns:r="http://schemas.openxmlformats.org/officeDocument/2006/relationships" xmlns:p="http://schemas.openxmlformats.org/presentationml/2006/main">
   <p:cSld>
@@ -6258,14 +6688,25 @@
           <a:lstStyle/>
           <a:p>
             <a:r>
-              <a:rPr lang="de-DE" smtClean="0">
+              <a:rPr lang="de-DE" dirty="0" smtClean="0">
                 <a:solidFill>
                   <a:schemeClr val="bg1">
                     <a:lumMod val="50000"/>
                   </a:schemeClr>
                 </a:solidFill>
               </a:rPr>
-              <a:t>LINKS</a:t>
+              <a:t>DEMO – ENJOY </a:t>
+            </a:r>
+            <a:r>
+              <a:rPr lang="de-DE" dirty="0" smtClean="0">
+                <a:solidFill>
+                  <a:schemeClr val="bg1">
+                    <a:lumMod val="50000"/>
+                  </a:schemeClr>
+                </a:solidFill>
+                <a:sym typeface="Wingdings" panose="05000000000000000000" pitchFamily="2" charset="2"/>
+              </a:rPr>
+              <a:t></a:t>
             </a:r>
             <a:endParaRPr lang="de-DE" dirty="0">
               <a:solidFill>
@@ -6294,84 +6735,27 @@
           <a:p>
             <a:r>
               <a:rPr lang="de-DE" dirty="0" err="1" smtClean="0"/>
-              <a:t>GitHub</a:t>
-            </a:r>
-            <a:r>
-              <a:rPr lang="de-DE" dirty="0"/>
-              <a:t> – Code: </a:t>
-            </a:r>
-            <a:r>
-              <a:rPr lang="de-DE" dirty="0">
-                <a:hlinkClick r:id="rId2"/>
-              </a:rPr>
-              <a:t>https://</a:t>
-            </a:r>
-            <a:r>
-              <a:rPr lang="de-DE" dirty="0" smtClean="0">
-                <a:hlinkClick r:id="rId2"/>
-              </a:rPr>
-              <a:t>github.com/nappydevelopment/Nappy-the-ingenious</a:t>
+              <a:t>Executable</a:t>
             </a:r>
             <a:r>
               <a:rPr lang="de-DE" dirty="0" smtClean="0"/>
               <a:t> </a:t>
             </a:r>
-          </a:p>
-          <a:p>
             <a:r>
               <a:rPr lang="de-DE" dirty="0" err="1" smtClean="0"/>
-              <a:t>GitHub</a:t>
+              <a:t>Jar</a:t>
             </a:r>
             <a:r>
               <a:rPr lang="de-DE" dirty="0"/>
-              <a:t> – Doku: </a:t>
-            </a:r>
-            <a:r>
-              <a:rPr lang="de-DE" dirty="0">
-                <a:hlinkClick r:id="rId3"/>
-              </a:rPr>
-              <a:t>https://</a:t>
-            </a:r>
-            <a:r>
-              <a:rPr lang="de-DE" dirty="0" smtClean="0">
-                <a:hlinkClick r:id="rId3"/>
-              </a:rPr>
-              <a:t>github.com/nappydevelopment/docs</a:t>
-            </a:r>
-            <a:endParaRPr lang="de-DE" dirty="0" smtClean="0"/>
-          </a:p>
-          <a:p>
-            <a:r>
-              <a:rPr lang="de-DE" dirty="0"/>
-              <a:t>Blog: </a:t>
-            </a:r>
-            <a:r>
-              <a:rPr lang="de-DE" dirty="0">
-                <a:hlinkClick r:id="rId4"/>
-              </a:rPr>
-              <a:t>https://nappydevelopment.wordpress.com</a:t>
-            </a:r>
-            <a:r>
-              <a:rPr lang="de-DE" dirty="0" smtClean="0">
-                <a:hlinkClick r:id="rId4"/>
-              </a:rPr>
-              <a:t>/</a:t>
+              <a:t>: </a:t>
             </a:r>
             <a:r>
               <a:rPr lang="de-DE" dirty="0" smtClean="0"/>
-              <a:t> </a:t>
-            </a:r>
-          </a:p>
-          <a:p>
-            <a:pPr marL="0" indent="0">
-              <a:buNone/>
-            </a:pPr>
-            <a:r>
+              <a:t/>
+            </a:r>
+            <a:br>
               <a:rPr lang="de-DE" dirty="0" smtClean="0"/>
-              <a:t> </a:t>
-            </a:r>
-          </a:p>
-          <a:p>
+            </a:br>
             <a:endParaRPr lang="de-DE" dirty="0"/>
           </a:p>
         </p:txBody>
@@ -6402,7 +6786,7 @@
     </p:spTree>
     <p:extLst>
       <p:ext uri="{BB962C8B-B14F-4D97-AF65-F5344CB8AC3E}">
-        <p14:creationId xmlns:p14="http://schemas.microsoft.com/office/powerpoint/2010/main" val="1913881986"/>
+        <p14:creationId xmlns:p14="http://schemas.microsoft.com/office/powerpoint/2010/main" val="465211113"/>
       </p:ext>
     </p:extLst>
   </p:cSld>
@@ -6438,6 +6822,347 @@
       </p:grpSpPr>
       <p:sp>
         <p:nvSpPr>
+          <p:cNvPr id="2" name="Titel 1"/>
+          <p:cNvSpPr>
+            <a:spLocks noGrp="1"/>
+          </p:cNvSpPr>
+          <p:nvPr>
+            <p:ph type="title"/>
+          </p:nvPr>
+        </p:nvSpPr>
+        <p:spPr/>
+        <p:txBody>
+          <a:bodyPr/>
+          <a:lstStyle/>
+          <a:p>
+            <a:r>
+              <a:rPr lang="de-DE" dirty="0" smtClean="0">
+                <a:solidFill>
+                  <a:schemeClr val="bg1">
+                    <a:lumMod val="50000"/>
+                  </a:schemeClr>
+                </a:solidFill>
+              </a:rPr>
+              <a:t>Zusammenfassung</a:t>
+            </a:r>
+            <a:endParaRPr lang="de-DE" dirty="0">
+              <a:solidFill>
+                <a:schemeClr val="bg1">
+                  <a:lumMod val="50000"/>
+                </a:schemeClr>
+              </a:solidFill>
+            </a:endParaRPr>
+          </a:p>
+        </p:txBody>
+      </p:sp>
+      <p:sp>
+        <p:nvSpPr>
+          <p:cNvPr id="3" name="Inhaltsplatzhalter 2"/>
+          <p:cNvSpPr>
+            <a:spLocks noGrp="1"/>
+          </p:cNvSpPr>
+          <p:nvPr>
+            <p:ph idx="1"/>
+          </p:nvPr>
+        </p:nvSpPr>
+        <p:spPr/>
+        <p:txBody>
+          <a:bodyPr/>
+          <a:lstStyle/>
+          <a:p>
+            <a:pPr>
+              <a:buFont typeface="Courier New" panose="02070309020205020404" pitchFamily="49" charset="0"/>
+              <a:buChar char="o"/>
+            </a:pPr>
+            <a:r>
+              <a:rPr lang="de-DE" dirty="0" smtClean="0"/>
+              <a:t>s</a:t>
+            </a:r>
+            <a:endParaRPr lang="de-DE" dirty="0"/>
+          </a:p>
+        </p:txBody>
+      </p:sp>
+      <p:sp>
+        <p:nvSpPr>
+          <p:cNvPr id="5" name="Foliennummernplatzhalter 4"/>
+          <p:cNvSpPr>
+            <a:spLocks noGrp="1"/>
+          </p:cNvSpPr>
+          <p:nvPr>
+            <p:ph type="sldNum" sz="quarter" idx="12"/>
+          </p:nvPr>
+        </p:nvSpPr>
+        <p:spPr/>
+        <p:txBody>
+          <a:bodyPr/>
+          <a:lstStyle/>
+          <a:p>
+            <a:fld id="{BEA2534F-1EDD-48ED-BC5A-02D188FC5C63}" type="slidenum">
+              <a:rPr lang="de-DE" smtClean="0"/>
+              <a:t>17</a:t>
+            </a:fld>
+            <a:endParaRPr lang="de-DE" dirty="0"/>
+          </a:p>
+        </p:txBody>
+      </p:sp>
+    </p:spTree>
+    <p:extLst>
+      <p:ext uri="{BB962C8B-B14F-4D97-AF65-F5344CB8AC3E}">
+        <p14:creationId xmlns:p14="http://schemas.microsoft.com/office/powerpoint/2010/main" val="1843818158"/>
+      </p:ext>
+    </p:extLst>
+  </p:cSld>
+  <p:clrMapOvr>
+    <a:masterClrMapping/>
+  </p:clrMapOvr>
+  <p:timing>
+    <p:tnLst>
+      <p:par>
+        <p:cTn id="1" dur="indefinite" restart="never" nodeType="tmRoot"/>
+      </p:par>
+    </p:tnLst>
+  </p:timing>
+</p:sld>
+</file>
+
+<file path=ppt/slides/slide18.xml><?xml version="1.0" encoding="utf-8"?>
+<p:sld xmlns:a="http://schemas.openxmlformats.org/drawingml/2006/main" xmlns:r="http://schemas.openxmlformats.org/officeDocument/2006/relationships" xmlns:p="http://schemas.openxmlformats.org/presentationml/2006/main">
+  <p:cSld>
+    <p:spTree>
+      <p:nvGrpSpPr>
+        <p:cNvPr id="1" name=""/>
+        <p:cNvGrpSpPr/>
+        <p:nvPr/>
+      </p:nvGrpSpPr>
+      <p:grpSpPr>
+        <a:xfrm>
+          <a:off x="0" y="0"/>
+          <a:ext cx="0" cy="0"/>
+          <a:chOff x="0" y="0"/>
+          <a:chExt cx="0" cy="0"/>
+        </a:xfrm>
+      </p:grpSpPr>
+      <p:sp>
+        <p:nvSpPr>
+          <p:cNvPr id="2" name="Titel 1"/>
+          <p:cNvSpPr>
+            <a:spLocks noGrp="1"/>
+          </p:cNvSpPr>
+          <p:nvPr>
+            <p:ph type="title"/>
+          </p:nvPr>
+        </p:nvSpPr>
+        <p:spPr/>
+        <p:txBody>
+          <a:bodyPr/>
+          <a:lstStyle/>
+          <a:p>
+            <a:r>
+              <a:rPr lang="de-DE" smtClean="0">
+                <a:solidFill>
+                  <a:schemeClr val="bg1">
+                    <a:lumMod val="50000"/>
+                  </a:schemeClr>
+                </a:solidFill>
+              </a:rPr>
+              <a:t>LINKS</a:t>
+            </a:r>
+            <a:endParaRPr lang="de-DE" dirty="0">
+              <a:solidFill>
+                <a:schemeClr val="bg1">
+                  <a:lumMod val="50000"/>
+                </a:schemeClr>
+              </a:solidFill>
+            </a:endParaRPr>
+          </a:p>
+        </p:txBody>
+      </p:sp>
+      <p:sp>
+        <p:nvSpPr>
+          <p:cNvPr id="3" name="Inhaltsplatzhalter 2"/>
+          <p:cNvSpPr>
+            <a:spLocks noGrp="1"/>
+          </p:cNvSpPr>
+          <p:nvPr>
+            <p:ph idx="1"/>
+          </p:nvPr>
+        </p:nvSpPr>
+        <p:spPr/>
+        <p:txBody>
+          <a:bodyPr/>
+          <a:lstStyle/>
+          <a:p>
+            <a:r>
+              <a:rPr lang="de-DE" dirty="0" err="1" smtClean="0"/>
+              <a:t>GitHub</a:t>
+            </a:r>
+            <a:r>
+              <a:rPr lang="de-DE" dirty="0"/>
+              <a:t> – Code: </a:t>
+            </a:r>
+            <a:r>
+              <a:rPr lang="de-DE" dirty="0">
+                <a:hlinkClick r:id="rId2"/>
+              </a:rPr>
+              <a:t>https://</a:t>
+            </a:r>
+            <a:r>
+              <a:rPr lang="de-DE" dirty="0" smtClean="0">
+                <a:hlinkClick r:id="rId2"/>
+              </a:rPr>
+              <a:t>github.com/nappydevelopment/Nappy-the-ingenious</a:t>
+            </a:r>
+            <a:r>
+              <a:rPr lang="de-DE" dirty="0" smtClean="0"/>
+              <a:t> </a:t>
+            </a:r>
+          </a:p>
+          <a:p>
+            <a:r>
+              <a:rPr lang="de-DE" dirty="0" err="1" smtClean="0"/>
+              <a:t>GitHub</a:t>
+            </a:r>
+            <a:r>
+              <a:rPr lang="de-DE" dirty="0"/>
+              <a:t> – Doku: </a:t>
+            </a:r>
+            <a:r>
+              <a:rPr lang="de-DE" dirty="0">
+                <a:hlinkClick r:id="rId3"/>
+              </a:rPr>
+              <a:t>https://</a:t>
+            </a:r>
+            <a:r>
+              <a:rPr lang="de-DE" dirty="0" smtClean="0">
+                <a:hlinkClick r:id="rId3"/>
+              </a:rPr>
+              <a:t>github.com/nappydevelopment/docs</a:t>
+            </a:r>
+            <a:endParaRPr lang="de-DE" dirty="0" smtClean="0"/>
+          </a:p>
+          <a:p>
+            <a:r>
+              <a:rPr lang="de-DE" dirty="0"/>
+              <a:t>Blog: </a:t>
+            </a:r>
+            <a:r>
+              <a:rPr lang="de-DE" dirty="0">
+                <a:hlinkClick r:id="rId4"/>
+              </a:rPr>
+              <a:t>https://nappydevelopment.wordpress.com</a:t>
+            </a:r>
+            <a:r>
+              <a:rPr lang="de-DE" dirty="0" smtClean="0">
+                <a:hlinkClick r:id="rId4"/>
+              </a:rPr>
+              <a:t>/</a:t>
+            </a:r>
+            <a:r>
+              <a:rPr lang="de-DE" dirty="0" smtClean="0"/>
+              <a:t> </a:t>
+            </a:r>
+            <a:endParaRPr lang="de-DE" dirty="0" smtClean="0"/>
+          </a:p>
+          <a:p>
+            <a:endParaRPr lang="de-DE" dirty="0"/>
+          </a:p>
+          <a:p>
+            <a:r>
+              <a:rPr lang="de-DE" dirty="0" smtClean="0"/>
+              <a:t>SRS:</a:t>
+            </a:r>
+          </a:p>
+          <a:p>
+            <a:r>
+              <a:rPr lang="de-DE" dirty="0" smtClean="0"/>
+              <a:t>SAD:</a:t>
+            </a:r>
+          </a:p>
+          <a:p>
+            <a:r>
+              <a:rPr lang="de-DE" dirty="0" smtClean="0"/>
+              <a:t>Test-Plan:</a:t>
+            </a:r>
+          </a:p>
+          <a:p>
+            <a:endParaRPr lang="de-DE" dirty="0" smtClean="0"/>
+          </a:p>
+          <a:p>
+            <a:pPr marL="0" indent="0">
+              <a:buNone/>
+            </a:pPr>
+            <a:r>
+              <a:rPr lang="de-DE" dirty="0" smtClean="0"/>
+              <a:t> </a:t>
+            </a:r>
+          </a:p>
+          <a:p>
+            <a:endParaRPr lang="de-DE" dirty="0"/>
+          </a:p>
+        </p:txBody>
+      </p:sp>
+      <p:sp>
+        <p:nvSpPr>
+          <p:cNvPr id="5" name="Foliennummernplatzhalter 4"/>
+          <p:cNvSpPr>
+            <a:spLocks noGrp="1"/>
+          </p:cNvSpPr>
+          <p:nvPr>
+            <p:ph type="sldNum" sz="quarter" idx="12"/>
+          </p:nvPr>
+        </p:nvSpPr>
+        <p:spPr/>
+        <p:txBody>
+          <a:bodyPr/>
+          <a:lstStyle/>
+          <a:p>
+            <a:fld id="{BEA2534F-1EDD-48ED-BC5A-02D188FC5C63}" type="slidenum">
+              <a:rPr lang="de-DE" smtClean="0"/>
+              <a:t>18</a:t>
+            </a:fld>
+            <a:endParaRPr lang="de-DE" dirty="0"/>
+          </a:p>
+        </p:txBody>
+      </p:sp>
+    </p:spTree>
+    <p:extLst>
+      <p:ext uri="{BB962C8B-B14F-4D97-AF65-F5344CB8AC3E}">
+        <p14:creationId xmlns:p14="http://schemas.microsoft.com/office/powerpoint/2010/main" val="1913881986"/>
+      </p:ext>
+    </p:extLst>
+  </p:cSld>
+  <p:clrMapOvr>
+    <a:masterClrMapping/>
+  </p:clrMapOvr>
+  <p:timing>
+    <p:tnLst>
+      <p:par>
+        <p:cTn id="1" dur="indefinite" restart="never" nodeType="tmRoot"/>
+      </p:par>
+    </p:tnLst>
+  </p:timing>
+</p:sld>
+</file>
+
+<file path=ppt/slides/slide19.xml><?xml version="1.0" encoding="utf-8"?>
+<p:sld xmlns:a="http://schemas.openxmlformats.org/drawingml/2006/main" xmlns:r="http://schemas.openxmlformats.org/officeDocument/2006/relationships" xmlns:p="http://schemas.openxmlformats.org/presentationml/2006/main">
+  <p:cSld>
+    <p:spTree>
+      <p:nvGrpSpPr>
+        <p:cNvPr id="1" name=""/>
+        <p:cNvGrpSpPr/>
+        <p:nvPr/>
+      </p:nvGrpSpPr>
+      <p:grpSpPr>
+        <a:xfrm>
+          <a:off x="0" y="0"/>
+          <a:ext cx="0" cy="0"/>
+          <a:chOff x="0" y="0"/>
+          <a:chExt cx="0" cy="0"/>
+        </a:xfrm>
+      </p:grpSpPr>
+      <p:sp>
+        <p:nvSpPr>
           <p:cNvPr id="4" name="Foliennummernplatzhalter 3"/>
           <p:cNvSpPr>
             <a:spLocks noGrp="1"/>
@@ -6453,7 +7178,7 @@
           <a:p>
             <a:fld id="{BEA2534F-1EDD-48ED-BC5A-02D188FC5C63}" type="slidenum">
               <a:rPr lang="de-DE" smtClean="0"/>
-              <a:t>17</a:t>
+              <a:t>19</a:t>
             </a:fld>
             <a:endParaRPr lang="de-DE"/>
           </a:p>
@@ -6482,7 +7207,7 @@
         </p:blipFill>
         <p:spPr bwMode="auto">
           <a:xfrm>
-            <a:off x="3671888" y="801916"/>
+            <a:off x="4045744" y="801916"/>
             <a:ext cx="4100512" cy="4833937"/>
           </a:xfrm>
           <a:prstGeom prst="rect">
@@ -6512,7 +7237,7 @@
         </p:nvSpPr>
         <p:spPr>
           <a:xfrm>
-            <a:off x="3875314" y="1704220"/>
+            <a:off x="4223650" y="1704220"/>
             <a:ext cx="1132114" cy="374952"/>
           </a:xfrm>
         </p:spPr>
@@ -7651,6 +8376,101 @@
           <a:lstStyle/>
           <a:p>
             <a:r>
+              <a:rPr lang="en-US" dirty="0" smtClean="0"/>
+              <a:t>Non-functional Requirements</a:t>
+            </a:r>
+            <a:endParaRPr lang="en-US" dirty="0"/>
+          </a:p>
+        </p:txBody>
+      </p:sp>
+      <p:sp>
+        <p:nvSpPr>
+          <p:cNvPr id="3" name="Inhaltsplatzhalter 2"/>
+          <p:cNvSpPr>
+            <a:spLocks noGrp="1"/>
+          </p:cNvSpPr>
+          <p:nvPr>
+            <p:ph idx="1"/>
+          </p:nvPr>
+        </p:nvSpPr>
+        <p:spPr/>
+        <p:txBody>
+          <a:bodyPr/>
+          <a:lstStyle/>
+          <a:p>
+            <a:endParaRPr lang="de-DE"/>
+          </a:p>
+        </p:txBody>
+      </p:sp>
+      <p:sp>
+        <p:nvSpPr>
+          <p:cNvPr id="4" name="Foliennummernplatzhalter 3"/>
+          <p:cNvSpPr>
+            <a:spLocks noGrp="1"/>
+          </p:cNvSpPr>
+          <p:nvPr>
+            <p:ph type="sldNum" sz="quarter" idx="12"/>
+          </p:nvPr>
+        </p:nvSpPr>
+        <p:spPr/>
+        <p:txBody>
+          <a:bodyPr/>
+          <a:lstStyle/>
+          <a:p>
+            <a:fld id="{BEA2534F-1EDD-48ED-BC5A-02D188FC5C63}" type="slidenum">
+              <a:rPr lang="de-DE" smtClean="0"/>
+              <a:t>5</a:t>
+            </a:fld>
+            <a:endParaRPr lang="de-DE"/>
+          </a:p>
+        </p:txBody>
+      </p:sp>
+    </p:spTree>
+    <p:extLst>
+      <p:ext uri="{BB962C8B-B14F-4D97-AF65-F5344CB8AC3E}">
+        <p14:creationId xmlns:p14="http://schemas.microsoft.com/office/powerpoint/2010/main" val="3914630597"/>
+      </p:ext>
+    </p:extLst>
+  </p:cSld>
+  <p:clrMapOvr>
+    <a:masterClrMapping/>
+  </p:clrMapOvr>
+</p:sld>
+</file>
+
+<file path=ppt/slides/slide6.xml><?xml version="1.0" encoding="utf-8"?>
+<p:sld xmlns:a="http://schemas.openxmlformats.org/drawingml/2006/main" xmlns:r="http://schemas.openxmlformats.org/officeDocument/2006/relationships" xmlns:p="http://schemas.openxmlformats.org/presentationml/2006/main">
+  <p:cSld>
+    <p:spTree>
+      <p:nvGrpSpPr>
+        <p:cNvPr id="1" name=""/>
+        <p:cNvGrpSpPr/>
+        <p:nvPr/>
+      </p:nvGrpSpPr>
+      <p:grpSpPr>
+        <a:xfrm>
+          <a:off x="0" y="0"/>
+          <a:ext cx="0" cy="0"/>
+          <a:chOff x="0" y="0"/>
+          <a:chExt cx="0" cy="0"/>
+        </a:xfrm>
+      </p:grpSpPr>
+      <p:sp>
+        <p:nvSpPr>
+          <p:cNvPr id="2" name="Titel 1"/>
+          <p:cNvSpPr>
+            <a:spLocks noGrp="1"/>
+          </p:cNvSpPr>
+          <p:nvPr>
+            <p:ph type="title"/>
+          </p:nvPr>
+        </p:nvSpPr>
+        <p:spPr/>
+        <p:txBody>
+          <a:bodyPr/>
+          <a:lstStyle/>
+          <a:p>
+            <a:r>
               <a:rPr lang="de-DE" dirty="0" smtClean="0">
                 <a:solidFill>
                   <a:schemeClr val="bg1">
@@ -7729,21 +8549,13 @@
             </a:r>
             <a:r>
               <a:rPr lang="de-DE" dirty="0" smtClean="0"/>
-              <a:t> </a:t>
-            </a:r>
+              <a:t> 1</a:t>
+            </a:r>
+          </a:p>
+          <a:p>
             <a:r>
               <a:rPr lang="de-DE" dirty="0" smtClean="0"/>
-              <a:t>1</a:t>
-            </a:r>
-          </a:p>
-          <a:p>
-            <a:r>
-              <a:rPr lang="de-DE" dirty="0" smtClean="0"/>
-              <a:t>2</a:t>
-            </a:r>
-            <a:r>
-              <a:rPr lang="de-DE" dirty="0" smtClean="0"/>
-              <a:t>. </a:t>
+              <a:t>2. </a:t>
             </a:r>
             <a:r>
               <a:rPr lang="de-DE" dirty="0" err="1" smtClean="0"/>
@@ -7751,11 +8563,7 @@
             </a:r>
             <a:r>
               <a:rPr lang="de-DE" dirty="0" smtClean="0"/>
-              <a:t>: View </a:t>
-            </a:r>
-            <a:r>
-              <a:rPr lang="de-DE" dirty="0" smtClean="0"/>
-              <a:t>Wiki</a:t>
+              <a:t>: View Wiki</a:t>
             </a:r>
             <a:endParaRPr lang="de-DE" dirty="0"/>
           </a:p>
@@ -7781,11 +8589,7 @@
           <a:p>
             <a:r>
               <a:rPr lang="de-DE" dirty="0" smtClean="0"/>
-              <a:t>4</a:t>
-            </a:r>
-            <a:r>
-              <a:rPr lang="de-DE" dirty="0" smtClean="0"/>
-              <a:t>. </a:t>
+              <a:t>4. </a:t>
             </a:r>
             <a:r>
               <a:rPr lang="de-DE" dirty="0" err="1" smtClean="0"/>
@@ -7793,22 +8597,14 @@
             </a:r>
             <a:r>
               <a:rPr lang="de-DE" dirty="0" smtClean="0"/>
-              <a:t>: Change </a:t>
-            </a:r>
+              <a:t>: Change Settings</a:t>
+            </a:r>
+            <a:endParaRPr lang="de-DE" dirty="0"/>
+          </a:p>
+          <a:p>
             <a:r>
               <a:rPr lang="de-DE" dirty="0" smtClean="0"/>
-              <a:t>Settings</a:t>
-            </a:r>
-            <a:endParaRPr lang="de-DE" dirty="0"/>
-          </a:p>
-          <a:p>
-            <a:r>
-              <a:rPr lang="de-DE" dirty="0" smtClean="0"/>
-              <a:t>5</a:t>
-            </a:r>
-            <a:r>
-              <a:rPr lang="de-DE" dirty="0" smtClean="0"/>
-              <a:t>. </a:t>
+              <a:t>5. </a:t>
             </a:r>
             <a:r>
               <a:rPr lang="de-DE" dirty="0" err="1" smtClean="0"/>
@@ -7816,11 +8612,7 @@
             </a:r>
             <a:r>
               <a:rPr lang="de-DE" dirty="0" smtClean="0"/>
-              <a:t>: View </a:t>
-            </a:r>
-            <a:r>
-              <a:rPr lang="de-DE" dirty="0" smtClean="0"/>
-              <a:t>Info</a:t>
+              <a:t>: View Info</a:t>
             </a:r>
           </a:p>
           <a:p>
@@ -7930,7 +8722,7 @@
           <a:p>
             <a:fld id="{BEA2534F-1EDD-48ED-BC5A-02D188FC5C63}" type="slidenum">
               <a:rPr lang="de-DE" smtClean="0"/>
-              <a:t>5</a:t>
+              <a:t>6</a:t>
             </a:fld>
             <a:endParaRPr lang="de-DE" dirty="0"/>
           </a:p>
@@ -8101,7 +8893,7 @@
 </p:sld>
 </file>
 
-<file path=ppt/slides/slide6.xml><?xml version="1.0" encoding="utf-8"?>
+<file path=ppt/slides/slide7.xml><?xml version="1.0" encoding="utf-8"?>
 <p:sld xmlns:a="http://schemas.openxmlformats.org/drawingml/2006/main" xmlns:r="http://schemas.openxmlformats.org/officeDocument/2006/relationships" xmlns:p="http://schemas.openxmlformats.org/presentationml/2006/main">
   <p:cSld>
     <p:spTree>
@@ -8141,7 +8933,7 @@
                   </a:schemeClr>
                 </a:solidFill>
               </a:rPr>
-              <a:t>RUP &amp; GANTT-CHART</a:t>
+              <a:t>RUP</a:t>
             </a:r>
             <a:endParaRPr lang="de-DE" dirty="0">
               <a:solidFill>
@@ -8228,7 +9020,7 @@
           <a:p>
             <a:fld id="{BEA2534F-1EDD-48ED-BC5A-02D188FC5C63}" type="slidenum">
               <a:rPr lang="de-DE" smtClean="0"/>
-              <a:t>6</a:t>
+              <a:t>7</a:t>
             </a:fld>
             <a:endParaRPr lang="de-DE" dirty="0"/>
           </a:p>
@@ -8284,7 +9076,7 @@
 </p:sld>
 </file>
 
-<file path=ppt/slides/slide7.xml><?xml version="1.0" encoding="utf-8"?>
+<file path=ppt/slides/slide8.xml><?xml version="1.0" encoding="utf-8"?>
 <p:sld xmlns:a="http://schemas.openxmlformats.org/drawingml/2006/main" xmlns:r="http://schemas.openxmlformats.org/officeDocument/2006/relationships" xmlns:p="http://schemas.openxmlformats.org/presentationml/2006/main">
   <p:cSld>
     <p:spTree>
@@ -8324,7 +9116,7 @@
                   </a:schemeClr>
                 </a:solidFill>
               </a:rPr>
-              <a:t>RUP &amp; GANTT-CHART</a:t>
+              <a:t>GANTT-CHART</a:t>
             </a:r>
             <a:endParaRPr lang="de-DE" dirty="0">
               <a:solidFill>
@@ -8428,7 +9220,7 @@
           <a:p>
             <a:fld id="{BEA2534F-1EDD-48ED-BC5A-02D188FC5C63}" type="slidenum">
               <a:rPr lang="de-DE" smtClean="0"/>
-              <a:t>7</a:t>
+              <a:t>8</a:t>
             </a:fld>
             <a:endParaRPr lang="de-DE" dirty="0"/>
           </a:p>
@@ -8495,268 +9287,6 @@
 </p:sld>
 </file>
 
-<file path=ppt/slides/slide8.xml><?xml version="1.0" encoding="utf-8"?>
-<p:sld xmlns:a="http://schemas.openxmlformats.org/drawingml/2006/main" xmlns:r="http://schemas.openxmlformats.org/officeDocument/2006/relationships" xmlns:p="http://schemas.openxmlformats.org/presentationml/2006/main">
-  <p:cSld>
-    <p:spTree>
-      <p:nvGrpSpPr>
-        <p:cNvPr id="1" name=""/>
-        <p:cNvGrpSpPr/>
-        <p:nvPr/>
-      </p:nvGrpSpPr>
-      <p:grpSpPr>
-        <a:xfrm>
-          <a:off x="0" y="0"/>
-          <a:ext cx="0" cy="0"/>
-          <a:chOff x="0" y="0"/>
-          <a:chExt cx="0" cy="0"/>
-        </a:xfrm>
-      </p:grpSpPr>
-      <p:sp>
-        <p:nvSpPr>
-          <p:cNvPr id="2" name="Titel 1"/>
-          <p:cNvSpPr>
-            <a:spLocks noGrp="1"/>
-          </p:cNvSpPr>
-          <p:nvPr>
-            <p:ph type="title"/>
-          </p:nvPr>
-        </p:nvSpPr>
-        <p:spPr/>
-        <p:txBody>
-          <a:bodyPr/>
-          <a:lstStyle/>
-          <a:p>
-            <a:r>
-              <a:rPr lang="de-DE" dirty="0" smtClean="0">
-                <a:solidFill>
-                  <a:schemeClr val="bg1">
-                    <a:lumMod val="50000"/>
-                  </a:schemeClr>
-                </a:solidFill>
-              </a:rPr>
-              <a:t>JIRA &amp; BURNDOWN-DIAGRAMM</a:t>
-            </a:r>
-            <a:endParaRPr lang="de-DE" dirty="0">
-              <a:solidFill>
-                <a:schemeClr val="bg1">
-                  <a:lumMod val="50000"/>
-                </a:schemeClr>
-              </a:solidFill>
-            </a:endParaRPr>
-          </a:p>
-        </p:txBody>
-      </p:sp>
-      <p:sp>
-        <p:nvSpPr>
-          <p:cNvPr id="3" name="Inhaltsplatzhalter 2"/>
-          <p:cNvSpPr>
-            <a:spLocks noGrp="1"/>
-          </p:cNvSpPr>
-          <p:nvPr>
-            <p:ph idx="1"/>
-          </p:nvPr>
-        </p:nvSpPr>
-        <p:spPr>
-          <a:xfrm>
-            <a:off x="1097280" y="2553324"/>
-            <a:ext cx="10058400" cy="4023360"/>
-          </a:xfrm>
-        </p:spPr>
-        <p:txBody>
-          <a:bodyPr/>
-          <a:lstStyle/>
-          <a:p>
-            <a:endParaRPr lang="de-DE" sz="1800" dirty="0" smtClean="0">
-              <a:hlinkClick r:id="rId2"/>
-            </a:endParaRPr>
-          </a:p>
-          <a:p>
-            <a:endParaRPr lang="de-DE" sz="1800" dirty="0">
-              <a:hlinkClick r:id="rId2"/>
-            </a:endParaRPr>
-          </a:p>
-          <a:p>
-            <a:endParaRPr lang="de-DE" sz="1800" dirty="0" smtClean="0">
-              <a:hlinkClick r:id="rId2"/>
-            </a:endParaRPr>
-          </a:p>
-          <a:p>
-            <a:endParaRPr lang="de-DE" sz="1800" dirty="0">
-              <a:hlinkClick r:id="rId2"/>
-            </a:endParaRPr>
-          </a:p>
-          <a:p>
-            <a:endParaRPr lang="de-DE" sz="1800" dirty="0" smtClean="0">
-              <a:hlinkClick r:id="rId2"/>
-            </a:endParaRPr>
-          </a:p>
-          <a:p>
-            <a:endParaRPr lang="de-DE" sz="1800" dirty="0">
-              <a:hlinkClick r:id="rId2"/>
-            </a:endParaRPr>
-          </a:p>
-          <a:p>
-            <a:endParaRPr lang="de-DE" sz="1800" dirty="0" smtClean="0">
-              <a:hlinkClick r:id="rId2"/>
-            </a:endParaRPr>
-          </a:p>
-          <a:p>
-            <a:endParaRPr lang="de-DE" sz="1800" dirty="0">
-              <a:hlinkClick r:id="rId2"/>
-            </a:endParaRPr>
-          </a:p>
-          <a:p>
-            <a:r>
-              <a:rPr lang="de-DE" sz="1800" dirty="0" smtClean="0">
-                <a:hlinkClick r:id="rId2"/>
-              </a:rPr>
-              <a:t>http</a:t>
-            </a:r>
-            <a:r>
-              <a:rPr lang="de-DE" sz="1800" dirty="0">
-                <a:hlinkClick r:id="rId2"/>
-              </a:rPr>
-              <a:t>://</a:t>
-            </a:r>
-            <a:r>
-              <a:rPr lang="de-DE" sz="1800" dirty="0" smtClean="0">
-                <a:hlinkClick r:id="rId2"/>
-              </a:rPr>
-              <a:t>193.196.7.27:8080/secure/RapidBoard.jspa?rapidView=8&amp;projectKey=NAP&amp;view=planning.nodetail</a:t>
-            </a:r>
-            <a:endParaRPr lang="de-DE" sz="1800" dirty="0" smtClean="0"/>
-          </a:p>
-          <a:p>
-            <a:endParaRPr lang="de-DE" dirty="0" smtClean="0"/>
-          </a:p>
-        </p:txBody>
-      </p:sp>
-      <p:sp>
-        <p:nvSpPr>
-          <p:cNvPr id="5" name="Foliennummernplatzhalter 4"/>
-          <p:cNvSpPr>
-            <a:spLocks noGrp="1"/>
-          </p:cNvSpPr>
-          <p:nvPr>
-            <p:ph type="sldNum" sz="quarter" idx="12"/>
-          </p:nvPr>
-        </p:nvSpPr>
-        <p:spPr/>
-        <p:txBody>
-          <a:bodyPr/>
-          <a:lstStyle/>
-          <a:p>
-            <a:fld id="{BEA2534F-1EDD-48ED-BC5A-02D188FC5C63}" type="slidenum">
-              <a:rPr lang="de-DE" smtClean="0"/>
-              <a:t>8</a:t>
-            </a:fld>
-            <a:endParaRPr lang="de-DE" dirty="0"/>
-          </a:p>
-        </p:txBody>
-      </p:sp>
-      <p:pic>
-        <p:nvPicPr>
-          <p:cNvPr id="2050" name="Picture 2" descr="https://jira.atlassian.com/images/atlassian-jira-logo-large.png"/>
-          <p:cNvPicPr>
-            <a:picLocks noChangeAspect="1" noChangeArrowheads="1"/>
-          </p:cNvPicPr>
-          <p:nvPr/>
-        </p:nvPicPr>
-        <p:blipFill>
-          <a:blip r:embed="rId3">
-            <a:extLst>
-              <a:ext uri="{28A0092B-C50C-407E-A947-70E740481C1C}">
-                <a14:useLocalDpi xmlns:a14="http://schemas.microsoft.com/office/drawing/2010/main" val="0"/>
-              </a:ext>
-            </a:extLst>
-          </a:blip>
-          <a:srcRect/>
-          <a:stretch>
-            <a:fillRect/>
-          </a:stretch>
-        </p:blipFill>
-        <p:spPr bwMode="auto">
-          <a:xfrm>
-            <a:off x="4978140" y="1964417"/>
-            <a:ext cx="2235720" cy="876753"/>
-          </a:xfrm>
-          <a:prstGeom prst="rect">
-            <a:avLst/>
-          </a:prstGeom>
-          <a:noFill/>
-          <a:extLst>
-            <a:ext uri="{909E8E84-426E-40DD-AFC4-6F175D3DCCD1}">
-              <a14:hiddenFill xmlns:a14="http://schemas.microsoft.com/office/drawing/2010/main">
-                <a:solidFill>
-                  <a:srgbClr val="FFFFFF"/>
-                </a:solidFill>
-              </a14:hiddenFill>
-            </a:ext>
-          </a:extLst>
-        </p:spPr>
-      </p:pic>
-      <p:pic>
-        <p:nvPicPr>
-          <p:cNvPr id="2051" name="Picture 3" descr="C:\Users\mincekara\Desktop\2015-12-09 12_56_23-Nappy, the ingenious - Agile Board - JIRA.png"/>
-          <p:cNvPicPr>
-            <a:picLocks noChangeAspect="1" noChangeArrowheads="1"/>
-          </p:cNvPicPr>
-          <p:nvPr/>
-        </p:nvPicPr>
-        <p:blipFill>
-          <a:blip r:embed="rId4">
-            <a:extLst>
-              <a:ext uri="{28A0092B-C50C-407E-A947-70E740481C1C}">
-                <a14:useLocalDpi xmlns:a14="http://schemas.microsoft.com/office/drawing/2010/main" val="0"/>
-              </a:ext>
-            </a:extLst>
-          </a:blip>
-          <a:srcRect/>
-          <a:stretch>
-            <a:fillRect/>
-          </a:stretch>
-        </p:blipFill>
-        <p:spPr bwMode="auto">
-          <a:xfrm>
-            <a:off x="458169" y="3000750"/>
-            <a:ext cx="11275662" cy="2830087"/>
-          </a:xfrm>
-          <a:prstGeom prst="rect">
-            <a:avLst/>
-          </a:prstGeom>
-          <a:noFill/>
-          <a:extLst>
-            <a:ext uri="{909E8E84-426E-40DD-AFC4-6F175D3DCCD1}">
-              <a14:hiddenFill xmlns:a14="http://schemas.microsoft.com/office/drawing/2010/main">
-                <a:solidFill>
-                  <a:srgbClr val="FFFFFF"/>
-                </a:solidFill>
-              </a14:hiddenFill>
-            </a:ext>
-          </a:extLst>
-        </p:spPr>
-      </p:pic>
-    </p:spTree>
-    <p:extLst>
-      <p:ext uri="{BB962C8B-B14F-4D97-AF65-F5344CB8AC3E}">
-        <p14:creationId xmlns:p14="http://schemas.microsoft.com/office/powerpoint/2010/main" val="1991744233"/>
-      </p:ext>
-    </p:extLst>
-  </p:cSld>
-  <p:clrMapOvr>
-    <a:masterClrMapping/>
-  </p:clrMapOvr>
-  <p:timing>
-    <p:tnLst>
-      <p:par>
-        <p:cTn id="1" dur="indefinite" restart="never" nodeType="tmRoot"/>
-      </p:par>
-    </p:tnLst>
-  </p:timing>
-</p:sld>
-</file>
-
 <file path=ppt/slides/slide9.xml><?xml version="1.0" encoding="utf-8"?>
 <p:sld xmlns:a="http://schemas.openxmlformats.org/drawingml/2006/main" xmlns:r="http://schemas.openxmlformats.org/officeDocument/2006/relationships" xmlns:p="http://schemas.openxmlformats.org/presentationml/2006/main">
   <p:cSld>
@@ -8784,39 +9314,41 @@
             <p:ph type="title"/>
           </p:nvPr>
         </p:nvSpPr>
-        <p:spPr>
-          <a:xfrm>
-            <a:off x="1097280" y="286603"/>
-            <a:ext cx="10058400" cy="1450757"/>
-          </a:xfrm>
-        </p:spPr>
-        <p:txBody>
-          <a:bodyPr/>
-          <a:lstStyle/>
-          <a:p>
-            <a:r>
-              <a:rPr lang="de-DE" dirty="0" smtClean="0">
-                <a:solidFill>
-                  <a:schemeClr val="bg1">
-                    <a:lumMod val="50000"/>
-                  </a:schemeClr>
-                </a:solidFill>
-              </a:rPr>
-              <a:t>JIRA &amp; BURNDOWN-DIAGRAMM</a:t>
-            </a:r>
-            <a:endParaRPr lang="de-DE" dirty="0">
-              <a:solidFill>
-                <a:schemeClr val="bg1">
-                  <a:lumMod val="50000"/>
-                </a:schemeClr>
-              </a:solidFill>
-            </a:endParaRPr>
-          </a:p>
-        </p:txBody>
-      </p:sp>
-      <p:sp>
-        <p:nvSpPr>
-          <p:cNvPr id="5" name="Foliennummernplatzhalter 4"/>
+        <p:spPr/>
+        <p:txBody>
+          <a:bodyPr/>
+          <a:lstStyle/>
+          <a:p>
+            <a:r>
+              <a:rPr lang="de-DE" dirty="0" smtClean="0"/>
+              <a:t>FUNCTION POINTS</a:t>
+            </a:r>
+            <a:endParaRPr lang="de-DE" dirty="0"/>
+          </a:p>
+        </p:txBody>
+      </p:sp>
+      <p:sp>
+        <p:nvSpPr>
+          <p:cNvPr id="3" name="Inhaltsplatzhalter 2"/>
+          <p:cNvSpPr>
+            <a:spLocks noGrp="1"/>
+          </p:cNvSpPr>
+          <p:nvPr>
+            <p:ph idx="1"/>
+          </p:nvPr>
+        </p:nvSpPr>
+        <p:spPr/>
+        <p:txBody>
+          <a:bodyPr/>
+          <a:lstStyle/>
+          <a:p>
+            <a:endParaRPr lang="de-DE"/>
+          </a:p>
+        </p:txBody>
+      </p:sp>
+      <p:sp>
+        <p:nvSpPr>
+          <p:cNvPr id="4" name="Foliennummernplatzhalter 3"/>
           <p:cNvSpPr>
             <a:spLocks noGrp="1"/>
           </p:cNvSpPr>
@@ -8833,385 +9365,20 @@
               <a:rPr lang="de-DE" smtClean="0"/>
               <a:t>9</a:t>
             </a:fld>
-            <a:endParaRPr lang="de-DE" dirty="0"/>
-          </a:p>
-        </p:txBody>
-      </p:sp>
-      <p:pic>
-        <p:nvPicPr>
-          <p:cNvPr id="3" name="Picture 2" descr="C:\Duales Studium\01 Theorie\4. Semester\03 Software Engineering\docs\jira\1er Sprint.png"/>
-          <p:cNvPicPr>
-            <a:picLocks noChangeAspect="1" noChangeArrowheads="1"/>
-          </p:cNvPicPr>
-          <p:nvPr/>
-        </p:nvPicPr>
-        <p:blipFill>
-          <a:blip r:embed="rId2">
-            <a:extLst>
-              <a:ext uri="{28A0092B-C50C-407E-A947-70E740481C1C}">
-                <a14:useLocalDpi xmlns:a14="http://schemas.microsoft.com/office/drawing/2010/main" val="0"/>
-              </a:ext>
-            </a:extLst>
-          </a:blip>
-          <a:srcRect/>
-          <a:stretch>
-            <a:fillRect/>
-          </a:stretch>
-        </p:blipFill>
-        <p:spPr bwMode="auto">
-          <a:xfrm>
-            <a:off x="220270" y="1833788"/>
-            <a:ext cx="11751460" cy="3424010"/>
-          </a:xfrm>
-          <a:prstGeom prst="rect">
-            <a:avLst/>
-          </a:prstGeom>
-          <a:noFill/>
-          <a:extLst>
-            <a:ext uri="{909E8E84-426E-40DD-AFC4-6F175D3DCCD1}">
-              <a14:hiddenFill xmlns:a14="http://schemas.microsoft.com/office/drawing/2010/main">
-                <a:solidFill>
-                  <a:srgbClr val="FFFFFF"/>
-                </a:solidFill>
-              </a14:hiddenFill>
-            </a:ext>
-          </a:extLst>
-        </p:spPr>
-      </p:pic>
-      <p:pic>
-        <p:nvPicPr>
-          <p:cNvPr id="1027" name="Picture 3" descr="C:\Duales Studium\01 Theorie\4. Semester\03 Software Engineering\docs\jira\2ter Sprint.png"/>
-          <p:cNvPicPr>
-            <a:picLocks noChangeAspect="1" noChangeArrowheads="1"/>
-          </p:cNvPicPr>
-          <p:nvPr/>
-        </p:nvPicPr>
-        <p:blipFill>
-          <a:blip r:embed="rId3">
-            <a:extLst>
-              <a:ext uri="{28A0092B-C50C-407E-A947-70E740481C1C}">
-                <a14:useLocalDpi xmlns:a14="http://schemas.microsoft.com/office/drawing/2010/main" val="0"/>
-              </a:ext>
-            </a:extLst>
-          </a:blip>
-          <a:srcRect/>
-          <a:stretch>
-            <a:fillRect/>
-          </a:stretch>
-        </p:blipFill>
-        <p:spPr bwMode="auto">
-          <a:xfrm>
-            <a:off x="220270" y="2367202"/>
-            <a:ext cx="11682671" cy="3424010"/>
-          </a:xfrm>
-          <a:prstGeom prst="rect">
-            <a:avLst/>
-          </a:prstGeom>
-          <a:noFill/>
-          <a:extLst>
-            <a:ext uri="{909E8E84-426E-40DD-AFC4-6F175D3DCCD1}">
-              <a14:hiddenFill xmlns:a14="http://schemas.microsoft.com/office/drawing/2010/main">
-                <a:solidFill>
-                  <a:srgbClr val="FFFFFF"/>
-                </a:solidFill>
-              </a14:hiddenFill>
-            </a:ext>
-          </a:extLst>
-        </p:spPr>
-      </p:pic>
-      <p:pic>
-        <p:nvPicPr>
-          <p:cNvPr id="1028" name="Picture 4" descr="C:\Duales Studium\01 Theorie\4. Semester\03 Software Engineering\docs\jira\3ter Sprint.png"/>
-          <p:cNvPicPr>
-            <a:picLocks noChangeAspect="1" noChangeArrowheads="1"/>
-          </p:cNvPicPr>
-          <p:nvPr/>
-        </p:nvPicPr>
-        <p:blipFill>
-          <a:blip r:embed="rId4">
-            <a:extLst>
-              <a:ext uri="{28A0092B-C50C-407E-A947-70E740481C1C}">
-                <a14:useLocalDpi xmlns:a14="http://schemas.microsoft.com/office/drawing/2010/main" val="0"/>
-              </a:ext>
-            </a:extLst>
-          </a:blip>
-          <a:srcRect/>
-          <a:stretch>
-            <a:fillRect/>
-          </a:stretch>
-        </p:blipFill>
-        <p:spPr bwMode="auto">
-          <a:xfrm>
-            <a:off x="220270" y="2889731"/>
-            <a:ext cx="11807374" cy="3424010"/>
-          </a:xfrm>
-          <a:prstGeom prst="rect">
-            <a:avLst/>
-          </a:prstGeom>
-          <a:noFill/>
-          <a:extLst>
-            <a:ext uri="{909E8E84-426E-40DD-AFC4-6F175D3DCCD1}">
-              <a14:hiddenFill xmlns:a14="http://schemas.microsoft.com/office/drawing/2010/main">
-                <a:solidFill>
-                  <a:srgbClr val="FFFFFF"/>
-                </a:solidFill>
-              </a14:hiddenFill>
-            </a:ext>
-          </a:extLst>
-        </p:spPr>
-      </p:pic>
+            <a:endParaRPr lang="de-DE"/>
+          </a:p>
+        </p:txBody>
+      </p:sp>
     </p:spTree>
     <p:extLst>
       <p:ext uri="{BB962C8B-B14F-4D97-AF65-F5344CB8AC3E}">
-        <p14:creationId xmlns:p14="http://schemas.microsoft.com/office/powerpoint/2010/main" val="3107559251"/>
+        <p14:creationId xmlns:p14="http://schemas.microsoft.com/office/powerpoint/2010/main" val="2983638629"/>
       </p:ext>
     </p:extLst>
   </p:cSld>
   <p:clrMapOvr>
     <a:masterClrMapping/>
   </p:clrMapOvr>
-  <p:timing>
-    <p:tnLst>
-      <p:par>
-        <p:cTn id="1" dur="indefinite" restart="never" nodeType="tmRoot">
-          <p:childTnLst>
-            <p:seq concurrent="1" nextAc="seek">
-              <p:cTn id="2" dur="indefinite" nodeType="mainSeq">
-                <p:childTnLst>
-                  <p:par>
-                    <p:cTn id="3" fill="hold">
-                      <p:stCondLst>
-                        <p:cond delay="indefinite"/>
-                      </p:stCondLst>
-                      <p:childTnLst>
-                        <p:par>
-                          <p:cTn id="4" fill="hold">
-                            <p:stCondLst>
-                              <p:cond delay="0"/>
-                            </p:stCondLst>
-                            <p:childTnLst>
-                              <p:par>
-                                <p:cTn id="5" presetID="10" presetClass="exit" presetSubtype="0" fill="hold" nodeType="clickEffect">
-                                  <p:stCondLst>
-                                    <p:cond delay="0"/>
-                                  </p:stCondLst>
-                                  <p:childTnLst>
-                                    <p:animEffect transition="out" filter="fade">
-                                      <p:cBhvr>
-                                        <p:cTn id="6" dur="500"/>
-                                        <p:tgtEl>
-                                          <p:spTgt spid="3"/>
-                                        </p:tgtEl>
-                                      </p:cBhvr>
-                                    </p:animEffect>
-                                    <p:set>
-                                      <p:cBhvr>
-                                        <p:cTn id="7" dur="1" fill="hold">
-                                          <p:stCondLst>
-                                            <p:cond delay="499"/>
-                                          </p:stCondLst>
-                                        </p:cTn>
-                                        <p:tgtEl>
-                                          <p:spTgt spid="3"/>
-                                        </p:tgtEl>
-                                        <p:attrNameLst>
-                                          <p:attrName>style.visibility</p:attrName>
-                                        </p:attrNameLst>
-                                      </p:cBhvr>
-                                      <p:to>
-                                        <p:strVal val="hidden"/>
-                                      </p:to>
-                                    </p:set>
-                                  </p:childTnLst>
-                                </p:cTn>
-                              </p:par>
-                            </p:childTnLst>
-                          </p:cTn>
-                        </p:par>
-                      </p:childTnLst>
-                    </p:cTn>
-                  </p:par>
-                  <p:par>
-                    <p:cTn id="8" fill="hold">
-                      <p:stCondLst>
-                        <p:cond delay="indefinite"/>
-                      </p:stCondLst>
-                      <p:childTnLst>
-                        <p:par>
-                          <p:cTn id="9" fill="hold">
-                            <p:stCondLst>
-                              <p:cond delay="0"/>
-                            </p:stCondLst>
-                            <p:childTnLst>
-                              <p:par>
-                                <p:cTn id="10" presetID="10" presetClass="entr" presetSubtype="0" fill="hold" nodeType="clickEffect">
-                                  <p:stCondLst>
-                                    <p:cond delay="0"/>
-                                  </p:stCondLst>
-                                  <p:childTnLst>
-                                    <p:set>
-                                      <p:cBhvr>
-                                        <p:cTn id="11" dur="1" fill="hold">
-                                          <p:stCondLst>
-                                            <p:cond delay="0"/>
-                                          </p:stCondLst>
-                                        </p:cTn>
-                                        <p:tgtEl>
-                                          <p:spTgt spid="1027"/>
-                                        </p:tgtEl>
-                                        <p:attrNameLst>
-                                          <p:attrName>style.visibility</p:attrName>
-                                        </p:attrNameLst>
-                                      </p:cBhvr>
-                                      <p:to>
-                                        <p:strVal val="visible"/>
-                                      </p:to>
-                                    </p:set>
-                                    <p:animEffect transition="in" filter="fade">
-                                      <p:cBhvr>
-                                        <p:cTn id="12" dur="500"/>
-                                        <p:tgtEl>
-                                          <p:spTgt spid="1027"/>
-                                        </p:tgtEl>
-                                      </p:cBhvr>
-                                    </p:animEffect>
-                                  </p:childTnLst>
-                                </p:cTn>
-                              </p:par>
-                            </p:childTnLst>
-                          </p:cTn>
-                        </p:par>
-                      </p:childTnLst>
-                    </p:cTn>
-                  </p:par>
-                  <p:par>
-                    <p:cTn id="13" fill="hold">
-                      <p:stCondLst>
-                        <p:cond delay="indefinite"/>
-                      </p:stCondLst>
-                      <p:childTnLst>
-                        <p:par>
-                          <p:cTn id="14" fill="hold">
-                            <p:stCondLst>
-                              <p:cond delay="0"/>
-                            </p:stCondLst>
-                            <p:childTnLst>
-                              <p:par>
-                                <p:cTn id="15" presetID="10" presetClass="exit" presetSubtype="0" fill="hold" nodeType="clickEffect">
-                                  <p:stCondLst>
-                                    <p:cond delay="0"/>
-                                  </p:stCondLst>
-                                  <p:childTnLst>
-                                    <p:animEffect transition="out" filter="fade">
-                                      <p:cBhvr>
-                                        <p:cTn id="16" dur="500"/>
-                                        <p:tgtEl>
-                                          <p:spTgt spid="1027"/>
-                                        </p:tgtEl>
-                                      </p:cBhvr>
-                                    </p:animEffect>
-                                    <p:set>
-                                      <p:cBhvr>
-                                        <p:cTn id="17" dur="1" fill="hold">
-                                          <p:stCondLst>
-                                            <p:cond delay="499"/>
-                                          </p:stCondLst>
-                                        </p:cTn>
-                                        <p:tgtEl>
-                                          <p:spTgt spid="1027"/>
-                                        </p:tgtEl>
-                                        <p:attrNameLst>
-                                          <p:attrName>style.visibility</p:attrName>
-                                        </p:attrNameLst>
-                                      </p:cBhvr>
-                                      <p:to>
-                                        <p:strVal val="hidden"/>
-                                      </p:to>
-                                    </p:set>
-                                  </p:childTnLst>
-                                </p:cTn>
-                              </p:par>
-                            </p:childTnLst>
-                          </p:cTn>
-                        </p:par>
-                      </p:childTnLst>
-                    </p:cTn>
-                  </p:par>
-                  <p:par>
-                    <p:cTn id="18" fill="hold">
-                      <p:stCondLst>
-                        <p:cond delay="indefinite"/>
-                      </p:stCondLst>
-                      <p:childTnLst>
-                        <p:par>
-                          <p:cTn id="19" fill="hold">
-                            <p:stCondLst>
-                              <p:cond delay="0"/>
-                            </p:stCondLst>
-                            <p:childTnLst>
-                              <p:par>
-                                <p:cTn id="20" presetID="10" presetClass="entr" presetSubtype="0" fill="hold" nodeType="clickEffect">
-                                  <p:stCondLst>
-                                    <p:cond delay="0"/>
-                                  </p:stCondLst>
-                                  <p:childTnLst>
-                                    <p:set>
-                                      <p:cBhvr>
-                                        <p:cTn id="21" dur="1" fill="hold">
-                                          <p:stCondLst>
-                                            <p:cond delay="0"/>
-                                          </p:stCondLst>
-                                        </p:cTn>
-                                        <p:tgtEl>
-                                          <p:spTgt spid="1028"/>
-                                        </p:tgtEl>
-                                        <p:attrNameLst>
-                                          <p:attrName>style.visibility</p:attrName>
-                                        </p:attrNameLst>
-                                      </p:cBhvr>
-                                      <p:to>
-                                        <p:strVal val="visible"/>
-                                      </p:to>
-                                    </p:set>
-                                    <p:animEffect transition="in" filter="fade">
-                                      <p:cBhvr>
-                                        <p:cTn id="22" dur="500"/>
-                                        <p:tgtEl>
-                                          <p:spTgt spid="1028"/>
-                                        </p:tgtEl>
-                                      </p:cBhvr>
-                                    </p:animEffect>
-                                  </p:childTnLst>
-                                </p:cTn>
-                              </p:par>
-                            </p:childTnLst>
-                          </p:cTn>
-                        </p:par>
-                      </p:childTnLst>
-                    </p:cTn>
-                  </p:par>
-                </p:childTnLst>
-              </p:cTn>
-              <p:prevCondLst>
-                <p:cond evt="onPrev" delay="0">
-                  <p:tgtEl>
-                    <p:sldTgt/>
-                  </p:tgtEl>
-                </p:cond>
-              </p:prevCondLst>
-              <p:nextCondLst>
-                <p:cond evt="onNext" delay="0">
-                  <p:tgtEl>
-                    <p:sldTgt/>
-                  </p:tgtEl>
-                </p:cond>
-              </p:nextCondLst>
-            </p:seq>
-          </p:childTnLst>
-        </p:cTn>
-      </p:par>
-    </p:tnLst>
-  </p:timing>
 </p:sld>
 </file>
 
@@ -9492,7 +9659,7 @@
   <a:extraClrSchemeLst/>
   <a:extLst>
     <a:ext uri="{05A4C25C-085E-4340-85A3-A5531E510DB2}">
-      <thm15:themeFamily xmlns="" xmlns:thm15="http://schemas.microsoft.com/office/thememl/2012/main" name="Retrospect" id="{5F128B03-DCCA-4EEB-AB3B-CF2899314A46}" vid="{3F1AAB62-24C6-49D2-8E01-B56FAC9A3DCD}"/>
+      <thm15:themeFamily xmlns:thm15="http://schemas.microsoft.com/office/thememl/2012/main" xmlns="" name="Retrospect" id="{5F128B03-DCCA-4EEB-AB3B-CF2899314A46}" vid="{3F1AAB62-24C6-49D2-8E01-B56FAC9A3DCD}"/>
     </a:ext>
   </a:extLst>
 </a:theme>
@@ -9753,7 +9920,7 @@
   <a:extraClrSchemeLst/>
   <a:extLst>
     <a:ext uri="{05A4C25C-085E-4340-85A3-A5531E510DB2}">
-      <thm15:themeFamily xmlns="" xmlns:thm15="http://schemas.microsoft.com/office/thememl/2012/main" name="Office Theme" id="{62F939B6-93AF-4DB8-9C6B-D6C7DFDC589F}" vid="{4A3C46E8-61CC-4603-A589-7422A47A8E4A}"/>
+      <thm15:themeFamily xmlns:thm15="http://schemas.microsoft.com/office/thememl/2012/main" xmlns="" name="Office Theme" id="{62F939B6-93AF-4DB8-9C6B-D6C7DFDC589F}" vid="{4A3C46E8-61CC-4603-A589-7422A47A8E4A}"/>
     </a:ext>
   </a:extLst>
 </a:theme>

--- a/presentation/Final/Final.pptx
+++ b/presentation/Final/Final.pptx
@@ -5,28 +5,34 @@
     <p:sldMasterId id="2147483684" r:id="rId1"/>
   </p:sldMasterIdLst>
   <p:notesMasterIdLst>
-    <p:notesMasterId r:id="rId21"/>
+    <p:notesMasterId r:id="rId27"/>
   </p:notesMasterIdLst>
   <p:sldIdLst>
     <p:sldId id="256" r:id="rId2"/>
     <p:sldId id="257" r:id="rId3"/>
-    <p:sldId id="258" r:id="rId4"/>
-    <p:sldId id="261" r:id="rId5"/>
-    <p:sldId id="278" r:id="rId6"/>
+    <p:sldId id="280" r:id="rId4"/>
+    <p:sldId id="258" r:id="rId5"/>
+    <p:sldId id="261" r:id="rId6"/>
     <p:sldId id="259" r:id="rId7"/>
-    <p:sldId id="262" r:id="rId8"/>
-    <p:sldId id="274" r:id="rId9"/>
-    <p:sldId id="279" r:id="rId10"/>
-    <p:sldId id="271" r:id="rId11"/>
-    <p:sldId id="275" r:id="rId12"/>
-    <p:sldId id="276" r:id="rId13"/>
-    <p:sldId id="264" r:id="rId14"/>
-    <p:sldId id="263" r:id="rId15"/>
-    <p:sldId id="272" r:id="rId16"/>
-    <p:sldId id="268" r:id="rId17"/>
-    <p:sldId id="273" r:id="rId18"/>
-    <p:sldId id="269" r:id="rId19"/>
-    <p:sldId id="277" r:id="rId20"/>
+    <p:sldId id="281" r:id="rId8"/>
+    <p:sldId id="262" r:id="rId9"/>
+    <p:sldId id="274" r:id="rId10"/>
+    <p:sldId id="279" r:id="rId11"/>
+    <p:sldId id="271" r:id="rId12"/>
+    <p:sldId id="275" r:id="rId13"/>
+    <p:sldId id="285" r:id="rId14"/>
+    <p:sldId id="276" r:id="rId15"/>
+    <p:sldId id="264" r:id="rId16"/>
+    <p:sldId id="263" r:id="rId17"/>
+    <p:sldId id="283" r:id="rId18"/>
+    <p:sldId id="287" r:id="rId19"/>
+    <p:sldId id="272" r:id="rId20"/>
+    <p:sldId id="284" r:id="rId21"/>
+    <p:sldId id="286" r:id="rId22"/>
+    <p:sldId id="268" r:id="rId23"/>
+    <p:sldId id="269" r:id="rId24"/>
+    <p:sldId id="277" r:id="rId25"/>
+    <p:sldId id="282" r:id="rId26"/>
   </p:sldIdLst>
   <p:sldSz cx="12192000" cy="6858000"/>
   <p:notesSz cx="6858000" cy="9144000"/>
@@ -127,7 +133,7 @@
   </p:defaultTextStyle>
   <p:extLst>
     <p:ext uri="{EFAFB233-063F-42B5-8137-9DF3F51BA10A}">
-      <p15:sldGuideLst xmlns:p15="http://schemas.microsoft.com/office/powerpoint/2012/main" xmlns="">
+      <p15:sldGuideLst xmlns="" xmlns:p15="http://schemas.microsoft.com/office/powerpoint/2012/main">
         <p15:guide id="1" orient="horz" pos="2160">
           <p15:clr>
             <a:srgbClr val="A4A3A4"/>
@@ -142,6 +148,590 @@
     </p:ext>
   </p:extLst>
 </p:presentation>
+</file>
+
+<file path=ppt/charts/chart1.xml><?xml version="1.0" encoding="utf-8"?>
+<c:chartSpace xmlns:c="http://schemas.openxmlformats.org/drawingml/2006/chart" xmlns:a="http://schemas.openxmlformats.org/drawingml/2006/main" xmlns:r="http://schemas.openxmlformats.org/officeDocument/2006/relationships">
+  <c:date1904 val="0"/>
+  <c:lang val="de-DE"/>
+  <c:roundedCorners val="0"/>
+  <mc:AlternateContent xmlns:mc="http://schemas.openxmlformats.org/markup-compatibility/2006">
+    <mc:Choice xmlns:c14="http://schemas.microsoft.com/office/drawing/2007/8/2/chart" Requires="c14">
+      <c14:style val="102"/>
+    </mc:Choice>
+    <mc:Fallback>
+      <c:style val="2"/>
+    </mc:Fallback>
+  </mc:AlternateContent>
+  <c:chart>
+    <c:autoTitleDeleted val="1"/>
+    <c:plotArea>
+      <c:layout/>
+      <c:scatterChart>
+        <c:scatterStyle val="lineMarker"/>
+        <c:varyColors val="0"/>
+        <c:ser>
+          <c:idx val="0"/>
+          <c:order val="0"/>
+          <c:tx>
+            <c:strRef>
+              <c:f>Tabelle1!$I$2</c:f>
+              <c:strCache>
+                <c:ptCount val="1"/>
+                <c:pt idx="0">
+                  <c:v>FP</c:v>
+                </c:pt>
+              </c:strCache>
+            </c:strRef>
+          </c:tx>
+          <c:spPr>
+            <a:ln w="28575">
+              <a:noFill/>
+            </a:ln>
+          </c:spPr>
+          <c:dPt>
+            <c:idx val="0"/>
+            <c:marker>
+              <c:spPr>
+                <a:solidFill>
+                  <a:srgbClr val="FF0000"/>
+                </a:solidFill>
+              </c:spPr>
+            </c:marker>
+            <c:bubble3D val="0"/>
+            <c:extLst xmlns:c16r2="http://schemas.microsoft.com/office/drawing/2015/06/chart">
+              <c:ext xmlns:c16="http://schemas.microsoft.com/office/drawing/2014/chart" uri="{C3380CC4-5D6E-409C-BE32-E72D297353CC}">
+                <c16:uniqueId val="{00000002-1185-4C1A-B1A4-BC1C676DBECF}"/>
+              </c:ext>
+            </c:extLst>
+          </c:dPt>
+          <c:dPt>
+            <c:idx val="1"/>
+            <c:marker>
+              <c:spPr>
+                <a:solidFill>
+                  <a:srgbClr val="92D050"/>
+                </a:solidFill>
+              </c:spPr>
+            </c:marker>
+            <c:bubble3D val="0"/>
+            <c:extLst xmlns:c16r2="http://schemas.microsoft.com/office/drawing/2015/06/chart">
+              <c:ext xmlns:c16="http://schemas.microsoft.com/office/drawing/2014/chart" uri="{C3380CC4-5D6E-409C-BE32-E72D297353CC}">
+                <c16:uniqueId val="{00000001-1185-4C1A-B1A4-BC1C676DBECF}"/>
+              </c:ext>
+            </c:extLst>
+          </c:dPt>
+          <c:dPt>
+            <c:idx val="2"/>
+            <c:marker>
+              <c:spPr>
+                <a:solidFill>
+                  <a:srgbClr val="FFFF00"/>
+                </a:solidFill>
+              </c:spPr>
+            </c:marker>
+            <c:bubble3D val="0"/>
+            <c:extLst xmlns:c16r2="http://schemas.microsoft.com/office/drawing/2015/06/chart">
+              <c:ext xmlns:c16="http://schemas.microsoft.com/office/drawing/2014/chart" uri="{C3380CC4-5D6E-409C-BE32-E72D297353CC}">
+                <c16:uniqueId val="{00000000-1185-4C1A-B1A4-BC1C676DBECF}"/>
+              </c:ext>
+            </c:extLst>
+          </c:dPt>
+          <c:trendline>
+            <c:trendlineType val="log"/>
+            <c:dispRSqr val="0"/>
+            <c:dispEq val="0"/>
+          </c:trendline>
+          <c:xVal>
+            <c:numRef>
+              <c:f>Tabelle1!$H$3:$H$7</c:f>
+              <c:numCache>
+                <c:formatCode>0.00</c:formatCode>
+                <c:ptCount val="5"/>
+                <c:pt idx="0">
+                  <c:v>35</c:v>
+                </c:pt>
+                <c:pt idx="1">
+                  <c:v>30.5</c:v>
+                </c:pt>
+                <c:pt idx="2">
+                  <c:v>14</c:v>
+                </c:pt>
+                <c:pt idx="3">
+                  <c:v>13</c:v>
+                </c:pt>
+                <c:pt idx="4">
+                  <c:v>10</c:v>
+                </c:pt>
+              </c:numCache>
+            </c:numRef>
+          </c:xVal>
+          <c:yVal>
+            <c:numRef>
+              <c:f>Tabelle1!$I$3:$I$7</c:f>
+              <c:numCache>
+                <c:formatCode>General</c:formatCode>
+                <c:ptCount val="5"/>
+                <c:pt idx="0">
+                  <c:v>98.77</c:v>
+                </c:pt>
+                <c:pt idx="1">
+                  <c:v>48.97</c:v>
+                </c:pt>
+                <c:pt idx="2">
+                  <c:v>70.55</c:v>
+                </c:pt>
+                <c:pt idx="3">
+                  <c:v>44.82</c:v>
+                </c:pt>
+                <c:pt idx="4" formatCode="#,##0.00">
+                  <c:v>28.22</c:v>
+                </c:pt>
+              </c:numCache>
+            </c:numRef>
+          </c:yVal>
+          <c:smooth val="0"/>
+          <c:extLst xmlns:c16r2="http://schemas.microsoft.com/office/drawing/2015/06/chart">
+            <c:ext xmlns:c16="http://schemas.microsoft.com/office/drawing/2014/chart" uri="{C3380CC4-5D6E-409C-BE32-E72D297353CC}">
+              <c16:uniqueId val="{00000000-684E-462E-B6C5-08C4C156CB9E}"/>
+            </c:ext>
+          </c:extLst>
+        </c:ser>
+        <c:dLbls>
+          <c:showLegendKey val="0"/>
+          <c:showVal val="0"/>
+          <c:showCatName val="0"/>
+          <c:showSerName val="0"/>
+          <c:showPercent val="0"/>
+          <c:showBubbleSize val="0"/>
+        </c:dLbls>
+        <c:axId val="96906624"/>
+        <c:axId val="118097792"/>
+      </c:scatterChart>
+      <c:valAx>
+        <c:axId val="96906624"/>
+        <c:scaling>
+          <c:orientation val="minMax"/>
+        </c:scaling>
+        <c:delete val="0"/>
+        <c:axPos val="b"/>
+        <c:majorGridlines/>
+        <c:minorGridlines/>
+        <c:title>
+          <c:tx>
+            <c:rich>
+              <a:bodyPr/>
+              <a:lstStyle/>
+              <a:p>
+                <a:pPr>
+                  <a:defRPr/>
+                </a:pPr>
+                <a:r>
+                  <a:rPr lang="de-DE"/>
+                  <a:t>Total time</a:t>
+                </a:r>
+              </a:p>
+            </c:rich>
+          </c:tx>
+          <c:layout/>
+          <c:overlay val="0"/>
+        </c:title>
+        <c:numFmt formatCode="0.00" sourceLinked="1"/>
+        <c:majorTickMark val="out"/>
+        <c:minorTickMark val="none"/>
+        <c:tickLblPos val="nextTo"/>
+        <c:crossAx val="118097792"/>
+        <c:crosses val="autoZero"/>
+        <c:crossBetween val="midCat"/>
+      </c:valAx>
+      <c:valAx>
+        <c:axId val="118097792"/>
+        <c:scaling>
+          <c:orientation val="minMax"/>
+        </c:scaling>
+        <c:delete val="0"/>
+        <c:axPos val="l"/>
+        <c:majorGridlines/>
+        <c:minorGridlines/>
+        <c:title>
+          <c:tx>
+            <c:rich>
+              <a:bodyPr/>
+              <a:lstStyle/>
+              <a:p>
+                <a:pPr>
+                  <a:defRPr/>
+                </a:pPr>
+                <a:r>
+                  <a:rPr lang="de-DE"/>
+                  <a:t>FP</a:t>
+                </a:r>
+              </a:p>
+            </c:rich>
+          </c:tx>
+          <c:layout/>
+          <c:overlay val="0"/>
+        </c:title>
+        <c:numFmt formatCode="General" sourceLinked="1"/>
+        <c:majorTickMark val="out"/>
+        <c:minorTickMark val="none"/>
+        <c:tickLblPos val="nextTo"/>
+        <c:crossAx val="96906624"/>
+        <c:crosses val="autoZero"/>
+        <c:crossBetween val="midCat"/>
+      </c:valAx>
+    </c:plotArea>
+    <c:legend>
+      <c:legendPos val="r"/>
+      <c:layout/>
+      <c:overlay val="0"/>
+    </c:legend>
+    <c:plotVisOnly val="1"/>
+    <c:dispBlanksAs val="gap"/>
+    <c:showDLblsOverMax val="0"/>
+  </c:chart>
+  <c:externalData r:id="rId1">
+    <c:autoUpdate val="0"/>
+  </c:externalData>
+</c:chartSpace>
+</file>
+
+<file path=ppt/charts/chart2.xml><?xml version="1.0" encoding="utf-8"?>
+<c:chartSpace xmlns:c="http://schemas.openxmlformats.org/drawingml/2006/chart" xmlns:a="http://schemas.openxmlformats.org/drawingml/2006/main" xmlns:r="http://schemas.openxmlformats.org/officeDocument/2006/relationships">
+  <c:date1904 val="0"/>
+  <c:lang val="de-DE"/>
+  <c:roundedCorners val="0"/>
+  <mc:AlternateContent xmlns:mc="http://schemas.openxmlformats.org/markup-compatibility/2006">
+    <mc:Choice xmlns:c14="http://schemas.microsoft.com/office/drawing/2007/8/2/chart" Requires="c14">
+      <c14:style val="102"/>
+    </mc:Choice>
+    <mc:Fallback>
+      <c:style val="2"/>
+    </mc:Fallback>
+  </mc:AlternateContent>
+  <c:chart>
+    <c:autoTitleDeleted val="1"/>
+    <c:plotArea>
+      <c:layout/>
+      <c:scatterChart>
+        <c:scatterStyle val="lineMarker"/>
+        <c:varyColors val="0"/>
+        <c:ser>
+          <c:idx val="1"/>
+          <c:order val="0"/>
+          <c:tx>
+            <c:strRef>
+              <c:f>Tabelle1!$G$2</c:f>
+              <c:strCache>
+                <c:ptCount val="1"/>
+                <c:pt idx="0">
+                  <c:v>Testing</c:v>
+                </c:pt>
+              </c:strCache>
+            </c:strRef>
+          </c:tx>
+          <c:spPr>
+            <a:ln w="28575">
+              <a:noFill/>
+            </a:ln>
+          </c:spPr>
+          <c:xVal>
+            <c:numRef>
+              <c:f>Tabelle1!$G$3:$G$7</c:f>
+              <c:numCache>
+                <c:formatCode>0.00</c:formatCode>
+                <c:ptCount val="5"/>
+                <c:pt idx="0">
+                  <c:v>8</c:v>
+                </c:pt>
+                <c:pt idx="1">
+                  <c:v>4</c:v>
+                </c:pt>
+                <c:pt idx="2">
+                  <c:v>2</c:v>
+                </c:pt>
+                <c:pt idx="3">
+                  <c:v>4</c:v>
+                </c:pt>
+                <c:pt idx="4">
+                  <c:v>4</c:v>
+                </c:pt>
+              </c:numCache>
+            </c:numRef>
+          </c:xVal>
+          <c:yVal>
+            <c:numRef>
+              <c:f>Tabelle1!$I$3:$I$7</c:f>
+              <c:numCache>
+                <c:formatCode>General</c:formatCode>
+                <c:ptCount val="5"/>
+                <c:pt idx="0">
+                  <c:v>98.77</c:v>
+                </c:pt>
+                <c:pt idx="1">
+                  <c:v>48.97</c:v>
+                </c:pt>
+                <c:pt idx="2">
+                  <c:v>70.55</c:v>
+                </c:pt>
+                <c:pt idx="3">
+                  <c:v>44.82</c:v>
+                </c:pt>
+                <c:pt idx="4" formatCode="#,##0.00">
+                  <c:v>28.22</c:v>
+                </c:pt>
+              </c:numCache>
+            </c:numRef>
+          </c:yVal>
+          <c:smooth val="0"/>
+          <c:extLst xmlns:c16r2="http://schemas.microsoft.com/office/drawing/2015/06/chart">
+            <c:ext xmlns:c16="http://schemas.microsoft.com/office/drawing/2014/chart" uri="{C3380CC4-5D6E-409C-BE32-E72D297353CC}">
+              <c16:uniqueId val="{00000000-3913-4CCA-937B-BFE2918FD451}"/>
+            </c:ext>
+          </c:extLst>
+        </c:ser>
+        <c:ser>
+          <c:idx val="2"/>
+          <c:order val="1"/>
+          <c:tx>
+            <c:strRef>
+              <c:f>Tabelle1!$F$2</c:f>
+              <c:strCache>
+                <c:ptCount val="1"/>
+                <c:pt idx="0">
+                  <c:v>Coding</c:v>
+                </c:pt>
+              </c:strCache>
+            </c:strRef>
+          </c:tx>
+          <c:spPr>
+            <a:ln w="28575">
+              <a:noFill/>
+            </a:ln>
+          </c:spPr>
+          <c:xVal>
+            <c:numRef>
+              <c:f>Tabelle1!$F$3:$F$7</c:f>
+              <c:numCache>
+                <c:formatCode>0.00</c:formatCode>
+                <c:ptCount val="5"/>
+                <c:pt idx="0">
+                  <c:v>23</c:v>
+                </c:pt>
+                <c:pt idx="1">
+                  <c:v>9</c:v>
+                </c:pt>
+                <c:pt idx="2">
+                  <c:v>10</c:v>
+                </c:pt>
+                <c:pt idx="3">
+                  <c:v>6</c:v>
+                </c:pt>
+                <c:pt idx="4">
+                  <c:v>4</c:v>
+                </c:pt>
+              </c:numCache>
+            </c:numRef>
+          </c:xVal>
+          <c:yVal>
+            <c:numRef>
+              <c:f>Tabelle1!$I$3:$I$7</c:f>
+              <c:numCache>
+                <c:formatCode>General</c:formatCode>
+                <c:ptCount val="5"/>
+                <c:pt idx="0">
+                  <c:v>98.77</c:v>
+                </c:pt>
+                <c:pt idx="1">
+                  <c:v>48.97</c:v>
+                </c:pt>
+                <c:pt idx="2">
+                  <c:v>70.55</c:v>
+                </c:pt>
+                <c:pt idx="3">
+                  <c:v>44.82</c:v>
+                </c:pt>
+                <c:pt idx="4" formatCode="#,##0.00">
+                  <c:v>28.22</c:v>
+                </c:pt>
+              </c:numCache>
+            </c:numRef>
+          </c:yVal>
+          <c:smooth val="0"/>
+          <c:extLst xmlns:c16r2="http://schemas.microsoft.com/office/drawing/2015/06/chart">
+            <c:ext xmlns:c16="http://schemas.microsoft.com/office/drawing/2014/chart" uri="{C3380CC4-5D6E-409C-BE32-E72D297353CC}">
+              <c16:uniqueId val="{00000001-3913-4CCA-937B-BFE2918FD451}"/>
+            </c:ext>
+          </c:extLst>
+        </c:ser>
+        <c:ser>
+          <c:idx val="3"/>
+          <c:order val="2"/>
+          <c:tx>
+            <c:strRef>
+              <c:f>Tabelle1!$E$2</c:f>
+              <c:strCache>
+                <c:ptCount val="1"/>
+                <c:pt idx="0">
+                  <c:v>Documentation</c:v>
+                </c:pt>
+              </c:strCache>
+            </c:strRef>
+          </c:tx>
+          <c:spPr>
+            <a:ln w="28575">
+              <a:noFill/>
+            </a:ln>
+          </c:spPr>
+          <c:xVal>
+            <c:numRef>
+              <c:f>Tabelle1!$E$3:$E$7</c:f>
+              <c:numCache>
+                <c:formatCode>0.00</c:formatCode>
+                <c:ptCount val="5"/>
+                <c:pt idx="0">
+                  <c:v>4</c:v>
+                </c:pt>
+                <c:pt idx="1">
+                  <c:v>17.5</c:v>
+                </c:pt>
+                <c:pt idx="2">
+                  <c:v>2</c:v>
+                </c:pt>
+                <c:pt idx="3">
+                  <c:v>3</c:v>
+                </c:pt>
+                <c:pt idx="4">
+                  <c:v>2</c:v>
+                </c:pt>
+              </c:numCache>
+            </c:numRef>
+          </c:xVal>
+          <c:yVal>
+            <c:numRef>
+              <c:f>Tabelle1!$I$3:$I$7</c:f>
+              <c:numCache>
+                <c:formatCode>General</c:formatCode>
+                <c:ptCount val="5"/>
+                <c:pt idx="0">
+                  <c:v>98.77</c:v>
+                </c:pt>
+                <c:pt idx="1">
+                  <c:v>48.97</c:v>
+                </c:pt>
+                <c:pt idx="2">
+                  <c:v>70.55</c:v>
+                </c:pt>
+                <c:pt idx="3">
+                  <c:v>44.82</c:v>
+                </c:pt>
+                <c:pt idx="4" formatCode="#,##0.00">
+                  <c:v>28.22</c:v>
+                </c:pt>
+              </c:numCache>
+            </c:numRef>
+          </c:yVal>
+          <c:smooth val="0"/>
+          <c:extLst xmlns:c16r2="http://schemas.microsoft.com/office/drawing/2015/06/chart">
+            <c:ext xmlns:c16="http://schemas.microsoft.com/office/drawing/2014/chart" uri="{C3380CC4-5D6E-409C-BE32-E72D297353CC}">
+              <c16:uniqueId val="{00000002-3913-4CCA-937B-BFE2918FD451}"/>
+            </c:ext>
+          </c:extLst>
+        </c:ser>
+        <c:dLbls>
+          <c:showLegendKey val="0"/>
+          <c:showVal val="0"/>
+          <c:showCatName val="0"/>
+          <c:showSerName val="0"/>
+          <c:showPercent val="0"/>
+          <c:showBubbleSize val="0"/>
+        </c:dLbls>
+        <c:axId val="119959936"/>
+        <c:axId val="119962240"/>
+      </c:scatterChart>
+      <c:valAx>
+        <c:axId val="119959936"/>
+        <c:scaling>
+          <c:orientation val="minMax"/>
+        </c:scaling>
+        <c:delete val="0"/>
+        <c:axPos val="b"/>
+        <c:title>
+          <c:tx>
+            <c:rich>
+              <a:bodyPr/>
+              <a:lstStyle/>
+              <a:p>
+                <a:pPr>
+                  <a:defRPr/>
+                </a:pPr>
+                <a:r>
+                  <a:rPr lang="de-DE"/>
+                  <a:t>TIme</a:t>
+                </a:r>
+              </a:p>
+            </c:rich>
+          </c:tx>
+          <c:layout/>
+          <c:overlay val="0"/>
+        </c:title>
+        <c:numFmt formatCode="0.00" sourceLinked="1"/>
+        <c:majorTickMark val="none"/>
+        <c:minorTickMark val="none"/>
+        <c:tickLblPos val="nextTo"/>
+        <c:crossAx val="119962240"/>
+        <c:crosses val="autoZero"/>
+        <c:crossBetween val="midCat"/>
+      </c:valAx>
+      <c:valAx>
+        <c:axId val="119962240"/>
+        <c:scaling>
+          <c:orientation val="minMax"/>
+        </c:scaling>
+        <c:delete val="0"/>
+        <c:axPos val="l"/>
+        <c:majorGridlines/>
+        <c:title>
+          <c:tx>
+            <c:rich>
+              <a:bodyPr/>
+              <a:lstStyle/>
+              <a:p>
+                <a:pPr>
+                  <a:defRPr/>
+                </a:pPr>
+                <a:r>
+                  <a:rPr lang="de-DE"/>
+                  <a:t>FP</a:t>
+                </a:r>
+              </a:p>
+            </c:rich>
+          </c:tx>
+          <c:layout/>
+          <c:overlay val="0"/>
+        </c:title>
+        <c:numFmt formatCode="General" sourceLinked="1"/>
+        <c:majorTickMark val="none"/>
+        <c:minorTickMark val="none"/>
+        <c:tickLblPos val="nextTo"/>
+        <c:crossAx val="119959936"/>
+        <c:crosses val="autoZero"/>
+        <c:crossBetween val="midCat"/>
+      </c:valAx>
+    </c:plotArea>
+    <c:legend>
+      <c:legendPos val="r"/>
+      <c:layout/>
+      <c:overlay val="0"/>
+    </c:legend>
+    <c:plotVisOnly val="1"/>
+    <c:dispBlanksAs val="gap"/>
+    <c:showDLblsOverMax val="0"/>
+  </c:chart>
+  <c:externalData r:id="rId1">
+    <c:autoUpdate val="0"/>
+  </c:externalData>
+</c:chartSpace>
 </file>
 
 <file path=ppt/notesMasters/notesMaster1.xml><?xml version="1.0" encoding="utf-8"?>
@@ -540,7 +1130,7 @@
           <a:p>
             <a:r>
               <a:rPr lang="de-DE" dirty="0" smtClean="0"/>
-              <a:t>MANU</a:t>
+              <a:t>Ali</a:t>
             </a:r>
             <a:endParaRPr lang="de-DE" dirty="0"/>
           </a:p>
@@ -563,16 +1153,895 @@
           <a:p>
             <a:fld id="{4C40B096-980F-4B1D-B616-BA01D9772A24}" type="slidenum">
               <a:rPr lang="de-DE" smtClean="0"/>
-              <a:t>3</a:t>
+              <a:t>1</a:t>
             </a:fld>
-            <a:endParaRPr lang="de-DE" dirty="0"/>
+            <a:endParaRPr lang="de-DE"/>
           </a:p>
         </p:txBody>
       </p:sp>
     </p:spTree>
     <p:extLst>
       <p:ext uri="{BB962C8B-B14F-4D97-AF65-F5344CB8AC3E}">
-        <p14:creationId xmlns:p14="http://schemas.microsoft.com/office/powerpoint/2010/main" val="740053472"/>
+        <p14:creationId xmlns:p14="http://schemas.microsoft.com/office/powerpoint/2010/main" val="2105979109"/>
+      </p:ext>
+    </p:extLst>
+  </p:cSld>
+  <p:clrMapOvr>
+    <a:masterClrMapping/>
+  </p:clrMapOvr>
+</p:notes>
+</file>
+
+<file path=ppt/notesSlides/notesSlide10.xml><?xml version="1.0" encoding="utf-8"?>
+<p:notes xmlns:a="http://schemas.openxmlformats.org/drawingml/2006/main" xmlns:r="http://schemas.openxmlformats.org/officeDocument/2006/relationships" xmlns:p="http://schemas.openxmlformats.org/presentationml/2006/main">
+  <p:cSld>
+    <p:spTree>
+      <p:nvGrpSpPr>
+        <p:cNvPr id="1" name=""/>
+        <p:cNvGrpSpPr/>
+        <p:nvPr/>
+      </p:nvGrpSpPr>
+      <p:grpSpPr>
+        <a:xfrm>
+          <a:off x="0" y="0"/>
+          <a:ext cx="0" cy="0"/>
+          <a:chOff x="0" y="0"/>
+          <a:chExt cx="0" cy="0"/>
+        </a:xfrm>
+      </p:grpSpPr>
+      <p:sp>
+        <p:nvSpPr>
+          <p:cNvPr id="2" name="Folienbildplatzhalter 1"/>
+          <p:cNvSpPr>
+            <a:spLocks noGrp="1" noRot="1" noChangeAspect="1"/>
+          </p:cNvSpPr>
+          <p:nvPr>
+            <p:ph type="sldImg"/>
+          </p:nvPr>
+        </p:nvSpPr>
+        <p:spPr/>
+      </p:sp>
+      <p:sp>
+        <p:nvSpPr>
+          <p:cNvPr id="3" name="Notizenplatzhalter 2"/>
+          <p:cNvSpPr>
+            <a:spLocks noGrp="1"/>
+          </p:cNvSpPr>
+          <p:nvPr>
+            <p:ph type="body" idx="1"/>
+          </p:nvPr>
+        </p:nvSpPr>
+        <p:spPr/>
+        <p:txBody>
+          <a:bodyPr/>
+          <a:lstStyle/>
+          <a:p>
+            <a:r>
+              <a:rPr lang="de-DE" dirty="0" smtClean="0"/>
+              <a:t>Ali</a:t>
+            </a:r>
+            <a:endParaRPr lang="de-DE" dirty="0"/>
+          </a:p>
+        </p:txBody>
+      </p:sp>
+      <p:sp>
+        <p:nvSpPr>
+          <p:cNvPr id="4" name="Foliennummernplatzhalter 3"/>
+          <p:cNvSpPr>
+            <a:spLocks noGrp="1"/>
+          </p:cNvSpPr>
+          <p:nvPr>
+            <p:ph type="sldNum" sz="quarter" idx="10"/>
+          </p:nvPr>
+        </p:nvSpPr>
+        <p:spPr/>
+        <p:txBody>
+          <a:bodyPr/>
+          <a:lstStyle/>
+          <a:p>
+            <a:fld id="{4C40B096-980F-4B1D-B616-BA01D9772A24}" type="slidenum">
+              <a:rPr lang="de-DE" smtClean="0"/>
+              <a:t>10</a:t>
+            </a:fld>
+            <a:endParaRPr lang="de-DE"/>
+          </a:p>
+        </p:txBody>
+      </p:sp>
+    </p:spTree>
+    <p:extLst>
+      <p:ext uri="{BB962C8B-B14F-4D97-AF65-F5344CB8AC3E}">
+        <p14:creationId xmlns:p14="http://schemas.microsoft.com/office/powerpoint/2010/main" val="4245059288"/>
+      </p:ext>
+    </p:extLst>
+  </p:cSld>
+  <p:clrMapOvr>
+    <a:masterClrMapping/>
+  </p:clrMapOvr>
+</p:notes>
+</file>
+
+<file path=ppt/notesSlides/notesSlide11.xml><?xml version="1.0" encoding="utf-8"?>
+<p:notes xmlns:a="http://schemas.openxmlformats.org/drawingml/2006/main" xmlns:r="http://schemas.openxmlformats.org/officeDocument/2006/relationships" xmlns:p="http://schemas.openxmlformats.org/presentationml/2006/main">
+  <p:cSld>
+    <p:spTree>
+      <p:nvGrpSpPr>
+        <p:cNvPr id="1" name=""/>
+        <p:cNvGrpSpPr/>
+        <p:nvPr/>
+      </p:nvGrpSpPr>
+      <p:grpSpPr>
+        <a:xfrm>
+          <a:off x="0" y="0"/>
+          <a:ext cx="0" cy="0"/>
+          <a:chOff x="0" y="0"/>
+          <a:chExt cx="0" cy="0"/>
+        </a:xfrm>
+      </p:grpSpPr>
+      <p:sp>
+        <p:nvSpPr>
+          <p:cNvPr id="2" name="Folienbildplatzhalter 1"/>
+          <p:cNvSpPr>
+            <a:spLocks noGrp="1" noRot="1" noChangeAspect="1"/>
+          </p:cNvSpPr>
+          <p:nvPr>
+            <p:ph type="sldImg"/>
+          </p:nvPr>
+        </p:nvSpPr>
+        <p:spPr/>
+      </p:sp>
+      <p:sp>
+        <p:nvSpPr>
+          <p:cNvPr id="3" name="Notizenplatzhalter 2"/>
+          <p:cNvSpPr>
+            <a:spLocks noGrp="1"/>
+          </p:cNvSpPr>
+          <p:nvPr>
+            <p:ph type="body" idx="1"/>
+          </p:nvPr>
+        </p:nvSpPr>
+        <p:spPr/>
+        <p:txBody>
+          <a:bodyPr/>
+          <a:lstStyle/>
+          <a:p>
+            <a:r>
+              <a:rPr lang="de-DE" dirty="0" smtClean="0"/>
+              <a:t>Ali</a:t>
+            </a:r>
+            <a:endParaRPr lang="de-DE" dirty="0"/>
+          </a:p>
+        </p:txBody>
+      </p:sp>
+      <p:sp>
+        <p:nvSpPr>
+          <p:cNvPr id="4" name="Foliennummernplatzhalter 3"/>
+          <p:cNvSpPr>
+            <a:spLocks noGrp="1"/>
+          </p:cNvSpPr>
+          <p:nvPr>
+            <p:ph type="sldNum" sz="quarter" idx="10"/>
+          </p:nvPr>
+        </p:nvSpPr>
+        <p:spPr/>
+        <p:txBody>
+          <a:bodyPr/>
+          <a:lstStyle/>
+          <a:p>
+            <a:fld id="{4C40B096-980F-4B1D-B616-BA01D9772A24}" type="slidenum">
+              <a:rPr lang="de-DE" smtClean="0"/>
+              <a:t>11</a:t>
+            </a:fld>
+            <a:endParaRPr lang="de-DE"/>
+          </a:p>
+        </p:txBody>
+      </p:sp>
+    </p:spTree>
+    <p:extLst>
+      <p:ext uri="{BB962C8B-B14F-4D97-AF65-F5344CB8AC3E}">
+        <p14:creationId xmlns:p14="http://schemas.microsoft.com/office/powerpoint/2010/main" val="1995622721"/>
+      </p:ext>
+    </p:extLst>
+  </p:cSld>
+  <p:clrMapOvr>
+    <a:masterClrMapping/>
+  </p:clrMapOvr>
+</p:notes>
+</file>
+
+<file path=ppt/notesSlides/notesSlide12.xml><?xml version="1.0" encoding="utf-8"?>
+<p:notes xmlns:a="http://schemas.openxmlformats.org/drawingml/2006/main" xmlns:r="http://schemas.openxmlformats.org/officeDocument/2006/relationships" xmlns:p="http://schemas.openxmlformats.org/presentationml/2006/main">
+  <p:cSld>
+    <p:spTree>
+      <p:nvGrpSpPr>
+        <p:cNvPr id="1" name=""/>
+        <p:cNvGrpSpPr/>
+        <p:nvPr/>
+      </p:nvGrpSpPr>
+      <p:grpSpPr>
+        <a:xfrm>
+          <a:off x="0" y="0"/>
+          <a:ext cx="0" cy="0"/>
+          <a:chOff x="0" y="0"/>
+          <a:chExt cx="0" cy="0"/>
+        </a:xfrm>
+      </p:grpSpPr>
+      <p:sp>
+        <p:nvSpPr>
+          <p:cNvPr id="2" name="Folienbildplatzhalter 1"/>
+          <p:cNvSpPr>
+            <a:spLocks noGrp="1" noRot="1" noChangeAspect="1"/>
+          </p:cNvSpPr>
+          <p:nvPr>
+            <p:ph type="sldImg"/>
+          </p:nvPr>
+        </p:nvSpPr>
+        <p:spPr/>
+      </p:sp>
+      <p:sp>
+        <p:nvSpPr>
+          <p:cNvPr id="3" name="Notizenplatzhalter 2"/>
+          <p:cNvSpPr>
+            <a:spLocks noGrp="1"/>
+          </p:cNvSpPr>
+          <p:nvPr>
+            <p:ph type="body" idx="1"/>
+          </p:nvPr>
+        </p:nvSpPr>
+        <p:spPr/>
+        <p:txBody>
+          <a:bodyPr/>
+          <a:lstStyle/>
+          <a:p>
+            <a:r>
+              <a:rPr lang="de-DE" dirty="0" smtClean="0"/>
+              <a:t>Ali</a:t>
+            </a:r>
+            <a:endParaRPr lang="de-DE" dirty="0"/>
+          </a:p>
+        </p:txBody>
+      </p:sp>
+      <p:sp>
+        <p:nvSpPr>
+          <p:cNvPr id="4" name="Foliennummernplatzhalter 3"/>
+          <p:cNvSpPr>
+            <a:spLocks noGrp="1"/>
+          </p:cNvSpPr>
+          <p:nvPr>
+            <p:ph type="sldNum" sz="quarter" idx="10"/>
+          </p:nvPr>
+        </p:nvSpPr>
+        <p:spPr/>
+        <p:txBody>
+          <a:bodyPr/>
+          <a:lstStyle/>
+          <a:p>
+            <a:fld id="{4C40B096-980F-4B1D-B616-BA01D9772A24}" type="slidenum">
+              <a:rPr lang="de-DE" smtClean="0"/>
+              <a:t>12</a:t>
+            </a:fld>
+            <a:endParaRPr lang="de-DE"/>
+          </a:p>
+        </p:txBody>
+      </p:sp>
+    </p:spTree>
+    <p:extLst>
+      <p:ext uri="{BB962C8B-B14F-4D97-AF65-F5344CB8AC3E}">
+        <p14:creationId xmlns:p14="http://schemas.microsoft.com/office/powerpoint/2010/main" val="3937350707"/>
+      </p:ext>
+    </p:extLst>
+  </p:cSld>
+  <p:clrMapOvr>
+    <a:masterClrMapping/>
+  </p:clrMapOvr>
+</p:notes>
+</file>
+
+<file path=ppt/notesSlides/notesSlide13.xml><?xml version="1.0" encoding="utf-8"?>
+<p:notes xmlns:a="http://schemas.openxmlformats.org/drawingml/2006/main" xmlns:r="http://schemas.openxmlformats.org/officeDocument/2006/relationships" xmlns:p="http://schemas.openxmlformats.org/presentationml/2006/main">
+  <p:cSld>
+    <p:spTree>
+      <p:nvGrpSpPr>
+        <p:cNvPr id="1" name=""/>
+        <p:cNvGrpSpPr/>
+        <p:nvPr/>
+      </p:nvGrpSpPr>
+      <p:grpSpPr>
+        <a:xfrm>
+          <a:off x="0" y="0"/>
+          <a:ext cx="0" cy="0"/>
+          <a:chOff x="0" y="0"/>
+          <a:chExt cx="0" cy="0"/>
+        </a:xfrm>
+      </p:grpSpPr>
+      <p:sp>
+        <p:nvSpPr>
+          <p:cNvPr id="2" name="Folienbildplatzhalter 1"/>
+          <p:cNvSpPr>
+            <a:spLocks noGrp="1" noRot="1" noChangeAspect="1"/>
+          </p:cNvSpPr>
+          <p:nvPr>
+            <p:ph type="sldImg"/>
+          </p:nvPr>
+        </p:nvSpPr>
+        <p:spPr/>
+      </p:sp>
+      <p:sp>
+        <p:nvSpPr>
+          <p:cNvPr id="3" name="Notizenplatzhalter 2"/>
+          <p:cNvSpPr>
+            <a:spLocks noGrp="1"/>
+          </p:cNvSpPr>
+          <p:nvPr>
+            <p:ph type="body" idx="1"/>
+          </p:nvPr>
+        </p:nvSpPr>
+        <p:spPr/>
+        <p:txBody>
+          <a:bodyPr/>
+          <a:lstStyle/>
+          <a:p>
+            <a:r>
+              <a:rPr lang="de-DE" dirty="0" smtClean="0"/>
+              <a:t>Marvin</a:t>
+            </a:r>
+            <a:endParaRPr lang="de-DE" dirty="0"/>
+          </a:p>
+        </p:txBody>
+      </p:sp>
+      <p:sp>
+        <p:nvSpPr>
+          <p:cNvPr id="4" name="Foliennummernplatzhalter 3"/>
+          <p:cNvSpPr>
+            <a:spLocks noGrp="1"/>
+          </p:cNvSpPr>
+          <p:nvPr>
+            <p:ph type="sldNum" sz="quarter" idx="10"/>
+          </p:nvPr>
+        </p:nvSpPr>
+        <p:spPr/>
+        <p:txBody>
+          <a:bodyPr/>
+          <a:lstStyle/>
+          <a:p>
+            <a:fld id="{4C40B096-980F-4B1D-B616-BA01D9772A24}" type="slidenum">
+              <a:rPr lang="de-DE" smtClean="0"/>
+              <a:t>13</a:t>
+            </a:fld>
+            <a:endParaRPr lang="de-DE"/>
+          </a:p>
+        </p:txBody>
+      </p:sp>
+    </p:spTree>
+    <p:extLst>
+      <p:ext uri="{BB962C8B-B14F-4D97-AF65-F5344CB8AC3E}">
+        <p14:creationId xmlns:p14="http://schemas.microsoft.com/office/powerpoint/2010/main" val="464041595"/>
+      </p:ext>
+    </p:extLst>
+  </p:cSld>
+  <p:clrMapOvr>
+    <a:masterClrMapping/>
+  </p:clrMapOvr>
+</p:notes>
+</file>
+
+<file path=ppt/notesSlides/notesSlide14.xml><?xml version="1.0" encoding="utf-8"?>
+<p:notes xmlns:a="http://schemas.openxmlformats.org/drawingml/2006/main" xmlns:r="http://schemas.openxmlformats.org/officeDocument/2006/relationships" xmlns:p="http://schemas.openxmlformats.org/presentationml/2006/main">
+  <p:cSld>
+    <p:spTree>
+      <p:nvGrpSpPr>
+        <p:cNvPr id="1" name=""/>
+        <p:cNvGrpSpPr/>
+        <p:nvPr/>
+      </p:nvGrpSpPr>
+      <p:grpSpPr>
+        <a:xfrm>
+          <a:off x="0" y="0"/>
+          <a:ext cx="0" cy="0"/>
+          <a:chOff x="0" y="0"/>
+          <a:chExt cx="0" cy="0"/>
+        </a:xfrm>
+      </p:grpSpPr>
+      <p:sp>
+        <p:nvSpPr>
+          <p:cNvPr id="2" name="Folienbildplatzhalter 1"/>
+          <p:cNvSpPr>
+            <a:spLocks noGrp="1" noRot="1" noChangeAspect="1"/>
+          </p:cNvSpPr>
+          <p:nvPr>
+            <p:ph type="sldImg"/>
+          </p:nvPr>
+        </p:nvSpPr>
+        <p:spPr/>
+      </p:sp>
+      <p:sp>
+        <p:nvSpPr>
+          <p:cNvPr id="3" name="Notizenplatzhalter 2"/>
+          <p:cNvSpPr>
+            <a:spLocks noGrp="1"/>
+          </p:cNvSpPr>
+          <p:nvPr>
+            <p:ph type="body" idx="1"/>
+          </p:nvPr>
+        </p:nvSpPr>
+        <p:spPr/>
+        <p:txBody>
+          <a:bodyPr/>
+          <a:lstStyle/>
+          <a:p>
+            <a:r>
+              <a:rPr lang="de-DE" dirty="0" smtClean="0"/>
+              <a:t>MARC</a:t>
+            </a:r>
+            <a:endParaRPr lang="de-DE" dirty="0"/>
+          </a:p>
+        </p:txBody>
+      </p:sp>
+      <p:sp>
+        <p:nvSpPr>
+          <p:cNvPr id="4" name="Foliennummernplatzhalter 3"/>
+          <p:cNvSpPr>
+            <a:spLocks noGrp="1"/>
+          </p:cNvSpPr>
+          <p:nvPr>
+            <p:ph type="sldNum" sz="quarter" idx="10"/>
+          </p:nvPr>
+        </p:nvSpPr>
+        <p:spPr/>
+        <p:txBody>
+          <a:bodyPr/>
+          <a:lstStyle/>
+          <a:p>
+            <a:fld id="{4C40B096-980F-4B1D-B616-BA01D9772A24}" type="slidenum">
+              <a:rPr lang="de-DE" smtClean="0"/>
+              <a:t>14</a:t>
+            </a:fld>
+            <a:endParaRPr lang="de-DE"/>
+          </a:p>
+        </p:txBody>
+      </p:sp>
+    </p:spTree>
+    <p:extLst>
+      <p:ext uri="{BB962C8B-B14F-4D97-AF65-F5344CB8AC3E}">
+        <p14:creationId xmlns:p14="http://schemas.microsoft.com/office/powerpoint/2010/main" val="1007455932"/>
+      </p:ext>
+    </p:extLst>
+  </p:cSld>
+  <p:clrMapOvr>
+    <a:masterClrMapping/>
+  </p:clrMapOvr>
+</p:notes>
+</file>
+
+<file path=ppt/notesSlides/notesSlide15.xml><?xml version="1.0" encoding="utf-8"?>
+<p:notes xmlns:a="http://schemas.openxmlformats.org/drawingml/2006/main" xmlns:r="http://schemas.openxmlformats.org/officeDocument/2006/relationships" xmlns:p="http://schemas.openxmlformats.org/presentationml/2006/main">
+  <p:cSld>
+    <p:spTree>
+      <p:nvGrpSpPr>
+        <p:cNvPr id="1" name=""/>
+        <p:cNvGrpSpPr/>
+        <p:nvPr/>
+      </p:nvGrpSpPr>
+      <p:grpSpPr>
+        <a:xfrm>
+          <a:off x="0" y="0"/>
+          <a:ext cx="0" cy="0"/>
+          <a:chOff x="0" y="0"/>
+          <a:chExt cx="0" cy="0"/>
+        </a:xfrm>
+      </p:grpSpPr>
+      <p:sp>
+        <p:nvSpPr>
+          <p:cNvPr id="2" name="Folienbildplatzhalter 1"/>
+          <p:cNvSpPr>
+            <a:spLocks noGrp="1" noRot="1" noChangeAspect="1"/>
+          </p:cNvSpPr>
+          <p:nvPr>
+            <p:ph type="sldImg"/>
+          </p:nvPr>
+        </p:nvSpPr>
+        <p:spPr/>
+      </p:sp>
+      <p:sp>
+        <p:nvSpPr>
+          <p:cNvPr id="3" name="Notizenplatzhalter 2"/>
+          <p:cNvSpPr>
+            <a:spLocks noGrp="1"/>
+          </p:cNvSpPr>
+          <p:nvPr>
+            <p:ph type="body" idx="1"/>
+          </p:nvPr>
+        </p:nvSpPr>
+        <p:spPr/>
+        <p:txBody>
+          <a:bodyPr/>
+          <a:lstStyle/>
+          <a:p>
+            <a:r>
+              <a:rPr lang="de-DE" dirty="0" smtClean="0"/>
+              <a:t>MARC</a:t>
+            </a:r>
+            <a:endParaRPr lang="de-DE" dirty="0"/>
+          </a:p>
+        </p:txBody>
+      </p:sp>
+      <p:sp>
+        <p:nvSpPr>
+          <p:cNvPr id="4" name="Foliennummernplatzhalter 3"/>
+          <p:cNvSpPr>
+            <a:spLocks noGrp="1"/>
+          </p:cNvSpPr>
+          <p:nvPr>
+            <p:ph type="sldNum" sz="quarter" idx="10"/>
+          </p:nvPr>
+        </p:nvSpPr>
+        <p:spPr/>
+        <p:txBody>
+          <a:bodyPr/>
+          <a:lstStyle/>
+          <a:p>
+            <a:fld id="{4C40B096-980F-4B1D-B616-BA01D9772A24}" type="slidenum">
+              <a:rPr lang="de-DE" smtClean="0"/>
+              <a:t>15</a:t>
+            </a:fld>
+            <a:endParaRPr lang="de-DE"/>
+          </a:p>
+        </p:txBody>
+      </p:sp>
+    </p:spTree>
+    <p:extLst>
+      <p:ext uri="{BB962C8B-B14F-4D97-AF65-F5344CB8AC3E}">
+        <p14:creationId xmlns:p14="http://schemas.microsoft.com/office/powerpoint/2010/main" val="1007455932"/>
+      </p:ext>
+    </p:extLst>
+  </p:cSld>
+  <p:clrMapOvr>
+    <a:masterClrMapping/>
+  </p:clrMapOvr>
+</p:notes>
+</file>
+
+<file path=ppt/notesSlides/notesSlide16.xml><?xml version="1.0" encoding="utf-8"?>
+<p:notes xmlns:a="http://schemas.openxmlformats.org/drawingml/2006/main" xmlns:r="http://schemas.openxmlformats.org/officeDocument/2006/relationships" xmlns:p="http://schemas.openxmlformats.org/presentationml/2006/main">
+  <p:cSld>
+    <p:spTree>
+      <p:nvGrpSpPr>
+        <p:cNvPr id="1" name=""/>
+        <p:cNvGrpSpPr/>
+        <p:nvPr/>
+      </p:nvGrpSpPr>
+      <p:grpSpPr>
+        <a:xfrm>
+          <a:off x="0" y="0"/>
+          <a:ext cx="0" cy="0"/>
+          <a:chOff x="0" y="0"/>
+          <a:chExt cx="0" cy="0"/>
+        </a:xfrm>
+      </p:grpSpPr>
+      <p:sp>
+        <p:nvSpPr>
+          <p:cNvPr id="2" name="Folienbildplatzhalter 1"/>
+          <p:cNvSpPr>
+            <a:spLocks noGrp="1" noRot="1" noChangeAspect="1"/>
+          </p:cNvSpPr>
+          <p:nvPr>
+            <p:ph type="sldImg"/>
+          </p:nvPr>
+        </p:nvSpPr>
+        <p:spPr/>
+      </p:sp>
+      <p:sp>
+        <p:nvSpPr>
+          <p:cNvPr id="3" name="Notizenplatzhalter 2"/>
+          <p:cNvSpPr>
+            <a:spLocks noGrp="1"/>
+          </p:cNvSpPr>
+          <p:nvPr>
+            <p:ph type="body" idx="1"/>
+          </p:nvPr>
+        </p:nvSpPr>
+        <p:spPr/>
+        <p:txBody>
+          <a:bodyPr/>
+          <a:lstStyle/>
+          <a:p>
+            <a:r>
+              <a:rPr lang="de-DE" dirty="0" smtClean="0"/>
+              <a:t>MARVIN</a:t>
+            </a:r>
+            <a:endParaRPr lang="de-DE" dirty="0"/>
+          </a:p>
+        </p:txBody>
+      </p:sp>
+      <p:sp>
+        <p:nvSpPr>
+          <p:cNvPr id="4" name="Foliennummernplatzhalter 3"/>
+          <p:cNvSpPr>
+            <a:spLocks noGrp="1"/>
+          </p:cNvSpPr>
+          <p:nvPr>
+            <p:ph type="sldNum" sz="quarter" idx="10"/>
+          </p:nvPr>
+        </p:nvSpPr>
+        <p:spPr/>
+        <p:txBody>
+          <a:bodyPr/>
+          <a:lstStyle/>
+          <a:p>
+            <a:fld id="{4C40B096-980F-4B1D-B616-BA01D9772A24}" type="slidenum">
+              <a:rPr lang="de-DE" smtClean="0"/>
+              <a:t>16</a:t>
+            </a:fld>
+            <a:endParaRPr lang="de-DE"/>
+          </a:p>
+        </p:txBody>
+      </p:sp>
+    </p:spTree>
+    <p:extLst>
+      <p:ext uri="{BB962C8B-B14F-4D97-AF65-F5344CB8AC3E}">
+        <p14:creationId xmlns:p14="http://schemas.microsoft.com/office/powerpoint/2010/main" val="22202235"/>
+      </p:ext>
+    </p:extLst>
+  </p:cSld>
+  <p:clrMapOvr>
+    <a:masterClrMapping/>
+  </p:clrMapOvr>
+</p:notes>
+</file>
+
+<file path=ppt/notesSlides/notesSlide17.xml><?xml version="1.0" encoding="utf-8"?>
+<p:notes xmlns:a="http://schemas.openxmlformats.org/drawingml/2006/main" xmlns:r="http://schemas.openxmlformats.org/officeDocument/2006/relationships" xmlns:p="http://schemas.openxmlformats.org/presentationml/2006/main">
+  <p:cSld>
+    <p:spTree>
+      <p:nvGrpSpPr>
+        <p:cNvPr id="1" name=""/>
+        <p:cNvGrpSpPr/>
+        <p:nvPr/>
+      </p:nvGrpSpPr>
+      <p:grpSpPr>
+        <a:xfrm>
+          <a:off x="0" y="0"/>
+          <a:ext cx="0" cy="0"/>
+          <a:chOff x="0" y="0"/>
+          <a:chExt cx="0" cy="0"/>
+        </a:xfrm>
+      </p:grpSpPr>
+      <p:sp>
+        <p:nvSpPr>
+          <p:cNvPr id="2" name="Folienbildplatzhalter 1"/>
+          <p:cNvSpPr>
+            <a:spLocks noGrp="1" noRot="1" noChangeAspect="1"/>
+          </p:cNvSpPr>
+          <p:nvPr>
+            <p:ph type="sldImg"/>
+          </p:nvPr>
+        </p:nvSpPr>
+        <p:spPr/>
+      </p:sp>
+      <p:sp>
+        <p:nvSpPr>
+          <p:cNvPr id="3" name="Notizenplatzhalter 2"/>
+          <p:cNvSpPr>
+            <a:spLocks noGrp="1"/>
+          </p:cNvSpPr>
+          <p:nvPr>
+            <p:ph type="body" idx="1"/>
+          </p:nvPr>
+        </p:nvSpPr>
+        <p:spPr/>
+        <p:txBody>
+          <a:bodyPr/>
+          <a:lstStyle/>
+          <a:p>
+            <a:r>
+              <a:rPr lang="de-DE" dirty="0" smtClean="0"/>
+              <a:t>MARVIN</a:t>
+            </a:r>
+          </a:p>
+        </p:txBody>
+      </p:sp>
+      <p:sp>
+        <p:nvSpPr>
+          <p:cNvPr id="4" name="Foliennummernplatzhalter 3"/>
+          <p:cNvSpPr>
+            <a:spLocks noGrp="1"/>
+          </p:cNvSpPr>
+          <p:nvPr>
+            <p:ph type="sldNum" sz="quarter" idx="10"/>
+          </p:nvPr>
+        </p:nvSpPr>
+        <p:spPr/>
+        <p:txBody>
+          <a:bodyPr/>
+          <a:lstStyle/>
+          <a:p>
+            <a:fld id="{4C40B096-980F-4B1D-B616-BA01D9772A24}" type="slidenum">
+              <a:rPr lang="de-DE" smtClean="0"/>
+              <a:t>17</a:t>
+            </a:fld>
+            <a:endParaRPr lang="de-DE"/>
+          </a:p>
+        </p:txBody>
+      </p:sp>
+    </p:spTree>
+    <p:extLst>
+      <p:ext uri="{BB962C8B-B14F-4D97-AF65-F5344CB8AC3E}">
+        <p14:creationId xmlns:p14="http://schemas.microsoft.com/office/powerpoint/2010/main" val="3050164613"/>
+      </p:ext>
+    </p:extLst>
+  </p:cSld>
+  <p:clrMapOvr>
+    <a:masterClrMapping/>
+  </p:clrMapOvr>
+</p:notes>
+</file>
+
+<file path=ppt/notesSlides/notesSlide18.xml><?xml version="1.0" encoding="utf-8"?>
+<p:notes xmlns:a="http://schemas.openxmlformats.org/drawingml/2006/main" xmlns:r="http://schemas.openxmlformats.org/officeDocument/2006/relationships" xmlns:p="http://schemas.openxmlformats.org/presentationml/2006/main">
+  <p:cSld>
+    <p:spTree>
+      <p:nvGrpSpPr>
+        <p:cNvPr id="1" name=""/>
+        <p:cNvGrpSpPr/>
+        <p:nvPr/>
+      </p:nvGrpSpPr>
+      <p:grpSpPr>
+        <a:xfrm>
+          <a:off x="0" y="0"/>
+          <a:ext cx="0" cy="0"/>
+          <a:chOff x="0" y="0"/>
+          <a:chExt cx="0" cy="0"/>
+        </a:xfrm>
+      </p:grpSpPr>
+      <p:sp>
+        <p:nvSpPr>
+          <p:cNvPr id="2" name="Folienbildplatzhalter 1"/>
+          <p:cNvSpPr>
+            <a:spLocks noGrp="1" noRot="1" noChangeAspect="1"/>
+          </p:cNvSpPr>
+          <p:nvPr>
+            <p:ph type="sldImg"/>
+          </p:nvPr>
+        </p:nvSpPr>
+        <p:spPr/>
+      </p:sp>
+      <p:sp>
+        <p:nvSpPr>
+          <p:cNvPr id="3" name="Notizenplatzhalter 2"/>
+          <p:cNvSpPr>
+            <a:spLocks noGrp="1"/>
+          </p:cNvSpPr>
+          <p:nvPr>
+            <p:ph type="body" idx="1"/>
+          </p:nvPr>
+        </p:nvSpPr>
+        <p:spPr/>
+        <p:txBody>
+          <a:bodyPr/>
+          <a:lstStyle/>
+          <a:p>
+            <a:r>
+              <a:rPr lang="de-DE" dirty="0" smtClean="0"/>
+              <a:t>MARVIN</a:t>
+            </a:r>
+            <a:endParaRPr lang="de-DE" dirty="0"/>
+          </a:p>
+        </p:txBody>
+      </p:sp>
+      <p:sp>
+        <p:nvSpPr>
+          <p:cNvPr id="4" name="Foliennummernplatzhalter 3"/>
+          <p:cNvSpPr>
+            <a:spLocks noGrp="1"/>
+          </p:cNvSpPr>
+          <p:nvPr>
+            <p:ph type="sldNum" sz="quarter" idx="10"/>
+          </p:nvPr>
+        </p:nvSpPr>
+        <p:spPr/>
+        <p:txBody>
+          <a:bodyPr/>
+          <a:lstStyle/>
+          <a:p>
+            <a:fld id="{4C40B096-980F-4B1D-B616-BA01D9772A24}" type="slidenum">
+              <a:rPr lang="de-DE" smtClean="0"/>
+              <a:t>18</a:t>
+            </a:fld>
+            <a:endParaRPr lang="de-DE"/>
+          </a:p>
+        </p:txBody>
+      </p:sp>
+    </p:spTree>
+    <p:extLst>
+      <p:ext uri="{BB962C8B-B14F-4D97-AF65-F5344CB8AC3E}">
+        <p14:creationId xmlns:p14="http://schemas.microsoft.com/office/powerpoint/2010/main" val="3050164613"/>
+      </p:ext>
+    </p:extLst>
+  </p:cSld>
+  <p:clrMapOvr>
+    <a:masterClrMapping/>
+  </p:clrMapOvr>
+</p:notes>
+</file>
+
+<file path=ppt/notesSlides/notesSlide19.xml><?xml version="1.0" encoding="utf-8"?>
+<p:notes xmlns:a="http://schemas.openxmlformats.org/drawingml/2006/main" xmlns:r="http://schemas.openxmlformats.org/officeDocument/2006/relationships" xmlns:p="http://schemas.openxmlformats.org/presentationml/2006/main">
+  <p:cSld>
+    <p:spTree>
+      <p:nvGrpSpPr>
+        <p:cNvPr id="1" name=""/>
+        <p:cNvGrpSpPr/>
+        <p:nvPr/>
+      </p:nvGrpSpPr>
+      <p:grpSpPr>
+        <a:xfrm>
+          <a:off x="0" y="0"/>
+          <a:ext cx="0" cy="0"/>
+          <a:chOff x="0" y="0"/>
+          <a:chExt cx="0" cy="0"/>
+        </a:xfrm>
+      </p:grpSpPr>
+      <p:sp>
+        <p:nvSpPr>
+          <p:cNvPr id="2" name="Folienbildplatzhalter 1"/>
+          <p:cNvSpPr>
+            <a:spLocks noGrp="1" noRot="1" noChangeAspect="1"/>
+          </p:cNvSpPr>
+          <p:nvPr>
+            <p:ph type="sldImg"/>
+          </p:nvPr>
+        </p:nvSpPr>
+        <p:spPr/>
+      </p:sp>
+      <p:sp>
+        <p:nvSpPr>
+          <p:cNvPr id="3" name="Notizenplatzhalter 2"/>
+          <p:cNvSpPr>
+            <a:spLocks noGrp="1"/>
+          </p:cNvSpPr>
+          <p:nvPr>
+            <p:ph type="body" idx="1"/>
+          </p:nvPr>
+        </p:nvSpPr>
+        <p:spPr/>
+        <p:txBody>
+          <a:bodyPr/>
+          <a:lstStyle/>
+          <a:p>
+            <a:r>
+              <a:rPr lang="de-DE" dirty="0" smtClean="0"/>
+              <a:t>MARVIN</a:t>
+            </a:r>
+            <a:endParaRPr lang="de-DE" dirty="0"/>
+          </a:p>
+        </p:txBody>
+      </p:sp>
+      <p:sp>
+        <p:nvSpPr>
+          <p:cNvPr id="4" name="Foliennummernplatzhalter 3"/>
+          <p:cNvSpPr>
+            <a:spLocks noGrp="1"/>
+          </p:cNvSpPr>
+          <p:nvPr>
+            <p:ph type="sldNum" sz="quarter" idx="10"/>
+          </p:nvPr>
+        </p:nvSpPr>
+        <p:spPr/>
+        <p:txBody>
+          <a:bodyPr/>
+          <a:lstStyle/>
+          <a:p>
+            <a:fld id="{4C40B096-980F-4B1D-B616-BA01D9772A24}" type="slidenum">
+              <a:rPr lang="de-DE" smtClean="0"/>
+              <a:t>19</a:t>
+            </a:fld>
+            <a:endParaRPr lang="de-DE"/>
+          </a:p>
+        </p:txBody>
+      </p:sp>
+    </p:spTree>
+    <p:extLst>
+      <p:ext uri="{BB962C8B-B14F-4D97-AF65-F5344CB8AC3E}">
+        <p14:creationId xmlns:p14="http://schemas.microsoft.com/office/powerpoint/2010/main" val="3188059666"/>
       </p:ext>
     </p:extLst>
   </p:cSld>
@@ -628,7 +2097,7 @@
           <a:p>
             <a:r>
               <a:rPr lang="de-DE" dirty="0" smtClean="0"/>
-              <a:t>ALI</a:t>
+              <a:t>Ali</a:t>
             </a:r>
             <a:endParaRPr lang="de-DE" dirty="0"/>
           </a:p>
@@ -651,7 +2120,7 @@
           <a:p>
             <a:fld id="{4C40B096-980F-4B1D-B616-BA01D9772A24}" type="slidenum">
               <a:rPr lang="de-DE" smtClean="0"/>
-              <a:t>4</a:t>
+              <a:t>2</a:t>
             </a:fld>
             <a:endParaRPr lang="de-DE"/>
           </a:p>
@@ -660,7 +2129,183 @@
     </p:spTree>
     <p:extLst>
       <p:ext uri="{BB962C8B-B14F-4D97-AF65-F5344CB8AC3E}">
-        <p14:creationId xmlns:p14="http://schemas.microsoft.com/office/powerpoint/2010/main" val="3497009384"/>
+        <p14:creationId xmlns:p14="http://schemas.microsoft.com/office/powerpoint/2010/main" val="2026199475"/>
+      </p:ext>
+    </p:extLst>
+  </p:cSld>
+  <p:clrMapOvr>
+    <a:masterClrMapping/>
+  </p:clrMapOvr>
+</p:notes>
+</file>
+
+<file path=ppt/notesSlides/notesSlide20.xml><?xml version="1.0" encoding="utf-8"?>
+<p:notes xmlns:a="http://schemas.openxmlformats.org/drawingml/2006/main" xmlns:r="http://schemas.openxmlformats.org/officeDocument/2006/relationships" xmlns:p="http://schemas.openxmlformats.org/presentationml/2006/main">
+  <p:cSld>
+    <p:spTree>
+      <p:nvGrpSpPr>
+        <p:cNvPr id="1" name=""/>
+        <p:cNvGrpSpPr/>
+        <p:nvPr/>
+      </p:nvGrpSpPr>
+      <p:grpSpPr>
+        <a:xfrm>
+          <a:off x="0" y="0"/>
+          <a:ext cx="0" cy="0"/>
+          <a:chOff x="0" y="0"/>
+          <a:chExt cx="0" cy="0"/>
+        </a:xfrm>
+      </p:grpSpPr>
+      <p:sp>
+        <p:nvSpPr>
+          <p:cNvPr id="2" name="Folienbildplatzhalter 1"/>
+          <p:cNvSpPr>
+            <a:spLocks noGrp="1" noRot="1" noChangeAspect="1"/>
+          </p:cNvSpPr>
+          <p:nvPr>
+            <p:ph type="sldImg"/>
+          </p:nvPr>
+        </p:nvSpPr>
+        <p:spPr/>
+      </p:sp>
+      <p:sp>
+        <p:nvSpPr>
+          <p:cNvPr id="3" name="Notizenplatzhalter 2"/>
+          <p:cNvSpPr>
+            <a:spLocks noGrp="1"/>
+          </p:cNvSpPr>
+          <p:nvPr>
+            <p:ph type="body" idx="1"/>
+          </p:nvPr>
+        </p:nvSpPr>
+        <p:spPr/>
+        <p:txBody>
+          <a:bodyPr/>
+          <a:lstStyle/>
+          <a:p>
+            <a:r>
+              <a:rPr lang="de-DE" dirty="0" smtClean="0"/>
+              <a:t>Marvin</a:t>
+            </a:r>
+            <a:endParaRPr lang="de-DE" dirty="0"/>
+          </a:p>
+        </p:txBody>
+      </p:sp>
+      <p:sp>
+        <p:nvSpPr>
+          <p:cNvPr id="4" name="Foliennummernplatzhalter 3"/>
+          <p:cNvSpPr>
+            <a:spLocks noGrp="1"/>
+          </p:cNvSpPr>
+          <p:nvPr>
+            <p:ph type="sldNum" sz="quarter" idx="10"/>
+          </p:nvPr>
+        </p:nvSpPr>
+        <p:spPr/>
+        <p:txBody>
+          <a:bodyPr/>
+          <a:lstStyle/>
+          <a:p>
+            <a:fld id="{4C40B096-980F-4B1D-B616-BA01D9772A24}" type="slidenum">
+              <a:rPr lang="de-DE" smtClean="0"/>
+              <a:t>20</a:t>
+            </a:fld>
+            <a:endParaRPr lang="de-DE"/>
+          </a:p>
+        </p:txBody>
+      </p:sp>
+    </p:spTree>
+    <p:extLst>
+      <p:ext uri="{BB962C8B-B14F-4D97-AF65-F5344CB8AC3E}">
+        <p14:creationId xmlns:p14="http://schemas.microsoft.com/office/powerpoint/2010/main" val="2162810503"/>
+      </p:ext>
+    </p:extLst>
+  </p:cSld>
+  <p:clrMapOvr>
+    <a:masterClrMapping/>
+  </p:clrMapOvr>
+</p:notes>
+</file>
+
+<file path=ppt/notesSlides/notesSlide21.xml><?xml version="1.0" encoding="utf-8"?>
+<p:notes xmlns:a="http://schemas.openxmlformats.org/drawingml/2006/main" xmlns:r="http://schemas.openxmlformats.org/officeDocument/2006/relationships" xmlns:p="http://schemas.openxmlformats.org/presentationml/2006/main">
+  <p:cSld>
+    <p:spTree>
+      <p:nvGrpSpPr>
+        <p:cNvPr id="1" name=""/>
+        <p:cNvGrpSpPr/>
+        <p:nvPr/>
+      </p:nvGrpSpPr>
+      <p:grpSpPr>
+        <a:xfrm>
+          <a:off x="0" y="0"/>
+          <a:ext cx="0" cy="0"/>
+          <a:chOff x="0" y="0"/>
+          <a:chExt cx="0" cy="0"/>
+        </a:xfrm>
+      </p:grpSpPr>
+      <p:sp>
+        <p:nvSpPr>
+          <p:cNvPr id="2" name="Folienbildplatzhalter 1"/>
+          <p:cNvSpPr>
+            <a:spLocks noGrp="1" noRot="1" noChangeAspect="1"/>
+          </p:cNvSpPr>
+          <p:nvPr>
+            <p:ph type="sldImg"/>
+          </p:nvPr>
+        </p:nvSpPr>
+        <p:spPr/>
+      </p:sp>
+      <p:sp>
+        <p:nvSpPr>
+          <p:cNvPr id="3" name="Notizenplatzhalter 2"/>
+          <p:cNvSpPr>
+            <a:spLocks noGrp="1"/>
+          </p:cNvSpPr>
+          <p:nvPr>
+            <p:ph type="body" idx="1"/>
+          </p:nvPr>
+        </p:nvSpPr>
+        <p:spPr/>
+        <p:txBody>
+          <a:bodyPr/>
+          <a:lstStyle/>
+          <a:p>
+            <a:r>
+              <a:rPr lang="de-DE" dirty="0" smtClean="0"/>
+              <a:t>MANU</a:t>
+            </a:r>
+            <a:endParaRPr lang="de-DE" dirty="0"/>
+          </a:p>
+        </p:txBody>
+      </p:sp>
+      <p:sp>
+        <p:nvSpPr>
+          <p:cNvPr id="4" name="Foliennummernplatzhalter 3"/>
+          <p:cNvSpPr>
+            <a:spLocks noGrp="1"/>
+          </p:cNvSpPr>
+          <p:nvPr>
+            <p:ph type="sldNum" sz="quarter" idx="10"/>
+          </p:nvPr>
+        </p:nvSpPr>
+        <p:spPr/>
+        <p:txBody>
+          <a:bodyPr/>
+          <a:lstStyle/>
+          <a:p>
+            <a:fld id="{4C40B096-980F-4B1D-B616-BA01D9772A24}" type="slidenum">
+              <a:rPr lang="de-DE" smtClean="0"/>
+              <a:t>22</a:t>
+            </a:fld>
+            <a:endParaRPr lang="de-DE"/>
+          </a:p>
+        </p:txBody>
+      </p:sp>
+    </p:spTree>
+    <p:extLst>
+      <p:ext uri="{BB962C8B-B14F-4D97-AF65-F5344CB8AC3E}">
+        <p14:creationId xmlns:p14="http://schemas.microsoft.com/office/powerpoint/2010/main" val="3050164613"/>
       </p:ext>
     </p:extLst>
   </p:cSld>
@@ -716,7 +2361,7 @@
           <a:p>
             <a:r>
               <a:rPr lang="de-DE" dirty="0" smtClean="0"/>
-              <a:t>MARVIN</a:t>
+              <a:t>Ali</a:t>
             </a:r>
             <a:endParaRPr lang="de-DE" dirty="0"/>
           </a:p>
@@ -739,7 +2384,7 @@
           <a:p>
             <a:fld id="{4C40B096-980F-4B1D-B616-BA01D9772A24}" type="slidenum">
               <a:rPr lang="de-DE" smtClean="0"/>
-              <a:t>6</a:t>
+              <a:t>3</a:t>
             </a:fld>
             <a:endParaRPr lang="de-DE"/>
           </a:p>
@@ -748,7 +2393,7 @@
     </p:spTree>
     <p:extLst>
       <p:ext uri="{BB962C8B-B14F-4D97-AF65-F5344CB8AC3E}">
-        <p14:creationId xmlns:p14="http://schemas.microsoft.com/office/powerpoint/2010/main" val="4256659103"/>
+        <p14:creationId xmlns:p14="http://schemas.microsoft.com/office/powerpoint/2010/main" val="596218652"/>
       </p:ext>
     </p:extLst>
   </p:cSld>
@@ -804,7 +2449,7 @@
           <a:p>
             <a:r>
               <a:rPr lang="de-DE" dirty="0" smtClean="0"/>
-              <a:t>MARC</a:t>
+              <a:t>MANU</a:t>
             </a:r>
             <a:endParaRPr lang="de-DE" dirty="0"/>
           </a:p>
@@ -827,16 +2472,16 @@
           <a:p>
             <a:fld id="{4C40B096-980F-4B1D-B616-BA01D9772A24}" type="slidenum">
               <a:rPr lang="de-DE" smtClean="0"/>
-              <a:t>12</a:t>
+              <a:t>4</a:t>
             </a:fld>
-            <a:endParaRPr lang="de-DE"/>
+            <a:endParaRPr lang="de-DE" dirty="0"/>
           </a:p>
         </p:txBody>
       </p:sp>
     </p:spTree>
     <p:extLst>
       <p:ext uri="{BB962C8B-B14F-4D97-AF65-F5344CB8AC3E}">
-        <p14:creationId xmlns:p14="http://schemas.microsoft.com/office/powerpoint/2010/main" val="1007455932"/>
+        <p14:creationId xmlns:p14="http://schemas.microsoft.com/office/powerpoint/2010/main" val="740053472"/>
       </p:ext>
     </p:extLst>
   </p:cSld>
@@ -892,7 +2537,7 @@
           <a:p>
             <a:r>
               <a:rPr lang="de-DE" dirty="0" smtClean="0"/>
-              <a:t>MARC</a:t>
+              <a:t>ALI</a:t>
             </a:r>
             <a:endParaRPr lang="de-DE" dirty="0"/>
           </a:p>
@@ -915,7 +2560,7 @@
           <a:p>
             <a:fld id="{4C40B096-980F-4B1D-B616-BA01D9772A24}" type="slidenum">
               <a:rPr lang="de-DE" smtClean="0"/>
-              <a:t>13</a:t>
+              <a:t>5</a:t>
             </a:fld>
             <a:endParaRPr lang="de-DE"/>
           </a:p>
@@ -924,7 +2569,7 @@
     </p:spTree>
     <p:extLst>
       <p:ext uri="{BB962C8B-B14F-4D97-AF65-F5344CB8AC3E}">
-        <p14:creationId xmlns:p14="http://schemas.microsoft.com/office/powerpoint/2010/main" val="1007455932"/>
+        <p14:creationId xmlns:p14="http://schemas.microsoft.com/office/powerpoint/2010/main" val="3497009384"/>
       </p:ext>
     </p:extLst>
   </p:cSld>
@@ -980,7 +2625,7 @@
           <a:p>
             <a:r>
               <a:rPr lang="de-DE" dirty="0" smtClean="0"/>
-              <a:t>MARVIN</a:t>
+              <a:t>ALI</a:t>
             </a:r>
             <a:endParaRPr lang="de-DE" dirty="0"/>
           </a:p>
@@ -1003,7 +2648,7 @@
           <a:p>
             <a:fld id="{4C40B096-980F-4B1D-B616-BA01D9772A24}" type="slidenum">
               <a:rPr lang="de-DE" smtClean="0"/>
-              <a:t>14</a:t>
+              <a:t>6</a:t>
             </a:fld>
             <a:endParaRPr lang="de-DE"/>
           </a:p>
@@ -1012,7 +2657,7 @@
     </p:spTree>
     <p:extLst>
       <p:ext uri="{BB962C8B-B14F-4D97-AF65-F5344CB8AC3E}">
-        <p14:creationId xmlns:p14="http://schemas.microsoft.com/office/powerpoint/2010/main" val="22202235"/>
+        <p14:creationId xmlns:p14="http://schemas.microsoft.com/office/powerpoint/2010/main" val="4256659103"/>
       </p:ext>
     </p:extLst>
   </p:cSld>
@@ -1068,7 +2713,7 @@
           <a:p>
             <a:r>
               <a:rPr lang="de-DE" dirty="0" smtClean="0"/>
-              <a:t>MARVIN</a:t>
+              <a:t>Manu</a:t>
             </a:r>
             <a:endParaRPr lang="de-DE" dirty="0"/>
           </a:p>
@@ -1091,7 +2736,7 @@
           <a:p>
             <a:fld id="{4C40B096-980F-4B1D-B616-BA01D9772A24}" type="slidenum">
               <a:rPr lang="de-DE" smtClean="0"/>
-              <a:t>15</a:t>
+              <a:t>7</a:t>
             </a:fld>
             <a:endParaRPr lang="de-DE"/>
           </a:p>
@@ -1100,7 +2745,7 @@
     </p:spTree>
     <p:extLst>
       <p:ext uri="{BB962C8B-B14F-4D97-AF65-F5344CB8AC3E}">
-        <p14:creationId xmlns:p14="http://schemas.microsoft.com/office/powerpoint/2010/main" val="3188059666"/>
+        <p14:creationId xmlns:p14="http://schemas.microsoft.com/office/powerpoint/2010/main" val="3497009384"/>
       </p:ext>
     </p:extLst>
   </p:cSld>
@@ -1156,7 +2801,7 @@
           <a:p>
             <a:r>
               <a:rPr lang="de-DE" dirty="0" smtClean="0"/>
-              <a:t>MANU</a:t>
+              <a:t>Ali</a:t>
             </a:r>
             <a:endParaRPr lang="de-DE" dirty="0"/>
           </a:p>
@@ -1179,7 +2824,7 @@
           <a:p>
             <a:fld id="{4C40B096-980F-4B1D-B616-BA01D9772A24}" type="slidenum">
               <a:rPr lang="de-DE" smtClean="0"/>
-              <a:t>16</a:t>
+              <a:t>8</a:t>
             </a:fld>
             <a:endParaRPr lang="de-DE"/>
           </a:p>
@@ -1188,7 +2833,7 @@
     </p:spTree>
     <p:extLst>
       <p:ext uri="{BB962C8B-B14F-4D97-AF65-F5344CB8AC3E}">
-        <p14:creationId xmlns:p14="http://schemas.microsoft.com/office/powerpoint/2010/main" val="3050164613"/>
+        <p14:creationId xmlns:p14="http://schemas.microsoft.com/office/powerpoint/2010/main" val="1598161511"/>
       </p:ext>
     </p:extLst>
   </p:cSld>
@@ -1244,7 +2889,7 @@
           <a:p>
             <a:r>
               <a:rPr lang="de-DE" dirty="0" smtClean="0"/>
-              <a:t>MANU</a:t>
+              <a:t>Ali</a:t>
             </a:r>
             <a:endParaRPr lang="de-DE" dirty="0"/>
           </a:p>
@@ -1267,7 +2912,7 @@
           <a:p>
             <a:fld id="{4C40B096-980F-4B1D-B616-BA01D9772A24}" type="slidenum">
               <a:rPr lang="de-DE" smtClean="0"/>
-              <a:t>17</a:t>
+              <a:t>9</a:t>
             </a:fld>
             <a:endParaRPr lang="de-DE"/>
           </a:p>
@@ -1276,7 +2921,7 @@
     </p:spTree>
     <p:extLst>
       <p:ext uri="{BB962C8B-B14F-4D97-AF65-F5344CB8AC3E}">
-        <p14:creationId xmlns:p14="http://schemas.microsoft.com/office/powerpoint/2010/main" val="3050164613"/>
+        <p14:creationId xmlns:p14="http://schemas.microsoft.com/office/powerpoint/2010/main" val="1367202656"/>
       </p:ext>
     </p:extLst>
   </p:cSld>
@@ -5138,7 +6783,7 @@
           <p:nvPr/>
         </p:nvPicPr>
         <p:blipFill>
-          <a:blip r:embed="rId2" cstate="print">
+          <a:blip r:embed="rId3" cstate="print">
             <a:extLst>
               <a:ext uri="{28A0092B-C50C-407E-A947-70E740481C1C}">
                 <a14:useLocalDpi xmlns:a14="http://schemas.microsoft.com/office/drawing/2010/main" val="0"/>
@@ -5230,6 +6875,295 @@
                   </a:schemeClr>
                 </a:solidFill>
               </a:rPr>
+              <a:t>FUNCTION POINTS</a:t>
+            </a:r>
+            <a:endParaRPr lang="de-DE" dirty="0"/>
+          </a:p>
+        </p:txBody>
+      </p:sp>
+      <p:sp>
+        <p:nvSpPr>
+          <p:cNvPr id="4" name="Foliennummernplatzhalter 3"/>
+          <p:cNvSpPr>
+            <a:spLocks noGrp="1"/>
+          </p:cNvSpPr>
+          <p:nvPr>
+            <p:ph type="sldNum" sz="quarter" idx="12"/>
+          </p:nvPr>
+        </p:nvSpPr>
+        <p:spPr/>
+        <p:txBody>
+          <a:bodyPr/>
+          <a:lstStyle/>
+          <a:p>
+            <a:fld id="{BEA2534F-1EDD-48ED-BC5A-02D188FC5C63}" type="slidenum">
+              <a:rPr lang="de-DE" smtClean="0"/>
+              <a:t>10</a:t>
+            </a:fld>
+            <a:endParaRPr lang="de-DE"/>
+          </a:p>
+        </p:txBody>
+      </p:sp>
+      <p:pic>
+        <p:nvPicPr>
+          <p:cNvPr id="3074" name="Picture 2" descr="C:\Users\mincekara\Desktop\2016-06-14 17_39_43-Microsoft Excel - Usecase doc.xlsx.png"/>
+          <p:cNvPicPr>
+            <a:picLocks noChangeAspect="1" noChangeArrowheads="1"/>
+          </p:cNvPicPr>
+          <p:nvPr/>
+        </p:nvPicPr>
+        <p:blipFill>
+          <a:blip r:embed="rId3">
+            <a:extLst>
+              <a:ext uri="{28A0092B-C50C-407E-A947-70E740481C1C}">
+                <a14:useLocalDpi xmlns:a14="http://schemas.microsoft.com/office/drawing/2010/main" val="0"/>
+              </a:ext>
+            </a:extLst>
+          </a:blip>
+          <a:srcRect/>
+          <a:stretch>
+            <a:fillRect/>
+          </a:stretch>
+        </p:blipFill>
+        <p:spPr bwMode="auto">
+          <a:xfrm>
+            <a:off x="53181" y="2569046"/>
+            <a:ext cx="6986847" cy="2047559"/>
+          </a:xfrm>
+          <a:prstGeom prst="rect">
+            <a:avLst/>
+          </a:prstGeom>
+          <a:noFill/>
+          <a:extLst>
+            <a:ext uri="{909E8E84-426E-40DD-AFC4-6F175D3DCCD1}">
+              <a14:hiddenFill xmlns:a14="http://schemas.microsoft.com/office/drawing/2010/main">
+                <a:solidFill>
+                  <a:srgbClr val="FFFFFF"/>
+                </a:solidFill>
+              </a14:hiddenFill>
+            </a:ext>
+          </a:extLst>
+        </p:spPr>
+      </p:pic>
+      <p:graphicFrame>
+        <p:nvGraphicFramePr>
+          <p:cNvPr id="6" name="Diagramm 5"/>
+          <p:cNvGraphicFramePr>
+            <a:graphicFrameLocks/>
+          </p:cNvGraphicFramePr>
+          <p:nvPr>
+            <p:extLst>
+              <p:ext uri="{D42A27DB-BD31-4B8C-83A1-F6EECF244321}">
+                <p14:modId xmlns:p14="http://schemas.microsoft.com/office/powerpoint/2010/main" val="4186510498"/>
+              </p:ext>
+            </p:extLst>
+          </p:nvPr>
+        </p:nvGraphicFramePr>
+        <p:xfrm>
+          <a:off x="6965016" y="1999019"/>
+          <a:ext cx="5226984" cy="3630986"/>
+        </p:xfrm>
+        <a:graphic>
+          <a:graphicData uri="http://schemas.openxmlformats.org/drawingml/2006/chart">
+            <c:chart xmlns:c="http://schemas.openxmlformats.org/drawingml/2006/chart" xmlns:r="http://schemas.openxmlformats.org/officeDocument/2006/relationships" r:id="rId4"/>
+          </a:graphicData>
+        </a:graphic>
+      </p:graphicFrame>
+      <p:graphicFrame>
+        <p:nvGraphicFramePr>
+          <p:cNvPr id="7" name="Diagramm 6"/>
+          <p:cNvGraphicFramePr>
+            <a:graphicFrameLocks/>
+          </p:cNvGraphicFramePr>
+          <p:nvPr>
+            <p:extLst>
+              <p:ext uri="{D42A27DB-BD31-4B8C-83A1-F6EECF244321}">
+                <p14:modId xmlns:p14="http://schemas.microsoft.com/office/powerpoint/2010/main" val="3181338246"/>
+              </p:ext>
+            </p:extLst>
+          </p:nvPr>
+        </p:nvGraphicFramePr>
+        <p:xfrm>
+          <a:off x="6936440" y="1996547"/>
+          <a:ext cx="5255560" cy="3192556"/>
+        </p:xfrm>
+        <a:graphic>
+          <a:graphicData uri="http://schemas.openxmlformats.org/drawingml/2006/chart">
+            <c:chart xmlns:c="http://schemas.openxmlformats.org/drawingml/2006/chart" xmlns:r="http://schemas.openxmlformats.org/officeDocument/2006/relationships" r:id="rId5"/>
+          </a:graphicData>
+        </a:graphic>
+      </p:graphicFrame>
+    </p:spTree>
+    <p:extLst>
+      <p:ext uri="{BB962C8B-B14F-4D97-AF65-F5344CB8AC3E}">
+        <p14:creationId xmlns:p14="http://schemas.microsoft.com/office/powerpoint/2010/main" val="2983638629"/>
+      </p:ext>
+    </p:extLst>
+  </p:cSld>
+  <p:clrMapOvr>
+    <a:masterClrMapping/>
+  </p:clrMapOvr>
+  <p:timing>
+    <p:tnLst>
+      <p:par>
+        <p:cTn id="1" dur="indefinite" restart="never" nodeType="tmRoot">
+          <p:childTnLst>
+            <p:seq concurrent="1" nextAc="seek">
+              <p:cTn id="2" dur="indefinite" nodeType="mainSeq">
+                <p:childTnLst>
+                  <p:par>
+                    <p:cTn id="3" fill="hold">
+                      <p:stCondLst>
+                        <p:cond delay="indefinite"/>
+                      </p:stCondLst>
+                      <p:childTnLst>
+                        <p:par>
+                          <p:cTn id="4" fill="hold">
+                            <p:stCondLst>
+                              <p:cond delay="0"/>
+                            </p:stCondLst>
+                            <p:childTnLst>
+                              <p:par>
+                                <p:cTn id="5" presetID="10" presetClass="exit" presetSubtype="0" fill="hold" grpId="0" nodeType="clickEffect">
+                                  <p:stCondLst>
+                                    <p:cond delay="0"/>
+                                  </p:stCondLst>
+                                  <p:childTnLst>
+                                    <p:animEffect transition="out" filter="fade">
+                                      <p:cBhvr>
+                                        <p:cTn id="6" dur="500"/>
+                                        <p:tgtEl>
+                                          <p:spTgt spid="6"/>
+                                        </p:tgtEl>
+                                      </p:cBhvr>
+                                    </p:animEffect>
+                                    <p:set>
+                                      <p:cBhvr>
+                                        <p:cTn id="7" dur="1" fill="hold">
+                                          <p:stCondLst>
+                                            <p:cond delay="499"/>
+                                          </p:stCondLst>
+                                        </p:cTn>
+                                        <p:tgtEl>
+                                          <p:spTgt spid="6"/>
+                                        </p:tgtEl>
+                                        <p:attrNameLst>
+                                          <p:attrName>style.visibility</p:attrName>
+                                        </p:attrNameLst>
+                                      </p:cBhvr>
+                                      <p:to>
+                                        <p:strVal val="hidden"/>
+                                      </p:to>
+                                    </p:set>
+                                  </p:childTnLst>
+                                </p:cTn>
+                              </p:par>
+                              <p:par>
+                                <p:cTn id="8" presetID="1" presetClass="entr" presetSubtype="0" fill="hold" grpId="0" nodeType="withEffect">
+                                  <p:stCondLst>
+                                    <p:cond delay="0"/>
+                                  </p:stCondLst>
+                                  <p:childTnLst>
+                                    <p:set>
+                                      <p:cBhvr>
+                                        <p:cTn id="9" dur="1" fill="hold">
+                                          <p:stCondLst>
+                                            <p:cond delay="0"/>
+                                          </p:stCondLst>
+                                        </p:cTn>
+                                        <p:tgtEl>
+                                          <p:spTgt spid="7"/>
+                                        </p:tgtEl>
+                                        <p:attrNameLst>
+                                          <p:attrName>style.visibility</p:attrName>
+                                        </p:attrNameLst>
+                                      </p:cBhvr>
+                                      <p:to>
+                                        <p:strVal val="visible"/>
+                                      </p:to>
+                                    </p:set>
+                                  </p:childTnLst>
+                                </p:cTn>
+                              </p:par>
+                            </p:childTnLst>
+                          </p:cTn>
+                        </p:par>
+                      </p:childTnLst>
+                    </p:cTn>
+                  </p:par>
+                </p:childTnLst>
+              </p:cTn>
+              <p:prevCondLst>
+                <p:cond evt="onPrev" delay="0">
+                  <p:tgtEl>
+                    <p:sldTgt/>
+                  </p:tgtEl>
+                </p:cond>
+              </p:prevCondLst>
+              <p:nextCondLst>
+                <p:cond evt="onNext" delay="0">
+                  <p:tgtEl>
+                    <p:sldTgt/>
+                  </p:tgtEl>
+                </p:cond>
+              </p:nextCondLst>
+            </p:seq>
+          </p:childTnLst>
+        </p:cTn>
+      </p:par>
+    </p:tnLst>
+    <p:bldLst>
+      <p:bldGraphic spid="6" grpId="0">
+        <p:bldAsOne/>
+      </p:bldGraphic>
+      <p:bldGraphic spid="7" grpId="0">
+        <p:bldAsOne/>
+      </p:bldGraphic>
+    </p:bldLst>
+  </p:timing>
+</p:sld>
+</file>
+
+<file path=ppt/slides/slide11.xml><?xml version="1.0" encoding="utf-8"?>
+<p:sld xmlns:a="http://schemas.openxmlformats.org/drawingml/2006/main" xmlns:r="http://schemas.openxmlformats.org/officeDocument/2006/relationships" xmlns:p="http://schemas.openxmlformats.org/presentationml/2006/main">
+  <p:cSld>
+    <p:spTree>
+      <p:nvGrpSpPr>
+        <p:cNvPr id="1" name=""/>
+        <p:cNvGrpSpPr/>
+        <p:nvPr/>
+      </p:nvGrpSpPr>
+      <p:grpSpPr>
+        <a:xfrm>
+          <a:off x="0" y="0"/>
+          <a:ext cx="0" cy="0"/>
+          <a:chOff x="0" y="0"/>
+          <a:chExt cx="0" cy="0"/>
+        </a:xfrm>
+      </p:grpSpPr>
+      <p:sp>
+        <p:nvSpPr>
+          <p:cNvPr id="2" name="Titel 1"/>
+          <p:cNvSpPr>
+            <a:spLocks noGrp="1"/>
+          </p:cNvSpPr>
+          <p:nvPr>
+            <p:ph type="title"/>
+          </p:nvPr>
+        </p:nvSpPr>
+        <p:spPr/>
+        <p:txBody>
+          <a:bodyPr/>
+          <a:lstStyle/>
+          <a:p>
+            <a:r>
+              <a:rPr lang="de-DE" dirty="0" smtClean="0">
+                <a:solidFill>
+                  <a:schemeClr val="bg1">
+                    <a:lumMod val="50000"/>
+                  </a:schemeClr>
+                </a:solidFill>
+              </a:rPr>
               <a:t>JIRA</a:t>
             </a:r>
             <a:endParaRPr lang="de-DE" dirty="0">
@@ -5263,60 +7197,60 @@
           <a:lstStyle/>
           <a:p>
             <a:endParaRPr lang="de-DE" sz="1800" dirty="0" smtClean="0">
-              <a:hlinkClick r:id="rId2"/>
+              <a:hlinkClick r:id="rId3"/>
             </a:endParaRPr>
           </a:p>
           <a:p>
             <a:endParaRPr lang="de-DE" sz="1800" dirty="0">
-              <a:hlinkClick r:id="rId2"/>
+              <a:hlinkClick r:id="rId3"/>
             </a:endParaRPr>
           </a:p>
           <a:p>
             <a:endParaRPr lang="de-DE" sz="1800" dirty="0" smtClean="0">
-              <a:hlinkClick r:id="rId2"/>
+              <a:hlinkClick r:id="rId3"/>
             </a:endParaRPr>
           </a:p>
           <a:p>
             <a:endParaRPr lang="de-DE" sz="1800" dirty="0">
-              <a:hlinkClick r:id="rId2"/>
+              <a:hlinkClick r:id="rId3"/>
             </a:endParaRPr>
           </a:p>
           <a:p>
             <a:endParaRPr lang="de-DE" sz="1800" dirty="0" smtClean="0">
-              <a:hlinkClick r:id="rId2"/>
+              <a:hlinkClick r:id="rId3"/>
             </a:endParaRPr>
           </a:p>
           <a:p>
             <a:endParaRPr lang="de-DE" sz="1800" dirty="0">
-              <a:hlinkClick r:id="rId2"/>
+              <a:hlinkClick r:id="rId3"/>
             </a:endParaRPr>
           </a:p>
           <a:p>
             <a:endParaRPr lang="de-DE" sz="1800" dirty="0" smtClean="0">
-              <a:hlinkClick r:id="rId2"/>
+              <a:hlinkClick r:id="rId3"/>
             </a:endParaRPr>
           </a:p>
           <a:p>
             <a:endParaRPr lang="de-DE" sz="1800" dirty="0">
-              <a:hlinkClick r:id="rId2"/>
+              <a:hlinkClick r:id="rId3"/>
             </a:endParaRPr>
           </a:p>
           <a:p>
             <a:r>
               <a:rPr lang="de-DE" sz="1800" dirty="0" smtClean="0">
-                <a:hlinkClick r:id="rId2"/>
+                <a:hlinkClick r:id="rId3"/>
               </a:rPr>
               <a:t>http</a:t>
             </a:r>
             <a:r>
               <a:rPr lang="de-DE" sz="1800" dirty="0">
-                <a:hlinkClick r:id="rId2"/>
+                <a:hlinkClick r:id="rId3"/>
               </a:rPr>
               <a:t>://</a:t>
             </a:r>
             <a:r>
               <a:rPr lang="de-DE" sz="1800" dirty="0" smtClean="0">
-                <a:hlinkClick r:id="rId2"/>
+                <a:hlinkClick r:id="rId3"/>
               </a:rPr>
               <a:t>193.196.7.27:8080/secure/RapidBoard.jspa?rapidView=8&amp;projectKey=NAP&amp;view=planning.nodetail</a:t>
             </a:r>
@@ -5344,7 +7278,7 @@
           <a:p>
             <a:fld id="{BEA2534F-1EDD-48ED-BC5A-02D188FC5C63}" type="slidenum">
               <a:rPr lang="de-DE" smtClean="0"/>
-              <a:t>10</a:t>
+              <a:t>11</a:t>
             </a:fld>
             <a:endParaRPr lang="de-DE" dirty="0"/>
           </a:p>
@@ -5359,7 +7293,7 @@
           <p:nvPr/>
         </p:nvPicPr>
         <p:blipFill>
-          <a:blip r:embed="rId3">
+          <a:blip r:embed="rId4">
             <a:extLst>
               <a:ext uri="{28A0092B-C50C-407E-A947-70E740481C1C}">
                 <a14:useLocalDpi xmlns:a14="http://schemas.microsoft.com/office/drawing/2010/main" val="0"/>
@@ -5400,7 +7334,7 @@
           <p:nvPr/>
         </p:nvPicPr>
         <p:blipFill>
-          <a:blip r:embed="rId4">
+          <a:blip r:embed="rId5">
             <a:extLst>
               <a:ext uri="{28A0092B-C50C-407E-A947-70E740481C1C}">
                 <a14:useLocalDpi xmlns:a14="http://schemas.microsoft.com/office/drawing/2010/main" val="0"/>
@@ -5452,7 +7386,7 @@
 </p:sld>
 </file>
 
-<file path=ppt/slides/slide11.xml><?xml version="1.0" encoding="utf-8"?>
+<file path=ppt/slides/slide12.xml><?xml version="1.0" encoding="utf-8"?>
 <p:sld xmlns:a="http://schemas.openxmlformats.org/drawingml/2006/main" xmlns:r="http://schemas.openxmlformats.org/officeDocument/2006/relationships" xmlns:p="http://schemas.openxmlformats.org/presentationml/2006/main">
   <p:cSld>
     <p:spTree>
@@ -5526,7 +7460,7 @@
           <a:p>
             <a:fld id="{BEA2534F-1EDD-48ED-BC5A-02D188FC5C63}" type="slidenum">
               <a:rPr lang="de-DE" smtClean="0"/>
-              <a:t>11</a:t>
+              <a:t>12</a:t>
             </a:fld>
             <a:endParaRPr lang="de-DE" dirty="0"/>
           </a:p>
@@ -5541,7 +7475,7 @@
           <p:nvPr/>
         </p:nvPicPr>
         <p:blipFill>
-          <a:blip r:embed="rId2">
+          <a:blip r:embed="rId3">
             <a:extLst>
               <a:ext uri="{28A0092B-C50C-407E-A947-70E740481C1C}">
                 <a14:useLocalDpi xmlns:a14="http://schemas.microsoft.com/office/drawing/2010/main" val="0"/>
@@ -5582,7 +7516,7 @@
           <p:nvPr/>
         </p:nvPicPr>
         <p:blipFill>
-          <a:blip r:embed="rId3">
+          <a:blip r:embed="rId4">
             <a:extLst>
               <a:ext uri="{28A0092B-C50C-407E-A947-70E740481C1C}">
                 <a14:useLocalDpi xmlns:a14="http://schemas.microsoft.com/office/drawing/2010/main" val="0"/>
@@ -5623,7 +7557,7 @@
           <p:nvPr/>
         </p:nvPicPr>
         <p:blipFill>
-          <a:blip r:embed="rId4">
+          <a:blip r:embed="rId5">
             <a:extLst>
               <a:ext uri="{28A0092B-C50C-407E-A947-70E740481C1C}">
                 <a14:useLocalDpi xmlns:a14="http://schemas.microsoft.com/office/drawing/2010/main" val="0"/>
@@ -5720,33 +7654,15 @@
                                   </p:childTnLst>
                                 </p:cTn>
                               </p:par>
-                            </p:childTnLst>
-                          </p:cTn>
-                        </p:par>
-                      </p:childTnLst>
-                    </p:cTn>
-                  </p:par>
-                  <p:par>
-                    <p:cTn id="8" fill="hold">
-                      <p:stCondLst>
-                        <p:cond delay="indefinite"/>
-                      </p:stCondLst>
-                      <p:childTnLst>
-                        <p:par>
-                          <p:cTn id="9" fill="hold">
-                            <p:stCondLst>
-                              <p:cond delay="0"/>
-                            </p:stCondLst>
-                            <p:childTnLst>
                               <p:par>
-                                <p:cTn id="10" presetID="10" presetClass="entr" presetSubtype="0" fill="hold" nodeType="clickEffect">
+                                <p:cTn id="8" presetID="10" presetClass="entr" presetSubtype="0" fill="hold" nodeType="withEffect">
                                   <p:stCondLst>
                                     <p:cond delay="0"/>
                                   </p:stCondLst>
                                   <p:childTnLst>
                                     <p:set>
                                       <p:cBhvr>
-                                        <p:cTn id="11" dur="1" fill="hold">
+                                        <p:cTn id="9" dur="1" fill="hold">
                                           <p:stCondLst>
                                             <p:cond delay="0"/>
                                           </p:stCondLst>
@@ -5764,7 +7680,7 @@
                                     </p:set>
                                     <p:animEffect transition="in" filter="fade">
                                       <p:cBhvr>
-                                        <p:cTn id="12" dur="500"/>
+                                        <p:cTn id="10" dur="500"/>
                                         <p:tgtEl>
                                           <p:spTgt spid="1027"/>
                                         </p:tgtEl>
@@ -5780,26 +7696,26 @@
                     </p:cTn>
                   </p:par>
                   <p:par>
-                    <p:cTn id="13" fill="hold">
+                    <p:cTn id="11" fill="hold">
                       <p:stCondLst>
                         <p:cond delay="indefinite"/>
                       </p:stCondLst>
                       <p:childTnLst>
                         <p:par>
-                          <p:cTn id="14" fill="hold">
+                          <p:cTn id="12" fill="hold">
                             <p:stCondLst>
                               <p:cond delay="0"/>
                             </p:stCondLst>
                             <p:childTnLst>
                               <p:par>
-                                <p:cTn id="15" presetID="10" presetClass="exit" presetSubtype="0" fill="hold" nodeType="clickEffect">
+                                <p:cTn id="13" presetID="10" presetClass="exit" presetSubtype="0" fill="hold" nodeType="clickEffect">
                                   <p:stCondLst>
                                     <p:cond delay="0"/>
                                   </p:stCondLst>
                                   <p:childTnLst>
                                     <p:animEffect transition="out" filter="fade">
                                       <p:cBhvr>
-                                        <p:cTn id="16" dur="500"/>
+                                        <p:cTn id="14" dur="500"/>
                                         <p:tgtEl>
                                           <p:spTgt spid="1027"/>
                                         </p:tgtEl>
@@ -5807,7 +7723,7 @@
                                     </p:animEffect>
                                     <p:set>
                                       <p:cBhvr>
-                                        <p:cTn id="17" dur="1" fill="hold">
+                                        <p:cTn id="15" dur="1" fill="hold">
                                           <p:stCondLst>
                                             <p:cond delay="499"/>
                                           </p:stCondLst>
@@ -5826,33 +7742,15 @@
                                   </p:childTnLst>
                                 </p:cTn>
                               </p:par>
-                            </p:childTnLst>
-                          </p:cTn>
-                        </p:par>
-                      </p:childTnLst>
-                    </p:cTn>
-                  </p:par>
-                  <p:par>
-                    <p:cTn id="18" fill="hold">
-                      <p:stCondLst>
-                        <p:cond delay="indefinite"/>
-                      </p:stCondLst>
-                      <p:childTnLst>
-                        <p:par>
-                          <p:cTn id="19" fill="hold">
-                            <p:stCondLst>
-                              <p:cond delay="0"/>
-                            </p:stCondLst>
-                            <p:childTnLst>
                               <p:par>
-                                <p:cTn id="20" presetID="10" presetClass="entr" presetSubtype="0" fill="hold" nodeType="clickEffect">
+                                <p:cTn id="16" presetID="10" presetClass="entr" presetSubtype="0" fill="hold" nodeType="withEffect">
                                   <p:stCondLst>
                                     <p:cond delay="0"/>
                                   </p:stCondLst>
                                   <p:childTnLst>
                                     <p:set>
                                       <p:cBhvr>
-                                        <p:cTn id="21" dur="1" fill="hold">
+                                        <p:cTn id="17" dur="1" fill="hold">
                                           <p:stCondLst>
                                             <p:cond delay="0"/>
                                           </p:stCondLst>
@@ -5870,7 +7768,7 @@
                                     </p:set>
                                     <p:animEffect transition="in" filter="fade">
                                       <p:cBhvr>
-                                        <p:cTn id="22" dur="500"/>
+                                        <p:cTn id="18" dur="500"/>
                                         <p:tgtEl>
                                           <p:spTgt spid="1028"/>
                                         </p:tgtEl>
@@ -5910,7 +7808,7 @@
 </p:sld>
 </file>
 
-<file path=ppt/slides/slide12.xml><?xml version="1.0" encoding="utf-8"?>
+<file path=ppt/slides/slide13.xml><?xml version="1.0" encoding="utf-8"?>
 <p:sld xmlns:a="http://schemas.openxmlformats.org/drawingml/2006/main" xmlns:r="http://schemas.openxmlformats.org/officeDocument/2006/relationships" xmlns:p="http://schemas.openxmlformats.org/presentationml/2006/main">
   <p:cSld>
     <p:spTree>
@@ -5950,21 +7848,15 @@
                   </a:schemeClr>
                 </a:solidFill>
               </a:rPr>
-              <a:t>CLASS DIAGRAM &amp; ARCHITEKTUR</a:t>
-            </a:r>
-            <a:endParaRPr lang="de-DE" dirty="0">
-              <a:solidFill>
-                <a:schemeClr val="bg1">
-                  <a:lumMod val="50000"/>
-                </a:schemeClr>
-              </a:solidFill>
-            </a:endParaRPr>
-          </a:p>
-        </p:txBody>
-      </p:sp>
-      <p:sp>
-        <p:nvSpPr>
-          <p:cNvPr id="5" name="Foliennummernplatzhalter 4"/>
+              <a:t>RISKMANAGEMENT</a:t>
+            </a:r>
+            <a:endParaRPr lang="de-DE" dirty="0"/>
+          </a:p>
+        </p:txBody>
+      </p:sp>
+      <p:sp>
+        <p:nvSpPr>
+          <p:cNvPr id="4" name="Foliennummernplatzhalter 3"/>
           <p:cNvSpPr>
             <a:spLocks noGrp="1"/>
           </p:cNvSpPr>
@@ -5979,21 +7871,21 @@
           <a:p>
             <a:fld id="{BEA2534F-1EDD-48ED-BC5A-02D188FC5C63}" type="slidenum">
               <a:rPr lang="de-DE" smtClean="0"/>
-              <a:t>12</a:t>
+              <a:t>13</a:t>
             </a:fld>
-            <a:endParaRPr lang="de-DE" dirty="0"/>
+            <a:endParaRPr lang="de-DE"/>
           </a:p>
         </p:txBody>
       </p:sp>
       <p:pic>
         <p:nvPicPr>
-          <p:cNvPr id="1026" name="Picture 2" descr="C:\Users\mincekara\Desktop\2015-12-09 13_10_22-architektur.pdf - Foxit Reader.png"/>
+          <p:cNvPr id="4098" name="Picture 2" descr="C:\Users\mincekara\Desktop\2016-06-14 17_45_01-Microsoft Excel - Riskmanagement.xlsx.png"/>
           <p:cNvPicPr>
             <a:picLocks noChangeAspect="1" noChangeArrowheads="1"/>
           </p:cNvPicPr>
           <p:nvPr/>
         </p:nvPicPr>
-        <p:blipFill rotWithShape="1">
+        <p:blipFill>
           <a:blip r:embed="rId3">
             <a:extLst>
               <a:ext uri="{28A0092B-C50C-407E-A947-70E740481C1C}">
@@ -6001,13 +7893,15 @@
               </a:ext>
             </a:extLst>
           </a:blip>
-          <a:srcRect l="953" t="2860" b="2586"/>
-          <a:stretch/>
+          <a:srcRect/>
+          <a:stretch>
+            <a:fillRect/>
+          </a:stretch>
         </p:blipFill>
         <p:spPr bwMode="auto">
           <a:xfrm>
-            <a:off x="451359" y="2275114"/>
-            <a:ext cx="7097241" cy="3331028"/>
+            <a:off x="1198098" y="1964704"/>
+            <a:ext cx="9975424" cy="2978837"/>
           </a:xfrm>
           <a:prstGeom prst="rect">
             <a:avLst/>
@@ -6024,16 +7918,111 @@
           </a:extLst>
         </p:spPr>
       </p:pic>
+    </p:spTree>
+    <p:extLst>
+      <p:ext uri="{BB962C8B-B14F-4D97-AF65-F5344CB8AC3E}">
+        <p14:creationId xmlns:p14="http://schemas.microsoft.com/office/powerpoint/2010/main" val="909899752"/>
+      </p:ext>
+    </p:extLst>
+  </p:cSld>
+  <p:clrMapOvr>
+    <a:masterClrMapping/>
+  </p:clrMapOvr>
+  <p:timing>
+    <p:tnLst>
+      <p:par>
+        <p:cTn id="1" dur="indefinite" restart="never" nodeType="tmRoot"/>
+      </p:par>
+    </p:tnLst>
+  </p:timing>
+</p:sld>
+</file>
+
+<file path=ppt/slides/slide14.xml><?xml version="1.0" encoding="utf-8"?>
+<p:sld xmlns:a="http://schemas.openxmlformats.org/drawingml/2006/main" xmlns:r="http://schemas.openxmlformats.org/officeDocument/2006/relationships" xmlns:p="http://schemas.openxmlformats.org/presentationml/2006/main">
+  <p:cSld>
+    <p:spTree>
+      <p:nvGrpSpPr>
+        <p:cNvPr id="1" name=""/>
+        <p:cNvGrpSpPr/>
+        <p:nvPr/>
+      </p:nvGrpSpPr>
+      <p:grpSpPr>
+        <a:xfrm>
+          <a:off x="0" y="0"/>
+          <a:ext cx="0" cy="0"/>
+          <a:chOff x="0" y="0"/>
+          <a:chExt cx="0" cy="0"/>
+        </a:xfrm>
+      </p:grpSpPr>
+      <p:sp>
+        <p:nvSpPr>
+          <p:cNvPr id="2" name="Titel 1"/>
+          <p:cNvSpPr>
+            <a:spLocks noGrp="1"/>
+          </p:cNvSpPr>
+          <p:nvPr>
+            <p:ph type="title"/>
+          </p:nvPr>
+        </p:nvSpPr>
+        <p:spPr/>
+        <p:txBody>
+          <a:bodyPr/>
+          <a:lstStyle/>
+          <a:p>
+            <a:r>
+              <a:rPr lang="de-DE" dirty="0" smtClean="0">
+                <a:solidFill>
+                  <a:schemeClr val="bg1">
+                    <a:lumMod val="50000"/>
+                  </a:schemeClr>
+                </a:solidFill>
+              </a:rPr>
+              <a:t>CLASS DIAGRAM &amp; ARCHITEKTUR</a:t>
+            </a:r>
+            <a:endParaRPr lang="de-DE" dirty="0">
+              <a:solidFill>
+                <a:schemeClr val="bg1">
+                  <a:lumMod val="50000"/>
+                </a:schemeClr>
+              </a:solidFill>
+            </a:endParaRPr>
+          </a:p>
+        </p:txBody>
+      </p:sp>
+      <p:sp>
+        <p:nvSpPr>
+          <p:cNvPr id="5" name="Foliennummernplatzhalter 4"/>
+          <p:cNvSpPr>
+            <a:spLocks noGrp="1"/>
+          </p:cNvSpPr>
+          <p:nvPr>
+            <p:ph type="sldNum" sz="quarter" idx="12"/>
+          </p:nvPr>
+        </p:nvSpPr>
+        <p:spPr/>
+        <p:txBody>
+          <a:bodyPr/>
+          <a:lstStyle/>
+          <a:p>
+            <a:fld id="{BEA2534F-1EDD-48ED-BC5A-02D188FC5C63}" type="slidenum">
+              <a:rPr lang="de-DE" smtClean="0"/>
+              <a:t>14</a:t>
+            </a:fld>
+            <a:endParaRPr lang="de-DE" dirty="0"/>
+          </a:p>
+        </p:txBody>
+      </p:sp>
       <p:pic>
         <p:nvPicPr>
-          <p:cNvPr id="2051" name="Picture 3" descr="C:\Duales Studium\01 Theorie\4. Semester\03 Software Engineering\docs\class diagram\deployment view.png"/>
+          <p:cNvPr id="6146" name="Picture 2" descr="C:\Duales Studium\01 Theorie\4. Semester\03 Software Engineering\docs\presentation\Final\architektur.png"/>
           <p:cNvPicPr>
             <a:picLocks noChangeAspect="1" noChangeArrowheads="1"/>
           </p:cNvPicPr>
           <p:nvPr/>
         </p:nvPicPr>
         <p:blipFill>
-          <a:blip r:embed="rId4">
+          <a:blip r:embed="rId3">
             <a:extLst>
               <a:ext uri="{28A0092B-C50C-407E-A947-70E740481C1C}">
                 <a14:useLocalDpi xmlns:a14="http://schemas.microsoft.com/office/drawing/2010/main" val="0"/>
@@ -6047,8 +8036,8 @@
         </p:blipFill>
         <p:spPr bwMode="auto">
           <a:xfrm>
-            <a:off x="7548600" y="2353582"/>
-            <a:ext cx="4165600" cy="2976563"/>
+            <a:off x="2679778" y="2190748"/>
+            <a:ext cx="6968100" cy="3418313"/>
           </a:xfrm>
           <a:prstGeom prst="rect">
             <a:avLst/>
@@ -6085,7 +8074,7 @@
 </p:sld>
 </file>
 
-<file path=ppt/slides/slide13.xml><?xml version="1.0" encoding="utf-8"?>
+<file path=ppt/slides/slide15.xml><?xml version="1.0" encoding="utf-8"?>
 <p:sld xmlns:a="http://schemas.openxmlformats.org/drawingml/2006/main" xmlns:r="http://schemas.openxmlformats.org/officeDocument/2006/relationships" xmlns:p="http://schemas.openxmlformats.org/presentationml/2006/main">
   <p:cSld>
     <p:spTree>
@@ -6125,7 +8114,36 @@
                   </a:schemeClr>
                 </a:solidFill>
               </a:rPr>
-              <a:t>CLASS DIAGRAM &amp; ARCHITEKTUR</a:t>
+              <a:t>CLASS DIAGRAM &amp; </a:t>
+            </a:r>
+            <a:r>
+              <a:rPr lang="de-DE" dirty="0" smtClean="0">
+                <a:solidFill>
+                  <a:schemeClr val="bg1">
+                    <a:lumMod val="50000"/>
+                  </a:schemeClr>
+                </a:solidFill>
+              </a:rPr>
+              <a:t/>
+            </a:r>
+            <a:br>
+              <a:rPr lang="de-DE" dirty="0" smtClean="0">
+                <a:solidFill>
+                  <a:schemeClr val="bg1">
+                    <a:lumMod val="50000"/>
+                  </a:schemeClr>
+                </a:solidFill>
+              </a:rPr>
+            </a:br>
+            <a:r>
+              <a:rPr lang="de-DE" dirty="0" smtClean="0">
+                <a:solidFill>
+                  <a:schemeClr val="bg1">
+                    <a:lumMod val="50000"/>
+                  </a:schemeClr>
+                </a:solidFill>
+              </a:rPr>
+              <a:t>ARCHITEKTUR</a:t>
             </a:r>
             <a:endParaRPr lang="de-DE" dirty="0">
               <a:solidFill>
@@ -6154,7 +8172,7 @@
           <a:p>
             <a:fld id="{BEA2534F-1EDD-48ED-BC5A-02D188FC5C63}" type="slidenum">
               <a:rPr lang="de-DE" smtClean="0"/>
-              <a:t>13</a:t>
+              <a:t>15</a:t>
             </a:fld>
             <a:endParaRPr lang="de-DE" dirty="0"/>
           </a:p>
@@ -6162,7 +8180,7 @@
       </p:sp>
       <p:pic>
         <p:nvPicPr>
-          <p:cNvPr id="3074" name="Picture 2" descr="C:\Users\mincekara\Desktop\2015-12-09 13_03_09-Mozilla Firefox.png"/>
+          <p:cNvPr id="5123" name="Picture 3" descr="C:\Duales Studium\01 Theorie\4. Semester\03 Software Engineering\docs\presentation\Final\diagram.jpg"/>
           <p:cNvPicPr>
             <a:picLocks noChangeAspect="1" noChangeArrowheads="1"/>
           </p:cNvPicPr>
@@ -6183,8 +8201,8 @@
         </p:blipFill>
         <p:spPr bwMode="auto">
           <a:xfrm>
-            <a:off x="1224642" y="1755999"/>
-            <a:ext cx="9742716" cy="4499498"/>
+            <a:off x="6277394" y="22302"/>
+            <a:ext cx="5914606" cy="6278137"/>
           </a:xfrm>
           <a:prstGeom prst="rect">
             <a:avLst/>
@@ -6203,44 +8221,106 @@
       </p:pic>
       <p:sp>
         <p:nvSpPr>
-          <p:cNvPr id="4" name="Rechteck 3"/>
-          <p:cNvSpPr/>
+          <p:cNvPr id="3" name="Textfeld 2"/>
+          <p:cNvSpPr txBox="1"/>
           <p:nvPr/>
         </p:nvSpPr>
         <p:spPr>
           <a:xfrm>
-            <a:off x="413657" y="5332167"/>
-            <a:ext cx="5116286" cy="923330"/>
+            <a:off x="1260088" y="1996070"/>
+            <a:ext cx="4917687" cy="2031325"/>
           </a:xfrm>
           <a:prstGeom prst="rect">
             <a:avLst/>
           </a:prstGeom>
+          <a:noFill/>
         </p:spPr>
         <p:txBody>
-          <a:bodyPr wrap="square">
+          <a:bodyPr wrap="square" rtlCol="0">
             <a:spAutoFit/>
           </a:bodyPr>
           <a:lstStyle/>
           <a:p>
-            <a:r>
-              <a:rPr lang="de-DE" dirty="0"/>
-              <a:t>Class </a:t>
-            </a:r>
-            <a:r>
-              <a:rPr lang="de-DE" dirty="0" err="1"/>
-              <a:t>diagram</a:t>
-            </a:r>
-            <a:r>
-              <a:rPr lang="de-DE" dirty="0"/>
-              <a:t>: </a:t>
-            </a:r>
-            <a:r>
-              <a:rPr lang="de-DE" dirty="0">
-                <a:hlinkClick r:id="rId4"/>
-              </a:rPr>
-              <a:t>https://github.com/nappydevelopment/docs/blob/master/svg/New%20Classdiagram.svg</a:t>
-            </a:r>
+            <a:pPr marL="285750" indent="-285750">
+              <a:buClr>
+                <a:srgbClr val="FFC000"/>
+              </a:buClr>
+              <a:buFont typeface="Courier New" panose="02070309020205020404" pitchFamily="49" charset="0"/>
+              <a:buChar char="o"/>
+            </a:pPr>
+            <a:r>
+              <a:rPr lang="de-DE" dirty="0" smtClean="0"/>
+              <a:t>Java FX</a:t>
+            </a:r>
+          </a:p>
+          <a:p>
+            <a:pPr marL="285750" indent="-285750">
+              <a:buClr>
+                <a:srgbClr val="FFC000"/>
+              </a:buClr>
+              <a:buFont typeface="Courier New" panose="02070309020205020404" pitchFamily="49" charset="0"/>
+              <a:buChar char="o"/>
+            </a:pPr>
+            <a:endParaRPr lang="de-DE" dirty="0" smtClean="0"/>
+          </a:p>
+          <a:p>
+            <a:pPr marL="285750" indent="-285750">
+              <a:buClr>
+                <a:srgbClr val="FFC000"/>
+              </a:buClr>
+              <a:buFont typeface="Courier New" panose="02070309020205020404" pitchFamily="49" charset="0"/>
+              <a:buChar char="o"/>
+            </a:pPr>
+            <a:r>
+              <a:rPr lang="de-DE" dirty="0" smtClean="0"/>
+              <a:t>Jede Stage hat ihr eigenes MVC-Konzept</a:t>
+            </a:r>
+          </a:p>
+          <a:p>
+            <a:pPr marL="285750" indent="-285750">
+              <a:buClr>
+                <a:srgbClr val="FFC000"/>
+              </a:buClr>
+              <a:buFont typeface="Courier New" panose="02070309020205020404" pitchFamily="49" charset="0"/>
+              <a:buChar char="o"/>
+            </a:pPr>
             <a:endParaRPr lang="de-DE" dirty="0"/>
+          </a:p>
+          <a:p>
+            <a:pPr marL="285750" indent="-285750">
+              <a:buClr>
+                <a:srgbClr val="FFC000"/>
+              </a:buClr>
+              <a:buFont typeface="Courier New" panose="02070309020205020404" pitchFamily="49" charset="0"/>
+              <a:buChar char="o"/>
+            </a:pPr>
+            <a:r>
+              <a:rPr lang="de-DE" dirty="0" smtClean="0"/>
+              <a:t>Abgeschlossenheit</a:t>
+            </a:r>
+          </a:p>
+          <a:p>
+            <a:pPr marL="285750" indent="-285750">
+              <a:buClr>
+                <a:srgbClr val="FFC000"/>
+              </a:buClr>
+              <a:buFont typeface="Courier New" panose="02070309020205020404" pitchFamily="49" charset="0"/>
+              <a:buChar char="o"/>
+            </a:pPr>
+            <a:endParaRPr lang="de-DE" dirty="0"/>
+          </a:p>
+          <a:p>
+            <a:pPr marL="285750" indent="-285750">
+              <a:buClr>
+                <a:srgbClr val="FFC000"/>
+              </a:buClr>
+              <a:buFont typeface="Courier New" panose="02070309020205020404" pitchFamily="49" charset="0"/>
+              <a:buChar char="o"/>
+            </a:pPr>
+            <a:r>
+              <a:rPr lang="de-DE" dirty="0" smtClean="0"/>
+              <a:t>Austauschbar und feste Schnittstellen zur Logik</a:t>
+            </a:r>
           </a:p>
         </p:txBody>
       </p:sp>
@@ -6264,7 +8344,7 @@
 </p:sld>
 </file>
 
-<file path=ppt/slides/slide14.xml><?xml version="1.0" encoding="utf-8"?>
+<file path=ppt/slides/slide16.xml><?xml version="1.0" encoding="utf-8"?>
 <p:sld xmlns:a="http://schemas.openxmlformats.org/drawingml/2006/main" xmlns:r="http://schemas.openxmlformats.org/officeDocument/2006/relationships" xmlns:p="http://schemas.openxmlformats.org/presentationml/2006/main">
   <p:cSld>
     <p:spTree>
@@ -6430,7 +8510,7 @@
           <a:p>
             <a:fld id="{BEA2534F-1EDD-48ED-BC5A-02D188FC5C63}" type="slidenum">
               <a:rPr lang="de-DE" smtClean="0"/>
-              <a:t>14</a:t>
+              <a:t>16</a:t>
             </a:fld>
             <a:endParaRPr lang="de-DE" dirty="0"/>
           </a:p>
@@ -6497,7 +8577,7 @@
 </p:sld>
 </file>
 
-<file path=ppt/slides/slide15.xml><?xml version="1.0" encoding="utf-8"?>
+<file path=ppt/slides/slide17.xml><?xml version="1.0" encoding="utf-8"?>
 <p:sld xmlns:a="http://schemas.openxmlformats.org/drawingml/2006/main" xmlns:r="http://schemas.openxmlformats.org/officeDocument/2006/relationships" xmlns:p="http://schemas.openxmlformats.org/presentationml/2006/main">
   <p:cSld>
     <p:spTree>
@@ -6537,7 +8617,7 @@
                   </a:schemeClr>
                 </a:solidFill>
               </a:rPr>
-              <a:t>ALGORITHMUS GAMEMODE 1</a:t>
+              <a:t>TESTING</a:t>
             </a:r>
             <a:endParaRPr lang="de-DE" dirty="0">
               <a:solidFill>
@@ -6564,8 +8644,261 @@
           <a:bodyPr/>
           <a:lstStyle/>
           <a:p>
-            <a:pPr marL="0" indent="0">
-              <a:buNone/>
+            <a:pPr>
+              <a:buFont typeface="Courier New" panose="02070309020205020404" pitchFamily="49" charset="0"/>
+              <a:buChar char="o"/>
+            </a:pPr>
+            <a:r>
+              <a:rPr lang="de-DE" dirty="0" smtClean="0"/>
+              <a:t> </a:t>
+            </a:r>
+            <a:r>
+              <a:rPr lang="de-DE" dirty="0" err="1" smtClean="0"/>
+              <a:t>SikuliX</a:t>
+            </a:r>
+            <a:r>
+              <a:rPr lang="de-DE" dirty="0" smtClean="0"/>
+              <a:t> </a:t>
+            </a:r>
+          </a:p>
+          <a:p>
+            <a:pPr>
+              <a:buFont typeface="Courier New" panose="02070309020205020404" pitchFamily="49" charset="0"/>
+              <a:buChar char="o"/>
+            </a:pPr>
+            <a:r>
+              <a:rPr lang="de-DE" dirty="0" smtClean="0"/>
+              <a:t> </a:t>
+            </a:r>
+            <a:r>
+              <a:rPr lang="de-DE" dirty="0" err="1" smtClean="0"/>
+              <a:t>JUnit</a:t>
+            </a:r>
+            <a:endParaRPr lang="de-DE" dirty="0" smtClean="0"/>
+          </a:p>
+          <a:p>
+            <a:pPr>
+              <a:buFont typeface="Courier New" panose="02070309020205020404" pitchFamily="49" charset="0"/>
+              <a:buChar char="o"/>
+            </a:pPr>
+            <a:r>
+              <a:rPr lang="de-DE" dirty="0" smtClean="0"/>
+              <a:t> </a:t>
+            </a:r>
+            <a:r>
+              <a:rPr lang="de-DE" dirty="0" err="1" smtClean="0"/>
+              <a:t>TestFX</a:t>
+            </a:r>
+            <a:endParaRPr lang="de-DE" dirty="0" smtClean="0"/>
+          </a:p>
+          <a:p>
+            <a:pPr>
+              <a:buFont typeface="Courier New" panose="02070309020205020404" pitchFamily="49" charset="0"/>
+              <a:buChar char="o"/>
+            </a:pPr>
+            <a:r>
+              <a:rPr lang="de-DE" dirty="0" smtClean="0"/>
+              <a:t> Installation Tests</a:t>
+            </a:r>
+            <a:endParaRPr lang="de-DE" dirty="0"/>
+          </a:p>
+        </p:txBody>
+      </p:sp>
+      <p:sp>
+        <p:nvSpPr>
+          <p:cNvPr id="5" name="Foliennummernplatzhalter 4"/>
+          <p:cNvSpPr>
+            <a:spLocks noGrp="1"/>
+          </p:cNvSpPr>
+          <p:nvPr>
+            <p:ph type="sldNum" sz="quarter" idx="12"/>
+          </p:nvPr>
+        </p:nvSpPr>
+        <p:spPr/>
+        <p:txBody>
+          <a:bodyPr/>
+          <a:lstStyle/>
+          <a:p>
+            <a:fld id="{BEA2534F-1EDD-48ED-BC5A-02D188FC5C63}" type="slidenum">
+              <a:rPr lang="de-DE" smtClean="0"/>
+              <a:t>17</a:t>
+            </a:fld>
+            <a:endParaRPr lang="de-DE" dirty="0"/>
+          </a:p>
+        </p:txBody>
+      </p:sp>
+      <p:pic>
+        <p:nvPicPr>
+          <p:cNvPr id="7" name="Picture 2" descr="C:\Users\mincekara\Desktop\2015-12-08 15_13_03-1 UseCase_Gamemode 1.docx - Microsoft Word.png"/>
+          <p:cNvPicPr>
+            <a:picLocks noChangeAspect="1" noChangeArrowheads="1"/>
+          </p:cNvPicPr>
+          <p:nvPr/>
+        </p:nvPicPr>
+        <p:blipFill>
+          <a:blip r:embed="rId3">
+            <a:extLst>
+              <a:ext uri="{28A0092B-C50C-407E-A947-70E740481C1C}">
+                <a14:useLocalDpi xmlns:a14="http://schemas.microsoft.com/office/drawing/2010/main" val="0"/>
+              </a:ext>
+            </a:extLst>
+          </a:blip>
+          <a:srcRect/>
+          <a:stretch>
+            <a:fillRect/>
+          </a:stretch>
+        </p:blipFill>
+        <p:spPr bwMode="auto">
+          <a:xfrm>
+            <a:off x="6607680" y="568711"/>
+            <a:ext cx="4652573" cy="4270917"/>
+          </a:xfrm>
+          <a:prstGeom prst="rect">
+            <a:avLst/>
+          </a:prstGeom>
+          <a:noFill/>
+          <a:extLst>
+            <a:ext uri="{909E8E84-426E-40DD-AFC4-6F175D3DCCD1}">
+              <a14:hiddenFill xmlns:a14="http://schemas.microsoft.com/office/drawing/2010/main">
+                <a:solidFill>
+                  <a:srgbClr val="FFFFFF"/>
+                </a:solidFill>
+              </a14:hiddenFill>
+            </a:ext>
+          </a:extLst>
+        </p:spPr>
+      </p:pic>
+      <p:pic>
+        <p:nvPicPr>
+          <p:cNvPr id="7170" name="Picture 2" descr="C:\Duales Studium\01 Theorie\4. Semester\03 Software Engineering\docs\presentation\Final\2016-06-14 13_38_18-nappydevelopment_Nappy-the-ingenious_ This is our project for softwareengineerin.png"/>
+          <p:cNvPicPr>
+            <a:picLocks noChangeAspect="1" noChangeArrowheads="1"/>
+          </p:cNvPicPr>
+          <p:nvPr/>
+        </p:nvPicPr>
+        <p:blipFill>
+          <a:blip r:embed="rId4">
+            <a:extLst>
+              <a:ext uri="{28A0092B-C50C-407E-A947-70E740481C1C}">
+                <a14:useLocalDpi xmlns:a14="http://schemas.microsoft.com/office/drawing/2010/main" val="0"/>
+              </a:ext>
+            </a:extLst>
+          </a:blip>
+          <a:srcRect/>
+          <a:stretch>
+            <a:fillRect/>
+          </a:stretch>
+        </p:blipFill>
+        <p:spPr bwMode="auto">
+          <a:xfrm>
+            <a:off x="1209444" y="4972747"/>
+            <a:ext cx="5067300" cy="971550"/>
+          </a:xfrm>
+          <a:prstGeom prst="rect">
+            <a:avLst/>
+          </a:prstGeom>
+          <a:noFill/>
+          <a:extLst>
+            <a:ext uri="{909E8E84-426E-40DD-AFC4-6F175D3DCCD1}">
+              <a14:hiddenFill xmlns:a14="http://schemas.microsoft.com/office/drawing/2010/main">
+                <a:solidFill>
+                  <a:srgbClr val="FFFFFF"/>
+                </a:solidFill>
+              </a14:hiddenFill>
+            </a:ext>
+          </a:extLst>
+        </p:spPr>
+      </p:pic>
+    </p:spTree>
+    <p:extLst>
+      <p:ext uri="{BB962C8B-B14F-4D97-AF65-F5344CB8AC3E}">
+        <p14:creationId xmlns:p14="http://schemas.microsoft.com/office/powerpoint/2010/main" val="2319225731"/>
+      </p:ext>
+    </p:extLst>
+  </p:cSld>
+  <p:clrMapOvr>
+    <a:masterClrMapping/>
+  </p:clrMapOvr>
+  <p:timing>
+    <p:tnLst>
+      <p:par>
+        <p:cTn id="1" dur="indefinite" restart="never" nodeType="tmRoot"/>
+      </p:par>
+    </p:tnLst>
+  </p:timing>
+</p:sld>
+</file>
+
+<file path=ppt/slides/slide18.xml><?xml version="1.0" encoding="utf-8"?>
+<p:sld xmlns:a="http://schemas.openxmlformats.org/drawingml/2006/main" xmlns:r="http://schemas.openxmlformats.org/officeDocument/2006/relationships" xmlns:p="http://schemas.openxmlformats.org/presentationml/2006/main">
+  <p:cSld>
+    <p:spTree>
+      <p:nvGrpSpPr>
+        <p:cNvPr id="1" name=""/>
+        <p:cNvGrpSpPr/>
+        <p:nvPr/>
+      </p:nvGrpSpPr>
+      <p:grpSpPr>
+        <a:xfrm>
+          <a:off x="0" y="0"/>
+          <a:ext cx="0" cy="0"/>
+          <a:chOff x="0" y="0"/>
+          <a:chExt cx="0" cy="0"/>
+        </a:xfrm>
+      </p:grpSpPr>
+      <p:sp>
+        <p:nvSpPr>
+          <p:cNvPr id="2" name="Titel 1"/>
+          <p:cNvSpPr>
+            <a:spLocks noGrp="1"/>
+          </p:cNvSpPr>
+          <p:nvPr>
+            <p:ph type="title"/>
+          </p:nvPr>
+        </p:nvSpPr>
+        <p:spPr/>
+        <p:txBody>
+          <a:bodyPr/>
+          <a:lstStyle/>
+          <a:p>
+            <a:r>
+              <a:rPr lang="de-DE" dirty="0" smtClean="0">
+                <a:solidFill>
+                  <a:schemeClr val="bg1">
+                    <a:lumMod val="50000"/>
+                  </a:schemeClr>
+                </a:solidFill>
+              </a:rPr>
+              <a:t>DEPLOYMENT</a:t>
+            </a:r>
+            <a:endParaRPr lang="de-DE" dirty="0">
+              <a:solidFill>
+                <a:schemeClr val="bg1">
+                  <a:lumMod val="50000"/>
+                </a:schemeClr>
+              </a:solidFill>
+            </a:endParaRPr>
+          </a:p>
+        </p:txBody>
+      </p:sp>
+      <p:sp>
+        <p:nvSpPr>
+          <p:cNvPr id="3" name="Inhaltsplatzhalter 2"/>
+          <p:cNvSpPr>
+            <a:spLocks noGrp="1"/>
+          </p:cNvSpPr>
+          <p:nvPr>
+            <p:ph idx="1"/>
+          </p:nvPr>
+        </p:nvSpPr>
+        <p:spPr/>
+        <p:txBody>
+          <a:bodyPr/>
+          <a:lstStyle/>
+          <a:p>
+            <a:pPr>
+              <a:buFont typeface="Courier New" panose="02070309020205020404" pitchFamily="49" charset="0"/>
+              <a:buChar char="o"/>
             </a:pPr>
             <a:endParaRPr lang="de-DE" dirty="0"/>
           </a:p>
@@ -6588,7 +8921,153 @@
           <a:p>
             <a:fld id="{BEA2534F-1EDD-48ED-BC5A-02D188FC5C63}" type="slidenum">
               <a:rPr lang="de-DE" smtClean="0"/>
-              <a:t>15</a:t>
+              <a:t>18</a:t>
+            </a:fld>
+            <a:endParaRPr lang="de-DE" dirty="0"/>
+          </a:p>
+        </p:txBody>
+      </p:sp>
+      <p:pic>
+        <p:nvPicPr>
+          <p:cNvPr id="8" name="Picture 3" descr="C:\Duales Studium\01 Theorie\4. Semester\03 Software Engineering\docs\class diagram\deployment view.png"/>
+          <p:cNvPicPr>
+            <a:picLocks noChangeAspect="1" noChangeArrowheads="1"/>
+          </p:cNvPicPr>
+          <p:nvPr/>
+        </p:nvPicPr>
+        <p:blipFill>
+          <a:blip r:embed="rId3">
+            <a:extLst>
+              <a:ext uri="{28A0092B-C50C-407E-A947-70E740481C1C}">
+                <a14:useLocalDpi xmlns:a14="http://schemas.microsoft.com/office/drawing/2010/main" val="0"/>
+              </a:ext>
+            </a:extLst>
+          </a:blip>
+          <a:srcRect/>
+          <a:stretch>
+            <a:fillRect/>
+          </a:stretch>
+        </p:blipFill>
+        <p:spPr bwMode="auto">
+          <a:xfrm>
+            <a:off x="3048815" y="1929426"/>
+            <a:ext cx="5660286" cy="4044603"/>
+          </a:xfrm>
+          <a:prstGeom prst="rect">
+            <a:avLst/>
+          </a:prstGeom>
+          <a:noFill/>
+          <a:extLst>
+            <a:ext uri="{909E8E84-426E-40DD-AFC4-6F175D3DCCD1}">
+              <a14:hiddenFill xmlns:a14="http://schemas.microsoft.com/office/drawing/2010/main">
+                <a:solidFill>
+                  <a:srgbClr val="FFFFFF"/>
+                </a:solidFill>
+              </a14:hiddenFill>
+            </a:ext>
+          </a:extLst>
+        </p:spPr>
+      </p:pic>
+    </p:spTree>
+    <p:extLst>
+      <p:ext uri="{BB962C8B-B14F-4D97-AF65-F5344CB8AC3E}">
+        <p14:creationId xmlns:p14="http://schemas.microsoft.com/office/powerpoint/2010/main" val="1275396402"/>
+      </p:ext>
+    </p:extLst>
+  </p:cSld>
+  <p:clrMapOvr>
+    <a:masterClrMapping/>
+  </p:clrMapOvr>
+  <p:timing>
+    <p:tnLst>
+      <p:par>
+        <p:cTn id="1" dur="indefinite" restart="never" nodeType="tmRoot"/>
+      </p:par>
+    </p:tnLst>
+  </p:timing>
+</p:sld>
+</file>
+
+<file path=ppt/slides/slide19.xml><?xml version="1.0" encoding="utf-8"?>
+<p:sld xmlns:a="http://schemas.openxmlformats.org/drawingml/2006/main" xmlns:r="http://schemas.openxmlformats.org/officeDocument/2006/relationships" xmlns:p="http://schemas.openxmlformats.org/presentationml/2006/main">
+  <p:cSld>
+    <p:spTree>
+      <p:nvGrpSpPr>
+        <p:cNvPr id="1" name=""/>
+        <p:cNvGrpSpPr/>
+        <p:nvPr/>
+      </p:nvGrpSpPr>
+      <p:grpSpPr>
+        <a:xfrm>
+          <a:off x="0" y="0"/>
+          <a:ext cx="0" cy="0"/>
+          <a:chOff x="0" y="0"/>
+          <a:chExt cx="0" cy="0"/>
+        </a:xfrm>
+      </p:grpSpPr>
+      <p:sp>
+        <p:nvSpPr>
+          <p:cNvPr id="2" name="Titel 1"/>
+          <p:cNvSpPr>
+            <a:spLocks noGrp="1"/>
+          </p:cNvSpPr>
+          <p:nvPr>
+            <p:ph type="title"/>
+          </p:nvPr>
+        </p:nvSpPr>
+        <p:spPr/>
+        <p:txBody>
+          <a:bodyPr/>
+          <a:lstStyle/>
+          <a:p>
+            <a:r>
+              <a:rPr lang="de-DE" dirty="0" smtClean="0">
+                <a:solidFill>
+                  <a:schemeClr val="bg1">
+                    <a:lumMod val="50000"/>
+                  </a:schemeClr>
+                </a:solidFill>
+              </a:rPr>
+              <a:t>ALGORITHMUS GAMEMODE </a:t>
+            </a:r>
+            <a:r>
+              <a:rPr lang="de-DE" dirty="0" smtClean="0">
+                <a:solidFill>
+                  <a:schemeClr val="bg1">
+                    <a:lumMod val="50000"/>
+                  </a:schemeClr>
+                </a:solidFill>
+              </a:rPr>
+              <a:t>1 + 2</a:t>
+            </a:r>
+            <a:endParaRPr lang="de-DE" dirty="0">
+              <a:solidFill>
+                <a:schemeClr val="bg1">
+                  <a:lumMod val="50000"/>
+                </a:schemeClr>
+              </a:solidFill>
+            </a:endParaRPr>
+          </a:p>
+        </p:txBody>
+      </p:sp>
+      <p:sp>
+        <p:nvSpPr>
+          <p:cNvPr id="5" name="Foliennummernplatzhalter 4"/>
+          <p:cNvSpPr>
+            <a:spLocks noGrp="1"/>
+          </p:cNvSpPr>
+          <p:nvPr>
+            <p:ph type="sldNum" sz="quarter" idx="12"/>
+          </p:nvPr>
+        </p:nvSpPr>
+        <p:spPr/>
+        <p:txBody>
+          <a:bodyPr/>
+          <a:lstStyle/>
+          <a:p>
+            <a:fld id="{BEA2534F-1EDD-48ED-BC5A-02D188FC5C63}" type="slidenum">
+              <a:rPr lang="de-DE" smtClean="0"/>
+              <a:t>19</a:t>
             </a:fld>
             <a:endParaRPr lang="de-DE" dirty="0"/>
           </a:p>
@@ -6655,7 +9134,7 @@
 </p:sld>
 </file>
 
-<file path=ppt/slides/slide16.xml><?xml version="1.0" encoding="utf-8"?>
+<file path=ppt/slides/slide2.xml><?xml version="1.0" encoding="utf-8"?>
 <p:sld xmlns:a="http://schemas.openxmlformats.org/drawingml/2006/main" xmlns:r="http://schemas.openxmlformats.org/officeDocument/2006/relationships" xmlns:p="http://schemas.openxmlformats.org/presentationml/2006/main">
   <p:cSld>
     <p:spTree>
@@ -6695,6 +9174,595 @@
                   </a:schemeClr>
                 </a:solidFill>
               </a:rPr>
+              <a:t>AGENDA</a:t>
+            </a:r>
+            <a:endParaRPr lang="de-DE" dirty="0">
+              <a:solidFill>
+                <a:schemeClr val="bg1">
+                  <a:lumMod val="50000"/>
+                </a:schemeClr>
+              </a:solidFill>
+            </a:endParaRPr>
+          </a:p>
+        </p:txBody>
+      </p:sp>
+      <p:sp>
+        <p:nvSpPr>
+          <p:cNvPr id="3" name="Inhaltsplatzhalter 2"/>
+          <p:cNvSpPr>
+            <a:spLocks noGrp="1"/>
+          </p:cNvSpPr>
+          <p:nvPr>
+            <p:ph sz="half" idx="1"/>
+          </p:nvPr>
+        </p:nvSpPr>
+        <p:spPr/>
+        <p:txBody>
+          <a:bodyPr>
+            <a:normAutofit/>
+          </a:bodyPr>
+          <a:lstStyle/>
+          <a:p>
+            <a:pPr marL="457200" indent="-457200">
+              <a:buFont typeface="+mj-lt"/>
+              <a:buAutoNum type="arabicPeriod"/>
+            </a:pPr>
+            <a:r>
+              <a:rPr lang="de-DE" dirty="0" smtClean="0"/>
+              <a:t>Wer ist </a:t>
+            </a:r>
+            <a:r>
+              <a:rPr lang="de-DE" dirty="0" err="1" smtClean="0"/>
+              <a:t>nappydevelopment</a:t>
+            </a:r>
+            <a:endParaRPr lang="de-DE" dirty="0" smtClean="0"/>
+          </a:p>
+          <a:p>
+            <a:pPr marL="457200" indent="-457200">
+              <a:buFont typeface="+mj-lt"/>
+              <a:buAutoNum type="arabicPeriod"/>
+            </a:pPr>
+            <a:r>
+              <a:rPr lang="de-DE" dirty="0" smtClean="0"/>
+              <a:t>Vision &amp; </a:t>
+            </a:r>
+            <a:r>
+              <a:rPr lang="de-DE" dirty="0" err="1" smtClean="0"/>
+              <a:t>Scope</a:t>
+            </a:r>
+            <a:endParaRPr lang="de-DE" dirty="0" smtClean="0"/>
+          </a:p>
+          <a:p>
+            <a:pPr marL="457200" indent="-457200">
+              <a:buFont typeface="+mj-lt"/>
+              <a:buAutoNum type="arabicPeriod"/>
+            </a:pPr>
+            <a:r>
+              <a:rPr lang="de-DE" dirty="0" smtClean="0"/>
+              <a:t>Software </a:t>
+            </a:r>
+            <a:r>
+              <a:rPr lang="de-DE" dirty="0" err="1" smtClean="0"/>
+              <a:t>Requirements</a:t>
+            </a:r>
+            <a:r>
+              <a:rPr lang="de-DE" dirty="0" smtClean="0"/>
+              <a:t> </a:t>
+            </a:r>
+            <a:r>
+              <a:rPr lang="de-DE" dirty="0" err="1" smtClean="0"/>
+              <a:t>Specification</a:t>
+            </a:r>
+            <a:endParaRPr lang="de-DE" dirty="0" smtClean="0"/>
+          </a:p>
+          <a:p>
+            <a:pPr marL="457200" indent="-457200">
+              <a:buFont typeface="+mj-lt"/>
+              <a:buAutoNum type="arabicPeriod"/>
+            </a:pPr>
+            <a:r>
+              <a:rPr lang="de-DE" dirty="0" smtClean="0"/>
+              <a:t>RUP &amp; </a:t>
+            </a:r>
+            <a:r>
+              <a:rPr lang="de-DE" dirty="0" err="1" smtClean="0"/>
+              <a:t>long</a:t>
+            </a:r>
+            <a:r>
+              <a:rPr lang="de-DE" dirty="0" smtClean="0"/>
+              <a:t>-term </a:t>
+            </a:r>
+            <a:r>
+              <a:rPr lang="de-DE" dirty="0" err="1" smtClean="0"/>
+              <a:t>planning</a:t>
+            </a:r>
+            <a:endParaRPr lang="de-DE" dirty="0" smtClean="0"/>
+          </a:p>
+          <a:p>
+            <a:pPr marL="457200" indent="-457200">
+              <a:buFont typeface="+mj-lt"/>
+              <a:buAutoNum type="arabicPeriod"/>
+            </a:pPr>
+            <a:r>
+              <a:rPr lang="de-DE" dirty="0" smtClean="0"/>
+              <a:t>JIRA</a:t>
+            </a:r>
+          </a:p>
+          <a:p>
+            <a:pPr marL="457200" indent="-457200">
+              <a:buFont typeface="+mj-lt"/>
+              <a:buAutoNum type="arabicPeriod"/>
+            </a:pPr>
+            <a:r>
+              <a:rPr lang="de-DE" dirty="0" err="1" smtClean="0"/>
+              <a:t>Riskmanagement</a:t>
+            </a:r>
+            <a:endParaRPr lang="de-DE" dirty="0" smtClean="0"/>
+          </a:p>
+        </p:txBody>
+      </p:sp>
+      <p:sp>
+        <p:nvSpPr>
+          <p:cNvPr id="4" name="Inhaltsplatzhalter 3"/>
+          <p:cNvSpPr>
+            <a:spLocks noGrp="1"/>
+          </p:cNvSpPr>
+          <p:nvPr>
+            <p:ph sz="half" idx="2"/>
+          </p:nvPr>
+        </p:nvSpPr>
+        <p:spPr/>
+        <p:txBody>
+          <a:bodyPr/>
+          <a:lstStyle/>
+          <a:p>
+            <a:pPr marL="457200" indent="-457200">
+              <a:buFont typeface="+mj-lt"/>
+              <a:buAutoNum type="arabicPeriod" startAt="7"/>
+            </a:pPr>
+            <a:r>
+              <a:rPr lang="de-DE" dirty="0" smtClean="0"/>
+              <a:t>Class Diagramm &amp; Architektur</a:t>
+            </a:r>
+          </a:p>
+          <a:p>
+            <a:pPr marL="457200" indent="-457200">
+              <a:buFont typeface="+mj-lt"/>
+              <a:buAutoNum type="arabicPeriod" startAt="7"/>
+            </a:pPr>
+            <a:r>
+              <a:rPr lang="de-DE" dirty="0" err="1" smtClean="0"/>
+              <a:t>Testing</a:t>
+            </a:r>
+            <a:endParaRPr lang="de-DE" dirty="0" smtClean="0"/>
+          </a:p>
+          <a:p>
+            <a:pPr marL="457200" indent="-457200">
+              <a:buFont typeface="+mj-lt"/>
+              <a:buAutoNum type="arabicPeriod" startAt="7"/>
+            </a:pPr>
+            <a:r>
+              <a:rPr lang="de-DE" dirty="0" smtClean="0"/>
+              <a:t>Algorithmus 1 + 2</a:t>
+            </a:r>
+            <a:endParaRPr lang="de-DE" dirty="0"/>
+          </a:p>
+          <a:p>
+            <a:pPr marL="457200" indent="-457200">
+              <a:buFont typeface="+mj-lt"/>
+              <a:buAutoNum type="arabicPeriod" startAt="7"/>
+            </a:pPr>
+            <a:r>
+              <a:rPr lang="de-DE" dirty="0" smtClean="0"/>
+              <a:t>Software Patterns</a:t>
+            </a:r>
+          </a:p>
+          <a:p>
+            <a:pPr marL="457200" indent="-457200">
+              <a:buFont typeface="+mj-lt"/>
+              <a:buAutoNum type="arabicPeriod" startAt="7"/>
+            </a:pPr>
+            <a:r>
+              <a:rPr lang="de-DE" dirty="0" err="1" smtClean="0"/>
+              <a:t>Metrics</a:t>
+            </a:r>
+            <a:endParaRPr lang="de-DE" dirty="0" smtClean="0"/>
+          </a:p>
+          <a:p>
+            <a:pPr marL="457200" indent="-457200">
+              <a:buFont typeface="+mj-lt"/>
+              <a:buAutoNum type="arabicPeriod" startAt="7"/>
+            </a:pPr>
+            <a:r>
+              <a:rPr lang="de-DE" dirty="0" smtClean="0"/>
+              <a:t>Demo</a:t>
+            </a:r>
+          </a:p>
+          <a:p>
+            <a:pPr marL="457200" indent="-457200">
+              <a:buFont typeface="+mj-lt"/>
+              <a:buAutoNum type="arabicPeriod" startAt="7"/>
+            </a:pPr>
+            <a:endParaRPr lang="de-DE" dirty="0" smtClean="0"/>
+          </a:p>
+          <a:p>
+            <a:pPr marL="457200" indent="-457200">
+              <a:buFont typeface="+mj-lt"/>
+              <a:buAutoNum type="arabicPeriod" startAt="7"/>
+            </a:pPr>
+            <a:endParaRPr lang="de-DE" dirty="0"/>
+          </a:p>
+        </p:txBody>
+      </p:sp>
+      <p:sp>
+        <p:nvSpPr>
+          <p:cNvPr id="5" name="Foliennummernplatzhalter 4"/>
+          <p:cNvSpPr>
+            <a:spLocks noGrp="1"/>
+          </p:cNvSpPr>
+          <p:nvPr>
+            <p:ph type="sldNum" sz="quarter" idx="12"/>
+          </p:nvPr>
+        </p:nvSpPr>
+        <p:spPr/>
+        <p:txBody>
+          <a:bodyPr/>
+          <a:lstStyle/>
+          <a:p>
+            <a:fld id="{BEA2534F-1EDD-48ED-BC5A-02D188FC5C63}" type="slidenum">
+              <a:rPr lang="de-DE" smtClean="0"/>
+              <a:t>2</a:t>
+            </a:fld>
+            <a:endParaRPr lang="de-DE" dirty="0"/>
+          </a:p>
+        </p:txBody>
+      </p:sp>
+    </p:spTree>
+    <p:extLst>
+      <p:ext uri="{BB962C8B-B14F-4D97-AF65-F5344CB8AC3E}">
+        <p14:creationId xmlns:p14="http://schemas.microsoft.com/office/powerpoint/2010/main" val="1682555625"/>
+      </p:ext>
+    </p:extLst>
+  </p:cSld>
+  <p:clrMapOvr>
+    <a:masterClrMapping/>
+  </p:clrMapOvr>
+  <p:timing>
+    <p:tnLst>
+      <p:par>
+        <p:cTn id="1" dur="indefinite" restart="never" nodeType="tmRoot"/>
+      </p:par>
+    </p:tnLst>
+  </p:timing>
+</p:sld>
+</file>
+
+<file path=ppt/slides/slide20.xml><?xml version="1.0" encoding="utf-8"?>
+<p:sld xmlns:a="http://schemas.openxmlformats.org/drawingml/2006/main" xmlns:r="http://schemas.openxmlformats.org/officeDocument/2006/relationships" xmlns:p="http://schemas.openxmlformats.org/presentationml/2006/main">
+  <p:cSld>
+    <p:spTree>
+      <p:nvGrpSpPr>
+        <p:cNvPr id="1" name=""/>
+        <p:cNvGrpSpPr/>
+        <p:nvPr/>
+      </p:nvGrpSpPr>
+      <p:grpSpPr>
+        <a:xfrm>
+          <a:off x="0" y="0"/>
+          <a:ext cx="0" cy="0"/>
+          <a:chOff x="0" y="0"/>
+          <a:chExt cx="0" cy="0"/>
+        </a:xfrm>
+      </p:grpSpPr>
+      <p:sp>
+        <p:nvSpPr>
+          <p:cNvPr id="2" name="Titel 1"/>
+          <p:cNvSpPr>
+            <a:spLocks noGrp="1"/>
+          </p:cNvSpPr>
+          <p:nvPr>
+            <p:ph type="title"/>
+          </p:nvPr>
+        </p:nvSpPr>
+        <p:spPr/>
+        <p:txBody>
+          <a:bodyPr/>
+          <a:lstStyle/>
+          <a:p>
+            <a:r>
+              <a:rPr lang="de-DE" dirty="0" smtClean="0">
+                <a:solidFill>
+                  <a:schemeClr val="bg1">
+                    <a:lumMod val="50000"/>
+                  </a:schemeClr>
+                </a:solidFill>
+              </a:rPr>
+              <a:t>SOFTWARE </a:t>
+            </a:r>
+            <a:br>
+              <a:rPr lang="de-DE" dirty="0" smtClean="0">
+                <a:solidFill>
+                  <a:schemeClr val="bg1">
+                    <a:lumMod val="50000"/>
+                  </a:schemeClr>
+                </a:solidFill>
+              </a:rPr>
+            </a:br>
+            <a:r>
+              <a:rPr lang="de-DE" dirty="0" smtClean="0">
+                <a:solidFill>
+                  <a:schemeClr val="bg1">
+                    <a:lumMod val="50000"/>
+                  </a:schemeClr>
+                </a:solidFill>
+              </a:rPr>
+              <a:t>PATTERNS</a:t>
+            </a:r>
+            <a:endParaRPr lang="de-DE" dirty="0"/>
+          </a:p>
+        </p:txBody>
+      </p:sp>
+      <p:sp>
+        <p:nvSpPr>
+          <p:cNvPr id="3" name="Inhaltsplatzhalter 2"/>
+          <p:cNvSpPr>
+            <a:spLocks noGrp="1"/>
+          </p:cNvSpPr>
+          <p:nvPr>
+            <p:ph idx="1"/>
+          </p:nvPr>
+        </p:nvSpPr>
+        <p:spPr/>
+        <p:txBody>
+          <a:bodyPr/>
+          <a:lstStyle/>
+          <a:p>
+            <a:pPr>
+              <a:buFont typeface="Courier New" panose="02070309020205020404" pitchFamily="49" charset="0"/>
+              <a:buChar char="o"/>
+            </a:pPr>
+            <a:r>
+              <a:rPr lang="de-DE" dirty="0" smtClean="0"/>
+              <a:t> State Pattern</a:t>
+            </a:r>
+          </a:p>
+          <a:p>
+            <a:pPr>
+              <a:buFont typeface="Courier New" panose="02070309020205020404" pitchFamily="49" charset="0"/>
+              <a:buChar char="o"/>
+            </a:pPr>
+            <a:r>
+              <a:rPr lang="de-DE" dirty="0"/>
+              <a:t> </a:t>
+            </a:r>
+            <a:endParaRPr lang="de-DE" dirty="0" smtClean="0"/>
+          </a:p>
+        </p:txBody>
+      </p:sp>
+      <p:sp>
+        <p:nvSpPr>
+          <p:cNvPr id="4" name="Foliennummernplatzhalter 3"/>
+          <p:cNvSpPr>
+            <a:spLocks noGrp="1"/>
+          </p:cNvSpPr>
+          <p:nvPr>
+            <p:ph type="sldNum" sz="quarter" idx="12"/>
+          </p:nvPr>
+        </p:nvSpPr>
+        <p:spPr/>
+        <p:txBody>
+          <a:bodyPr/>
+          <a:lstStyle/>
+          <a:p>
+            <a:fld id="{BEA2534F-1EDD-48ED-BC5A-02D188FC5C63}" type="slidenum">
+              <a:rPr lang="de-DE" smtClean="0"/>
+              <a:t>20</a:t>
+            </a:fld>
+            <a:endParaRPr lang="de-DE"/>
+          </a:p>
+        </p:txBody>
+      </p:sp>
+      <p:pic>
+        <p:nvPicPr>
+          <p:cNvPr id="6" name="Grafik 5" descr="after_pattern.png"/>
+          <p:cNvPicPr/>
+          <p:nvPr/>
+        </p:nvPicPr>
+        <p:blipFill>
+          <a:blip r:embed="rId3" cstate="print">
+            <a:extLst>
+              <a:ext uri="{28A0092B-C50C-407E-A947-70E740481C1C}">
+                <a14:useLocalDpi xmlns:a14="http://schemas.microsoft.com/office/drawing/2010/main" val="0"/>
+              </a:ext>
+            </a:extLst>
+          </a:blip>
+          <a:srcRect/>
+          <a:stretch>
+            <a:fillRect/>
+          </a:stretch>
+        </p:blipFill>
+        <p:spPr bwMode="auto">
+          <a:xfrm>
+            <a:off x="6077416" y="11151"/>
+            <a:ext cx="5969502" cy="6298240"/>
+          </a:xfrm>
+          <a:prstGeom prst="rect">
+            <a:avLst/>
+          </a:prstGeom>
+          <a:noFill/>
+          <a:ln>
+            <a:noFill/>
+          </a:ln>
+        </p:spPr>
+      </p:pic>
+    </p:spTree>
+    <p:extLst>
+      <p:ext uri="{BB962C8B-B14F-4D97-AF65-F5344CB8AC3E}">
+        <p14:creationId xmlns:p14="http://schemas.microsoft.com/office/powerpoint/2010/main" val="40514667"/>
+      </p:ext>
+    </p:extLst>
+  </p:cSld>
+  <p:clrMapOvr>
+    <a:masterClrMapping/>
+  </p:clrMapOvr>
+  <p:timing>
+    <p:tnLst>
+      <p:par>
+        <p:cTn id="1" dur="indefinite" restart="never" nodeType="tmRoot"/>
+      </p:par>
+    </p:tnLst>
+  </p:timing>
+</p:sld>
+</file>
+
+<file path=ppt/slides/slide21.xml><?xml version="1.0" encoding="utf-8"?>
+<p:sld xmlns:a="http://schemas.openxmlformats.org/drawingml/2006/main" xmlns:r="http://schemas.openxmlformats.org/officeDocument/2006/relationships" xmlns:p="http://schemas.openxmlformats.org/presentationml/2006/main">
+  <p:cSld>
+    <p:spTree>
+      <p:nvGrpSpPr>
+        <p:cNvPr id="1" name=""/>
+        <p:cNvGrpSpPr/>
+        <p:nvPr/>
+      </p:nvGrpSpPr>
+      <p:grpSpPr>
+        <a:xfrm>
+          <a:off x="0" y="0"/>
+          <a:ext cx="0" cy="0"/>
+          <a:chOff x="0" y="0"/>
+          <a:chExt cx="0" cy="0"/>
+        </a:xfrm>
+      </p:grpSpPr>
+      <p:sp>
+        <p:nvSpPr>
+          <p:cNvPr id="2" name="Titel 1"/>
+          <p:cNvSpPr>
+            <a:spLocks noGrp="1"/>
+          </p:cNvSpPr>
+          <p:nvPr>
+            <p:ph type="title"/>
+          </p:nvPr>
+        </p:nvSpPr>
+        <p:spPr/>
+        <p:txBody>
+          <a:bodyPr/>
+          <a:lstStyle/>
+          <a:p>
+            <a:r>
+              <a:rPr lang="de-DE" dirty="0" smtClean="0">
+                <a:solidFill>
+                  <a:schemeClr val="bg1">
+                    <a:lumMod val="50000"/>
+                  </a:schemeClr>
+                </a:solidFill>
+              </a:rPr>
+              <a:t>METRICS</a:t>
+            </a:r>
+            <a:endParaRPr lang="de-DE" dirty="0"/>
+          </a:p>
+        </p:txBody>
+      </p:sp>
+      <p:sp>
+        <p:nvSpPr>
+          <p:cNvPr id="3" name="Inhaltsplatzhalter 2"/>
+          <p:cNvSpPr>
+            <a:spLocks noGrp="1"/>
+          </p:cNvSpPr>
+          <p:nvPr>
+            <p:ph idx="1"/>
+          </p:nvPr>
+        </p:nvSpPr>
+        <p:spPr/>
+        <p:txBody>
+          <a:bodyPr/>
+          <a:lstStyle/>
+          <a:p>
+            <a:endParaRPr lang="de-DE" dirty="0"/>
+          </a:p>
+        </p:txBody>
+      </p:sp>
+      <p:sp>
+        <p:nvSpPr>
+          <p:cNvPr id="4" name="Foliennummernplatzhalter 3"/>
+          <p:cNvSpPr>
+            <a:spLocks noGrp="1"/>
+          </p:cNvSpPr>
+          <p:nvPr>
+            <p:ph type="sldNum" sz="quarter" idx="12"/>
+          </p:nvPr>
+        </p:nvSpPr>
+        <p:spPr/>
+        <p:txBody>
+          <a:bodyPr/>
+          <a:lstStyle/>
+          <a:p>
+            <a:fld id="{BEA2534F-1EDD-48ED-BC5A-02D188FC5C63}" type="slidenum">
+              <a:rPr lang="de-DE" smtClean="0"/>
+              <a:t>21</a:t>
+            </a:fld>
+            <a:endParaRPr lang="de-DE"/>
+          </a:p>
+        </p:txBody>
+      </p:sp>
+    </p:spTree>
+    <p:extLst>
+      <p:ext uri="{BB962C8B-B14F-4D97-AF65-F5344CB8AC3E}">
+        <p14:creationId xmlns:p14="http://schemas.microsoft.com/office/powerpoint/2010/main" val="1217544904"/>
+      </p:ext>
+    </p:extLst>
+  </p:cSld>
+  <p:clrMapOvr>
+    <a:masterClrMapping/>
+  </p:clrMapOvr>
+  <p:timing>
+    <p:tnLst>
+      <p:par>
+        <p:cTn id="1" dur="indefinite" restart="never" nodeType="tmRoot"/>
+      </p:par>
+    </p:tnLst>
+  </p:timing>
+</p:sld>
+</file>
+
+<file path=ppt/slides/slide22.xml><?xml version="1.0" encoding="utf-8"?>
+<p:sld xmlns:a="http://schemas.openxmlformats.org/drawingml/2006/main" xmlns:r="http://schemas.openxmlformats.org/officeDocument/2006/relationships" xmlns:p="http://schemas.openxmlformats.org/presentationml/2006/main">
+  <p:cSld>
+    <p:spTree>
+      <p:nvGrpSpPr>
+        <p:cNvPr id="1" name=""/>
+        <p:cNvGrpSpPr/>
+        <p:nvPr/>
+      </p:nvGrpSpPr>
+      <p:grpSpPr>
+        <a:xfrm>
+          <a:off x="0" y="0"/>
+          <a:ext cx="0" cy="0"/>
+          <a:chOff x="0" y="0"/>
+          <a:chExt cx="0" cy="0"/>
+        </a:xfrm>
+      </p:grpSpPr>
+      <p:sp>
+        <p:nvSpPr>
+          <p:cNvPr id="2" name="Titel 1"/>
+          <p:cNvSpPr>
+            <a:spLocks noGrp="1"/>
+          </p:cNvSpPr>
+          <p:nvPr>
+            <p:ph type="title"/>
+          </p:nvPr>
+        </p:nvSpPr>
+        <p:spPr/>
+        <p:txBody>
+          <a:bodyPr/>
+          <a:lstStyle/>
+          <a:p>
+            <a:r>
+              <a:rPr lang="de-DE" dirty="0" smtClean="0">
+                <a:solidFill>
+                  <a:schemeClr val="bg1">
+                    <a:lumMod val="50000"/>
+                  </a:schemeClr>
+                </a:solidFill>
+              </a:rPr>
               <a:t>DEMO – ENJOY </a:t>
             </a:r>
             <a:r>
@@ -6728,26 +9796,100 @@
             <p:ph idx="1"/>
           </p:nvPr>
         </p:nvSpPr>
-        <p:spPr/>
-        <p:txBody>
-          <a:bodyPr/>
-          <a:lstStyle/>
-          <a:p>
-            <a:r>
-              <a:rPr lang="de-DE" dirty="0" err="1" smtClean="0"/>
+        <p:spPr>
+          <a:xfrm>
+            <a:off x="1097280" y="1845733"/>
+            <a:ext cx="10058400" cy="4685695"/>
+          </a:xfrm>
+        </p:spPr>
+        <p:txBody>
+          <a:bodyPr>
+            <a:normAutofit fontScale="92500" lnSpcReduction="10000"/>
+          </a:bodyPr>
+          <a:lstStyle/>
+          <a:p>
+            <a:endParaRPr lang="de-DE" sz="1500" dirty="0" smtClean="0"/>
+          </a:p>
+          <a:p>
+            <a:endParaRPr lang="de-DE" sz="1500" dirty="0"/>
+          </a:p>
+          <a:p>
+            <a:endParaRPr lang="de-DE" sz="1500" dirty="0" smtClean="0"/>
+          </a:p>
+          <a:p>
+            <a:endParaRPr lang="de-DE" sz="1500" dirty="0"/>
+          </a:p>
+          <a:p>
+            <a:endParaRPr lang="de-DE" sz="1500" dirty="0" smtClean="0"/>
+          </a:p>
+          <a:p>
+            <a:endParaRPr lang="de-DE" sz="1500" dirty="0"/>
+          </a:p>
+          <a:p>
+            <a:endParaRPr lang="de-DE" sz="1500" dirty="0" smtClean="0"/>
+          </a:p>
+          <a:p>
+            <a:endParaRPr lang="de-DE" sz="1500" dirty="0"/>
+          </a:p>
+          <a:p>
+            <a:pPr marL="0" indent="0">
+              <a:buNone/>
+            </a:pPr>
+            <a:endParaRPr lang="de-DE" sz="1500" dirty="0" smtClean="0"/>
+          </a:p>
+          <a:p>
+            <a:pPr marL="0" indent="0">
+              <a:buNone/>
+            </a:pPr>
+            <a:endParaRPr lang="de-DE" sz="1500" dirty="0"/>
+          </a:p>
+          <a:p>
+            <a:pPr marL="0" indent="0">
+              <a:buNone/>
+            </a:pPr>
+            <a:endParaRPr lang="de-DE" sz="1500" dirty="0" smtClean="0"/>
+          </a:p>
+          <a:p>
+            <a:pPr marL="0" indent="0">
+              <a:buNone/>
+            </a:pPr>
+            <a:endParaRPr lang="de-DE" sz="1500" dirty="0"/>
+          </a:p>
+          <a:p>
+            <a:pPr marL="0" indent="0">
+              <a:buNone/>
+            </a:pPr>
+            <a:r>
+              <a:rPr lang="de-DE" sz="1500" dirty="0" err="1" smtClean="0"/>
               <a:t>Executable</a:t>
             </a:r>
             <a:r>
-              <a:rPr lang="de-DE" dirty="0" smtClean="0"/>
+              <a:rPr lang="de-DE" sz="1500" dirty="0" smtClean="0"/>
               <a:t> </a:t>
             </a:r>
             <a:r>
-              <a:rPr lang="de-DE" dirty="0" err="1" smtClean="0"/>
+              <a:rPr lang="de-DE" sz="1500" dirty="0" err="1" smtClean="0"/>
               <a:t>Jar</a:t>
             </a:r>
             <a:r>
-              <a:rPr lang="de-DE" dirty="0"/>
+              <a:rPr lang="de-DE" sz="1500" dirty="0"/>
               <a:t>: </a:t>
+            </a:r>
+            <a:r>
+              <a:rPr lang="de-DE" sz="1500" dirty="0">
+                <a:hlinkClick r:id="rId3"/>
+              </a:rPr>
+              <a:t>https://</a:t>
+            </a:r>
+            <a:r>
+              <a:rPr lang="de-DE" sz="1500" dirty="0" smtClean="0">
+                <a:hlinkClick r:id="rId3"/>
+              </a:rPr>
+              <a:t>github.com/nappydevelopment/Nappy-the-ingenious/raw/master/jar/nappy-the-ingenious-1.0.0.jar</a:t>
+            </a:r>
+            <a:r>
+              <a:rPr lang="de-DE" sz="1500" dirty="0" smtClean="0"/>
+              <a:t>  </a:t>
             </a:r>
             <a:r>
               <a:rPr lang="de-DE" dirty="0" smtClean="0"/>
@@ -6777,7 +9919,7 @@
           <a:p>
             <a:fld id="{BEA2534F-1EDD-48ED-BC5A-02D188FC5C63}" type="slidenum">
               <a:rPr lang="de-DE" smtClean="0"/>
-              <a:t>16</a:t>
+              <a:t>22</a:t>
             </a:fld>
             <a:endParaRPr lang="de-DE" dirty="0"/>
           </a:p>
@@ -6803,7 +9945,7 @@
 </p:sld>
 </file>
 
-<file path=ppt/slides/slide17.xml><?xml version="1.0" encoding="utf-8"?>
+<file path=ppt/slides/slide23.xml><?xml version="1.0" encoding="utf-8"?>
 <p:sld xmlns:a="http://schemas.openxmlformats.org/drawingml/2006/main" xmlns:r="http://schemas.openxmlformats.org/officeDocument/2006/relationships" xmlns:p="http://schemas.openxmlformats.org/presentationml/2006/main">
   <p:cSld>
     <p:spTree>
@@ -6836,128 +9978,6 @@
           <a:lstStyle/>
           <a:p>
             <a:r>
-              <a:rPr lang="de-DE" dirty="0" smtClean="0">
-                <a:solidFill>
-                  <a:schemeClr val="bg1">
-                    <a:lumMod val="50000"/>
-                  </a:schemeClr>
-                </a:solidFill>
-              </a:rPr>
-              <a:t>Zusammenfassung</a:t>
-            </a:r>
-            <a:endParaRPr lang="de-DE" dirty="0">
-              <a:solidFill>
-                <a:schemeClr val="bg1">
-                  <a:lumMod val="50000"/>
-                </a:schemeClr>
-              </a:solidFill>
-            </a:endParaRPr>
-          </a:p>
-        </p:txBody>
-      </p:sp>
-      <p:sp>
-        <p:nvSpPr>
-          <p:cNvPr id="3" name="Inhaltsplatzhalter 2"/>
-          <p:cNvSpPr>
-            <a:spLocks noGrp="1"/>
-          </p:cNvSpPr>
-          <p:nvPr>
-            <p:ph idx="1"/>
-          </p:nvPr>
-        </p:nvSpPr>
-        <p:spPr/>
-        <p:txBody>
-          <a:bodyPr/>
-          <a:lstStyle/>
-          <a:p>
-            <a:pPr>
-              <a:buFont typeface="Courier New" panose="02070309020205020404" pitchFamily="49" charset="0"/>
-              <a:buChar char="o"/>
-            </a:pPr>
-            <a:r>
-              <a:rPr lang="de-DE" dirty="0" smtClean="0"/>
-              <a:t>s</a:t>
-            </a:r>
-            <a:endParaRPr lang="de-DE" dirty="0"/>
-          </a:p>
-        </p:txBody>
-      </p:sp>
-      <p:sp>
-        <p:nvSpPr>
-          <p:cNvPr id="5" name="Foliennummernplatzhalter 4"/>
-          <p:cNvSpPr>
-            <a:spLocks noGrp="1"/>
-          </p:cNvSpPr>
-          <p:nvPr>
-            <p:ph type="sldNum" sz="quarter" idx="12"/>
-          </p:nvPr>
-        </p:nvSpPr>
-        <p:spPr/>
-        <p:txBody>
-          <a:bodyPr/>
-          <a:lstStyle/>
-          <a:p>
-            <a:fld id="{BEA2534F-1EDD-48ED-BC5A-02D188FC5C63}" type="slidenum">
-              <a:rPr lang="de-DE" smtClean="0"/>
-              <a:t>17</a:t>
-            </a:fld>
-            <a:endParaRPr lang="de-DE" dirty="0"/>
-          </a:p>
-        </p:txBody>
-      </p:sp>
-    </p:spTree>
-    <p:extLst>
-      <p:ext uri="{BB962C8B-B14F-4D97-AF65-F5344CB8AC3E}">
-        <p14:creationId xmlns:p14="http://schemas.microsoft.com/office/powerpoint/2010/main" val="1843818158"/>
-      </p:ext>
-    </p:extLst>
-  </p:cSld>
-  <p:clrMapOvr>
-    <a:masterClrMapping/>
-  </p:clrMapOvr>
-  <p:timing>
-    <p:tnLst>
-      <p:par>
-        <p:cTn id="1" dur="indefinite" restart="never" nodeType="tmRoot"/>
-      </p:par>
-    </p:tnLst>
-  </p:timing>
-</p:sld>
-</file>
-
-<file path=ppt/slides/slide18.xml><?xml version="1.0" encoding="utf-8"?>
-<p:sld xmlns:a="http://schemas.openxmlformats.org/drawingml/2006/main" xmlns:r="http://schemas.openxmlformats.org/officeDocument/2006/relationships" xmlns:p="http://schemas.openxmlformats.org/presentationml/2006/main">
-  <p:cSld>
-    <p:spTree>
-      <p:nvGrpSpPr>
-        <p:cNvPr id="1" name=""/>
-        <p:cNvGrpSpPr/>
-        <p:nvPr/>
-      </p:nvGrpSpPr>
-      <p:grpSpPr>
-        <a:xfrm>
-          <a:off x="0" y="0"/>
-          <a:ext cx="0" cy="0"/>
-          <a:chOff x="0" y="0"/>
-          <a:chExt cx="0" cy="0"/>
-        </a:xfrm>
-      </p:grpSpPr>
-      <p:sp>
-        <p:nvSpPr>
-          <p:cNvPr id="2" name="Titel 1"/>
-          <p:cNvSpPr>
-            <a:spLocks noGrp="1"/>
-          </p:cNvSpPr>
-          <p:nvPr>
-            <p:ph type="title"/>
-          </p:nvPr>
-        </p:nvSpPr>
-        <p:spPr/>
-        <p:txBody>
-          <a:bodyPr/>
-          <a:lstStyle/>
-          <a:p>
-            <a:r>
               <a:rPr lang="de-DE" smtClean="0">
                 <a:solidFill>
                   <a:schemeClr val="bg1">
@@ -6989,7 +10009,9 @@
         </p:nvSpPr>
         <p:spPr/>
         <p:txBody>
-          <a:bodyPr/>
+          <a:bodyPr>
+            <a:normAutofit/>
+          </a:bodyPr>
           <a:lstStyle/>
           <a:p>
             <a:r>
@@ -7061,40 +10083,56 @@
               <a:rPr lang="de-DE" dirty="0" smtClean="0"/>
               <a:t> </a:t>
             </a:r>
+          </a:p>
+          <a:p>
+            <a:r>
+              <a:rPr lang="de-DE" dirty="0" smtClean="0"/>
+              <a:t>Gantt-Chart: </a:t>
+            </a:r>
+            <a:r>
+              <a:rPr lang="de-DE" dirty="0">
+                <a:hlinkClick r:id="rId5"/>
+              </a:rPr>
+              <a:t>https://github.com/nappydevelopment/docs/blob/master/pdfs/SE_GanttChart_UntilMidterm.pdf</a:t>
+            </a:r>
+            <a:r>
+              <a:rPr lang="de-DE" dirty="0"/>
+              <a:t> </a:t>
+            </a:r>
             <a:endParaRPr lang="de-DE" dirty="0" smtClean="0"/>
           </a:p>
           <a:p>
-            <a:endParaRPr lang="de-DE" dirty="0"/>
-          </a:p>
-          <a:p>
             <a:r>
               <a:rPr lang="de-DE" dirty="0" smtClean="0"/>
-              <a:t>SRS:</a:t>
-            </a:r>
-          </a:p>
-          <a:p>
+              <a:t>SRS</a:t>
+            </a:r>
             <a:r>
               <a:rPr lang="de-DE" dirty="0" smtClean="0"/>
-              <a:t>SAD:</a:t>
-            </a:r>
-          </a:p>
-          <a:p>
-            <a:r>
-              <a:rPr lang="de-DE" dirty="0" smtClean="0"/>
-              <a:t>Test-Plan:</a:t>
-            </a:r>
-          </a:p>
-          <a:p>
-            <a:endParaRPr lang="de-DE" dirty="0" smtClean="0"/>
-          </a:p>
-          <a:p>
-            <a:pPr marL="0" indent="0">
-              <a:buNone/>
-            </a:pPr>
+              <a:t>: </a:t>
+            </a:r>
+            <a:r>
+              <a:rPr lang="de-DE" dirty="0" smtClean="0">
+                <a:hlinkClick r:id="rId6"/>
+              </a:rPr>
+              <a:t>https</a:t>
+            </a:r>
+            <a:r>
+              <a:rPr lang="de-DE" dirty="0">
+                <a:hlinkClick r:id="rId6"/>
+              </a:rPr>
+              <a:t>://</a:t>
+            </a:r>
+            <a:r>
+              <a:rPr lang="de-DE" dirty="0" smtClean="0">
+                <a:hlinkClick r:id="rId6"/>
+              </a:rPr>
+              <a:t>github.com/nappydevelopment/docs/blob/master/pdfs/Software%20Requirements%20Specification.pdf</a:t>
+            </a:r>
             <a:r>
               <a:rPr lang="de-DE" dirty="0" smtClean="0"/>
               <a:t> </a:t>
             </a:r>
+            <a:endParaRPr lang="de-DE" dirty="0" smtClean="0"/>
           </a:p>
           <a:p>
             <a:endParaRPr lang="de-DE" dirty="0"/>
@@ -7118,7 +10156,7 @@
           <a:p>
             <a:fld id="{BEA2534F-1EDD-48ED-BC5A-02D188FC5C63}" type="slidenum">
               <a:rPr lang="de-DE" smtClean="0"/>
-              <a:t>18</a:t>
+              <a:t>23</a:t>
             </a:fld>
             <a:endParaRPr lang="de-DE" dirty="0"/>
           </a:p>
@@ -7144,7 +10182,7 @@
 </p:sld>
 </file>
 
-<file path=ppt/slides/slide19.xml><?xml version="1.0" encoding="utf-8"?>
+<file path=ppt/slides/slide24.xml><?xml version="1.0" encoding="utf-8"?>
 <p:sld xmlns:a="http://schemas.openxmlformats.org/drawingml/2006/main" xmlns:r="http://schemas.openxmlformats.org/officeDocument/2006/relationships" xmlns:p="http://schemas.openxmlformats.org/presentationml/2006/main">
   <p:cSld>
     <p:spTree>
@@ -7161,29 +10199,6 @@
           <a:chExt cx="0" cy="0"/>
         </a:xfrm>
       </p:grpSpPr>
-      <p:sp>
-        <p:nvSpPr>
-          <p:cNvPr id="4" name="Foliennummernplatzhalter 3"/>
-          <p:cNvSpPr>
-            <a:spLocks noGrp="1"/>
-          </p:cNvSpPr>
-          <p:nvPr>
-            <p:ph type="sldNum" sz="quarter" idx="12"/>
-          </p:nvPr>
-        </p:nvSpPr>
-        <p:spPr/>
-        <p:txBody>
-          <a:bodyPr/>
-          <a:lstStyle/>
-          <a:p>
-            <a:fld id="{BEA2534F-1EDD-48ED-BC5A-02D188FC5C63}" type="slidenum">
-              <a:rPr lang="de-DE" smtClean="0"/>
-              <a:t>19</a:t>
-            </a:fld>
-            <a:endParaRPr lang="de-DE"/>
-          </a:p>
-        </p:txBody>
-      </p:sp>
       <p:pic>
         <p:nvPicPr>
           <p:cNvPr id="3074" name="Picture 2" descr="C:\Duales Studium\01 Theorie\4. Semester\03 Software Engineering\docs\logos\nappy2.png"/>
@@ -7207,8 +10222,8 @@
         </p:blipFill>
         <p:spPr bwMode="auto">
           <a:xfrm>
-            <a:off x="4045744" y="801916"/>
-            <a:ext cx="4100512" cy="4833937"/>
+            <a:off x="3537854" y="301604"/>
+            <a:ext cx="4876800" cy="5749073"/>
           </a:xfrm>
           <a:prstGeom prst="rect">
             <a:avLst/>
@@ -7227,18 +10242,41 @@
       </p:pic>
       <p:sp>
         <p:nvSpPr>
+          <p:cNvPr id="4" name="Foliennummernplatzhalter 3"/>
+          <p:cNvSpPr>
+            <a:spLocks noGrp="1"/>
+          </p:cNvSpPr>
+          <p:nvPr>
+            <p:ph type="sldNum" sz="quarter" idx="12"/>
+          </p:nvPr>
+        </p:nvSpPr>
+        <p:spPr/>
+        <p:txBody>
+          <a:bodyPr/>
+          <a:lstStyle/>
+          <a:p>
+            <a:fld id="{BEA2534F-1EDD-48ED-BC5A-02D188FC5C63}" type="slidenum">
+              <a:rPr lang="de-DE" smtClean="0"/>
+              <a:t>24</a:t>
+            </a:fld>
+            <a:endParaRPr lang="de-DE"/>
+          </a:p>
+        </p:txBody>
+      </p:sp>
+      <p:sp>
+        <p:nvSpPr>
           <p:cNvPr id="3" name="Inhaltsplatzhalter 2"/>
           <p:cNvSpPr>
             <a:spLocks noGrp="1"/>
           </p:cNvSpPr>
           <p:nvPr>
-            <p:ph idx="1"/>
+            <p:ph idx="4294967295"/>
           </p:nvPr>
         </p:nvSpPr>
         <p:spPr>
           <a:xfrm>
-            <a:off x="4223650" y="1704220"/>
-            <a:ext cx="1132114" cy="374952"/>
+            <a:off x="3918855" y="1443715"/>
+            <a:ext cx="1131888" cy="374650"/>
           </a:xfrm>
         </p:spPr>
         <p:txBody>
@@ -7273,7 +10311,7 @@
 </p:sld>
 </file>
 
-<file path=ppt/slides/slide2.xml><?xml version="1.0" encoding="utf-8"?>
+<file path=ppt/slides/slide25.xml><?xml version="1.0" encoding="utf-8"?>
 <p:sld xmlns:a="http://schemas.openxmlformats.org/drawingml/2006/main" xmlns:r="http://schemas.openxmlformats.org/officeDocument/2006/relationships" xmlns:p="http://schemas.openxmlformats.org/presentationml/2006/main">
   <p:cSld>
     <p:spTree>
@@ -7292,285 +10330,380 @@
       </p:grpSpPr>
       <p:sp>
         <p:nvSpPr>
-          <p:cNvPr id="2" name="Titel 1"/>
-          <p:cNvSpPr>
-            <a:spLocks noGrp="1"/>
-          </p:cNvSpPr>
-          <p:nvPr>
-            <p:ph type="title"/>
-          </p:nvPr>
-        </p:nvSpPr>
-        <p:spPr/>
-        <p:txBody>
-          <a:bodyPr/>
-          <a:lstStyle/>
-          <a:p>
-            <a:r>
-              <a:rPr lang="de-DE" dirty="0" smtClean="0">
+          <p:cNvPr id="2" name="Foliennummernplatzhalter 1"/>
+          <p:cNvSpPr>
+            <a:spLocks noGrp="1"/>
+          </p:cNvSpPr>
+          <p:nvPr>
+            <p:ph type="sldNum" sz="quarter" idx="12"/>
+          </p:nvPr>
+        </p:nvSpPr>
+        <p:spPr/>
+        <p:txBody>
+          <a:bodyPr/>
+          <a:lstStyle/>
+          <a:p>
+            <a:fld id="{BEA2534F-1EDD-48ED-BC5A-02D188FC5C63}" type="slidenum">
+              <a:rPr lang="de-DE" smtClean="0"/>
+              <a:t>25</a:t>
+            </a:fld>
+            <a:endParaRPr lang="de-DE"/>
+          </a:p>
+        </p:txBody>
+      </p:sp>
+      <p:pic>
+        <p:nvPicPr>
+          <p:cNvPr id="1026" name="Picture 2" descr="C:\Duales Studium\01 Theorie\4. Semester\03 Software Engineering\docs\logos\nappy.png"/>
+          <p:cNvPicPr>
+            <a:picLocks noChangeAspect="1" noChangeArrowheads="1"/>
+          </p:cNvPicPr>
+          <p:nvPr/>
+        </p:nvPicPr>
+        <p:blipFill>
+          <a:blip r:embed="rId2" cstate="print">
+            <a:extLst>
+              <a:ext uri="{28A0092B-C50C-407E-A947-70E740481C1C}">
+                <a14:useLocalDpi xmlns:a14="http://schemas.microsoft.com/office/drawing/2010/main" val="0"/>
+              </a:ext>
+            </a:extLst>
+          </a:blip>
+          <a:srcRect/>
+          <a:stretch>
+            <a:fillRect/>
+          </a:stretch>
+        </p:blipFill>
+        <p:spPr bwMode="auto">
+          <a:xfrm>
+            <a:off x="3886199" y="-33692"/>
+            <a:ext cx="4550229" cy="6133723"/>
+          </a:xfrm>
+          <a:prstGeom prst="rect">
+            <a:avLst/>
+          </a:prstGeom>
+          <a:noFill/>
+          <a:extLst>
+            <a:ext uri="{909E8E84-426E-40DD-AFC4-6F175D3DCCD1}">
+              <a14:hiddenFill xmlns:a14="http://schemas.microsoft.com/office/drawing/2010/main">
                 <a:solidFill>
-                  <a:schemeClr val="bg1">
-                    <a:lumMod val="50000"/>
+                  <a:srgbClr val="FFFFFF"/>
+                </a:solidFill>
+              </a14:hiddenFill>
+            </a:ext>
+          </a:extLst>
+        </p:spPr>
+      </p:pic>
+      <p:sp>
+        <p:nvSpPr>
+          <p:cNvPr id="4" name="Inhaltsplatzhalter 2"/>
+          <p:cNvSpPr txBox="1">
+            <a:spLocks/>
+          </p:cNvSpPr>
+          <p:nvPr/>
+        </p:nvSpPr>
+        <p:spPr>
+          <a:xfrm>
+            <a:off x="5072743" y="4506687"/>
+            <a:ext cx="1817913" cy="1262744"/>
+          </a:xfrm>
+          <a:prstGeom prst="rect">
+            <a:avLst/>
+          </a:prstGeom>
+        </p:spPr>
+        <p:txBody>
+          <a:bodyPr vert="horz" lIns="0" tIns="45720" rIns="0" bIns="45720" rtlCol="0">
+            <a:normAutofit lnSpcReduction="10000"/>
+          </a:bodyPr>
+          <a:lstStyle>
+            <a:lvl1pPr marL="91440" indent="-91440" algn="l" defTabSz="914400" rtl="0" eaLnBrk="1" latinLnBrk="0" hangingPunct="1">
+              <a:lnSpc>
+                <a:spcPct val="90000"/>
+              </a:lnSpc>
+              <a:spcBef>
+                <a:spcPts val="1200"/>
+              </a:spcBef>
+              <a:spcAft>
+                <a:spcPts val="200"/>
+              </a:spcAft>
+              <a:buClr>
+                <a:schemeClr val="accent1"/>
+              </a:buClr>
+              <a:buSzPct val="100000"/>
+              <a:buFont typeface="Calibri" panose="020F0502020204030204" pitchFamily="34" charset="0"/>
+              <a:buChar char=" "/>
+              <a:defRPr sz="2000" kern="1200">
+                <a:solidFill>
+                  <a:schemeClr val="tx1">
+                    <a:lumMod val="75000"/>
+                    <a:lumOff val="25000"/>
                   </a:schemeClr>
                 </a:solidFill>
+                <a:latin typeface="+mn-lt"/>
+                <a:ea typeface="+mn-ea"/>
+                <a:cs typeface="+mn-cs"/>
+              </a:defRPr>
+            </a:lvl1pPr>
+            <a:lvl2pPr marL="384048" indent="-182880" algn="l" defTabSz="914400" rtl="0" eaLnBrk="1" latinLnBrk="0" hangingPunct="1">
+              <a:lnSpc>
+                <a:spcPct val="90000"/>
+              </a:lnSpc>
+              <a:spcBef>
+                <a:spcPts val="200"/>
+              </a:spcBef>
+              <a:spcAft>
+                <a:spcPts val="400"/>
+              </a:spcAft>
+              <a:buClr>
+                <a:schemeClr val="accent1"/>
+              </a:buClr>
+              <a:buFont typeface="Calibri" pitchFamily="34" charset="0"/>
+              <a:buChar char="◦"/>
+              <a:defRPr sz="1800" kern="1200">
+                <a:solidFill>
+                  <a:schemeClr val="tx1">
+                    <a:lumMod val="75000"/>
+                    <a:lumOff val="25000"/>
+                  </a:schemeClr>
+                </a:solidFill>
+                <a:latin typeface="+mn-lt"/>
+                <a:ea typeface="+mn-ea"/>
+                <a:cs typeface="+mn-cs"/>
+              </a:defRPr>
+            </a:lvl2pPr>
+            <a:lvl3pPr marL="566928" indent="-182880" algn="l" defTabSz="914400" rtl="0" eaLnBrk="1" latinLnBrk="0" hangingPunct="1">
+              <a:lnSpc>
+                <a:spcPct val="90000"/>
+              </a:lnSpc>
+              <a:spcBef>
+                <a:spcPts val="200"/>
+              </a:spcBef>
+              <a:spcAft>
+                <a:spcPts val="400"/>
+              </a:spcAft>
+              <a:buClr>
+                <a:schemeClr val="accent1"/>
+              </a:buClr>
+              <a:buFont typeface="Calibri" pitchFamily="34" charset="0"/>
+              <a:buChar char="◦"/>
+              <a:defRPr sz="1400" kern="1200">
+                <a:solidFill>
+                  <a:schemeClr val="tx1">
+                    <a:lumMod val="75000"/>
+                    <a:lumOff val="25000"/>
+                  </a:schemeClr>
+                </a:solidFill>
+                <a:latin typeface="+mn-lt"/>
+                <a:ea typeface="+mn-ea"/>
+                <a:cs typeface="+mn-cs"/>
+              </a:defRPr>
+            </a:lvl3pPr>
+            <a:lvl4pPr marL="749808" indent="-182880" algn="l" defTabSz="914400" rtl="0" eaLnBrk="1" latinLnBrk="0" hangingPunct="1">
+              <a:lnSpc>
+                <a:spcPct val="90000"/>
+              </a:lnSpc>
+              <a:spcBef>
+                <a:spcPts val="200"/>
+              </a:spcBef>
+              <a:spcAft>
+                <a:spcPts val="400"/>
+              </a:spcAft>
+              <a:buClr>
+                <a:schemeClr val="accent1"/>
+              </a:buClr>
+              <a:buFont typeface="Calibri" pitchFamily="34" charset="0"/>
+              <a:buChar char="◦"/>
+              <a:defRPr sz="1400" kern="1200">
+                <a:solidFill>
+                  <a:schemeClr val="tx1">
+                    <a:lumMod val="75000"/>
+                    <a:lumOff val="25000"/>
+                  </a:schemeClr>
+                </a:solidFill>
+                <a:latin typeface="+mn-lt"/>
+                <a:ea typeface="+mn-ea"/>
+                <a:cs typeface="+mn-cs"/>
+              </a:defRPr>
+            </a:lvl4pPr>
+            <a:lvl5pPr marL="932688" indent="-182880" algn="l" defTabSz="914400" rtl="0" eaLnBrk="1" latinLnBrk="0" hangingPunct="1">
+              <a:lnSpc>
+                <a:spcPct val="90000"/>
+              </a:lnSpc>
+              <a:spcBef>
+                <a:spcPts val="200"/>
+              </a:spcBef>
+              <a:spcAft>
+                <a:spcPts val="400"/>
+              </a:spcAft>
+              <a:buClr>
+                <a:schemeClr val="accent1"/>
+              </a:buClr>
+              <a:buFont typeface="Calibri" pitchFamily="34" charset="0"/>
+              <a:buChar char="◦"/>
+              <a:defRPr sz="1400" kern="1200">
+                <a:solidFill>
+                  <a:schemeClr val="tx1">
+                    <a:lumMod val="75000"/>
+                    <a:lumOff val="25000"/>
+                  </a:schemeClr>
+                </a:solidFill>
+                <a:latin typeface="+mn-lt"/>
+                <a:ea typeface="+mn-ea"/>
+                <a:cs typeface="+mn-cs"/>
+              </a:defRPr>
+            </a:lvl5pPr>
+            <a:lvl6pPr marL="1100000" indent="-228600" algn="l" defTabSz="914400" rtl="0" eaLnBrk="1" latinLnBrk="0" hangingPunct="1">
+              <a:lnSpc>
+                <a:spcPct val="90000"/>
+              </a:lnSpc>
+              <a:spcBef>
+                <a:spcPts val="200"/>
+              </a:spcBef>
+              <a:spcAft>
+                <a:spcPts val="400"/>
+              </a:spcAft>
+              <a:buClr>
+                <a:schemeClr val="accent1"/>
+              </a:buClr>
+              <a:buFont typeface="Calibri" pitchFamily="34" charset="0"/>
+              <a:buChar char="◦"/>
+              <a:defRPr sz="1400" kern="1200">
+                <a:solidFill>
+                  <a:schemeClr val="tx1">
+                    <a:lumMod val="75000"/>
+                    <a:lumOff val="25000"/>
+                  </a:schemeClr>
+                </a:solidFill>
+                <a:latin typeface="+mn-lt"/>
+                <a:ea typeface="+mn-ea"/>
+                <a:cs typeface="+mn-cs"/>
+              </a:defRPr>
+            </a:lvl6pPr>
+            <a:lvl7pPr marL="1300000" indent="-228600" algn="l" defTabSz="914400" rtl="0" eaLnBrk="1" latinLnBrk="0" hangingPunct="1">
+              <a:lnSpc>
+                <a:spcPct val="90000"/>
+              </a:lnSpc>
+              <a:spcBef>
+                <a:spcPts val="200"/>
+              </a:spcBef>
+              <a:spcAft>
+                <a:spcPts val="400"/>
+              </a:spcAft>
+              <a:buClr>
+                <a:schemeClr val="accent1"/>
+              </a:buClr>
+              <a:buFont typeface="Calibri" pitchFamily="34" charset="0"/>
+              <a:buChar char="◦"/>
+              <a:defRPr sz="1400" kern="1200">
+                <a:solidFill>
+                  <a:schemeClr val="tx1">
+                    <a:lumMod val="75000"/>
+                    <a:lumOff val="25000"/>
+                  </a:schemeClr>
+                </a:solidFill>
+                <a:latin typeface="+mn-lt"/>
+                <a:ea typeface="+mn-ea"/>
+                <a:cs typeface="+mn-cs"/>
+              </a:defRPr>
+            </a:lvl7pPr>
+            <a:lvl8pPr marL="1500000" indent="-228600" algn="l" defTabSz="914400" rtl="0" eaLnBrk="1" latinLnBrk="0" hangingPunct="1">
+              <a:lnSpc>
+                <a:spcPct val="90000"/>
+              </a:lnSpc>
+              <a:spcBef>
+                <a:spcPts val="200"/>
+              </a:spcBef>
+              <a:spcAft>
+                <a:spcPts val="400"/>
+              </a:spcAft>
+              <a:buClr>
+                <a:schemeClr val="accent1"/>
+              </a:buClr>
+              <a:buFont typeface="Calibri" pitchFamily="34" charset="0"/>
+              <a:buChar char="◦"/>
+              <a:defRPr sz="1400" kern="1200">
+                <a:solidFill>
+                  <a:schemeClr val="tx1">
+                    <a:lumMod val="75000"/>
+                    <a:lumOff val="25000"/>
+                  </a:schemeClr>
+                </a:solidFill>
+                <a:latin typeface="+mn-lt"/>
+                <a:ea typeface="+mn-ea"/>
+                <a:cs typeface="+mn-cs"/>
+              </a:defRPr>
+            </a:lvl8pPr>
+            <a:lvl9pPr marL="1700000" indent="-228600" algn="l" defTabSz="914400" rtl="0" eaLnBrk="1" latinLnBrk="0" hangingPunct="1">
+              <a:lnSpc>
+                <a:spcPct val="90000"/>
+              </a:lnSpc>
+              <a:spcBef>
+                <a:spcPts val="200"/>
+              </a:spcBef>
+              <a:spcAft>
+                <a:spcPts val="400"/>
+              </a:spcAft>
+              <a:buClr>
+                <a:schemeClr val="accent1"/>
+              </a:buClr>
+              <a:buFont typeface="Calibri" pitchFamily="34" charset="0"/>
+              <a:buChar char="◦"/>
+              <a:defRPr sz="1400" kern="1200">
+                <a:solidFill>
+                  <a:schemeClr val="tx1">
+                    <a:lumMod val="75000"/>
+                    <a:lumOff val="25000"/>
+                  </a:schemeClr>
+                </a:solidFill>
+                <a:latin typeface="+mn-lt"/>
+                <a:ea typeface="+mn-ea"/>
+                <a:cs typeface="+mn-cs"/>
+              </a:defRPr>
+            </a:lvl9pPr>
+          </a:lstStyle>
+          <a:p>
+            <a:pPr marL="0" indent="0" algn="ctr">
+              <a:buNone/>
+            </a:pPr>
+            <a:r>
+              <a:rPr lang="de-DE" b="1" dirty="0" smtClean="0">
+                <a:solidFill>
+                  <a:schemeClr val="bg1"/>
+                </a:solidFill>
               </a:rPr>
-              <a:t>AGENDA</a:t>
-            </a:r>
-            <a:endParaRPr lang="de-DE" dirty="0">
-              <a:solidFill>
-                <a:schemeClr val="bg1">
-                  <a:lumMod val="50000"/>
-                </a:schemeClr>
-              </a:solidFill>
-            </a:endParaRPr>
-          </a:p>
-        </p:txBody>
-      </p:sp>
-      <p:sp>
-        <p:nvSpPr>
-          <p:cNvPr id="3" name="Inhaltsplatzhalter 2"/>
-          <p:cNvSpPr>
-            <a:spLocks noGrp="1"/>
-          </p:cNvSpPr>
-          <p:nvPr>
-            <p:ph idx="1"/>
-          </p:nvPr>
-        </p:nvSpPr>
-        <p:spPr/>
-        <p:txBody>
-          <a:bodyPr>
-            <a:normAutofit fontScale="85000" lnSpcReduction="20000"/>
-          </a:bodyPr>
-          <a:lstStyle/>
-          <a:p>
-            <a:pPr marL="457200" indent="-457200">
-              <a:buFont typeface="+mj-lt"/>
-              <a:buAutoNum type="arabicPeriod"/>
+              <a:t>Vielen Dank für </a:t>
+            </a:r>
+          </a:p>
+          <a:p>
+            <a:pPr marL="0" indent="0" algn="ctr">
+              <a:buNone/>
             </a:pPr>
             <a:r>
-              <a:rPr lang="de-DE" dirty="0" smtClean="0"/>
-              <a:t>Vision</a:t>
-            </a:r>
-          </a:p>
-          <a:p>
-            <a:pPr marL="457200" indent="-457200">
-              <a:buFont typeface="+mj-lt"/>
-              <a:buAutoNum type="arabicPeriod"/>
+              <a:rPr lang="de-DE" b="1" dirty="0" smtClean="0">
+                <a:solidFill>
+                  <a:schemeClr val="bg1"/>
+                </a:solidFill>
+              </a:rPr>
+              <a:t>eure </a:t>
+            </a:r>
+          </a:p>
+          <a:p>
+            <a:pPr marL="0" indent="0" algn="ctr">
+              <a:buNone/>
             </a:pPr>
             <a:r>
-              <a:rPr lang="de-DE" dirty="0"/>
-              <a:t>Software </a:t>
-            </a:r>
-            <a:r>
-              <a:rPr lang="en-GB" dirty="0"/>
-              <a:t>Requirements</a:t>
-            </a:r>
-            <a:r>
-              <a:rPr lang="de-DE" dirty="0"/>
-              <a:t> </a:t>
-            </a:r>
-            <a:r>
-              <a:rPr lang="en-GB" dirty="0" smtClean="0"/>
-              <a:t>Specifications</a:t>
-            </a:r>
-            <a:endParaRPr lang="de-DE" dirty="0" smtClean="0"/>
-          </a:p>
-          <a:p>
-            <a:pPr marL="749808" lvl="1" indent="-457200">
-              <a:buFont typeface="+mj-lt"/>
-              <a:buAutoNum type="arabicPeriod"/>
-            </a:pPr>
-            <a:r>
-              <a:rPr lang="en-GB" dirty="0" smtClean="0"/>
-              <a:t>UseCase</a:t>
-            </a:r>
-            <a:r>
-              <a:rPr lang="de-DE" dirty="0" smtClean="0"/>
-              <a:t> </a:t>
-            </a:r>
-            <a:r>
-              <a:rPr lang="en-GB" dirty="0" smtClean="0"/>
-              <a:t>Diagram</a:t>
-            </a:r>
-            <a:r>
-              <a:rPr lang="de-DE" dirty="0" smtClean="0"/>
-              <a:t> &amp; </a:t>
-            </a:r>
-            <a:r>
-              <a:rPr lang="de-DE" dirty="0" err="1" smtClean="0"/>
-              <a:t>UseCase‘s</a:t>
-            </a:r>
-            <a:endParaRPr lang="de-DE" dirty="0" smtClean="0"/>
-          </a:p>
-          <a:p>
-            <a:pPr marL="749808" lvl="1" indent="-457200">
-              <a:buFont typeface="+mj-lt"/>
-              <a:buAutoNum type="arabicPeriod"/>
-            </a:pPr>
-            <a:r>
-              <a:rPr lang="de-DE" dirty="0" err="1" smtClean="0"/>
-              <a:t>UseCase</a:t>
-            </a:r>
-            <a:r>
-              <a:rPr lang="de-DE" dirty="0" smtClean="0"/>
-              <a:t> </a:t>
-            </a:r>
-            <a:r>
-              <a:rPr lang="de-DE" dirty="0" err="1" smtClean="0"/>
-              <a:t>Gamemode</a:t>
-            </a:r>
-            <a:r>
-              <a:rPr lang="de-DE" dirty="0" smtClean="0"/>
-              <a:t> 1</a:t>
-            </a:r>
-          </a:p>
-          <a:p>
-            <a:pPr marL="457200" indent="-457200">
-              <a:buFont typeface="+mj-lt"/>
-              <a:buAutoNum type="arabicPeriod"/>
-            </a:pPr>
-            <a:r>
-              <a:rPr lang="de-DE" dirty="0" smtClean="0"/>
-              <a:t>RUP &amp; Gantt-Chart</a:t>
-            </a:r>
-          </a:p>
-          <a:p>
-            <a:pPr marL="457200" indent="-457200">
-              <a:buFont typeface="+mj-lt"/>
-              <a:buAutoNum type="arabicPeriod"/>
-            </a:pPr>
-            <a:r>
-              <a:rPr lang="de-DE" dirty="0" smtClean="0"/>
-              <a:t>JIRA &amp; </a:t>
-            </a:r>
-            <a:r>
-              <a:rPr lang="de-DE" dirty="0" err="1" smtClean="0"/>
-              <a:t>Burndown</a:t>
-            </a:r>
-            <a:r>
-              <a:rPr lang="de-DE" dirty="0" smtClean="0"/>
-              <a:t>-Diagramm</a:t>
-            </a:r>
-          </a:p>
-          <a:p>
-            <a:pPr marL="457200" indent="-457200">
-              <a:buFont typeface="+mj-lt"/>
-              <a:buAutoNum type="arabicPeriod"/>
-            </a:pPr>
-            <a:r>
-              <a:rPr lang="de-DE" dirty="0" smtClean="0"/>
-              <a:t>Software </a:t>
-            </a:r>
-            <a:r>
-              <a:rPr lang="de-DE" dirty="0" err="1" smtClean="0"/>
-              <a:t>Architecture</a:t>
-            </a:r>
-            <a:r>
-              <a:rPr lang="de-DE" dirty="0" smtClean="0"/>
-              <a:t> </a:t>
-            </a:r>
-            <a:r>
-              <a:rPr lang="de-DE" dirty="0" err="1" smtClean="0"/>
-              <a:t>Document</a:t>
-            </a:r>
-            <a:endParaRPr lang="de-DE" dirty="0" smtClean="0"/>
-          </a:p>
-          <a:p>
-            <a:pPr marL="749808" lvl="1" indent="-457200">
-              <a:buFont typeface="+mj-lt"/>
-              <a:buAutoNum type="arabicPeriod"/>
-            </a:pPr>
-            <a:r>
-              <a:rPr lang="de-DE" dirty="0" smtClean="0"/>
-              <a:t>Class Diagramm &amp; Architektur</a:t>
-            </a:r>
-          </a:p>
-          <a:p>
-            <a:pPr marL="749808" lvl="1" indent="-457200">
-              <a:buFont typeface="+mj-lt"/>
-              <a:buAutoNum type="arabicPeriod"/>
-            </a:pPr>
-            <a:r>
-              <a:rPr lang="de-DE" dirty="0" smtClean="0"/>
-              <a:t>Database Architektur</a:t>
-            </a:r>
-          </a:p>
-          <a:p>
-            <a:pPr marL="749808" lvl="1" indent="-457200">
-              <a:buFont typeface="+mj-lt"/>
-              <a:buAutoNum type="arabicPeriod"/>
-            </a:pPr>
-            <a:r>
-              <a:rPr lang="de-DE" dirty="0" smtClean="0"/>
-              <a:t>Algorithmus </a:t>
-            </a:r>
-            <a:r>
-              <a:rPr lang="de-DE" dirty="0" err="1" smtClean="0"/>
-              <a:t>Gamemode</a:t>
-            </a:r>
-            <a:r>
-              <a:rPr lang="de-DE" dirty="0" smtClean="0"/>
-              <a:t> 1</a:t>
-            </a:r>
-          </a:p>
-          <a:p>
-            <a:pPr marL="457200" indent="-457200">
-              <a:buFont typeface="+mj-lt"/>
-              <a:buAutoNum type="arabicPeriod"/>
-            </a:pPr>
-            <a:r>
-              <a:rPr lang="de-DE" dirty="0" smtClean="0"/>
-              <a:t>Live Demo</a:t>
-            </a:r>
-          </a:p>
-          <a:p>
-            <a:pPr marL="457200" indent="-457200">
-              <a:buFont typeface="+mj-lt"/>
-              <a:buAutoNum type="arabicPeriod"/>
-            </a:pPr>
-            <a:r>
-              <a:rPr lang="de-DE" dirty="0" smtClean="0"/>
-              <a:t>Ausblick</a:t>
-            </a:r>
-          </a:p>
-          <a:p>
-            <a:pPr marL="457200" indent="-457200">
-              <a:buFont typeface="+mj-lt"/>
-              <a:buAutoNum type="arabicPeriod"/>
-            </a:pPr>
-            <a:r>
-              <a:rPr lang="de-DE" dirty="0" smtClean="0"/>
-              <a:t>Links</a:t>
-            </a:r>
-          </a:p>
-        </p:txBody>
-      </p:sp>
-      <p:sp>
-        <p:nvSpPr>
-          <p:cNvPr id="5" name="Foliennummernplatzhalter 4"/>
-          <p:cNvSpPr>
-            <a:spLocks noGrp="1"/>
-          </p:cNvSpPr>
-          <p:nvPr>
-            <p:ph type="sldNum" sz="quarter" idx="12"/>
-          </p:nvPr>
-        </p:nvSpPr>
-        <p:spPr/>
-        <p:txBody>
-          <a:bodyPr/>
-          <a:lstStyle/>
-          <a:p>
-            <a:fld id="{BEA2534F-1EDD-48ED-BC5A-02D188FC5C63}" type="slidenum">
-              <a:rPr lang="de-DE" smtClean="0"/>
-              <a:t>2</a:t>
-            </a:fld>
-            <a:endParaRPr lang="de-DE" dirty="0"/>
+              <a:rPr lang="de-DE" b="1" dirty="0" smtClean="0">
+                <a:solidFill>
+                  <a:schemeClr val="bg1"/>
+                </a:solidFill>
+              </a:rPr>
+              <a:t>Aufmerksamkeit</a:t>
+            </a:r>
           </a:p>
         </p:txBody>
       </p:sp>
     </p:spTree>
     <p:extLst>
       <p:ext uri="{BB962C8B-B14F-4D97-AF65-F5344CB8AC3E}">
-        <p14:creationId xmlns:p14="http://schemas.microsoft.com/office/powerpoint/2010/main" val="1682555625"/>
+        <p14:creationId xmlns:p14="http://schemas.microsoft.com/office/powerpoint/2010/main" val="3477579703"/>
       </p:ext>
     </p:extLst>
   </p:cSld>
@@ -7627,7 +10760,843 @@
                   </a:schemeClr>
                 </a:solidFill>
               </a:rPr>
-              <a:t>VISION</a:t>
+              <a:t>WER IST NAPPYDEVELOPMENT?</a:t>
+            </a:r>
+            <a:endParaRPr lang="de-DE" dirty="0"/>
+          </a:p>
+        </p:txBody>
+      </p:sp>
+      <p:graphicFrame>
+        <p:nvGraphicFramePr>
+          <p:cNvPr id="5" name="Inhaltsplatzhalter 4"/>
+          <p:cNvGraphicFramePr>
+            <a:graphicFrameLocks noGrp="1"/>
+          </p:cNvGraphicFramePr>
+          <p:nvPr>
+            <p:ph idx="1"/>
+            <p:extLst>
+              <p:ext uri="{D42A27DB-BD31-4B8C-83A1-F6EECF244321}">
+                <p14:modId xmlns:p14="http://schemas.microsoft.com/office/powerpoint/2010/main" val="3322072904"/>
+              </p:ext>
+            </p:extLst>
+          </p:nvPr>
+        </p:nvGraphicFramePr>
+        <p:xfrm>
+          <a:off x="1284514" y="2079175"/>
+          <a:ext cx="9829800" cy="3918850"/>
+        </p:xfrm>
+        <a:graphic>
+          <a:graphicData uri="http://schemas.openxmlformats.org/drawingml/2006/table">
+            <a:tbl>
+              <a:tblPr firstRow="1" firstCol="1" bandRow="1">
+                <a:tableStyleId>{3B4B98B0-60AC-42C2-AFA5-B58CD77FA1E5}</a:tableStyleId>
+              </a:tblPr>
+              <a:tblGrid>
+                <a:gridCol w="4914900"/>
+                <a:gridCol w="4914900"/>
+              </a:tblGrid>
+              <a:tr h="391885">
+                <a:tc>
+                  <a:txBody>
+                    <a:bodyPr/>
+                    <a:lstStyle/>
+                    <a:p>
+                      <a:pPr algn="ctr">
+                        <a:lnSpc>
+                          <a:spcPct val="115000"/>
+                        </a:lnSpc>
+                        <a:spcAft>
+                          <a:spcPts val="0"/>
+                        </a:spcAft>
+                      </a:pPr>
+                      <a:r>
+                        <a:rPr lang="de-DE" sz="1800" dirty="0" err="1">
+                          <a:effectLst/>
+                        </a:rPr>
+                        <a:t>Discipline</a:t>
+                      </a:r>
+                      <a:endParaRPr lang="de-DE" sz="1800" dirty="0">
+                        <a:effectLst/>
+                        <a:latin typeface="Calibri"/>
+                        <a:ea typeface="Calibri"/>
+                        <a:cs typeface="Times New Roman"/>
+                      </a:endParaRPr>
+                    </a:p>
+                  </a:txBody>
+                  <a:tcPr marL="68580" marR="68580" marT="0" marB="0"/>
+                </a:tc>
+                <a:tc>
+                  <a:txBody>
+                    <a:bodyPr/>
+                    <a:lstStyle/>
+                    <a:p>
+                      <a:pPr algn="ctr">
+                        <a:lnSpc>
+                          <a:spcPct val="115000"/>
+                        </a:lnSpc>
+                        <a:spcAft>
+                          <a:spcPts val="0"/>
+                        </a:spcAft>
+                      </a:pPr>
+                      <a:r>
+                        <a:rPr lang="de-DE" sz="1800" dirty="0">
+                          <a:effectLst/>
+                        </a:rPr>
+                        <a:t>Team </a:t>
+                      </a:r>
+                      <a:r>
+                        <a:rPr lang="de-DE" sz="1800" dirty="0" err="1">
+                          <a:effectLst/>
+                        </a:rPr>
+                        <a:t>member</a:t>
+                      </a:r>
+                      <a:endParaRPr lang="de-DE" sz="1800" dirty="0">
+                        <a:effectLst/>
+                        <a:latin typeface="Calibri"/>
+                        <a:ea typeface="Calibri"/>
+                        <a:cs typeface="Times New Roman"/>
+                      </a:endParaRPr>
+                    </a:p>
+                  </a:txBody>
+                  <a:tcPr marL="68580" marR="68580" marT="0" marB="0"/>
+                </a:tc>
+              </a:tr>
+              <a:tr h="391885">
+                <a:tc>
+                  <a:txBody>
+                    <a:bodyPr/>
+                    <a:lstStyle/>
+                    <a:p>
+                      <a:pPr>
+                        <a:lnSpc>
+                          <a:spcPct val="115000"/>
+                        </a:lnSpc>
+                        <a:spcAft>
+                          <a:spcPts val="0"/>
+                        </a:spcAft>
+                      </a:pPr>
+                      <a:r>
+                        <a:rPr lang="de-DE" sz="1200" dirty="0">
+                          <a:effectLst/>
+                        </a:rPr>
+                        <a:t>Business Modeling</a:t>
+                      </a:r>
+                      <a:endParaRPr lang="de-DE" sz="1100" dirty="0">
+                        <a:effectLst/>
+                        <a:latin typeface="Calibri"/>
+                        <a:ea typeface="Calibri"/>
+                        <a:cs typeface="Times New Roman"/>
+                      </a:endParaRPr>
+                    </a:p>
+                  </a:txBody>
+                  <a:tcPr marL="68580" marR="68580" marT="0" marB="0"/>
+                </a:tc>
+                <a:tc>
+                  <a:txBody>
+                    <a:bodyPr/>
+                    <a:lstStyle/>
+                    <a:p>
+                      <a:pPr>
+                        <a:lnSpc>
+                          <a:spcPct val="115000"/>
+                        </a:lnSpc>
+                        <a:spcAft>
+                          <a:spcPts val="0"/>
+                        </a:spcAft>
+                      </a:pPr>
+                      <a:r>
+                        <a:rPr lang="de-DE" sz="1200" dirty="0" smtClean="0">
+                          <a:effectLst/>
+                          <a:latin typeface="+mn-lt"/>
+                          <a:ea typeface="Calibri"/>
+                          <a:cs typeface="Times New Roman"/>
+                        </a:rPr>
+                        <a:t>Marc</a:t>
+                      </a:r>
+                      <a:r>
+                        <a:rPr lang="de-DE" sz="1200" baseline="0" dirty="0" smtClean="0">
+                          <a:effectLst/>
+                          <a:latin typeface="+mn-lt"/>
+                          <a:ea typeface="Calibri"/>
+                          <a:cs typeface="Times New Roman"/>
+                        </a:rPr>
+                        <a:t> Mahler </a:t>
+                      </a:r>
+                      <a:r>
+                        <a:rPr lang="de-DE" sz="1200" baseline="0" dirty="0" err="1" smtClean="0">
+                          <a:effectLst/>
+                          <a:latin typeface="+mn-lt"/>
+                          <a:ea typeface="Calibri"/>
+                          <a:cs typeface="Times New Roman"/>
+                        </a:rPr>
+                        <a:t>and</a:t>
+                      </a:r>
+                      <a:r>
+                        <a:rPr lang="de-DE" sz="1200" baseline="0" dirty="0" smtClean="0">
+                          <a:effectLst/>
+                          <a:latin typeface="+mn-lt"/>
+                          <a:ea typeface="Calibri"/>
+                          <a:cs typeface="Times New Roman"/>
+                        </a:rPr>
+                        <a:t> Manuel Bothner</a:t>
+                      </a:r>
+                      <a:endParaRPr lang="de-DE" sz="1200" dirty="0">
+                        <a:effectLst/>
+                        <a:latin typeface="+mn-lt"/>
+                        <a:ea typeface="Calibri"/>
+                        <a:cs typeface="Times New Roman"/>
+                      </a:endParaRPr>
+                    </a:p>
+                  </a:txBody>
+                  <a:tcPr marL="68580" marR="68580" marT="0" marB="0"/>
+                </a:tc>
+              </a:tr>
+              <a:tr h="391885">
+                <a:tc>
+                  <a:txBody>
+                    <a:bodyPr/>
+                    <a:lstStyle/>
+                    <a:p>
+                      <a:pPr>
+                        <a:lnSpc>
+                          <a:spcPct val="115000"/>
+                        </a:lnSpc>
+                        <a:spcAft>
+                          <a:spcPts val="0"/>
+                        </a:spcAft>
+                      </a:pPr>
+                      <a:r>
+                        <a:rPr lang="de-DE" sz="1200" dirty="0" err="1">
+                          <a:effectLst/>
+                        </a:rPr>
+                        <a:t>Requirements</a:t>
+                      </a:r>
+                      <a:endParaRPr lang="de-DE" sz="1100" dirty="0">
+                        <a:effectLst/>
+                        <a:latin typeface="Calibri"/>
+                        <a:ea typeface="Calibri"/>
+                        <a:cs typeface="Times New Roman"/>
+                      </a:endParaRPr>
+                    </a:p>
+                  </a:txBody>
+                  <a:tcPr marL="68580" marR="68580" marT="0" marB="0"/>
+                </a:tc>
+                <a:tc>
+                  <a:txBody>
+                    <a:bodyPr/>
+                    <a:lstStyle/>
+                    <a:p>
+                      <a:pPr>
+                        <a:lnSpc>
+                          <a:spcPct val="115000"/>
+                        </a:lnSpc>
+                        <a:spcAft>
+                          <a:spcPts val="0"/>
+                        </a:spcAft>
+                      </a:pPr>
+                      <a:r>
+                        <a:rPr lang="en-US" sz="1200" dirty="0" smtClean="0">
+                          <a:effectLst/>
+                          <a:latin typeface="+mn-lt"/>
+                        </a:rPr>
+                        <a:t>Mehmet Ali Incekara</a:t>
+                      </a:r>
+                      <a:endParaRPr lang="de-DE" sz="1200" dirty="0">
+                        <a:effectLst/>
+                        <a:latin typeface="+mn-lt"/>
+                        <a:ea typeface="Calibri"/>
+                        <a:cs typeface="Times New Roman"/>
+                      </a:endParaRPr>
+                    </a:p>
+                  </a:txBody>
+                  <a:tcPr marL="68580" marR="68580" marT="0" marB="0"/>
+                </a:tc>
+              </a:tr>
+              <a:tr h="391885">
+                <a:tc>
+                  <a:txBody>
+                    <a:bodyPr/>
+                    <a:lstStyle/>
+                    <a:p>
+                      <a:pPr>
+                        <a:lnSpc>
+                          <a:spcPct val="115000"/>
+                        </a:lnSpc>
+                        <a:spcAft>
+                          <a:spcPts val="0"/>
+                        </a:spcAft>
+                      </a:pPr>
+                      <a:r>
+                        <a:rPr lang="de-DE" sz="1200" dirty="0">
+                          <a:effectLst/>
+                        </a:rPr>
+                        <a:t>Analysis </a:t>
+                      </a:r>
+                      <a:r>
+                        <a:rPr lang="de-DE" sz="1200" dirty="0" err="1">
+                          <a:effectLst/>
+                        </a:rPr>
+                        <a:t>and</a:t>
+                      </a:r>
+                      <a:r>
+                        <a:rPr lang="de-DE" sz="1200" dirty="0">
+                          <a:effectLst/>
+                        </a:rPr>
+                        <a:t> Design</a:t>
+                      </a:r>
+                      <a:endParaRPr lang="de-DE" sz="1100" dirty="0">
+                        <a:effectLst/>
+                        <a:latin typeface="Calibri"/>
+                        <a:ea typeface="Calibri"/>
+                        <a:cs typeface="Times New Roman"/>
+                      </a:endParaRPr>
+                    </a:p>
+                  </a:txBody>
+                  <a:tcPr marL="68580" marR="68580" marT="0" marB="0"/>
+                </a:tc>
+                <a:tc>
+                  <a:txBody>
+                    <a:bodyPr/>
+                    <a:lstStyle/>
+                    <a:p>
+                      <a:pPr>
+                        <a:lnSpc>
+                          <a:spcPct val="115000"/>
+                        </a:lnSpc>
+                        <a:spcAft>
+                          <a:spcPts val="0"/>
+                        </a:spcAft>
+                      </a:pPr>
+                      <a:r>
+                        <a:rPr lang="en-US" sz="1200" dirty="0">
+                          <a:effectLst/>
+                          <a:latin typeface="+mn-lt"/>
+                        </a:rPr>
+                        <a:t>Marvin Zerulla and Manuel Bothner</a:t>
+                      </a:r>
+                      <a:endParaRPr lang="de-DE" sz="1200" dirty="0">
+                        <a:effectLst/>
+                        <a:latin typeface="+mn-lt"/>
+                        <a:ea typeface="Calibri"/>
+                        <a:cs typeface="Times New Roman"/>
+                      </a:endParaRPr>
+                    </a:p>
+                  </a:txBody>
+                  <a:tcPr marL="68580" marR="68580" marT="0" marB="0"/>
+                </a:tc>
+              </a:tr>
+              <a:tr h="391885">
+                <a:tc>
+                  <a:txBody>
+                    <a:bodyPr/>
+                    <a:lstStyle/>
+                    <a:p>
+                      <a:pPr>
+                        <a:lnSpc>
+                          <a:spcPct val="115000"/>
+                        </a:lnSpc>
+                        <a:spcAft>
+                          <a:spcPts val="0"/>
+                        </a:spcAft>
+                      </a:pPr>
+                      <a:r>
+                        <a:rPr lang="de-DE" sz="1200" dirty="0">
+                          <a:effectLst/>
+                        </a:rPr>
+                        <a:t>Implementation</a:t>
+                      </a:r>
+                      <a:endParaRPr lang="de-DE" sz="1100" dirty="0">
+                        <a:effectLst/>
+                        <a:latin typeface="Calibri"/>
+                        <a:ea typeface="Calibri"/>
+                        <a:cs typeface="Times New Roman"/>
+                      </a:endParaRPr>
+                    </a:p>
+                  </a:txBody>
+                  <a:tcPr marL="68580" marR="68580" marT="0" marB="0"/>
+                </a:tc>
+                <a:tc>
+                  <a:txBody>
+                    <a:bodyPr/>
+                    <a:lstStyle/>
+                    <a:p>
+                      <a:pPr>
+                        <a:lnSpc>
+                          <a:spcPct val="115000"/>
+                        </a:lnSpc>
+                        <a:spcAft>
+                          <a:spcPts val="0"/>
+                        </a:spcAft>
+                      </a:pPr>
+                      <a:r>
+                        <a:rPr lang="de-DE" sz="1200" dirty="0" err="1" smtClean="0">
+                          <a:effectLst/>
+                          <a:latin typeface="+mn-lt"/>
+                        </a:rPr>
+                        <a:t>nappydevelopment</a:t>
+                      </a:r>
+                      <a:endParaRPr lang="de-DE" sz="1200" dirty="0">
+                        <a:effectLst/>
+                        <a:latin typeface="+mn-lt"/>
+                        <a:ea typeface="Calibri"/>
+                        <a:cs typeface="Times New Roman"/>
+                      </a:endParaRPr>
+                    </a:p>
+                  </a:txBody>
+                  <a:tcPr marL="68580" marR="68580" marT="0" marB="0"/>
+                </a:tc>
+              </a:tr>
+              <a:tr h="391885">
+                <a:tc>
+                  <a:txBody>
+                    <a:bodyPr/>
+                    <a:lstStyle/>
+                    <a:p>
+                      <a:pPr>
+                        <a:lnSpc>
+                          <a:spcPct val="115000"/>
+                        </a:lnSpc>
+                        <a:spcAft>
+                          <a:spcPts val="0"/>
+                        </a:spcAft>
+                      </a:pPr>
+                      <a:r>
+                        <a:rPr lang="de-DE" sz="1200">
+                          <a:effectLst/>
+                        </a:rPr>
+                        <a:t>Test</a:t>
+                      </a:r>
+                      <a:endParaRPr lang="de-DE" sz="1100">
+                        <a:effectLst/>
+                        <a:latin typeface="Calibri"/>
+                        <a:ea typeface="Calibri"/>
+                        <a:cs typeface="Times New Roman"/>
+                      </a:endParaRPr>
+                    </a:p>
+                  </a:txBody>
+                  <a:tcPr marL="68580" marR="68580" marT="0" marB="0"/>
+                </a:tc>
+                <a:tc>
+                  <a:txBody>
+                    <a:bodyPr/>
+                    <a:lstStyle/>
+                    <a:p>
+                      <a:pPr>
+                        <a:lnSpc>
+                          <a:spcPct val="115000"/>
+                        </a:lnSpc>
+                        <a:spcAft>
+                          <a:spcPts val="0"/>
+                        </a:spcAft>
+                      </a:pPr>
+                      <a:r>
+                        <a:rPr lang="de-DE" sz="1200" dirty="0" err="1" smtClean="0">
+                          <a:effectLst/>
+                          <a:latin typeface="+mn-lt"/>
+                          <a:ea typeface="Calibri"/>
+                          <a:cs typeface="Times New Roman"/>
+                        </a:rPr>
+                        <a:t>nappydevelopment</a:t>
+                      </a:r>
+                      <a:endParaRPr lang="de-DE" sz="1200" dirty="0">
+                        <a:effectLst/>
+                        <a:latin typeface="+mn-lt"/>
+                        <a:ea typeface="Calibri"/>
+                        <a:cs typeface="Times New Roman"/>
+                      </a:endParaRPr>
+                    </a:p>
+                  </a:txBody>
+                  <a:tcPr marL="68580" marR="68580" marT="0" marB="0"/>
+                </a:tc>
+              </a:tr>
+              <a:tr h="391885">
+                <a:tc>
+                  <a:txBody>
+                    <a:bodyPr/>
+                    <a:lstStyle/>
+                    <a:p>
+                      <a:pPr>
+                        <a:lnSpc>
+                          <a:spcPct val="115000"/>
+                        </a:lnSpc>
+                        <a:spcAft>
+                          <a:spcPts val="0"/>
+                        </a:spcAft>
+                      </a:pPr>
+                      <a:r>
+                        <a:rPr lang="de-DE" sz="1200">
+                          <a:effectLst/>
+                        </a:rPr>
+                        <a:t>Deployment</a:t>
+                      </a:r>
+                      <a:endParaRPr lang="de-DE" sz="1100">
+                        <a:effectLst/>
+                        <a:latin typeface="Calibri"/>
+                        <a:ea typeface="Calibri"/>
+                        <a:cs typeface="Times New Roman"/>
+                      </a:endParaRPr>
+                    </a:p>
+                  </a:txBody>
+                  <a:tcPr marL="68580" marR="68580" marT="0" marB="0"/>
+                </a:tc>
+                <a:tc>
+                  <a:txBody>
+                    <a:bodyPr/>
+                    <a:lstStyle/>
+                    <a:p>
+                      <a:pPr>
+                        <a:lnSpc>
+                          <a:spcPct val="115000"/>
+                        </a:lnSpc>
+                        <a:spcAft>
+                          <a:spcPts val="0"/>
+                        </a:spcAft>
+                      </a:pPr>
+                      <a:r>
+                        <a:rPr lang="de-DE" sz="1200" dirty="0">
+                          <a:effectLst/>
+                          <a:latin typeface="+mn-lt"/>
+                        </a:rPr>
+                        <a:t>Marvin Zerulla </a:t>
+                      </a:r>
+                      <a:r>
+                        <a:rPr lang="de-DE" sz="1200" dirty="0" err="1">
+                          <a:effectLst/>
+                          <a:latin typeface="+mn-lt"/>
+                        </a:rPr>
+                        <a:t>and</a:t>
+                      </a:r>
+                      <a:r>
+                        <a:rPr lang="de-DE" sz="1200" dirty="0">
+                          <a:effectLst/>
+                          <a:latin typeface="+mn-lt"/>
+                        </a:rPr>
+                        <a:t> Mehmet Ali Incekara</a:t>
+                      </a:r>
+                      <a:endParaRPr lang="de-DE" sz="1200" dirty="0">
+                        <a:effectLst/>
+                        <a:latin typeface="+mn-lt"/>
+                        <a:ea typeface="Calibri"/>
+                        <a:cs typeface="Times New Roman"/>
+                      </a:endParaRPr>
+                    </a:p>
+                  </a:txBody>
+                  <a:tcPr marL="68580" marR="68580" marT="0" marB="0"/>
+                </a:tc>
+              </a:tr>
+              <a:tr h="391885">
+                <a:tc>
+                  <a:txBody>
+                    <a:bodyPr/>
+                    <a:lstStyle/>
+                    <a:p>
+                      <a:pPr>
+                        <a:lnSpc>
+                          <a:spcPct val="115000"/>
+                        </a:lnSpc>
+                        <a:spcAft>
+                          <a:spcPts val="0"/>
+                        </a:spcAft>
+                      </a:pPr>
+                      <a:r>
+                        <a:rPr lang="de-DE" sz="1200" dirty="0">
+                          <a:effectLst/>
+                        </a:rPr>
+                        <a:t>Project Management</a:t>
+                      </a:r>
+                      <a:endParaRPr lang="de-DE" sz="1100" dirty="0">
+                        <a:effectLst/>
+                        <a:latin typeface="Calibri"/>
+                        <a:ea typeface="Calibri"/>
+                        <a:cs typeface="Times New Roman"/>
+                      </a:endParaRPr>
+                    </a:p>
+                  </a:txBody>
+                  <a:tcPr marL="68580" marR="68580" marT="0" marB="0"/>
+                </a:tc>
+                <a:tc>
+                  <a:txBody>
+                    <a:bodyPr/>
+                    <a:lstStyle/>
+                    <a:p>
+                      <a:pPr>
+                        <a:lnSpc>
+                          <a:spcPct val="115000"/>
+                        </a:lnSpc>
+                        <a:spcAft>
+                          <a:spcPts val="0"/>
+                        </a:spcAft>
+                      </a:pPr>
+                      <a:r>
+                        <a:rPr lang="de-DE" sz="1200" dirty="0">
+                          <a:effectLst/>
+                          <a:latin typeface="+mn-lt"/>
+                        </a:rPr>
+                        <a:t>Mehmet Ali Incekara</a:t>
+                      </a:r>
+                      <a:endParaRPr lang="de-DE" sz="1200" dirty="0">
+                        <a:effectLst/>
+                        <a:latin typeface="+mn-lt"/>
+                        <a:ea typeface="Calibri"/>
+                        <a:cs typeface="Times New Roman"/>
+                      </a:endParaRPr>
+                    </a:p>
+                  </a:txBody>
+                  <a:tcPr marL="68580" marR="68580" marT="0" marB="0"/>
+                </a:tc>
+              </a:tr>
+              <a:tr h="391885">
+                <a:tc>
+                  <a:txBody>
+                    <a:bodyPr/>
+                    <a:lstStyle/>
+                    <a:p>
+                      <a:pPr>
+                        <a:lnSpc>
+                          <a:spcPct val="115000"/>
+                        </a:lnSpc>
+                        <a:spcAft>
+                          <a:spcPts val="0"/>
+                        </a:spcAft>
+                      </a:pPr>
+                      <a:r>
+                        <a:rPr lang="de-DE" sz="1200">
+                          <a:effectLst/>
+                        </a:rPr>
+                        <a:t>Environment</a:t>
+                      </a:r>
+                      <a:endParaRPr lang="de-DE" sz="1100">
+                        <a:effectLst/>
+                        <a:latin typeface="Calibri"/>
+                        <a:ea typeface="Calibri"/>
+                        <a:cs typeface="Times New Roman"/>
+                      </a:endParaRPr>
+                    </a:p>
+                  </a:txBody>
+                  <a:tcPr marL="68580" marR="68580" marT="0" marB="0"/>
+                </a:tc>
+                <a:tc>
+                  <a:txBody>
+                    <a:bodyPr/>
+                    <a:lstStyle/>
+                    <a:p>
+                      <a:pPr>
+                        <a:lnSpc>
+                          <a:spcPct val="115000"/>
+                        </a:lnSpc>
+                        <a:spcAft>
+                          <a:spcPts val="0"/>
+                        </a:spcAft>
+                      </a:pPr>
+                      <a:r>
+                        <a:rPr lang="de-DE" sz="1200" dirty="0">
+                          <a:effectLst/>
+                          <a:latin typeface="+mn-lt"/>
+                        </a:rPr>
+                        <a:t>Marc </a:t>
+                      </a:r>
+                      <a:r>
+                        <a:rPr lang="de-DE" sz="1200" dirty="0" smtClean="0">
+                          <a:effectLst/>
+                          <a:latin typeface="+mn-lt"/>
+                        </a:rPr>
+                        <a:t>Mahler </a:t>
+                      </a:r>
+                      <a:r>
+                        <a:rPr lang="de-DE" sz="1200" dirty="0" err="1" smtClean="0">
+                          <a:effectLst/>
+                          <a:latin typeface="+mn-lt"/>
+                        </a:rPr>
+                        <a:t>and</a:t>
+                      </a:r>
+                      <a:r>
+                        <a:rPr lang="de-DE" sz="1200" dirty="0" smtClean="0">
+                          <a:effectLst/>
+                          <a:latin typeface="+mn-lt"/>
+                        </a:rPr>
+                        <a:t> Manuel Bothner</a:t>
+                      </a:r>
+                      <a:endParaRPr lang="de-DE" sz="1200" dirty="0">
+                        <a:effectLst/>
+                        <a:latin typeface="+mn-lt"/>
+                        <a:ea typeface="Calibri"/>
+                        <a:cs typeface="Times New Roman"/>
+                      </a:endParaRPr>
+                    </a:p>
+                  </a:txBody>
+                  <a:tcPr marL="68580" marR="68580" marT="0" marB="0"/>
+                </a:tc>
+              </a:tr>
+              <a:tr h="391885">
+                <a:tc>
+                  <a:txBody>
+                    <a:bodyPr/>
+                    <a:lstStyle/>
+                    <a:p>
+                      <a:pPr>
+                        <a:lnSpc>
+                          <a:spcPct val="115000"/>
+                        </a:lnSpc>
+                        <a:spcAft>
+                          <a:spcPts val="0"/>
+                        </a:spcAft>
+                      </a:pPr>
+                      <a:r>
+                        <a:rPr lang="de-DE" sz="1200">
+                          <a:effectLst/>
+                        </a:rPr>
+                        <a:t>Configuration and Change Managment</a:t>
+                      </a:r>
+                      <a:endParaRPr lang="de-DE" sz="1100">
+                        <a:effectLst/>
+                        <a:latin typeface="Calibri"/>
+                        <a:ea typeface="Calibri"/>
+                        <a:cs typeface="Times New Roman"/>
+                      </a:endParaRPr>
+                    </a:p>
+                  </a:txBody>
+                  <a:tcPr marL="68580" marR="68580" marT="0" marB="0"/>
+                </a:tc>
+                <a:tc>
+                  <a:txBody>
+                    <a:bodyPr/>
+                    <a:lstStyle/>
+                    <a:p>
+                      <a:pPr>
+                        <a:lnSpc>
+                          <a:spcPct val="115000"/>
+                        </a:lnSpc>
+                        <a:spcAft>
+                          <a:spcPts val="0"/>
+                        </a:spcAft>
+                      </a:pPr>
+                      <a:r>
+                        <a:rPr lang="de-DE" sz="1200" dirty="0" smtClean="0">
+                          <a:effectLst/>
+                          <a:latin typeface="+mn-lt"/>
+                        </a:rPr>
+                        <a:t>Marvin</a:t>
+                      </a:r>
+                      <a:r>
+                        <a:rPr lang="de-DE" sz="1200" baseline="0" dirty="0" smtClean="0">
+                          <a:effectLst/>
+                          <a:latin typeface="+mn-lt"/>
+                        </a:rPr>
+                        <a:t> Zerulla </a:t>
+                      </a:r>
+                      <a:r>
+                        <a:rPr lang="de-DE" sz="1200" baseline="0" dirty="0" err="1" smtClean="0">
+                          <a:effectLst/>
+                          <a:latin typeface="+mn-lt"/>
+                        </a:rPr>
+                        <a:t>and</a:t>
+                      </a:r>
+                      <a:r>
+                        <a:rPr lang="de-DE" sz="1200" baseline="0" dirty="0" smtClean="0">
+                          <a:effectLst/>
+                          <a:latin typeface="+mn-lt"/>
+                        </a:rPr>
+                        <a:t> Mehmet Ali Incekara</a:t>
+                      </a:r>
+                      <a:endParaRPr lang="de-DE" sz="1200" dirty="0">
+                        <a:effectLst/>
+                        <a:latin typeface="+mn-lt"/>
+                        <a:ea typeface="Calibri"/>
+                        <a:cs typeface="Times New Roman"/>
+                      </a:endParaRPr>
+                    </a:p>
+                  </a:txBody>
+                  <a:tcPr marL="68580" marR="68580" marT="0" marB="0"/>
+                </a:tc>
+              </a:tr>
+            </a:tbl>
+          </a:graphicData>
+        </a:graphic>
+      </p:graphicFrame>
+      <p:sp>
+        <p:nvSpPr>
+          <p:cNvPr id="4" name="Foliennummernplatzhalter 3"/>
+          <p:cNvSpPr>
+            <a:spLocks noGrp="1"/>
+          </p:cNvSpPr>
+          <p:nvPr>
+            <p:ph type="sldNum" sz="quarter" idx="12"/>
+          </p:nvPr>
+        </p:nvSpPr>
+        <p:spPr/>
+        <p:txBody>
+          <a:bodyPr/>
+          <a:lstStyle/>
+          <a:p>
+            <a:fld id="{BEA2534F-1EDD-48ED-BC5A-02D188FC5C63}" type="slidenum">
+              <a:rPr lang="de-DE" smtClean="0"/>
+              <a:t>3</a:t>
+            </a:fld>
+            <a:endParaRPr lang="de-DE"/>
+          </a:p>
+        </p:txBody>
+      </p:sp>
+    </p:spTree>
+    <p:extLst>
+      <p:ext uri="{BB962C8B-B14F-4D97-AF65-F5344CB8AC3E}">
+        <p14:creationId xmlns:p14="http://schemas.microsoft.com/office/powerpoint/2010/main" val="3108508054"/>
+      </p:ext>
+    </p:extLst>
+  </p:cSld>
+  <p:clrMapOvr>
+    <a:masterClrMapping/>
+  </p:clrMapOvr>
+  <p:timing>
+    <p:tnLst>
+      <p:par>
+        <p:cTn id="1" dur="indefinite" restart="never" nodeType="tmRoot"/>
+      </p:par>
+    </p:tnLst>
+  </p:timing>
+</p:sld>
+</file>
+
+<file path=ppt/slides/slide4.xml><?xml version="1.0" encoding="utf-8"?>
+<p:sld xmlns:a="http://schemas.openxmlformats.org/drawingml/2006/main" xmlns:r="http://schemas.openxmlformats.org/officeDocument/2006/relationships" xmlns:p="http://schemas.openxmlformats.org/presentationml/2006/main">
+  <p:cSld>
+    <p:spTree>
+      <p:nvGrpSpPr>
+        <p:cNvPr id="1" name=""/>
+        <p:cNvGrpSpPr/>
+        <p:nvPr/>
+      </p:nvGrpSpPr>
+      <p:grpSpPr>
+        <a:xfrm>
+          <a:off x="0" y="0"/>
+          <a:ext cx="0" cy="0"/>
+          <a:chOff x="0" y="0"/>
+          <a:chExt cx="0" cy="0"/>
+        </a:xfrm>
+      </p:grpSpPr>
+      <p:sp>
+        <p:nvSpPr>
+          <p:cNvPr id="2" name="Titel 1"/>
+          <p:cNvSpPr>
+            <a:spLocks noGrp="1"/>
+          </p:cNvSpPr>
+          <p:nvPr>
+            <p:ph type="title"/>
+          </p:nvPr>
+        </p:nvSpPr>
+        <p:spPr/>
+        <p:txBody>
+          <a:bodyPr/>
+          <a:lstStyle/>
+          <a:p>
+            <a:r>
+              <a:rPr lang="de-DE" dirty="0" smtClean="0">
+                <a:solidFill>
+                  <a:schemeClr val="bg1">
+                    <a:lumMod val="50000"/>
+                  </a:schemeClr>
+                </a:solidFill>
+              </a:rPr>
+              <a:t>VISION &amp; SCOPE</a:t>
             </a:r>
             <a:endParaRPr lang="de-DE" dirty="0">
               <a:solidFill>
@@ -7702,7 +11671,7 @@
           <a:p>
             <a:fld id="{BEA2534F-1EDD-48ED-BC5A-02D188FC5C63}" type="slidenum">
               <a:rPr lang="de-DE" smtClean="0"/>
-              <a:t>3</a:t>
+              <a:t>4</a:t>
             </a:fld>
             <a:endParaRPr lang="de-DE" dirty="0"/>
           </a:p>
@@ -8196,7 +12165,7 @@
 </p:sld>
 </file>
 
-<file path=ppt/slides/slide4.xml><?xml version="1.0" encoding="utf-8"?>
+<file path=ppt/slides/slide5.xml><?xml version="1.0" encoding="utf-8"?>
 <p:sld xmlns:a="http://schemas.openxmlformats.org/drawingml/2006/main" xmlns:r="http://schemas.openxmlformats.org/officeDocument/2006/relationships" xmlns:p="http://schemas.openxmlformats.org/presentationml/2006/main">
   <p:cSld>
     <p:spTree>
@@ -8220,16 +12189,18 @@
             <a:spLocks noGrp="1"/>
           </p:cNvSpPr>
           <p:nvPr>
-            <p:ph type="title"/>
-          </p:nvPr>
-        </p:nvSpPr>
-        <p:spPr/>
-        <p:txBody>
-          <a:bodyPr/>
-          <a:lstStyle/>
-          <a:p>
-            <a:r>
-              <a:rPr lang="de-DE" dirty="0" smtClean="0">
+            <p:ph type="ctrTitle"/>
+          </p:nvPr>
+        </p:nvSpPr>
+        <p:spPr/>
+        <p:txBody>
+          <a:bodyPr>
+            <a:normAutofit/>
+          </a:bodyPr>
+          <a:lstStyle/>
+          <a:p>
+            <a:r>
+              <a:rPr lang="de-DE" sz="4800" dirty="0" smtClean="0">
                 <a:solidFill>
                   <a:schemeClr val="bg1">
                     <a:lumMod val="50000"/>
@@ -8239,7 +12210,7 @@
               <a:t>Software </a:t>
             </a:r>
             <a:r>
-              <a:rPr lang="de-DE" dirty="0" err="1" smtClean="0">
+              <a:rPr lang="de-DE" sz="4800" dirty="0" err="1" smtClean="0">
                 <a:solidFill>
                   <a:schemeClr val="bg1">
                     <a:lumMod val="50000"/>
@@ -8249,7 +12220,7 @@
               <a:t>Requirements</a:t>
             </a:r>
             <a:r>
-              <a:rPr lang="de-DE" dirty="0" smtClean="0">
+              <a:rPr lang="de-DE" sz="4800" dirty="0" smtClean="0">
                 <a:solidFill>
                   <a:schemeClr val="bg1">
                     <a:lumMod val="50000"/>
@@ -8259,7 +12230,7 @@
               <a:t> </a:t>
             </a:r>
             <a:r>
-              <a:rPr lang="de-DE" dirty="0" err="1" smtClean="0">
+              <a:rPr lang="de-DE" sz="4800" dirty="0" err="1" smtClean="0">
                 <a:solidFill>
                   <a:schemeClr val="bg1">
                     <a:lumMod val="50000"/>
@@ -8268,7 +12239,7 @@
               </a:rPr>
               <a:t>Specification</a:t>
             </a:r>
-            <a:endParaRPr lang="de-DE" dirty="0">
+            <a:endParaRPr lang="de-DE" sz="4800" dirty="0">
               <a:solidFill>
                 <a:schemeClr val="bg1">
                   <a:lumMod val="50000"/>
@@ -8280,23 +12251,20 @@
       </p:sp>
       <p:sp>
         <p:nvSpPr>
-          <p:cNvPr id="3" name="Inhaltsplatzhalter 2"/>
-          <p:cNvSpPr>
-            <a:spLocks noGrp="1"/>
-          </p:cNvSpPr>
-          <p:nvPr>
-            <p:ph idx="1"/>
-          </p:nvPr>
-        </p:nvSpPr>
-        <p:spPr/>
-        <p:txBody>
-          <a:bodyPr/>
-          <a:lstStyle/>
-          <a:p>
-            <a:pPr marL="0" indent="0">
-              <a:buNone/>
-            </a:pPr>
-            <a:endParaRPr lang="de-DE" dirty="0" smtClean="0"/>
+          <p:cNvPr id="6" name="Untertitel 5"/>
+          <p:cNvSpPr>
+            <a:spLocks noGrp="1"/>
+          </p:cNvSpPr>
+          <p:nvPr>
+            <p:ph type="subTitle" idx="1"/>
+          </p:nvPr>
+        </p:nvSpPr>
+        <p:spPr/>
+        <p:txBody>
+          <a:bodyPr/>
+          <a:lstStyle/>
+          <a:p>
+            <a:endParaRPr lang="de-DE"/>
           </a:p>
         </p:txBody>
       </p:sp>
@@ -8317,7 +12285,7 @@
           <a:p>
             <a:fld id="{BEA2534F-1EDD-48ED-BC5A-02D188FC5C63}" type="slidenum">
               <a:rPr lang="de-DE" smtClean="0"/>
-              <a:t>4</a:t>
+              <a:t>5</a:t>
             </a:fld>
             <a:endParaRPr lang="de-DE" dirty="0"/>
           </a:p>
@@ -8340,101 +12308,6 @@
       </p:par>
     </p:tnLst>
   </p:timing>
-</p:sld>
-</file>
-
-<file path=ppt/slides/slide5.xml><?xml version="1.0" encoding="utf-8"?>
-<p:sld xmlns:a="http://schemas.openxmlformats.org/drawingml/2006/main" xmlns:r="http://schemas.openxmlformats.org/officeDocument/2006/relationships" xmlns:p="http://schemas.openxmlformats.org/presentationml/2006/main">
-  <p:cSld>
-    <p:spTree>
-      <p:nvGrpSpPr>
-        <p:cNvPr id="1" name=""/>
-        <p:cNvGrpSpPr/>
-        <p:nvPr/>
-      </p:nvGrpSpPr>
-      <p:grpSpPr>
-        <a:xfrm>
-          <a:off x="0" y="0"/>
-          <a:ext cx="0" cy="0"/>
-          <a:chOff x="0" y="0"/>
-          <a:chExt cx="0" cy="0"/>
-        </a:xfrm>
-      </p:grpSpPr>
-      <p:sp>
-        <p:nvSpPr>
-          <p:cNvPr id="2" name="Titel 1"/>
-          <p:cNvSpPr>
-            <a:spLocks noGrp="1"/>
-          </p:cNvSpPr>
-          <p:nvPr>
-            <p:ph type="title"/>
-          </p:nvPr>
-        </p:nvSpPr>
-        <p:spPr/>
-        <p:txBody>
-          <a:bodyPr/>
-          <a:lstStyle/>
-          <a:p>
-            <a:r>
-              <a:rPr lang="en-US" dirty="0" smtClean="0"/>
-              <a:t>Non-functional Requirements</a:t>
-            </a:r>
-            <a:endParaRPr lang="en-US" dirty="0"/>
-          </a:p>
-        </p:txBody>
-      </p:sp>
-      <p:sp>
-        <p:nvSpPr>
-          <p:cNvPr id="3" name="Inhaltsplatzhalter 2"/>
-          <p:cNvSpPr>
-            <a:spLocks noGrp="1"/>
-          </p:cNvSpPr>
-          <p:nvPr>
-            <p:ph idx="1"/>
-          </p:nvPr>
-        </p:nvSpPr>
-        <p:spPr/>
-        <p:txBody>
-          <a:bodyPr/>
-          <a:lstStyle/>
-          <a:p>
-            <a:endParaRPr lang="de-DE"/>
-          </a:p>
-        </p:txBody>
-      </p:sp>
-      <p:sp>
-        <p:nvSpPr>
-          <p:cNvPr id="4" name="Foliennummernplatzhalter 3"/>
-          <p:cNvSpPr>
-            <a:spLocks noGrp="1"/>
-          </p:cNvSpPr>
-          <p:nvPr>
-            <p:ph type="sldNum" sz="quarter" idx="12"/>
-          </p:nvPr>
-        </p:nvSpPr>
-        <p:spPr/>
-        <p:txBody>
-          <a:bodyPr/>
-          <a:lstStyle/>
-          <a:p>
-            <a:fld id="{BEA2534F-1EDD-48ED-BC5A-02D188FC5C63}" type="slidenum">
-              <a:rPr lang="de-DE" smtClean="0"/>
-              <a:t>5</a:t>
-            </a:fld>
-            <a:endParaRPr lang="de-DE"/>
-          </a:p>
-        </p:txBody>
-      </p:sp>
-    </p:spTree>
-    <p:extLst>
-      <p:ext uri="{BB962C8B-B14F-4D97-AF65-F5344CB8AC3E}">
-        <p14:creationId xmlns:p14="http://schemas.microsoft.com/office/powerpoint/2010/main" val="3914630597"/>
-      </p:ext>
-    </p:extLst>
-  </p:cSld>
-  <p:clrMapOvr>
-    <a:masterClrMapping/>
-  </p:clrMapOvr>
 </p:sld>
 </file>
 
@@ -8926,6 +12799,234 @@
           <a:lstStyle/>
           <a:p>
             <a:r>
+              <a:rPr lang="en-US" dirty="0" smtClean="0">
+                <a:solidFill>
+                  <a:schemeClr val="bg1">
+                    <a:lumMod val="50000"/>
+                  </a:schemeClr>
+                </a:solidFill>
+              </a:rPr>
+              <a:t>Non-functional Requirements</a:t>
+            </a:r>
+            <a:endParaRPr lang="en-US" dirty="0">
+              <a:solidFill>
+                <a:schemeClr val="bg1">
+                  <a:lumMod val="50000"/>
+                </a:schemeClr>
+              </a:solidFill>
+            </a:endParaRPr>
+          </a:p>
+        </p:txBody>
+      </p:sp>
+      <p:sp>
+        <p:nvSpPr>
+          <p:cNvPr id="3" name="Inhaltsplatzhalter 2"/>
+          <p:cNvSpPr>
+            <a:spLocks noGrp="1"/>
+          </p:cNvSpPr>
+          <p:nvPr>
+            <p:ph idx="1"/>
+          </p:nvPr>
+        </p:nvSpPr>
+        <p:spPr/>
+        <p:txBody>
+          <a:bodyPr/>
+          <a:lstStyle/>
+          <a:p>
+            <a:pPr>
+              <a:buFont typeface="Courier New" panose="02070309020205020404" pitchFamily="49" charset="0"/>
+              <a:buChar char="o"/>
+            </a:pPr>
+            <a:r>
+              <a:rPr lang="de-DE" dirty="0"/>
+              <a:t> </a:t>
+            </a:r>
+            <a:r>
+              <a:rPr lang="de-DE" dirty="0" smtClean="0"/>
+              <a:t>Plattformunabhängigkeit</a:t>
+            </a:r>
+            <a:endParaRPr lang="de-DE" dirty="0"/>
+          </a:p>
+          <a:p>
+            <a:pPr>
+              <a:buFont typeface="Courier New" panose="02070309020205020404" pitchFamily="49" charset="0"/>
+              <a:buChar char="o"/>
+            </a:pPr>
+            <a:r>
+              <a:rPr lang="de-DE" dirty="0"/>
+              <a:t> </a:t>
+            </a:r>
+            <a:r>
+              <a:rPr lang="de-DE" dirty="0" smtClean="0"/>
+              <a:t>vollständig Offline lauffähig</a:t>
+            </a:r>
+            <a:endParaRPr lang="de-DE" dirty="0"/>
+          </a:p>
+          <a:p>
+            <a:pPr>
+              <a:buFont typeface="Courier New" panose="02070309020205020404" pitchFamily="49" charset="0"/>
+              <a:buChar char="o"/>
+            </a:pPr>
+            <a:r>
+              <a:rPr lang="de-DE" dirty="0"/>
+              <a:t> </a:t>
+            </a:r>
+            <a:r>
+              <a:rPr lang="de-DE" dirty="0" smtClean="0"/>
+              <a:t>Antwortzeiten</a:t>
+            </a:r>
+          </a:p>
+          <a:p>
+            <a:pPr lvl="1">
+              <a:buFont typeface="Courier New" panose="02070309020205020404" pitchFamily="49" charset="0"/>
+              <a:buChar char="o"/>
+            </a:pPr>
+            <a:r>
+              <a:rPr lang="de-DE" dirty="0"/>
+              <a:t> </a:t>
+            </a:r>
+            <a:r>
+              <a:rPr lang="de-DE" dirty="0" smtClean="0"/>
+              <a:t>Startzeit: ~5 Sekunden</a:t>
+            </a:r>
+          </a:p>
+          <a:p>
+            <a:pPr lvl="1">
+              <a:buFont typeface="Courier New" panose="02070309020205020404" pitchFamily="49" charset="0"/>
+              <a:buChar char="o"/>
+            </a:pPr>
+            <a:r>
+              <a:rPr lang="de-DE" dirty="0" smtClean="0"/>
+              <a:t> Nach Start: ~0,5 Sekunden</a:t>
+            </a:r>
+            <a:endParaRPr lang="de-DE" dirty="0"/>
+          </a:p>
+          <a:p>
+            <a:pPr>
+              <a:buFont typeface="Courier New" panose="02070309020205020404" pitchFamily="49" charset="0"/>
+              <a:buChar char="o"/>
+            </a:pPr>
+            <a:r>
+              <a:rPr lang="de-DE" dirty="0"/>
+              <a:t> </a:t>
+            </a:r>
+            <a:r>
+              <a:rPr lang="de-DE" dirty="0" smtClean="0"/>
+              <a:t>Ressourcennutzung</a:t>
+            </a:r>
+          </a:p>
+          <a:p>
+            <a:pPr>
+              <a:buFont typeface="Courier New" panose="02070309020205020404" pitchFamily="49" charset="0"/>
+              <a:buChar char="o"/>
+            </a:pPr>
+            <a:r>
+              <a:rPr lang="de-DE" dirty="0" smtClean="0"/>
+              <a:t> Testabdeckung</a:t>
+            </a:r>
+          </a:p>
+          <a:p>
+            <a:pPr lvl="1">
+              <a:buFont typeface="Courier New" panose="02070309020205020404" pitchFamily="49" charset="0"/>
+              <a:buChar char="o"/>
+            </a:pPr>
+            <a:r>
+              <a:rPr lang="de-DE" dirty="0" smtClean="0"/>
+              <a:t>Insgesamt &gt; 50%</a:t>
+            </a:r>
+          </a:p>
+          <a:p>
+            <a:pPr>
+              <a:buFont typeface="Courier New" panose="02070309020205020404" pitchFamily="49" charset="0"/>
+              <a:buChar char="o"/>
+            </a:pPr>
+            <a:r>
+              <a:rPr lang="de-DE" dirty="0"/>
+              <a:t> </a:t>
+            </a:r>
+            <a:r>
+              <a:rPr lang="de-DE" dirty="0" smtClean="0"/>
+              <a:t>100 spielbare Figuren</a:t>
+            </a:r>
+          </a:p>
+        </p:txBody>
+      </p:sp>
+      <p:sp>
+        <p:nvSpPr>
+          <p:cNvPr id="5" name="Foliennummernplatzhalter 4"/>
+          <p:cNvSpPr>
+            <a:spLocks noGrp="1"/>
+          </p:cNvSpPr>
+          <p:nvPr>
+            <p:ph type="sldNum" sz="quarter" idx="12"/>
+          </p:nvPr>
+        </p:nvSpPr>
+        <p:spPr/>
+        <p:txBody>
+          <a:bodyPr/>
+          <a:lstStyle/>
+          <a:p>
+            <a:fld id="{BEA2534F-1EDD-48ED-BC5A-02D188FC5C63}" type="slidenum">
+              <a:rPr lang="de-DE" smtClean="0"/>
+              <a:t>7</a:t>
+            </a:fld>
+            <a:endParaRPr lang="de-DE" dirty="0"/>
+          </a:p>
+        </p:txBody>
+      </p:sp>
+    </p:spTree>
+    <p:extLst>
+      <p:ext uri="{BB962C8B-B14F-4D97-AF65-F5344CB8AC3E}">
+        <p14:creationId xmlns:p14="http://schemas.microsoft.com/office/powerpoint/2010/main" val="2586522546"/>
+      </p:ext>
+    </p:extLst>
+  </p:cSld>
+  <p:clrMapOvr>
+    <a:masterClrMapping/>
+  </p:clrMapOvr>
+  <p:timing>
+    <p:tnLst>
+      <p:par>
+        <p:cTn id="1" dur="indefinite" restart="never" nodeType="tmRoot"/>
+      </p:par>
+    </p:tnLst>
+  </p:timing>
+</p:sld>
+</file>
+
+<file path=ppt/slides/slide8.xml><?xml version="1.0" encoding="utf-8"?>
+<p:sld xmlns:a="http://schemas.openxmlformats.org/drawingml/2006/main" xmlns:r="http://schemas.openxmlformats.org/officeDocument/2006/relationships" xmlns:p="http://schemas.openxmlformats.org/presentationml/2006/main">
+  <p:cSld>
+    <p:spTree>
+      <p:nvGrpSpPr>
+        <p:cNvPr id="1" name=""/>
+        <p:cNvGrpSpPr/>
+        <p:nvPr/>
+      </p:nvGrpSpPr>
+      <p:grpSpPr>
+        <a:xfrm>
+          <a:off x="0" y="0"/>
+          <a:ext cx="0" cy="0"/>
+          <a:chOff x="0" y="0"/>
+          <a:chExt cx="0" cy="0"/>
+        </a:xfrm>
+      </p:grpSpPr>
+      <p:sp>
+        <p:nvSpPr>
+          <p:cNvPr id="2" name="Titel 1"/>
+          <p:cNvSpPr>
+            <a:spLocks noGrp="1"/>
+          </p:cNvSpPr>
+          <p:nvPr>
+            <p:ph type="title"/>
+          </p:nvPr>
+        </p:nvSpPr>
+        <p:spPr/>
+        <p:txBody>
+          <a:bodyPr/>
+          <a:lstStyle/>
+          <a:p>
+            <a:r>
               <a:rPr lang="de-DE" dirty="0" smtClean="0">
                 <a:solidFill>
                   <a:schemeClr val="bg1">
@@ -8963,42 +13064,42 @@
           <a:lstStyle/>
           <a:p>
             <a:endParaRPr lang="de-DE" sz="1900" dirty="0" smtClean="0">
-              <a:hlinkClick r:id="rId2"/>
+              <a:hlinkClick r:id="rId3"/>
             </a:endParaRPr>
           </a:p>
           <a:p>
             <a:endParaRPr lang="de-DE" sz="1900" dirty="0">
-              <a:hlinkClick r:id="rId2"/>
+              <a:hlinkClick r:id="rId3"/>
             </a:endParaRPr>
           </a:p>
           <a:p>
             <a:endParaRPr lang="de-DE" sz="1900" dirty="0" smtClean="0">
-              <a:hlinkClick r:id="rId2"/>
+              <a:hlinkClick r:id="rId3"/>
             </a:endParaRPr>
           </a:p>
           <a:p>
             <a:endParaRPr lang="de-DE" sz="1900" dirty="0">
-              <a:hlinkClick r:id="rId2"/>
+              <a:hlinkClick r:id="rId3"/>
             </a:endParaRPr>
           </a:p>
           <a:p>
             <a:endParaRPr lang="de-DE" sz="1900" dirty="0" smtClean="0">
-              <a:hlinkClick r:id="rId2"/>
+              <a:hlinkClick r:id="rId3"/>
             </a:endParaRPr>
           </a:p>
           <a:p>
             <a:endParaRPr lang="de-DE" sz="1900" dirty="0" smtClean="0">
-              <a:hlinkClick r:id="rId2"/>
+              <a:hlinkClick r:id="rId3"/>
             </a:endParaRPr>
           </a:p>
           <a:p>
             <a:endParaRPr lang="de-DE" sz="1900" dirty="0">
-              <a:hlinkClick r:id="rId2"/>
+              <a:hlinkClick r:id="rId3"/>
             </a:endParaRPr>
           </a:p>
           <a:p>
             <a:endParaRPr lang="de-DE" sz="1900" dirty="0">
-              <a:hlinkClick r:id="rId2"/>
+              <a:hlinkClick r:id="rId3"/>
             </a:endParaRPr>
           </a:p>
         </p:txBody>
@@ -9020,7 +13121,7 @@
           <a:p>
             <a:fld id="{BEA2534F-1EDD-48ED-BC5A-02D188FC5C63}" type="slidenum">
               <a:rPr lang="de-DE" smtClean="0"/>
-              <a:t>7</a:t>
+              <a:t>8</a:t>
             </a:fld>
             <a:endParaRPr lang="de-DE" dirty="0"/>
           </a:p>
@@ -9035,7 +13136,7 @@
           <p:nvPr/>
         </p:nvPicPr>
         <p:blipFill>
-          <a:blip r:embed="rId3">
+          <a:blip r:embed="rId4">
             <a:extLst>
               <a:ext uri="{28A0092B-C50C-407E-A947-70E740481C1C}">
                 <a14:useLocalDpi xmlns:a14="http://schemas.microsoft.com/office/drawing/2010/main" val="0"/>
@@ -9076,7 +13177,7 @@
 </p:sld>
 </file>
 
-<file path=ppt/slides/slide8.xml><?xml version="1.0" encoding="utf-8"?>
+<file path=ppt/slides/slide9.xml><?xml version="1.0" encoding="utf-8"?>
 <p:sld xmlns:a="http://schemas.openxmlformats.org/drawingml/2006/main" xmlns:r="http://schemas.openxmlformats.org/officeDocument/2006/relationships" xmlns:p="http://schemas.openxmlformats.org/presentationml/2006/main">
   <p:cSld>
     <p:spTree>
@@ -9130,81 +13231,6 @@
       </p:sp>
       <p:sp>
         <p:nvSpPr>
-          <p:cNvPr id="3" name="Inhaltsplatzhalter 2"/>
-          <p:cNvSpPr>
-            <a:spLocks noGrp="1"/>
-          </p:cNvSpPr>
-          <p:nvPr>
-            <p:ph idx="1"/>
-          </p:nvPr>
-        </p:nvSpPr>
-        <p:spPr>
-          <a:xfrm>
-            <a:off x="1097280" y="2477122"/>
-            <a:ext cx="10058400" cy="4023360"/>
-          </a:xfrm>
-        </p:spPr>
-        <p:txBody>
-          <a:bodyPr>
-            <a:normAutofit/>
-          </a:bodyPr>
-          <a:lstStyle/>
-          <a:p>
-            <a:endParaRPr lang="de-DE" sz="1900" dirty="0" smtClean="0">
-              <a:hlinkClick r:id="rId2"/>
-            </a:endParaRPr>
-          </a:p>
-          <a:p>
-            <a:endParaRPr lang="de-DE" sz="1900" dirty="0">
-              <a:hlinkClick r:id="rId2"/>
-            </a:endParaRPr>
-          </a:p>
-          <a:p>
-            <a:endParaRPr lang="de-DE" sz="1900" dirty="0" smtClean="0">
-              <a:hlinkClick r:id="rId2"/>
-            </a:endParaRPr>
-          </a:p>
-          <a:p>
-            <a:endParaRPr lang="de-DE" sz="1900" dirty="0">
-              <a:hlinkClick r:id="rId2"/>
-            </a:endParaRPr>
-          </a:p>
-          <a:p>
-            <a:endParaRPr lang="de-DE" sz="1900" dirty="0" smtClean="0">
-              <a:hlinkClick r:id="rId2"/>
-            </a:endParaRPr>
-          </a:p>
-          <a:p>
-            <a:endParaRPr lang="de-DE" sz="1900" dirty="0" smtClean="0">
-              <a:hlinkClick r:id="rId2"/>
-            </a:endParaRPr>
-          </a:p>
-          <a:p>
-            <a:endParaRPr lang="de-DE" sz="1900" dirty="0">
-              <a:hlinkClick r:id="rId2"/>
-            </a:endParaRPr>
-          </a:p>
-          <a:p>
-            <a:endParaRPr lang="de-DE" sz="1900" dirty="0">
-              <a:hlinkClick r:id="rId2"/>
-            </a:endParaRPr>
-          </a:p>
-          <a:p>
-            <a:r>
-              <a:rPr lang="de-DE" sz="1900" dirty="0" smtClean="0">
-                <a:hlinkClick r:id="rId2"/>
-              </a:rPr>
-              <a:t>https://github.com/nappydevelopment/docs/blob/master/pdfs/SE_GanttChart_UntilMidterm.pdf</a:t>
-            </a:r>
-            <a:r>
-              <a:rPr lang="de-DE" sz="1900" dirty="0" smtClean="0"/>
-              <a:t> </a:t>
-            </a:r>
-          </a:p>
-        </p:txBody>
-      </p:sp>
-      <p:sp>
-        <p:nvSpPr>
           <p:cNvPr id="5" name="Foliennummernplatzhalter 4"/>
           <p:cNvSpPr>
             <a:spLocks noGrp="1"/>
@@ -9220,7 +13246,7 @@
           <a:p>
             <a:fld id="{BEA2534F-1EDD-48ED-BC5A-02D188FC5C63}" type="slidenum">
               <a:rPr lang="de-DE" smtClean="0"/>
-              <a:t>8</a:t>
+              <a:t>9</a:t>
             </a:fld>
             <a:endParaRPr lang="de-DE" dirty="0"/>
           </a:p>
@@ -9284,101 +13310,6 @@
       </p:par>
     </p:tnLst>
   </p:timing>
-</p:sld>
-</file>
-
-<file path=ppt/slides/slide9.xml><?xml version="1.0" encoding="utf-8"?>
-<p:sld xmlns:a="http://schemas.openxmlformats.org/drawingml/2006/main" xmlns:r="http://schemas.openxmlformats.org/officeDocument/2006/relationships" xmlns:p="http://schemas.openxmlformats.org/presentationml/2006/main">
-  <p:cSld>
-    <p:spTree>
-      <p:nvGrpSpPr>
-        <p:cNvPr id="1" name=""/>
-        <p:cNvGrpSpPr/>
-        <p:nvPr/>
-      </p:nvGrpSpPr>
-      <p:grpSpPr>
-        <a:xfrm>
-          <a:off x="0" y="0"/>
-          <a:ext cx="0" cy="0"/>
-          <a:chOff x="0" y="0"/>
-          <a:chExt cx="0" cy="0"/>
-        </a:xfrm>
-      </p:grpSpPr>
-      <p:sp>
-        <p:nvSpPr>
-          <p:cNvPr id="2" name="Titel 1"/>
-          <p:cNvSpPr>
-            <a:spLocks noGrp="1"/>
-          </p:cNvSpPr>
-          <p:nvPr>
-            <p:ph type="title"/>
-          </p:nvPr>
-        </p:nvSpPr>
-        <p:spPr/>
-        <p:txBody>
-          <a:bodyPr/>
-          <a:lstStyle/>
-          <a:p>
-            <a:r>
-              <a:rPr lang="de-DE" dirty="0" smtClean="0"/>
-              <a:t>FUNCTION POINTS</a:t>
-            </a:r>
-            <a:endParaRPr lang="de-DE" dirty="0"/>
-          </a:p>
-        </p:txBody>
-      </p:sp>
-      <p:sp>
-        <p:nvSpPr>
-          <p:cNvPr id="3" name="Inhaltsplatzhalter 2"/>
-          <p:cNvSpPr>
-            <a:spLocks noGrp="1"/>
-          </p:cNvSpPr>
-          <p:nvPr>
-            <p:ph idx="1"/>
-          </p:nvPr>
-        </p:nvSpPr>
-        <p:spPr/>
-        <p:txBody>
-          <a:bodyPr/>
-          <a:lstStyle/>
-          <a:p>
-            <a:endParaRPr lang="de-DE"/>
-          </a:p>
-        </p:txBody>
-      </p:sp>
-      <p:sp>
-        <p:nvSpPr>
-          <p:cNvPr id="4" name="Foliennummernplatzhalter 3"/>
-          <p:cNvSpPr>
-            <a:spLocks noGrp="1"/>
-          </p:cNvSpPr>
-          <p:nvPr>
-            <p:ph type="sldNum" sz="quarter" idx="12"/>
-          </p:nvPr>
-        </p:nvSpPr>
-        <p:spPr/>
-        <p:txBody>
-          <a:bodyPr/>
-          <a:lstStyle/>
-          <a:p>
-            <a:fld id="{BEA2534F-1EDD-48ED-BC5A-02D188FC5C63}" type="slidenum">
-              <a:rPr lang="de-DE" smtClean="0"/>
-              <a:t>9</a:t>
-            </a:fld>
-            <a:endParaRPr lang="de-DE"/>
-          </a:p>
-        </p:txBody>
-      </p:sp>
-    </p:spTree>
-    <p:extLst>
-      <p:ext uri="{BB962C8B-B14F-4D97-AF65-F5344CB8AC3E}">
-        <p14:creationId xmlns:p14="http://schemas.microsoft.com/office/powerpoint/2010/main" val="2983638629"/>
-      </p:ext>
-    </p:extLst>
-  </p:cSld>
-  <p:clrMapOvr>
-    <a:masterClrMapping/>
-  </p:clrMapOvr>
 </p:sld>
 </file>
 
@@ -9659,7 +13590,7 @@
   <a:extraClrSchemeLst/>
   <a:extLst>
     <a:ext uri="{05A4C25C-085E-4340-85A3-A5531E510DB2}">
-      <thm15:themeFamily xmlns:thm15="http://schemas.microsoft.com/office/thememl/2012/main" xmlns="" name="Retrospect" id="{5F128B03-DCCA-4EEB-AB3B-CF2899314A46}" vid="{3F1AAB62-24C6-49D2-8E01-B56FAC9A3DCD}"/>
+      <thm15:themeFamily xmlns="" xmlns:thm15="http://schemas.microsoft.com/office/thememl/2012/main" name="Retrospect" id="{5F128B03-DCCA-4EEB-AB3B-CF2899314A46}" vid="{3F1AAB62-24C6-49D2-8E01-B56FAC9A3DCD}"/>
     </a:ext>
   </a:extLst>
 </a:theme>
@@ -9920,7 +13851,7 @@
   <a:extraClrSchemeLst/>
   <a:extLst>
     <a:ext uri="{05A4C25C-085E-4340-85A3-A5531E510DB2}">
-      <thm15:themeFamily xmlns:thm15="http://schemas.microsoft.com/office/thememl/2012/main" xmlns="" name="Office Theme" id="{62F939B6-93AF-4DB8-9C6B-D6C7DFDC589F}" vid="{4A3C46E8-61CC-4603-A589-7422A47A8E4A}"/>
+      <thm15:themeFamily xmlns="" xmlns:thm15="http://schemas.microsoft.com/office/thememl/2012/main" name="Office Theme" id="{62F939B6-93AF-4DB8-9C6B-D6C7DFDC589F}" vid="{4A3C46E8-61CC-4603-A589-7422A47A8E4A}"/>
     </a:ext>
   </a:extLst>
 </a:theme>

--- a/presentation/Final/Final.pptx
+++ b/presentation/Final/Final.pptx
@@ -133,7 +133,7 @@
   </p:defaultTextStyle>
   <p:extLst>
     <p:ext uri="{EFAFB233-063F-42B5-8137-9DF3F51BA10A}">
-      <p15:sldGuideLst xmlns="" xmlns:p15="http://schemas.microsoft.com/office/powerpoint/2012/main">
+      <p15:sldGuideLst xmlns:p15="http://schemas.microsoft.com/office/powerpoint/2012/main">
         <p15:guide id="1" orient="horz" pos="2160">
           <p15:clr>
             <a:srgbClr val="A4A3A4"/>
@@ -151,7 +151,7 @@
 </file>
 
 <file path=ppt/charts/chart1.xml><?xml version="1.0" encoding="utf-8"?>
-<c:chartSpace xmlns:c="http://schemas.openxmlformats.org/drawingml/2006/chart" xmlns:a="http://schemas.openxmlformats.org/drawingml/2006/main" xmlns:r="http://schemas.openxmlformats.org/officeDocument/2006/relationships">
+<c:chartSpace xmlns:c="http://schemas.openxmlformats.org/drawingml/2006/chart" xmlns:a="http://schemas.openxmlformats.org/drawingml/2006/main" xmlns:r="http://schemas.openxmlformats.org/officeDocument/2006/relationships" xmlns:c16r2="http://schemas.microsoft.com/office/drawing/2015/06/chart">
   <c:date1904 val="0"/>
   <c:lang val="de-DE"/>
   <c:roundedCorners val="0"/>
@@ -199,7 +199,7 @@
               </c:spPr>
             </c:marker>
             <c:bubble3D val="0"/>
-            <c:extLst xmlns:c16r2="http://schemas.microsoft.com/office/drawing/2015/06/chart">
+            <c:extLst>
               <c:ext xmlns:c16="http://schemas.microsoft.com/office/drawing/2014/chart" uri="{C3380CC4-5D6E-409C-BE32-E72D297353CC}">
                 <c16:uniqueId val="{00000002-1185-4C1A-B1A4-BC1C676DBECF}"/>
               </c:ext>
@@ -215,7 +215,7 @@
               </c:spPr>
             </c:marker>
             <c:bubble3D val="0"/>
-            <c:extLst xmlns:c16r2="http://schemas.microsoft.com/office/drawing/2015/06/chart">
+            <c:extLst>
               <c:ext xmlns:c16="http://schemas.microsoft.com/office/drawing/2014/chart" uri="{C3380CC4-5D6E-409C-BE32-E72D297353CC}">
                 <c16:uniqueId val="{00000001-1185-4C1A-B1A4-BC1C676DBECF}"/>
               </c:ext>
@@ -231,7 +231,7 @@
               </c:spPr>
             </c:marker>
             <c:bubble3D val="0"/>
-            <c:extLst xmlns:c16r2="http://schemas.microsoft.com/office/drawing/2015/06/chart">
+            <c:extLst>
               <c:ext xmlns:c16="http://schemas.microsoft.com/office/drawing/2014/chart" uri="{C3380CC4-5D6E-409C-BE32-E72D297353CC}">
                 <c16:uniqueId val="{00000000-1185-4C1A-B1A4-BC1C676DBECF}"/>
               </c:ext>
@@ -291,7 +291,7 @@
             </c:numRef>
           </c:yVal>
           <c:smooth val="0"/>
-          <c:extLst xmlns:c16r2="http://schemas.microsoft.com/office/drawing/2015/06/chart">
+          <c:extLst>
             <c:ext xmlns:c16="http://schemas.microsoft.com/office/drawing/2014/chart" uri="{C3380CC4-5D6E-409C-BE32-E72D297353CC}">
               <c16:uniqueId val="{00000000-684E-462E-B6C5-08C4C156CB9E}"/>
             </c:ext>
@@ -333,7 +333,6 @@
               </a:p>
             </c:rich>
           </c:tx>
-          <c:layout/>
           <c:overlay val="0"/>
         </c:title>
         <c:numFmt formatCode="0.00" sourceLinked="1"/>
@@ -369,7 +368,6 @@
               </a:p>
             </c:rich>
           </c:tx>
-          <c:layout/>
           <c:overlay val="0"/>
         </c:title>
         <c:numFmt formatCode="General" sourceLinked="1"/>
@@ -383,7 +381,6 @@
     </c:plotArea>
     <c:legend>
       <c:legendPos val="r"/>
-      <c:layout/>
       <c:overlay val="0"/>
     </c:legend>
     <c:plotVisOnly val="1"/>
@@ -397,7 +394,7 @@
 </file>
 
 <file path=ppt/charts/chart2.xml><?xml version="1.0" encoding="utf-8"?>
-<c:chartSpace xmlns:c="http://schemas.openxmlformats.org/drawingml/2006/chart" xmlns:a="http://schemas.openxmlformats.org/drawingml/2006/main" xmlns:r="http://schemas.openxmlformats.org/officeDocument/2006/relationships">
+<c:chartSpace xmlns:c="http://schemas.openxmlformats.org/drawingml/2006/chart" xmlns:a="http://schemas.openxmlformats.org/drawingml/2006/main" xmlns:r="http://schemas.openxmlformats.org/officeDocument/2006/relationships" xmlns:c16r2="http://schemas.microsoft.com/office/drawing/2015/06/chart">
   <c:date1904 val="0"/>
   <c:lang val="de-DE"/>
   <c:roundedCorners val="0"/>
@@ -484,7 +481,7 @@
             </c:numRef>
           </c:yVal>
           <c:smooth val="0"/>
-          <c:extLst xmlns:c16r2="http://schemas.microsoft.com/office/drawing/2015/06/chart">
+          <c:extLst>
             <c:ext xmlns:c16="http://schemas.microsoft.com/office/drawing/2014/chart" uri="{C3380CC4-5D6E-409C-BE32-E72D297353CC}">
               <c16:uniqueId val="{00000000-3913-4CCA-937B-BFE2918FD451}"/>
             </c:ext>
@@ -558,7 +555,7 @@
             </c:numRef>
           </c:yVal>
           <c:smooth val="0"/>
-          <c:extLst xmlns:c16r2="http://schemas.microsoft.com/office/drawing/2015/06/chart">
+          <c:extLst>
             <c:ext xmlns:c16="http://schemas.microsoft.com/office/drawing/2014/chart" uri="{C3380CC4-5D6E-409C-BE32-E72D297353CC}">
               <c16:uniqueId val="{00000001-3913-4CCA-937B-BFE2918FD451}"/>
             </c:ext>
@@ -632,7 +629,7 @@
             </c:numRef>
           </c:yVal>
           <c:smooth val="0"/>
-          <c:extLst xmlns:c16r2="http://schemas.microsoft.com/office/drawing/2015/06/chart">
+          <c:extLst>
             <c:ext xmlns:c16="http://schemas.microsoft.com/office/drawing/2014/chart" uri="{C3380CC4-5D6E-409C-BE32-E72D297353CC}">
               <c16:uniqueId val="{00000002-3913-4CCA-937B-BFE2918FD451}"/>
             </c:ext>
@@ -672,7 +669,6 @@
               </a:p>
             </c:rich>
           </c:tx>
-          <c:layout/>
           <c:overlay val="0"/>
         </c:title>
         <c:numFmt formatCode="0.00" sourceLinked="1"/>
@@ -707,7 +703,6 @@
               </a:p>
             </c:rich>
           </c:tx>
-          <c:layout/>
           <c:overlay val="0"/>
         </c:title>
         <c:numFmt formatCode="General" sourceLinked="1"/>
@@ -721,7 +716,6 @@
     </c:plotArea>
     <c:legend>
       <c:legendPos val="r"/>
-      <c:layout/>
       <c:overlay val="0"/>
     </c:legend>
     <c:plotVisOnly val="1"/>
@@ -8116,16 +8110,6 @@
               </a:rPr>
               <a:t>CLASS DIAGRAM &amp; </a:t>
             </a:r>
-            <a:r>
-              <a:rPr lang="de-DE" dirty="0" smtClean="0">
-                <a:solidFill>
-                  <a:schemeClr val="bg1">
-                    <a:lumMod val="50000"/>
-                  </a:schemeClr>
-                </a:solidFill>
-              </a:rPr>
-              <a:t/>
-            </a:r>
             <a:br>
               <a:rPr lang="de-DE" dirty="0" smtClean="0">
                 <a:solidFill>
@@ -8881,29 +8865,35 @@
           </a:p>
         </p:txBody>
       </p:sp>
-      <p:sp>
-        <p:nvSpPr>
-          <p:cNvPr id="3" name="Inhaltsplatzhalter 2"/>
-          <p:cNvSpPr>
-            <a:spLocks noGrp="1"/>
-          </p:cNvSpPr>
+      <p:pic>
+        <p:nvPicPr>
+          <p:cNvPr id="4" name="Inhaltsplatzhalter 3"/>
+          <p:cNvPicPr>
+            <a:picLocks noGrp="1" noChangeAspect="1"/>
+          </p:cNvPicPr>
           <p:nvPr>
             <p:ph idx="1"/>
           </p:nvPr>
-        </p:nvSpPr>
-        <p:spPr/>
-        <p:txBody>
-          <a:bodyPr/>
-          <a:lstStyle/>
-          <a:p>
-            <a:pPr>
-              <a:buFont typeface="Courier New" panose="02070309020205020404" pitchFamily="49" charset="0"/>
-              <a:buChar char="o"/>
-            </a:pPr>
-            <a:endParaRPr lang="de-DE" dirty="0"/>
-          </a:p>
-        </p:txBody>
-      </p:sp>
+        </p:nvPicPr>
+        <p:blipFill>
+          <a:blip r:embed="rId3">
+            <a:extLst>
+              <a:ext uri="{28A0092B-C50C-407E-A947-70E740481C1C}">
+                <a14:useLocalDpi xmlns:a14="http://schemas.microsoft.com/office/drawing/2010/main" val="0"/>
+              </a:ext>
+            </a:extLst>
+          </a:blip>
+          <a:stretch>
+            <a:fillRect/>
+          </a:stretch>
+        </p:blipFill>
+        <p:spPr>
+          <a:xfrm>
+            <a:off x="7134749" y="3951727"/>
+            <a:ext cx="5281470" cy="1752099"/>
+          </a:xfrm>
+        </p:spPr>
+      </p:pic>
       <p:sp>
         <p:nvSpPr>
           <p:cNvPr id="5" name="Foliennummernplatzhalter 4"/>
@@ -8936,7 +8926,7 @@
           <p:nvPr/>
         </p:nvPicPr>
         <p:blipFill>
-          <a:blip r:embed="rId3">
+          <a:blip r:embed="rId4">
             <a:extLst>
               <a:ext uri="{28A0092B-C50C-407E-A947-70E740481C1C}">
                 <a14:useLocalDpi xmlns:a14="http://schemas.microsoft.com/office/drawing/2010/main" val="0"/>
@@ -9028,17 +9018,7 @@
                   </a:schemeClr>
                 </a:solidFill>
               </a:rPr>
-              <a:t>ALGORITHMUS GAMEMODE </a:t>
-            </a:r>
-            <a:r>
-              <a:rPr lang="de-DE" dirty="0" smtClean="0">
-                <a:solidFill>
-                  <a:schemeClr val="bg1">
-                    <a:lumMod val="50000"/>
-                  </a:schemeClr>
-                </a:solidFill>
-              </a:rPr>
-              <a:t>1 + 2</a:t>
+              <a:t>ALGORITHMUS GAMEMODE 1 + 2</a:t>
             </a:r>
             <a:endParaRPr lang="de-DE" dirty="0">
               <a:solidFill>
@@ -10104,11 +10084,7 @@
           <a:p>
             <a:r>
               <a:rPr lang="de-DE" dirty="0" smtClean="0"/>
-              <a:t>SRS</a:t>
-            </a:r>
-            <a:r>
-              <a:rPr lang="de-DE" dirty="0" smtClean="0"/>
-              <a:t>: </a:t>
+              <a:t>SRS: </a:t>
             </a:r>
             <a:r>
               <a:rPr lang="de-DE" dirty="0" smtClean="0">
@@ -10132,7 +10108,6 @@
               <a:rPr lang="de-DE" dirty="0" smtClean="0"/>
               <a:t> </a:t>
             </a:r>
-            <a:endParaRPr lang="de-DE" dirty="0" smtClean="0"/>
           </a:p>
           <a:p>
             <a:endParaRPr lang="de-DE" dirty="0"/>
@@ -10792,8 +10767,20 @@
                 <a:tableStyleId>{3B4B98B0-60AC-42C2-AFA5-B58CD77FA1E5}</a:tableStyleId>
               </a:tblPr>
               <a:tblGrid>
-                <a:gridCol w="4914900"/>
-                <a:gridCol w="4914900"/>
+                <a:gridCol w="4914900">
+                  <a:extLst>
+                    <a:ext uri="{9D8B030D-6E8A-4147-A177-3AD203B41FA5}">
+                      <a16:colId xmlns:a16="http://schemas.microsoft.com/office/drawing/2014/main" val="20000"/>
+                    </a:ext>
+                  </a:extLst>
+                </a:gridCol>
+                <a:gridCol w="4914900">
+                  <a:extLst>
+                    <a:ext uri="{9D8B030D-6E8A-4147-A177-3AD203B41FA5}">
+                      <a16:colId xmlns:a16="http://schemas.microsoft.com/office/drawing/2014/main" val="20001"/>
+                    </a:ext>
+                  </a:extLst>
+                </a:gridCol>
               </a:tblGrid>
               <a:tr h="391885">
                 <a:tc>
@@ -10860,6 +10847,11 @@
                   </a:txBody>
                   <a:tcPr marL="68580" marR="68580" marT="0" marB="0"/>
                 </a:tc>
+                <a:extLst>
+                  <a:ext uri="{0D108BD9-81ED-4DB2-BD59-A6C34878D82A}">
+                    <a16:rowId xmlns:a16="http://schemas.microsoft.com/office/drawing/2014/main" val="10000"/>
+                  </a:ext>
+                </a:extLst>
               </a:tr>
               <a:tr h="391885">
                 <a:tc>
@@ -10950,6 +10942,11 @@
                   </a:txBody>
                   <a:tcPr marL="68580" marR="68580" marT="0" marB="0"/>
                 </a:tc>
+                <a:extLst>
+                  <a:ext uri="{0D108BD9-81ED-4DB2-BD59-A6C34878D82A}">
+                    <a16:rowId xmlns:a16="http://schemas.microsoft.com/office/drawing/2014/main" val="10001"/>
+                  </a:ext>
+                </a:extLst>
               </a:tr>
               <a:tr h="391885">
                 <a:tc>
@@ -11011,6 +11008,11 @@
                   </a:txBody>
                   <a:tcPr marL="68580" marR="68580" marT="0" marB="0"/>
                 </a:tc>
+                <a:extLst>
+                  <a:ext uri="{0D108BD9-81ED-4DB2-BD59-A6C34878D82A}">
+                    <a16:rowId xmlns:a16="http://schemas.microsoft.com/office/drawing/2014/main" val="10002"/>
+                  </a:ext>
+                </a:extLst>
               </a:tr>
               <a:tr h="391885">
                 <a:tc>
@@ -11084,6 +11086,11 @@
                   </a:txBody>
                   <a:tcPr marL="68580" marR="68580" marT="0" marB="0"/>
                 </a:tc>
+                <a:extLst>
+                  <a:ext uri="{0D108BD9-81ED-4DB2-BD59-A6C34878D82A}">
+                    <a16:rowId xmlns:a16="http://schemas.microsoft.com/office/drawing/2014/main" val="10003"/>
+                  </a:ext>
+                </a:extLst>
               </a:tr>
               <a:tr h="391885">
                 <a:tc>
@@ -11145,6 +11152,11 @@
                   </a:txBody>
                   <a:tcPr marL="68580" marR="68580" marT="0" marB="0"/>
                 </a:tc>
+                <a:extLst>
+                  <a:ext uri="{0D108BD9-81ED-4DB2-BD59-A6C34878D82A}">
+                    <a16:rowId xmlns:a16="http://schemas.microsoft.com/office/drawing/2014/main" val="10004"/>
+                  </a:ext>
+                </a:extLst>
               </a:tr>
               <a:tr h="391885">
                 <a:tc>
@@ -11208,6 +11220,11 @@
                   </a:txBody>
                   <a:tcPr marL="68580" marR="68580" marT="0" marB="0"/>
                 </a:tc>
+                <a:extLst>
+                  <a:ext uri="{0D108BD9-81ED-4DB2-BD59-A6C34878D82A}">
+                    <a16:rowId xmlns:a16="http://schemas.microsoft.com/office/drawing/2014/main" val="10005"/>
+                  </a:ext>
+                </a:extLst>
               </a:tr>
               <a:tr h="391885">
                 <a:tc>
@@ -11283,6 +11300,11 @@
                   </a:txBody>
                   <a:tcPr marL="68580" marR="68580" marT="0" marB="0"/>
                 </a:tc>
+                <a:extLst>
+                  <a:ext uri="{0D108BD9-81ED-4DB2-BD59-A6C34878D82A}">
+                    <a16:rowId xmlns:a16="http://schemas.microsoft.com/office/drawing/2014/main" val="10006"/>
+                  </a:ext>
+                </a:extLst>
               </a:tr>
               <a:tr h="391885">
                 <a:tc>
@@ -11344,6 +11366,11 @@
                   </a:txBody>
                   <a:tcPr marL="68580" marR="68580" marT="0" marB="0"/>
                 </a:tc>
+                <a:extLst>
+                  <a:ext uri="{0D108BD9-81ED-4DB2-BD59-A6C34878D82A}">
+                    <a16:rowId xmlns:a16="http://schemas.microsoft.com/office/drawing/2014/main" val="10007"/>
+                  </a:ext>
+                </a:extLst>
               </a:tr>
               <a:tr h="391885">
                 <a:tc>
@@ -11426,6 +11453,11 @@
                   </a:txBody>
                   <a:tcPr marL="68580" marR="68580" marT="0" marB="0"/>
                 </a:tc>
+                <a:extLst>
+                  <a:ext uri="{0D108BD9-81ED-4DB2-BD59-A6C34878D82A}">
+                    <a16:rowId xmlns:a16="http://schemas.microsoft.com/office/drawing/2014/main" val="10008"/>
+                  </a:ext>
+                </a:extLst>
               </a:tr>
               <a:tr h="391885">
                 <a:tc>
@@ -11508,6 +11540,11 @@
                   </a:txBody>
                   <a:tcPr marL="68580" marR="68580" marT="0" marB="0"/>
                 </a:tc>
+                <a:extLst>
+                  <a:ext uri="{0D108BD9-81ED-4DB2-BD59-A6C34878D82A}">
+                    <a16:rowId xmlns:a16="http://schemas.microsoft.com/office/drawing/2014/main" val="10009"/>
+                  </a:ext>
+                </a:extLst>
               </a:tr>
             </a:tbl>
           </a:graphicData>
@@ -13590,7 +13627,7 @@
   <a:extraClrSchemeLst/>
   <a:extLst>
     <a:ext uri="{05A4C25C-085E-4340-85A3-A5531E510DB2}">
-      <thm15:themeFamily xmlns="" xmlns:thm15="http://schemas.microsoft.com/office/thememl/2012/main" name="Retrospect" id="{5F128B03-DCCA-4EEB-AB3B-CF2899314A46}" vid="{3F1AAB62-24C6-49D2-8E01-B56FAC9A3DCD}"/>
+      <thm15:themeFamily xmlns:thm15="http://schemas.microsoft.com/office/thememl/2012/main" name="Retrospect" id="{5F128B03-DCCA-4EEB-AB3B-CF2899314A46}" vid="{3F1AAB62-24C6-49D2-8E01-B56FAC9A3DCD}"/>
     </a:ext>
   </a:extLst>
 </a:theme>
@@ -13851,7 +13888,7 @@
   <a:extraClrSchemeLst/>
   <a:extLst>
     <a:ext uri="{05A4C25C-085E-4340-85A3-A5531E510DB2}">
-      <thm15:themeFamily xmlns="" xmlns:thm15="http://schemas.microsoft.com/office/thememl/2012/main" name="Office Theme" id="{62F939B6-93AF-4DB8-9C6B-D6C7DFDC589F}" vid="{4A3C46E8-61CC-4603-A589-7422A47A8E4A}"/>
+      <thm15:themeFamily xmlns:thm15="http://schemas.microsoft.com/office/thememl/2012/main" name="Office Theme" id="{62F939B6-93AF-4DB8-9C6B-D6C7DFDC589F}" vid="{4A3C46E8-61CC-4603-A589-7422A47A8E4A}"/>
     </a:ext>
   </a:extLst>
 </a:theme>

--- a/presentation/Final/Final.pptx
+++ b/presentation/Final/Final.pptx
@@ -5,7 +5,7 @@
     <p:sldMasterId id="2147483684" r:id="rId1"/>
   </p:sldMasterIdLst>
   <p:notesMasterIdLst>
-    <p:notesMasterId r:id="rId27"/>
+    <p:notesMasterId r:id="rId29"/>
   </p:notesMasterIdLst>
   <p:sldIdLst>
     <p:sldId id="256" r:id="rId2"/>
@@ -15,24 +15,26 @@
     <p:sldId id="261" r:id="rId6"/>
     <p:sldId id="259" r:id="rId7"/>
     <p:sldId id="281" r:id="rId8"/>
-    <p:sldId id="262" r:id="rId9"/>
-    <p:sldId id="274" r:id="rId10"/>
-    <p:sldId id="279" r:id="rId11"/>
-    <p:sldId id="271" r:id="rId12"/>
-    <p:sldId id="275" r:id="rId13"/>
-    <p:sldId id="285" r:id="rId14"/>
-    <p:sldId id="276" r:id="rId15"/>
-    <p:sldId id="264" r:id="rId16"/>
-    <p:sldId id="263" r:id="rId17"/>
-    <p:sldId id="283" r:id="rId18"/>
-    <p:sldId id="287" r:id="rId19"/>
-    <p:sldId id="272" r:id="rId20"/>
-    <p:sldId id="284" r:id="rId21"/>
-    <p:sldId id="286" r:id="rId22"/>
-    <p:sldId id="268" r:id="rId23"/>
-    <p:sldId id="269" r:id="rId24"/>
-    <p:sldId id="277" r:id="rId25"/>
-    <p:sldId id="282" r:id="rId26"/>
+    <p:sldId id="289" r:id="rId9"/>
+    <p:sldId id="262" r:id="rId10"/>
+    <p:sldId id="274" r:id="rId11"/>
+    <p:sldId id="279" r:id="rId12"/>
+    <p:sldId id="288" r:id="rId13"/>
+    <p:sldId id="271" r:id="rId14"/>
+    <p:sldId id="275" r:id="rId15"/>
+    <p:sldId id="290" r:id="rId16"/>
+    <p:sldId id="294" r:id="rId17"/>
+    <p:sldId id="285" r:id="rId18"/>
+    <p:sldId id="283" r:id="rId19"/>
+    <p:sldId id="286" r:id="rId20"/>
+    <p:sldId id="291" r:id="rId21"/>
+    <p:sldId id="276" r:id="rId22"/>
+    <p:sldId id="264" r:id="rId23"/>
+    <p:sldId id="295" r:id="rId24"/>
+    <p:sldId id="263" r:id="rId25"/>
+    <p:sldId id="268" r:id="rId26"/>
+    <p:sldId id="277" r:id="rId27"/>
+    <p:sldId id="282" r:id="rId28"/>
   </p:sldIdLst>
   <p:sldSz cx="12192000" cy="6858000"/>
   <p:notesSz cx="6858000" cy="9144000"/>
@@ -133,7 +135,7 @@
   </p:defaultTextStyle>
   <p:extLst>
     <p:ext uri="{EFAFB233-063F-42B5-8137-9DF3F51BA10A}">
-      <p15:sldGuideLst xmlns="" xmlns:p15="http://schemas.microsoft.com/office/powerpoint/2012/main">
+      <p15:sldGuideLst xmlns:p15="http://schemas.microsoft.com/office/powerpoint/2012/main" xmlns="">
         <p15:guide id="1" orient="horz" pos="2160">
           <p15:clr>
             <a:srgbClr val="A4A3A4"/>
@@ -210,7 +212,7 @@
             <c:marker>
               <c:spPr>
                 <a:solidFill>
-                  <a:srgbClr val="92D050"/>
+                  <a:srgbClr val="0070C0"/>
                 </a:solidFill>
               </c:spPr>
             </c:marker>
@@ -226,7 +228,7 @@
             <c:marker>
               <c:spPr>
                 <a:solidFill>
-                  <a:srgbClr val="FFFF00"/>
+                  <a:srgbClr val="00B050"/>
                 </a:solidFill>
               </c:spPr>
             </c:marker>
@@ -238,6 +240,15 @@
             </c:extLst>
           </c:dPt>
           <c:trendline>
+            <c:spPr>
+              <a:ln w="12700" cap="flat" cmpd="sng" algn="ctr">
+                <a:solidFill>
+                  <a:schemeClr val="dk1"/>
+                </a:solidFill>
+                <a:prstDash val="solid"/>
+              </a:ln>
+              <a:effectLst/>
+            </c:spPr>
             <c:trendlineType val="log"/>
             <c:dispRSqr val="0"/>
             <c:dispEq val="0"/>
@@ -305,11 +316,11 @@
           <c:showPercent val="0"/>
           <c:showBubbleSize val="0"/>
         </c:dLbls>
-        <c:axId val="96906624"/>
-        <c:axId val="118097792"/>
+        <c:axId val="84154240"/>
+        <c:axId val="84168704"/>
       </c:scatterChart>
       <c:valAx>
-        <c:axId val="96906624"/>
+        <c:axId val="84154240"/>
         <c:scaling>
           <c:orientation val="minMax"/>
         </c:scaling>
@@ -340,12 +351,12 @@
         <c:majorTickMark val="out"/>
         <c:minorTickMark val="none"/>
         <c:tickLblPos val="nextTo"/>
-        <c:crossAx val="118097792"/>
+        <c:crossAx val="84168704"/>
         <c:crosses val="autoZero"/>
         <c:crossBetween val="midCat"/>
       </c:valAx>
       <c:valAx>
-        <c:axId val="118097792"/>
+        <c:axId val="84168704"/>
         <c:scaling>
           <c:orientation val="minMax"/>
         </c:scaling>
@@ -376,10 +387,27 @@
         <c:majorTickMark val="out"/>
         <c:minorTickMark val="none"/>
         <c:tickLblPos val="nextTo"/>
-        <c:crossAx val="96906624"/>
+        <c:spPr>
+          <a:ln>
+            <a:noFill/>
+          </a:ln>
+        </c:spPr>
+        <c:crossAx val="84154240"/>
         <c:crosses val="autoZero"/>
         <c:crossBetween val="midCat"/>
       </c:valAx>
+      <c:spPr>
+        <a:solidFill>
+          <a:schemeClr val="lt1"/>
+        </a:solidFill>
+        <a:ln w="15875" cap="flat" cmpd="sng" algn="ctr">
+          <a:solidFill>
+            <a:schemeClr val="dk1"/>
+          </a:solidFill>
+          <a:prstDash val="solid"/>
+        </a:ln>
+        <a:effectLst/>
+      </c:spPr>
     </c:plotArea>
     <c:legend>
       <c:legendPos val="r"/>
@@ -390,6 +418,33 @@
     <c:dispBlanksAs val="gap"/>
     <c:showDLblsOverMax val="0"/>
   </c:chart>
+  <c:spPr>
+    <a:solidFill>
+      <a:schemeClr val="lt1"/>
+    </a:solidFill>
+    <a:ln w="15875" cap="flat" cmpd="sng" algn="ctr">
+      <a:noFill/>
+      <a:prstDash val="solid"/>
+    </a:ln>
+    <a:effectLst/>
+  </c:spPr>
+  <c:txPr>
+    <a:bodyPr/>
+    <a:lstStyle/>
+    <a:p>
+      <a:pPr>
+        <a:defRPr>
+          <a:solidFill>
+            <a:schemeClr val="dk1"/>
+          </a:solidFill>
+          <a:latin typeface="+mn-lt"/>
+          <a:ea typeface="+mn-ea"/>
+          <a:cs typeface="+mn-cs"/>
+        </a:defRPr>
+      </a:pPr>
+      <a:endParaRPr lang="de-DE"/>
+    </a:p>
+  </c:txPr>
   <c:externalData r:id="rId1">
     <c:autoUpdate val="0"/>
   </c:externalData>
@@ -435,6 +490,16 @@
               <a:noFill/>
             </a:ln>
           </c:spPr>
+          <c:marker>
+            <c:spPr>
+              <a:solidFill>
+                <a:srgbClr val="FF0000"/>
+              </a:solidFill>
+              <a:ln>
+                <a:noFill/>
+              </a:ln>
+            </c:spPr>
+          </c:marker>
           <c:xVal>
             <c:numRef>
               <c:f>Tabelle1!$G$3:$G$7</c:f>
@@ -509,6 +574,16 @@
               <a:noFill/>
             </a:ln>
           </c:spPr>
+          <c:marker>
+            <c:spPr>
+              <a:solidFill>
+                <a:srgbClr val="00B0F0"/>
+              </a:solidFill>
+              <a:ln>
+                <a:noFill/>
+              </a:ln>
+            </c:spPr>
+          </c:marker>
           <c:xVal>
             <c:numRef>
               <c:f>Tabelle1!$F$3:$F$7</c:f>
@@ -583,6 +658,16 @@
               <a:noFill/>
             </a:ln>
           </c:spPr>
+          <c:marker>
+            <c:spPr>
+              <a:solidFill>
+                <a:srgbClr val="00B050"/>
+              </a:solidFill>
+              <a:ln>
+                <a:noFill/>
+              </a:ln>
+            </c:spPr>
+          </c:marker>
           <c:xVal>
             <c:numRef>
               <c:f>Tabelle1!$E$3:$E$7</c:f>
@@ -646,11 +731,11 @@
           <c:showPercent val="0"/>
           <c:showBubbleSize val="0"/>
         </c:dLbls>
-        <c:axId val="119959936"/>
-        <c:axId val="119962240"/>
+        <c:axId val="84208256"/>
+        <c:axId val="84546304"/>
       </c:scatterChart>
       <c:valAx>
-        <c:axId val="119959936"/>
+        <c:axId val="84208256"/>
         <c:scaling>
           <c:orientation val="minMax"/>
         </c:scaling>
@@ -679,12 +764,12 @@
         <c:majorTickMark val="none"/>
         <c:minorTickMark val="none"/>
         <c:tickLblPos val="nextTo"/>
-        <c:crossAx val="119962240"/>
+        <c:crossAx val="84546304"/>
         <c:crosses val="autoZero"/>
         <c:crossBetween val="midCat"/>
       </c:valAx>
       <c:valAx>
-        <c:axId val="119962240"/>
+        <c:axId val="84546304"/>
         <c:scaling>
           <c:orientation val="minMax"/>
         </c:scaling>
@@ -714,7 +799,7 @@
         <c:majorTickMark val="none"/>
         <c:minorTickMark val="none"/>
         <c:tickLblPos val="nextTo"/>
-        <c:crossAx val="119959936"/>
+        <c:crossAx val="84208256"/>
         <c:crosses val="autoZero"/>
         <c:crossBetween val="midCat"/>
       </c:valAx>
@@ -816,7 +901,7 @@
           <a:p>
             <a:fld id="{C0A0DE52-51EE-48D6-A3E1-906697FA33DC}" type="datetimeFigureOut">
               <a:rPr lang="de-DE" smtClean="0"/>
-              <a:t>14.06.2016</a:t>
+              <a:t>15.06.2016</a:t>
             </a:fld>
             <a:endParaRPr lang="de-DE"/>
           </a:p>
@@ -1241,7 +1326,7 @@
           <a:p>
             <a:fld id="{4C40B096-980F-4B1D-B616-BA01D9772A24}" type="slidenum">
               <a:rPr lang="de-DE" smtClean="0"/>
-              <a:t>10</a:t>
+              <a:t>11</a:t>
             </a:fld>
             <a:endParaRPr lang="de-DE"/>
           </a:p>
@@ -1329,7 +1414,7 @@
           <a:p>
             <a:fld id="{4C40B096-980F-4B1D-B616-BA01D9772A24}" type="slidenum">
               <a:rPr lang="de-DE" smtClean="0"/>
-              <a:t>11</a:t>
+              <a:t>13</a:t>
             </a:fld>
             <a:endParaRPr lang="de-DE"/>
           </a:p>
@@ -1417,7 +1502,7 @@
           <a:p>
             <a:fld id="{4C40B096-980F-4B1D-B616-BA01D9772A24}" type="slidenum">
               <a:rPr lang="de-DE" smtClean="0"/>
-              <a:t>12</a:t>
+              <a:t>14</a:t>
             </a:fld>
             <a:endParaRPr lang="de-DE"/>
           </a:p>
@@ -1482,7 +1567,7 @@
           <a:p>
             <a:r>
               <a:rPr lang="de-DE" dirty="0" smtClean="0"/>
-              <a:t>Marvin</a:t>
+              <a:t>MARVIN</a:t>
             </a:r>
             <a:endParaRPr lang="de-DE" dirty="0"/>
           </a:p>
@@ -1505,7 +1590,7 @@
           <a:p>
             <a:fld id="{4C40B096-980F-4B1D-B616-BA01D9772A24}" type="slidenum">
               <a:rPr lang="de-DE" smtClean="0"/>
-              <a:t>13</a:t>
+              <a:t>16</a:t>
             </a:fld>
             <a:endParaRPr lang="de-DE"/>
           </a:p>
@@ -1514,7 +1599,7 @@
     </p:spTree>
     <p:extLst>
       <p:ext uri="{BB962C8B-B14F-4D97-AF65-F5344CB8AC3E}">
-        <p14:creationId xmlns:p14="http://schemas.microsoft.com/office/powerpoint/2010/main" val="464041595"/>
+        <p14:creationId xmlns:p14="http://schemas.microsoft.com/office/powerpoint/2010/main" val="3050164613"/>
       </p:ext>
     </p:extLst>
   </p:cSld>
@@ -1570,7 +1655,7 @@
           <a:p>
             <a:r>
               <a:rPr lang="de-DE" dirty="0" smtClean="0"/>
-              <a:t>MARC</a:t>
+              <a:t>Marvin</a:t>
             </a:r>
             <a:endParaRPr lang="de-DE" dirty="0"/>
           </a:p>
@@ -1593,7 +1678,7 @@
           <a:p>
             <a:fld id="{4C40B096-980F-4B1D-B616-BA01D9772A24}" type="slidenum">
               <a:rPr lang="de-DE" smtClean="0"/>
-              <a:t>14</a:t>
+              <a:t>17</a:t>
             </a:fld>
             <a:endParaRPr lang="de-DE"/>
           </a:p>
@@ -1602,7 +1687,7 @@
     </p:spTree>
     <p:extLst>
       <p:ext uri="{BB962C8B-B14F-4D97-AF65-F5344CB8AC3E}">
-        <p14:creationId xmlns:p14="http://schemas.microsoft.com/office/powerpoint/2010/main" val="1007455932"/>
+        <p14:creationId xmlns:p14="http://schemas.microsoft.com/office/powerpoint/2010/main" val="464041595"/>
       </p:ext>
     </p:extLst>
   </p:cSld>
@@ -1658,9 +1743,8 @@
           <a:p>
             <a:r>
               <a:rPr lang="de-DE" dirty="0" smtClean="0"/>
-              <a:t>MARC</a:t>
-            </a:r>
-            <a:endParaRPr lang="de-DE" dirty="0"/>
+              <a:t>MARVIN</a:t>
+            </a:r>
           </a:p>
         </p:txBody>
       </p:sp>
@@ -1681,7 +1765,7 @@
           <a:p>
             <a:fld id="{4C40B096-980F-4B1D-B616-BA01D9772A24}" type="slidenum">
               <a:rPr lang="de-DE" smtClean="0"/>
-              <a:t>15</a:t>
+              <a:t>18</a:t>
             </a:fld>
             <a:endParaRPr lang="de-DE"/>
           </a:p>
@@ -1690,7 +1774,7 @@
     </p:spTree>
     <p:extLst>
       <p:ext uri="{BB962C8B-B14F-4D97-AF65-F5344CB8AC3E}">
-        <p14:creationId xmlns:p14="http://schemas.microsoft.com/office/powerpoint/2010/main" val="1007455932"/>
+        <p14:creationId xmlns:p14="http://schemas.microsoft.com/office/powerpoint/2010/main" val="3050164613"/>
       </p:ext>
     </p:extLst>
   </p:cSld>
@@ -1746,7 +1830,7 @@
           <a:p>
             <a:r>
               <a:rPr lang="de-DE" dirty="0" smtClean="0"/>
-              <a:t>MARVIN</a:t>
+              <a:t>MARC</a:t>
             </a:r>
             <a:endParaRPr lang="de-DE" dirty="0"/>
           </a:p>
@@ -1769,7 +1853,7 @@
           <a:p>
             <a:fld id="{4C40B096-980F-4B1D-B616-BA01D9772A24}" type="slidenum">
               <a:rPr lang="de-DE" smtClean="0"/>
-              <a:t>16</a:t>
+              <a:t>21</a:t>
             </a:fld>
             <a:endParaRPr lang="de-DE"/>
           </a:p>
@@ -1778,7 +1862,7 @@
     </p:spTree>
     <p:extLst>
       <p:ext uri="{BB962C8B-B14F-4D97-AF65-F5344CB8AC3E}">
-        <p14:creationId xmlns:p14="http://schemas.microsoft.com/office/powerpoint/2010/main" val="22202235"/>
+        <p14:creationId xmlns:p14="http://schemas.microsoft.com/office/powerpoint/2010/main" val="1007455932"/>
       </p:ext>
     </p:extLst>
   </p:cSld>
@@ -1834,8 +1918,9 @@
           <a:p>
             <a:r>
               <a:rPr lang="de-DE" dirty="0" smtClean="0"/>
-              <a:t>MARVIN</a:t>
-            </a:r>
+              <a:t>MARC</a:t>
+            </a:r>
+            <a:endParaRPr lang="de-DE" dirty="0"/>
           </a:p>
         </p:txBody>
       </p:sp>
@@ -1856,7 +1941,7 @@
           <a:p>
             <a:fld id="{4C40B096-980F-4B1D-B616-BA01D9772A24}" type="slidenum">
               <a:rPr lang="de-DE" smtClean="0"/>
-              <a:t>17</a:t>
+              <a:t>22</a:t>
             </a:fld>
             <a:endParaRPr lang="de-DE"/>
           </a:p>
@@ -1865,7 +1950,7 @@
     </p:spTree>
     <p:extLst>
       <p:ext uri="{BB962C8B-B14F-4D97-AF65-F5344CB8AC3E}">
-        <p14:creationId xmlns:p14="http://schemas.microsoft.com/office/powerpoint/2010/main" val="3050164613"/>
+        <p14:creationId xmlns:p14="http://schemas.microsoft.com/office/powerpoint/2010/main" val="1007455932"/>
       </p:ext>
     </p:extLst>
   </p:cSld>
@@ -1921,7 +2006,7 @@
           <a:p>
             <a:r>
               <a:rPr lang="de-DE" dirty="0" smtClean="0"/>
-              <a:t>MARVIN</a:t>
+              <a:t>Marvin</a:t>
             </a:r>
             <a:endParaRPr lang="de-DE" dirty="0"/>
           </a:p>
@@ -1944,7 +2029,7 @@
           <a:p>
             <a:fld id="{4C40B096-980F-4B1D-B616-BA01D9772A24}" type="slidenum">
               <a:rPr lang="de-DE" smtClean="0"/>
-              <a:t>18</a:t>
+              <a:t>23</a:t>
             </a:fld>
             <a:endParaRPr lang="de-DE"/>
           </a:p>
@@ -1953,7 +2038,7 @@
     </p:spTree>
     <p:extLst>
       <p:ext uri="{BB962C8B-B14F-4D97-AF65-F5344CB8AC3E}">
-        <p14:creationId xmlns:p14="http://schemas.microsoft.com/office/powerpoint/2010/main" val="3050164613"/>
+        <p14:creationId xmlns:p14="http://schemas.microsoft.com/office/powerpoint/2010/main" val="2162810503"/>
       </p:ext>
     </p:extLst>
   </p:cSld>
@@ -2032,7 +2117,7 @@
           <a:p>
             <a:fld id="{4C40B096-980F-4B1D-B616-BA01D9772A24}" type="slidenum">
               <a:rPr lang="de-DE" smtClean="0"/>
-              <a:t>19</a:t>
+              <a:t>24</a:t>
             </a:fld>
             <a:endParaRPr lang="de-DE"/>
           </a:p>
@@ -2041,7 +2126,7 @@
     </p:spTree>
     <p:extLst>
       <p:ext uri="{BB962C8B-B14F-4D97-AF65-F5344CB8AC3E}">
-        <p14:creationId xmlns:p14="http://schemas.microsoft.com/office/powerpoint/2010/main" val="3188059666"/>
+        <p14:creationId xmlns:p14="http://schemas.microsoft.com/office/powerpoint/2010/main" val="22202235"/>
       </p:ext>
     </p:extLst>
   </p:cSld>
@@ -2185,7 +2270,7 @@
           <a:p>
             <a:r>
               <a:rPr lang="de-DE" dirty="0" smtClean="0"/>
-              <a:t>Marvin</a:t>
+              <a:t>MANU</a:t>
             </a:r>
             <a:endParaRPr lang="de-DE" dirty="0"/>
           </a:p>
@@ -2208,95 +2293,7 @@
           <a:p>
             <a:fld id="{4C40B096-980F-4B1D-B616-BA01D9772A24}" type="slidenum">
               <a:rPr lang="de-DE" smtClean="0"/>
-              <a:t>20</a:t>
-            </a:fld>
-            <a:endParaRPr lang="de-DE"/>
-          </a:p>
-        </p:txBody>
-      </p:sp>
-    </p:spTree>
-    <p:extLst>
-      <p:ext uri="{BB962C8B-B14F-4D97-AF65-F5344CB8AC3E}">
-        <p14:creationId xmlns:p14="http://schemas.microsoft.com/office/powerpoint/2010/main" val="2162810503"/>
-      </p:ext>
-    </p:extLst>
-  </p:cSld>
-  <p:clrMapOvr>
-    <a:masterClrMapping/>
-  </p:clrMapOvr>
-</p:notes>
-</file>
-
-<file path=ppt/notesSlides/notesSlide21.xml><?xml version="1.0" encoding="utf-8"?>
-<p:notes xmlns:a="http://schemas.openxmlformats.org/drawingml/2006/main" xmlns:r="http://schemas.openxmlformats.org/officeDocument/2006/relationships" xmlns:p="http://schemas.openxmlformats.org/presentationml/2006/main">
-  <p:cSld>
-    <p:spTree>
-      <p:nvGrpSpPr>
-        <p:cNvPr id="1" name=""/>
-        <p:cNvGrpSpPr/>
-        <p:nvPr/>
-      </p:nvGrpSpPr>
-      <p:grpSpPr>
-        <a:xfrm>
-          <a:off x="0" y="0"/>
-          <a:ext cx="0" cy="0"/>
-          <a:chOff x="0" y="0"/>
-          <a:chExt cx="0" cy="0"/>
-        </a:xfrm>
-      </p:grpSpPr>
-      <p:sp>
-        <p:nvSpPr>
-          <p:cNvPr id="2" name="Folienbildplatzhalter 1"/>
-          <p:cNvSpPr>
-            <a:spLocks noGrp="1" noRot="1" noChangeAspect="1"/>
-          </p:cNvSpPr>
-          <p:nvPr>
-            <p:ph type="sldImg"/>
-          </p:nvPr>
-        </p:nvSpPr>
-        <p:spPr/>
-      </p:sp>
-      <p:sp>
-        <p:nvSpPr>
-          <p:cNvPr id="3" name="Notizenplatzhalter 2"/>
-          <p:cNvSpPr>
-            <a:spLocks noGrp="1"/>
-          </p:cNvSpPr>
-          <p:nvPr>
-            <p:ph type="body" idx="1"/>
-          </p:nvPr>
-        </p:nvSpPr>
-        <p:spPr/>
-        <p:txBody>
-          <a:bodyPr/>
-          <a:lstStyle/>
-          <a:p>
-            <a:r>
-              <a:rPr lang="de-DE" dirty="0" smtClean="0"/>
-              <a:t>MANU</a:t>
-            </a:r>
-            <a:endParaRPr lang="de-DE" dirty="0"/>
-          </a:p>
-        </p:txBody>
-      </p:sp>
-      <p:sp>
-        <p:nvSpPr>
-          <p:cNvPr id="4" name="Foliennummernplatzhalter 3"/>
-          <p:cNvSpPr>
-            <a:spLocks noGrp="1"/>
-          </p:cNvSpPr>
-          <p:nvPr>
-            <p:ph type="sldNum" sz="quarter" idx="10"/>
-          </p:nvPr>
-        </p:nvSpPr>
-        <p:spPr/>
-        <p:txBody>
-          <a:bodyPr/>
-          <a:lstStyle/>
-          <a:p>
-            <a:fld id="{4C40B096-980F-4B1D-B616-BA01D9772A24}" type="slidenum">
-              <a:rPr lang="de-DE" smtClean="0"/>
-              <a:t>22</a:t>
+              <a:t>25</a:t>
             </a:fld>
             <a:endParaRPr lang="de-DE"/>
           </a:p>
@@ -2824,7 +2821,7 @@
           <a:p>
             <a:fld id="{4C40B096-980F-4B1D-B616-BA01D9772A24}" type="slidenum">
               <a:rPr lang="de-DE" smtClean="0"/>
-              <a:t>8</a:t>
+              <a:t>9</a:t>
             </a:fld>
             <a:endParaRPr lang="de-DE"/>
           </a:p>
@@ -2912,7 +2909,7 @@
           <a:p>
             <a:fld id="{4C40B096-980F-4B1D-B616-BA01D9772A24}" type="slidenum">
               <a:rPr lang="de-DE" smtClean="0"/>
-              <a:t>9</a:t>
+              <a:t>10</a:t>
             </a:fld>
             <a:endParaRPr lang="de-DE"/>
           </a:p>
@@ -3157,7 +3154,7 @@
           <a:p>
             <a:fld id="{CD6A7F28-3C18-4912-BB88-C12E8A59C161}" type="datetime1">
               <a:rPr lang="de-DE" smtClean="0"/>
-              <a:t>14.06.2016</a:t>
+              <a:t>15.06.2016</a:t>
             </a:fld>
             <a:endParaRPr lang="de-DE"/>
           </a:p>
@@ -3365,7 +3362,7 @@
           <a:p>
             <a:fld id="{81756F6A-7B7A-43DC-82F3-7E01290D98B1}" type="datetime1">
               <a:rPr lang="de-DE" smtClean="0"/>
-              <a:t>14.06.2016</a:t>
+              <a:t>15.06.2016</a:t>
             </a:fld>
             <a:endParaRPr lang="de-DE"/>
           </a:p>
@@ -3621,7 +3618,7 @@
           <a:p>
             <a:fld id="{EC2FC49F-B693-49DD-9D20-5804A0A01324}" type="datetime1">
               <a:rPr lang="de-DE" smtClean="0"/>
-              <a:t>14.06.2016</a:t>
+              <a:t>15.06.2016</a:t>
             </a:fld>
             <a:endParaRPr lang="de-DE"/>
           </a:p>
@@ -3795,7 +3792,7 @@
           <a:p>
             <a:fld id="{39DE121D-6ED8-4B94-81EB-4100FF3C215B}" type="datetime1">
               <a:rPr lang="de-DE" smtClean="0"/>
-              <a:t>14.06.2016</a:t>
+              <a:t>15.06.2016</a:t>
             </a:fld>
             <a:endParaRPr lang="de-DE"/>
           </a:p>
@@ -4138,7 +4135,7 @@
           <a:p>
             <a:fld id="{0A509442-0934-434D-8753-E55E764C75F3}" type="datetime1">
               <a:rPr lang="de-DE" smtClean="0"/>
-              <a:t>14.06.2016</a:t>
+              <a:t>15.06.2016</a:t>
             </a:fld>
             <a:endParaRPr lang="de-DE"/>
           </a:p>
@@ -4413,7 +4410,7 @@
           <a:p>
             <a:fld id="{1C78DEC8-56A5-43F5-8742-9FAB8B197B4A}" type="datetime1">
               <a:rPr lang="de-DE" smtClean="0"/>
-              <a:t>14.06.2016</a:t>
+              <a:t>15.06.2016</a:t>
             </a:fld>
             <a:endParaRPr lang="de-DE"/>
           </a:p>
@@ -4792,7 +4789,7 @@
           <a:p>
             <a:fld id="{FB6FB729-14FF-4DFE-8E5D-F146DFC23072}" type="datetime1">
               <a:rPr lang="de-DE" smtClean="0"/>
-              <a:t>14.06.2016</a:t>
+              <a:t>15.06.2016</a:t>
             </a:fld>
             <a:endParaRPr lang="de-DE"/>
           </a:p>
@@ -4910,7 +4907,7 @@
           <a:p>
             <a:fld id="{A3E14951-8B92-46E0-B36C-BC3C6465B317}" type="datetime1">
               <a:rPr lang="de-DE" smtClean="0"/>
-              <a:t>14.06.2016</a:t>
+              <a:t>15.06.2016</a:t>
             </a:fld>
             <a:endParaRPr lang="de-DE"/>
           </a:p>
@@ -5081,7 +5078,7 @@
           <a:p>
             <a:fld id="{1B97BF04-17EE-4D30-A5DC-657F7DF8B438}" type="datetime1">
               <a:rPr lang="de-DE" smtClean="0"/>
-              <a:t>14.06.2016</a:t>
+              <a:t>15.06.2016</a:t>
             </a:fld>
             <a:endParaRPr lang="de-DE"/>
           </a:p>
@@ -5435,7 +5432,7 @@
           <a:p>
             <a:fld id="{D39FFCB6-E004-4439-ADE7-E2718A613C86}" type="datetime1">
               <a:rPr lang="de-DE" smtClean="0"/>
-              <a:t>14.06.2016</a:t>
+              <a:t>15.06.2016</a:t>
             </a:fld>
             <a:endParaRPr lang="de-DE"/>
           </a:p>
@@ -5817,7 +5814,7 @@
           <a:p>
             <a:fld id="{AAC563FF-7A44-41B8-A110-DC70BD1ED6BE}" type="datetime1">
               <a:rPr lang="de-DE" smtClean="0"/>
-              <a:t>14.06.2016</a:t>
+              <a:t>15.06.2016</a:t>
             </a:fld>
             <a:endParaRPr lang="de-DE"/>
           </a:p>
@@ -6104,7 +6101,7 @@
           <a:p>
             <a:fld id="{8770F427-6CB4-49FD-9158-EBC15CECCBF6}" type="datetime1">
               <a:rPr lang="de-DE" smtClean="0"/>
-              <a:t>14.06.2016</a:t>
+              <a:t>15.06.2016</a:t>
             </a:fld>
             <a:endParaRPr lang="de-DE"/>
           </a:p>
@@ -6875,15 +6872,21 @@
                   </a:schemeClr>
                 </a:solidFill>
               </a:rPr>
-              <a:t>FUNCTION POINTS</a:t>
-            </a:r>
-            <a:endParaRPr lang="de-DE" dirty="0"/>
-          </a:p>
-        </p:txBody>
-      </p:sp>
-      <p:sp>
-        <p:nvSpPr>
-          <p:cNvPr id="4" name="Foliennummernplatzhalter 3"/>
+              <a:t>GANTT-CHART</a:t>
+            </a:r>
+            <a:endParaRPr lang="de-DE" dirty="0">
+              <a:solidFill>
+                <a:schemeClr val="bg1">
+                  <a:lumMod val="50000"/>
+                </a:schemeClr>
+              </a:solidFill>
+            </a:endParaRPr>
+          </a:p>
+        </p:txBody>
+      </p:sp>
+      <p:sp>
+        <p:nvSpPr>
+          <p:cNvPr id="5" name="Foliennummernplatzhalter 4"/>
           <p:cNvSpPr>
             <a:spLocks noGrp="1"/>
           </p:cNvSpPr>
@@ -6899,6 +6902,136 @@
             <a:fld id="{BEA2534F-1EDD-48ED-BC5A-02D188FC5C63}" type="slidenum">
               <a:rPr lang="de-DE" smtClean="0"/>
               <a:t>10</a:t>
+            </a:fld>
+            <a:endParaRPr lang="de-DE" dirty="0"/>
+          </a:p>
+        </p:txBody>
+      </p:sp>
+      <p:pic>
+        <p:nvPicPr>
+          <p:cNvPr id="1026" name="Picture 2" descr="C:\Users\mincekara\Desktop\2015-12-09 12_53_18-Project Professional - SE_GanttChart.mpp.png"/>
+          <p:cNvPicPr>
+            <a:picLocks noChangeAspect="1" noChangeArrowheads="1"/>
+          </p:cNvPicPr>
+          <p:nvPr/>
+        </p:nvPicPr>
+        <p:blipFill>
+          <a:blip r:embed="rId3">
+            <a:extLst>
+              <a:ext uri="{28A0092B-C50C-407E-A947-70E740481C1C}">
+                <a14:useLocalDpi xmlns:a14="http://schemas.microsoft.com/office/drawing/2010/main" val="0"/>
+              </a:ext>
+            </a:extLst>
+          </a:blip>
+          <a:srcRect/>
+          <a:stretch>
+            <a:fillRect/>
+          </a:stretch>
+        </p:blipFill>
+        <p:spPr bwMode="auto">
+          <a:xfrm>
+            <a:off x="2651125" y="1863723"/>
+            <a:ext cx="6808561" cy="4013202"/>
+          </a:xfrm>
+          <a:prstGeom prst="rect">
+            <a:avLst/>
+          </a:prstGeom>
+          <a:noFill/>
+          <a:extLst>
+            <a:ext uri="{909E8E84-426E-40DD-AFC4-6F175D3DCCD1}">
+              <a14:hiddenFill xmlns:a14="http://schemas.microsoft.com/office/drawing/2010/main">
+                <a:solidFill>
+                  <a:srgbClr val="FFFFFF"/>
+                </a:solidFill>
+              </a14:hiddenFill>
+            </a:ext>
+          </a:extLst>
+        </p:spPr>
+      </p:pic>
+    </p:spTree>
+    <p:extLst>
+      <p:ext uri="{BB962C8B-B14F-4D97-AF65-F5344CB8AC3E}">
+        <p14:creationId xmlns:p14="http://schemas.microsoft.com/office/powerpoint/2010/main" val="1201528850"/>
+      </p:ext>
+    </p:extLst>
+  </p:cSld>
+  <p:clrMapOvr>
+    <a:masterClrMapping/>
+  </p:clrMapOvr>
+  <p:timing>
+    <p:tnLst>
+      <p:par>
+        <p:cTn id="1" dur="indefinite" restart="never" nodeType="tmRoot"/>
+      </p:par>
+    </p:tnLst>
+  </p:timing>
+</p:sld>
+</file>
+
+<file path=ppt/slides/slide11.xml><?xml version="1.0" encoding="utf-8"?>
+<p:sld xmlns:a="http://schemas.openxmlformats.org/drawingml/2006/main" xmlns:r="http://schemas.openxmlformats.org/officeDocument/2006/relationships" xmlns:p="http://schemas.openxmlformats.org/presentationml/2006/main">
+  <p:cSld>
+    <p:spTree>
+      <p:nvGrpSpPr>
+        <p:cNvPr id="1" name=""/>
+        <p:cNvGrpSpPr/>
+        <p:nvPr/>
+      </p:nvGrpSpPr>
+      <p:grpSpPr>
+        <a:xfrm>
+          <a:off x="0" y="0"/>
+          <a:ext cx="0" cy="0"/>
+          <a:chOff x="0" y="0"/>
+          <a:chExt cx="0" cy="0"/>
+        </a:xfrm>
+      </p:grpSpPr>
+      <p:sp>
+        <p:nvSpPr>
+          <p:cNvPr id="2" name="Titel 1"/>
+          <p:cNvSpPr>
+            <a:spLocks noGrp="1"/>
+          </p:cNvSpPr>
+          <p:nvPr>
+            <p:ph type="title"/>
+          </p:nvPr>
+        </p:nvSpPr>
+        <p:spPr/>
+        <p:txBody>
+          <a:bodyPr/>
+          <a:lstStyle/>
+          <a:p>
+            <a:r>
+              <a:rPr lang="de-DE" dirty="0" smtClean="0">
+                <a:solidFill>
+                  <a:schemeClr val="bg1">
+                    <a:lumMod val="50000"/>
+                  </a:schemeClr>
+                </a:solidFill>
+              </a:rPr>
+              <a:t>FUNCTION POINTS</a:t>
+            </a:r>
+            <a:endParaRPr lang="de-DE" dirty="0"/>
+          </a:p>
+        </p:txBody>
+      </p:sp>
+      <p:sp>
+        <p:nvSpPr>
+          <p:cNvPr id="4" name="Foliennummernplatzhalter 3"/>
+          <p:cNvSpPr>
+            <a:spLocks noGrp="1"/>
+          </p:cNvSpPr>
+          <p:nvPr>
+            <p:ph type="sldNum" sz="quarter" idx="12"/>
+          </p:nvPr>
+        </p:nvSpPr>
+        <p:spPr/>
+        <p:txBody>
+          <a:bodyPr/>
+          <a:lstStyle/>
+          <a:p>
+            <a:fld id="{BEA2534F-1EDD-48ED-BC5A-02D188FC5C63}" type="slidenum">
+              <a:rPr lang="de-DE" smtClean="0"/>
+              <a:t>11</a:t>
             </a:fld>
             <a:endParaRPr lang="de-DE"/>
           </a:p>
@@ -6954,14 +7087,14 @@
           <p:nvPr>
             <p:extLst>
               <p:ext uri="{D42A27DB-BD31-4B8C-83A1-F6EECF244321}">
-                <p14:modId xmlns:p14="http://schemas.microsoft.com/office/powerpoint/2010/main" val="4186510498"/>
+                <p14:modId xmlns:p14="http://schemas.microsoft.com/office/powerpoint/2010/main" val="2647483064"/>
               </p:ext>
             </p:extLst>
           </p:nvPr>
         </p:nvGraphicFramePr>
         <p:xfrm>
-          <a:off x="6965016" y="1999019"/>
-          <a:ext cx="5226984" cy="3630986"/>
+          <a:off x="7193617" y="2057399"/>
+          <a:ext cx="4911298" cy="3489489"/>
         </p:xfrm>
         <a:graphic>
           <a:graphicData uri="http://schemas.openxmlformats.org/drawingml/2006/chart">
@@ -6978,13 +7111,13 @@
           <p:nvPr>
             <p:extLst>
               <p:ext uri="{D42A27DB-BD31-4B8C-83A1-F6EECF244321}">
-                <p14:modId xmlns:p14="http://schemas.microsoft.com/office/powerpoint/2010/main" val="3181338246"/>
+                <p14:modId xmlns:p14="http://schemas.microsoft.com/office/powerpoint/2010/main" val="2683014679"/>
               </p:ext>
             </p:extLst>
           </p:nvPr>
         </p:nvGraphicFramePr>
         <p:xfrm>
-          <a:off x="6936440" y="1996547"/>
+          <a:off x="7214200" y="2214261"/>
           <a:ext cx="5255560" cy="3192556"/>
         </p:xfrm>
         <a:graphic>
@@ -7124,7 +7257,7 @@
 </p:sld>
 </file>
 
-<file path=ppt/slides/slide11.xml><?xml version="1.0" encoding="utf-8"?>
+<file path=ppt/slides/slide12.xml><?xml version="1.0" encoding="utf-8"?>
 <p:sld xmlns:a="http://schemas.openxmlformats.org/drawingml/2006/main" xmlns:r="http://schemas.openxmlformats.org/officeDocument/2006/relationships" xmlns:p="http://schemas.openxmlformats.org/presentationml/2006/main">
   <p:cSld>
     <p:spTree>
@@ -7164,6 +7297,163 @@
                   </a:schemeClr>
                 </a:solidFill>
               </a:rPr>
+              <a:t>SCRUM</a:t>
+            </a:r>
+            <a:endParaRPr lang="de-DE" dirty="0"/>
+          </a:p>
+        </p:txBody>
+      </p:sp>
+      <p:sp>
+        <p:nvSpPr>
+          <p:cNvPr id="3" name="Inhaltsplatzhalter 2"/>
+          <p:cNvSpPr>
+            <a:spLocks noGrp="1"/>
+          </p:cNvSpPr>
+          <p:nvPr>
+            <p:ph idx="1"/>
+          </p:nvPr>
+        </p:nvSpPr>
+        <p:spPr/>
+        <p:txBody>
+          <a:bodyPr/>
+          <a:lstStyle/>
+          <a:p>
+            <a:pPr>
+              <a:buFont typeface="Courier New" panose="02070309020205020404" pitchFamily="49" charset="0"/>
+              <a:buChar char="o"/>
+            </a:pPr>
+            <a:r>
+              <a:rPr lang="de-DE" dirty="0" smtClean="0"/>
+              <a:t> Vorgehensmodell in der agilen Softwareentwicklung</a:t>
+            </a:r>
+            <a:endParaRPr lang="de-DE" dirty="0"/>
+          </a:p>
+        </p:txBody>
+      </p:sp>
+      <p:sp>
+        <p:nvSpPr>
+          <p:cNvPr id="4" name="Foliennummernplatzhalter 3"/>
+          <p:cNvSpPr>
+            <a:spLocks noGrp="1"/>
+          </p:cNvSpPr>
+          <p:nvPr>
+            <p:ph type="sldNum" sz="quarter" idx="12"/>
+          </p:nvPr>
+        </p:nvSpPr>
+        <p:spPr/>
+        <p:txBody>
+          <a:bodyPr/>
+          <a:lstStyle/>
+          <a:p>
+            <a:fld id="{BEA2534F-1EDD-48ED-BC5A-02D188FC5C63}" type="slidenum">
+              <a:rPr lang="de-DE" smtClean="0"/>
+              <a:t>12</a:t>
+            </a:fld>
+            <a:endParaRPr lang="de-DE"/>
+          </a:p>
+        </p:txBody>
+      </p:sp>
+      <p:pic>
+        <p:nvPicPr>
+          <p:cNvPr id="2050" name="Picture 2" descr="https://lh4.googleusercontent.com/wmEXKUVz9kCDW0ODyJCq0R2QxrH67PMYvQJcvADc-8VN8ScyQNIuydni4sBHlIxDgj1k3P9kFCdg3hVSG-ahsjkfUleKdWR4YYVeWl99c79eg99W6m0yuBqX_POhRFTG65GQlfjFp7w"/>
+          <p:cNvPicPr>
+            <a:picLocks noChangeAspect="1" noChangeArrowheads="1"/>
+          </p:cNvPicPr>
+          <p:nvPr/>
+        </p:nvPicPr>
+        <p:blipFill>
+          <a:blip r:embed="rId2">
+            <a:extLst>
+              <a:ext uri="{28A0092B-C50C-407E-A947-70E740481C1C}">
+                <a14:useLocalDpi xmlns:a14="http://schemas.microsoft.com/office/drawing/2010/main" val="0"/>
+              </a:ext>
+            </a:extLst>
+          </a:blip>
+          <a:srcRect/>
+          <a:stretch>
+            <a:fillRect/>
+          </a:stretch>
+        </p:blipFill>
+        <p:spPr bwMode="auto">
+          <a:xfrm>
+            <a:off x="3324651" y="2816340"/>
+            <a:ext cx="5542698" cy="2771349"/>
+          </a:xfrm>
+          <a:prstGeom prst="rect">
+            <a:avLst/>
+          </a:prstGeom>
+          <a:noFill/>
+          <a:extLst>
+            <a:ext uri="{909E8E84-426E-40DD-AFC4-6F175D3DCCD1}">
+              <a14:hiddenFill xmlns:a14="http://schemas.microsoft.com/office/drawing/2010/main">
+                <a:solidFill>
+                  <a:srgbClr val="FFFFFF"/>
+                </a:solidFill>
+              </a14:hiddenFill>
+            </a:ext>
+          </a:extLst>
+        </p:spPr>
+      </p:pic>
+    </p:spTree>
+    <p:extLst>
+      <p:ext uri="{BB962C8B-B14F-4D97-AF65-F5344CB8AC3E}">
+        <p14:creationId xmlns:p14="http://schemas.microsoft.com/office/powerpoint/2010/main" val="700669743"/>
+      </p:ext>
+    </p:extLst>
+  </p:cSld>
+  <p:clrMapOvr>
+    <a:masterClrMapping/>
+  </p:clrMapOvr>
+  <p:timing>
+    <p:tnLst>
+      <p:par>
+        <p:cTn id="1" dur="indefinite" restart="never" nodeType="tmRoot"/>
+      </p:par>
+    </p:tnLst>
+  </p:timing>
+</p:sld>
+</file>
+
+<file path=ppt/slides/slide13.xml><?xml version="1.0" encoding="utf-8"?>
+<p:sld xmlns:a="http://schemas.openxmlformats.org/drawingml/2006/main" xmlns:r="http://schemas.openxmlformats.org/officeDocument/2006/relationships" xmlns:p="http://schemas.openxmlformats.org/presentationml/2006/main">
+  <p:cSld>
+    <p:spTree>
+      <p:nvGrpSpPr>
+        <p:cNvPr id="1" name=""/>
+        <p:cNvGrpSpPr/>
+        <p:nvPr/>
+      </p:nvGrpSpPr>
+      <p:grpSpPr>
+        <a:xfrm>
+          <a:off x="0" y="0"/>
+          <a:ext cx="0" cy="0"/>
+          <a:chOff x="0" y="0"/>
+          <a:chExt cx="0" cy="0"/>
+        </a:xfrm>
+      </p:grpSpPr>
+      <p:sp>
+        <p:nvSpPr>
+          <p:cNvPr id="2" name="Titel 1"/>
+          <p:cNvSpPr>
+            <a:spLocks noGrp="1"/>
+          </p:cNvSpPr>
+          <p:nvPr>
+            <p:ph type="title"/>
+          </p:nvPr>
+        </p:nvSpPr>
+        <p:spPr/>
+        <p:txBody>
+          <a:bodyPr/>
+          <a:lstStyle/>
+          <a:p>
+            <a:r>
+              <a:rPr lang="de-DE" dirty="0" smtClean="0">
+                <a:solidFill>
+                  <a:schemeClr val="bg1">
+                    <a:lumMod val="50000"/>
+                  </a:schemeClr>
+                </a:solidFill>
+              </a:rPr>
               <a:t>JIRA</a:t>
             </a:r>
             <a:endParaRPr lang="de-DE" dirty="0">
@@ -7278,7 +7568,7 @@
           <a:p>
             <a:fld id="{BEA2534F-1EDD-48ED-BC5A-02D188FC5C63}" type="slidenum">
               <a:rPr lang="de-DE" smtClean="0"/>
-              <a:t>11</a:t>
+              <a:t>13</a:t>
             </a:fld>
             <a:endParaRPr lang="de-DE" dirty="0"/>
           </a:p>
@@ -7386,7 +7676,7 @@
 </p:sld>
 </file>
 
-<file path=ppt/slides/slide12.xml><?xml version="1.0" encoding="utf-8"?>
+<file path=ppt/slides/slide14.xml><?xml version="1.0" encoding="utf-8"?>
 <p:sld xmlns:a="http://schemas.openxmlformats.org/drawingml/2006/main" xmlns:r="http://schemas.openxmlformats.org/officeDocument/2006/relationships" xmlns:p="http://schemas.openxmlformats.org/presentationml/2006/main">
   <p:cSld>
     <p:spTree>
@@ -7460,7 +7750,7 @@
           <a:p>
             <a:fld id="{BEA2534F-1EDD-48ED-BC5A-02D188FC5C63}" type="slidenum">
               <a:rPr lang="de-DE" smtClean="0"/>
-              <a:t>12</a:t>
+              <a:t>14</a:t>
             </a:fld>
             <a:endParaRPr lang="de-DE" dirty="0"/>
           </a:p>
@@ -7808,7 +8098,7 @@
 </p:sld>
 </file>
 
-<file path=ppt/slides/slide13.xml><?xml version="1.0" encoding="utf-8"?>
+<file path=ppt/slides/slide15.xml><?xml version="1.0" encoding="utf-8"?>
 <p:sld xmlns:a="http://schemas.openxmlformats.org/drawingml/2006/main" xmlns:r="http://schemas.openxmlformats.org/officeDocument/2006/relationships" xmlns:p="http://schemas.openxmlformats.org/presentationml/2006/main">
   <p:cSld>
     <p:spTree>
@@ -7827,6 +8117,252 @@
       </p:grpSpPr>
       <p:sp>
         <p:nvSpPr>
+          <p:cNvPr id="5" name="Titel 4"/>
+          <p:cNvSpPr>
+            <a:spLocks noGrp="1"/>
+          </p:cNvSpPr>
+          <p:nvPr>
+            <p:ph type="ctrTitle"/>
+          </p:nvPr>
+        </p:nvSpPr>
+        <p:spPr/>
+        <p:txBody>
+          <a:bodyPr>
+            <a:normAutofit/>
+          </a:bodyPr>
+          <a:lstStyle/>
+          <a:p>
+            <a:r>
+              <a:rPr lang="de-DE" sz="4800" dirty="0" smtClean="0">
+                <a:solidFill>
+                  <a:schemeClr val="bg1">
+                    <a:lumMod val="50000"/>
+                  </a:schemeClr>
+                </a:solidFill>
+              </a:rPr>
+              <a:t>QUALTIY ASSURANCE</a:t>
+            </a:r>
+            <a:endParaRPr lang="de-DE" sz="4800" dirty="0"/>
+          </a:p>
+        </p:txBody>
+      </p:sp>
+      <p:sp>
+        <p:nvSpPr>
+          <p:cNvPr id="6" name="Untertitel 5"/>
+          <p:cNvSpPr>
+            <a:spLocks noGrp="1"/>
+          </p:cNvSpPr>
+          <p:nvPr>
+            <p:ph type="subTitle" idx="1"/>
+          </p:nvPr>
+        </p:nvSpPr>
+        <p:spPr/>
+        <p:txBody>
+          <a:bodyPr/>
+          <a:lstStyle/>
+          <a:p>
+            <a:endParaRPr lang="de-DE"/>
+          </a:p>
+        </p:txBody>
+      </p:sp>
+      <p:sp>
+        <p:nvSpPr>
+          <p:cNvPr id="4" name="Foliennummernplatzhalter 3"/>
+          <p:cNvSpPr>
+            <a:spLocks noGrp="1"/>
+          </p:cNvSpPr>
+          <p:nvPr>
+            <p:ph type="sldNum" sz="quarter" idx="12"/>
+          </p:nvPr>
+        </p:nvSpPr>
+        <p:spPr/>
+        <p:txBody>
+          <a:bodyPr/>
+          <a:lstStyle/>
+          <a:p>
+            <a:fld id="{BEA2534F-1EDD-48ED-BC5A-02D188FC5C63}" type="slidenum">
+              <a:rPr lang="de-DE" smtClean="0"/>
+              <a:t>15</a:t>
+            </a:fld>
+            <a:endParaRPr lang="de-DE"/>
+          </a:p>
+        </p:txBody>
+      </p:sp>
+    </p:spTree>
+    <p:extLst>
+      <p:ext uri="{BB962C8B-B14F-4D97-AF65-F5344CB8AC3E}">
+        <p14:creationId xmlns:p14="http://schemas.microsoft.com/office/powerpoint/2010/main" val="747128951"/>
+      </p:ext>
+    </p:extLst>
+  </p:cSld>
+  <p:clrMapOvr>
+    <a:masterClrMapping/>
+  </p:clrMapOvr>
+  <p:timing>
+    <p:tnLst>
+      <p:par>
+        <p:cTn id="1" dur="indefinite" restart="never" nodeType="tmRoot"/>
+      </p:par>
+    </p:tnLst>
+  </p:timing>
+</p:sld>
+</file>
+
+<file path=ppt/slides/slide16.xml><?xml version="1.0" encoding="utf-8"?>
+<p:sld xmlns:a="http://schemas.openxmlformats.org/drawingml/2006/main" xmlns:r="http://schemas.openxmlformats.org/officeDocument/2006/relationships" xmlns:p="http://schemas.openxmlformats.org/presentationml/2006/main">
+  <p:cSld>
+    <p:spTree>
+      <p:nvGrpSpPr>
+        <p:cNvPr id="1" name=""/>
+        <p:cNvGrpSpPr/>
+        <p:nvPr/>
+      </p:nvGrpSpPr>
+      <p:grpSpPr>
+        <a:xfrm>
+          <a:off x="0" y="0"/>
+          <a:ext cx="0" cy="0"/>
+          <a:chOff x="0" y="0"/>
+          <a:chExt cx="0" cy="0"/>
+        </a:xfrm>
+      </p:grpSpPr>
+      <p:sp>
+        <p:nvSpPr>
+          <p:cNvPr id="2" name="Titel 1"/>
+          <p:cNvSpPr>
+            <a:spLocks noGrp="1"/>
+          </p:cNvSpPr>
+          <p:nvPr>
+            <p:ph type="title"/>
+          </p:nvPr>
+        </p:nvSpPr>
+        <p:spPr/>
+        <p:txBody>
+          <a:bodyPr/>
+          <a:lstStyle/>
+          <a:p>
+            <a:r>
+              <a:rPr lang="de-DE" dirty="0" smtClean="0">
+                <a:solidFill>
+                  <a:schemeClr val="bg1">
+                    <a:lumMod val="50000"/>
+                  </a:schemeClr>
+                </a:solidFill>
+              </a:rPr>
+              <a:t>DEPLOYMENT</a:t>
+            </a:r>
+            <a:endParaRPr lang="de-DE" dirty="0">
+              <a:solidFill>
+                <a:schemeClr val="bg1">
+                  <a:lumMod val="50000"/>
+                </a:schemeClr>
+              </a:solidFill>
+            </a:endParaRPr>
+          </a:p>
+        </p:txBody>
+      </p:sp>
+      <p:sp>
+        <p:nvSpPr>
+          <p:cNvPr id="5" name="Foliennummernplatzhalter 4"/>
+          <p:cNvSpPr>
+            <a:spLocks noGrp="1"/>
+          </p:cNvSpPr>
+          <p:nvPr>
+            <p:ph type="sldNum" sz="quarter" idx="12"/>
+          </p:nvPr>
+        </p:nvSpPr>
+        <p:spPr/>
+        <p:txBody>
+          <a:bodyPr/>
+          <a:lstStyle/>
+          <a:p>
+            <a:fld id="{BEA2534F-1EDD-48ED-BC5A-02D188FC5C63}" type="slidenum">
+              <a:rPr lang="de-DE" smtClean="0"/>
+              <a:t>16</a:t>
+            </a:fld>
+            <a:endParaRPr lang="de-DE" dirty="0"/>
+          </a:p>
+        </p:txBody>
+      </p:sp>
+      <p:pic>
+        <p:nvPicPr>
+          <p:cNvPr id="8" name="Picture 3" descr="C:\Duales Studium\01 Theorie\4. Semester\03 Software Engineering\docs\class diagram\deployment view.png"/>
+          <p:cNvPicPr>
+            <a:picLocks noChangeAspect="1" noChangeArrowheads="1"/>
+          </p:cNvPicPr>
+          <p:nvPr/>
+        </p:nvPicPr>
+        <p:blipFill>
+          <a:blip r:embed="rId3">
+            <a:extLst>
+              <a:ext uri="{28A0092B-C50C-407E-A947-70E740481C1C}">
+                <a14:useLocalDpi xmlns:a14="http://schemas.microsoft.com/office/drawing/2010/main" val="0"/>
+              </a:ext>
+            </a:extLst>
+          </a:blip>
+          <a:srcRect/>
+          <a:stretch>
+            <a:fillRect/>
+          </a:stretch>
+        </p:blipFill>
+        <p:spPr bwMode="auto">
+          <a:xfrm>
+            <a:off x="3048815" y="1929426"/>
+            <a:ext cx="5660286" cy="4044603"/>
+          </a:xfrm>
+          <a:prstGeom prst="rect">
+            <a:avLst/>
+          </a:prstGeom>
+          <a:noFill/>
+          <a:extLst>
+            <a:ext uri="{909E8E84-426E-40DD-AFC4-6F175D3DCCD1}">
+              <a14:hiddenFill xmlns:a14="http://schemas.microsoft.com/office/drawing/2010/main">
+                <a:solidFill>
+                  <a:srgbClr val="FFFFFF"/>
+                </a:solidFill>
+              </a14:hiddenFill>
+            </a:ext>
+          </a:extLst>
+        </p:spPr>
+      </p:pic>
+    </p:spTree>
+    <p:extLst>
+      <p:ext uri="{BB962C8B-B14F-4D97-AF65-F5344CB8AC3E}">
+        <p14:creationId xmlns:p14="http://schemas.microsoft.com/office/powerpoint/2010/main" val="4126628090"/>
+      </p:ext>
+    </p:extLst>
+  </p:cSld>
+  <p:clrMapOvr>
+    <a:masterClrMapping/>
+  </p:clrMapOvr>
+  <p:timing>
+    <p:tnLst>
+      <p:par>
+        <p:cTn id="1" dur="indefinite" restart="never" nodeType="tmRoot"/>
+      </p:par>
+    </p:tnLst>
+  </p:timing>
+</p:sld>
+</file>
+
+<file path=ppt/slides/slide17.xml><?xml version="1.0" encoding="utf-8"?>
+<p:sld xmlns:a="http://schemas.openxmlformats.org/drawingml/2006/main" xmlns:r="http://schemas.openxmlformats.org/officeDocument/2006/relationships" xmlns:p="http://schemas.openxmlformats.org/presentationml/2006/main">
+  <p:cSld>
+    <p:spTree>
+      <p:nvGrpSpPr>
+        <p:cNvPr id="1" name=""/>
+        <p:cNvGrpSpPr/>
+        <p:nvPr/>
+      </p:nvGrpSpPr>
+      <p:grpSpPr>
+        <a:xfrm>
+          <a:off x="0" y="0"/>
+          <a:ext cx="0" cy="0"/>
+          <a:chOff x="0" y="0"/>
+          <a:chExt cx="0" cy="0"/>
+        </a:xfrm>
+      </p:grpSpPr>
+      <p:sp>
+        <p:nvSpPr>
           <p:cNvPr id="2" name="Titel 1"/>
           <p:cNvSpPr>
             <a:spLocks noGrp="1"/>
@@ -7871,7 +8407,7 @@
           <a:p>
             <a:fld id="{BEA2534F-1EDD-48ED-BC5A-02D188FC5C63}" type="slidenum">
               <a:rPr lang="de-DE" smtClean="0"/>
-              <a:t>13</a:t>
+              <a:t>17</a:t>
             </a:fld>
             <a:endParaRPr lang="de-DE"/>
           </a:p>
@@ -7938,7 +8474,7 @@
 </p:sld>
 </file>
 
-<file path=ppt/slides/slide14.xml><?xml version="1.0" encoding="utf-8"?>
+<file path=ppt/slides/slide18.xml><?xml version="1.0" encoding="utf-8"?>
 <p:sld xmlns:a="http://schemas.openxmlformats.org/drawingml/2006/main" xmlns:r="http://schemas.openxmlformats.org/officeDocument/2006/relationships" xmlns:p="http://schemas.openxmlformats.org/presentationml/2006/main">
   <p:cSld>
     <p:spTree>
@@ -7978,7 +8514,7 @@
                   </a:schemeClr>
                 </a:solidFill>
               </a:rPr>
-              <a:t>CLASS DIAGRAM &amp; ARCHITEKTUR</a:t>
+              <a:t>TESTING</a:t>
             </a:r>
             <a:endParaRPr lang="de-DE" dirty="0">
               <a:solidFill>
@@ -7992,6 +8528,78 @@
       </p:sp>
       <p:sp>
         <p:nvSpPr>
+          <p:cNvPr id="3" name="Inhaltsplatzhalter 2"/>
+          <p:cNvSpPr>
+            <a:spLocks noGrp="1"/>
+          </p:cNvSpPr>
+          <p:nvPr>
+            <p:ph idx="1"/>
+          </p:nvPr>
+        </p:nvSpPr>
+        <p:spPr/>
+        <p:txBody>
+          <a:bodyPr/>
+          <a:lstStyle/>
+          <a:p>
+            <a:pPr>
+              <a:buFont typeface="Courier New" panose="02070309020205020404" pitchFamily="49" charset="0"/>
+              <a:buChar char="o"/>
+            </a:pPr>
+            <a:r>
+              <a:rPr lang="de-DE" dirty="0" smtClean="0"/>
+              <a:t> </a:t>
+            </a:r>
+            <a:r>
+              <a:rPr lang="de-DE" dirty="0" err="1" smtClean="0"/>
+              <a:t>SikuliX</a:t>
+            </a:r>
+            <a:r>
+              <a:rPr lang="de-DE" dirty="0" smtClean="0"/>
+              <a:t> </a:t>
+            </a:r>
+          </a:p>
+          <a:p>
+            <a:pPr>
+              <a:buFont typeface="Courier New" panose="02070309020205020404" pitchFamily="49" charset="0"/>
+              <a:buChar char="o"/>
+            </a:pPr>
+            <a:r>
+              <a:rPr lang="de-DE" dirty="0" smtClean="0"/>
+              <a:t> </a:t>
+            </a:r>
+            <a:r>
+              <a:rPr lang="de-DE" dirty="0" err="1" smtClean="0"/>
+              <a:t>JUnit</a:t>
+            </a:r>
+            <a:r>
+              <a:rPr lang="de-DE" dirty="0" smtClean="0"/>
+              <a:t> + </a:t>
+            </a:r>
+            <a:r>
+              <a:rPr lang="de-DE" dirty="0" err="1" smtClean="0"/>
+              <a:t>TestFX</a:t>
+            </a:r>
+            <a:endParaRPr lang="de-DE" dirty="0" smtClean="0"/>
+          </a:p>
+          <a:p>
+            <a:pPr>
+              <a:buFont typeface="Courier New" panose="02070309020205020404" pitchFamily="49" charset="0"/>
+              <a:buChar char="o"/>
+            </a:pPr>
+            <a:r>
+              <a:rPr lang="de-DE" dirty="0" smtClean="0"/>
+              <a:t> Installation </a:t>
+            </a:r>
+            <a:r>
+              <a:rPr lang="de-DE" dirty="0" smtClean="0"/>
+              <a:t>Tests</a:t>
+            </a:r>
+            <a:endParaRPr lang="de-DE" dirty="0"/>
+          </a:p>
+        </p:txBody>
+      </p:sp>
+      <p:sp>
+        <p:nvSpPr>
           <p:cNvPr id="5" name="Foliennummernplatzhalter 4"/>
           <p:cNvSpPr>
             <a:spLocks noGrp="1"/>
@@ -8007,7 +8615,1714 @@
           <a:p>
             <a:fld id="{BEA2534F-1EDD-48ED-BC5A-02D188FC5C63}" type="slidenum">
               <a:rPr lang="de-DE" smtClean="0"/>
-              <a:t>14</a:t>
+              <a:t>18</a:t>
+            </a:fld>
+            <a:endParaRPr lang="de-DE" dirty="0"/>
+          </a:p>
+        </p:txBody>
+      </p:sp>
+      <p:pic>
+        <p:nvPicPr>
+          <p:cNvPr id="7" name="Picture 2" descr="C:\Users\mincekara\Desktop\2015-12-08 15_13_03-1 UseCase_Gamemode 1.docx - Microsoft Word.png"/>
+          <p:cNvPicPr>
+            <a:picLocks noChangeAspect="1" noChangeArrowheads="1"/>
+          </p:cNvPicPr>
+          <p:nvPr/>
+        </p:nvPicPr>
+        <p:blipFill>
+          <a:blip r:embed="rId3">
+            <a:extLst>
+              <a:ext uri="{28A0092B-C50C-407E-A947-70E740481C1C}">
+                <a14:useLocalDpi xmlns:a14="http://schemas.microsoft.com/office/drawing/2010/main" val="0"/>
+              </a:ext>
+            </a:extLst>
+          </a:blip>
+          <a:srcRect/>
+          <a:stretch>
+            <a:fillRect/>
+          </a:stretch>
+        </p:blipFill>
+        <p:spPr bwMode="auto">
+          <a:xfrm>
+            <a:off x="6335648" y="239487"/>
+            <a:ext cx="5011216" cy="4600140"/>
+          </a:xfrm>
+          <a:prstGeom prst="rect">
+            <a:avLst/>
+          </a:prstGeom>
+          <a:noFill/>
+          <a:extLst>
+            <a:ext uri="{909E8E84-426E-40DD-AFC4-6F175D3DCCD1}">
+              <a14:hiddenFill xmlns:a14="http://schemas.microsoft.com/office/drawing/2010/main">
+                <a:solidFill>
+                  <a:srgbClr val="FFFFFF"/>
+                </a:solidFill>
+              </a14:hiddenFill>
+            </a:ext>
+          </a:extLst>
+        </p:spPr>
+      </p:pic>
+      <p:pic>
+        <p:nvPicPr>
+          <p:cNvPr id="7170" name="Picture 2" descr="C:\Duales Studium\01 Theorie\4. Semester\03 Software Engineering\docs\presentation\Final\2016-06-14 13_38_18-nappydevelopment_Nappy-the-ingenious_ This is our project for softwareengineerin.png"/>
+          <p:cNvPicPr>
+            <a:picLocks noChangeAspect="1" noChangeArrowheads="1"/>
+          </p:cNvPicPr>
+          <p:nvPr/>
+        </p:nvPicPr>
+        <p:blipFill>
+          <a:blip r:embed="rId4">
+            <a:extLst>
+              <a:ext uri="{28A0092B-C50C-407E-A947-70E740481C1C}">
+                <a14:useLocalDpi xmlns:a14="http://schemas.microsoft.com/office/drawing/2010/main" val="0"/>
+              </a:ext>
+            </a:extLst>
+          </a:blip>
+          <a:srcRect/>
+          <a:stretch>
+            <a:fillRect/>
+          </a:stretch>
+        </p:blipFill>
+        <p:spPr bwMode="auto">
+          <a:xfrm>
+            <a:off x="1209444" y="5131853"/>
+            <a:ext cx="5067300" cy="971550"/>
+          </a:xfrm>
+          <a:prstGeom prst="rect">
+            <a:avLst/>
+          </a:prstGeom>
+          <a:noFill/>
+          <a:extLst>
+            <a:ext uri="{909E8E84-426E-40DD-AFC4-6F175D3DCCD1}">
+              <a14:hiddenFill xmlns:a14="http://schemas.microsoft.com/office/drawing/2010/main">
+                <a:solidFill>
+                  <a:srgbClr val="FFFFFF"/>
+                </a:solidFill>
+              </a14:hiddenFill>
+            </a:ext>
+          </a:extLst>
+        </p:spPr>
+      </p:pic>
+      <p:pic>
+        <p:nvPicPr>
+          <p:cNvPr id="1026" name="Picture 2" descr="C:\Users\mincekara\Desktop\2016-06-15 11_11_09-Nappy-the-ingenious - [C__Duales Studium_01 Theorie_IntelliJ_nappydev_Nappy-the-.png"/>
+          <p:cNvPicPr>
+            <a:picLocks noChangeAspect="1" noChangeArrowheads="1"/>
+          </p:cNvPicPr>
+          <p:nvPr/>
+        </p:nvPicPr>
+        <p:blipFill>
+          <a:blip r:embed="rId5">
+            <a:extLst>
+              <a:ext uri="{28A0092B-C50C-407E-A947-70E740481C1C}">
+                <a14:useLocalDpi xmlns:a14="http://schemas.microsoft.com/office/drawing/2010/main" val="0"/>
+              </a:ext>
+            </a:extLst>
+          </a:blip>
+          <a:srcRect/>
+          <a:stretch>
+            <a:fillRect/>
+          </a:stretch>
+        </p:blipFill>
+        <p:spPr bwMode="auto">
+          <a:xfrm>
+            <a:off x="6276744" y="239487"/>
+            <a:ext cx="5019675" cy="4981575"/>
+          </a:xfrm>
+          <a:prstGeom prst="rect">
+            <a:avLst/>
+          </a:prstGeom>
+          <a:noFill/>
+          <a:extLst>
+            <a:ext uri="{909E8E84-426E-40DD-AFC4-6F175D3DCCD1}">
+              <a14:hiddenFill xmlns:a14="http://schemas.microsoft.com/office/drawing/2010/main">
+                <a:solidFill>
+                  <a:srgbClr val="FFFFFF"/>
+                </a:solidFill>
+              </a14:hiddenFill>
+            </a:ext>
+          </a:extLst>
+        </p:spPr>
+      </p:pic>
+      <p:pic>
+        <p:nvPicPr>
+          <p:cNvPr id="1027" name="Picture 3" descr="C:\Users\mincekara\Desktop\2016-06-15 11_12_53-Installation Testing Document_Samuel.docx - Microsoft Word.png"/>
+          <p:cNvPicPr>
+            <a:picLocks noChangeAspect="1" noChangeArrowheads="1"/>
+          </p:cNvPicPr>
+          <p:nvPr/>
+        </p:nvPicPr>
+        <p:blipFill>
+          <a:blip r:embed="rId6">
+            <a:extLst>
+              <a:ext uri="{28A0092B-C50C-407E-A947-70E740481C1C}">
+                <a14:useLocalDpi xmlns:a14="http://schemas.microsoft.com/office/drawing/2010/main" val="0"/>
+              </a:ext>
+            </a:extLst>
+          </a:blip>
+          <a:srcRect/>
+          <a:stretch>
+            <a:fillRect/>
+          </a:stretch>
+        </p:blipFill>
+        <p:spPr bwMode="auto">
+          <a:xfrm>
+            <a:off x="5631985" y="846564"/>
+            <a:ext cx="6145213" cy="3581400"/>
+          </a:xfrm>
+          <a:prstGeom prst="rect">
+            <a:avLst/>
+          </a:prstGeom>
+          <a:noFill/>
+          <a:extLst>
+            <a:ext uri="{909E8E84-426E-40DD-AFC4-6F175D3DCCD1}">
+              <a14:hiddenFill xmlns:a14="http://schemas.microsoft.com/office/drawing/2010/main">
+                <a:solidFill>
+                  <a:srgbClr val="FFFFFF"/>
+                </a:solidFill>
+              </a14:hiddenFill>
+            </a:ext>
+          </a:extLst>
+        </p:spPr>
+      </p:pic>
+    </p:spTree>
+    <p:extLst>
+      <p:ext uri="{BB962C8B-B14F-4D97-AF65-F5344CB8AC3E}">
+        <p14:creationId xmlns:p14="http://schemas.microsoft.com/office/powerpoint/2010/main" val="2319225731"/>
+      </p:ext>
+    </p:extLst>
+  </p:cSld>
+  <p:clrMapOvr>
+    <a:masterClrMapping/>
+  </p:clrMapOvr>
+  <p:timing>
+    <p:tnLst>
+      <p:par>
+        <p:cTn id="1" dur="indefinite" restart="never" nodeType="tmRoot">
+          <p:childTnLst>
+            <p:seq concurrent="1" nextAc="seek">
+              <p:cTn id="2" dur="indefinite" nodeType="mainSeq">
+                <p:childTnLst>
+                  <p:par>
+                    <p:cTn id="3" fill="hold">
+                      <p:stCondLst>
+                        <p:cond delay="indefinite"/>
+                      </p:stCondLst>
+                      <p:childTnLst>
+                        <p:par>
+                          <p:cTn id="4" fill="hold">
+                            <p:stCondLst>
+                              <p:cond delay="0"/>
+                            </p:stCondLst>
+                            <p:childTnLst>
+                              <p:par>
+                                <p:cTn id="5" presetID="10" presetClass="exit" presetSubtype="0" fill="hold" nodeType="clickEffect">
+                                  <p:stCondLst>
+                                    <p:cond delay="0"/>
+                                  </p:stCondLst>
+                                  <p:childTnLst>
+                                    <p:animEffect transition="out" filter="fade">
+                                      <p:cBhvr>
+                                        <p:cTn id="6" dur="500"/>
+                                        <p:tgtEl>
+                                          <p:spTgt spid="7"/>
+                                        </p:tgtEl>
+                                      </p:cBhvr>
+                                    </p:animEffect>
+                                    <p:set>
+                                      <p:cBhvr>
+                                        <p:cTn id="7" dur="1" fill="hold">
+                                          <p:stCondLst>
+                                            <p:cond delay="499"/>
+                                          </p:stCondLst>
+                                        </p:cTn>
+                                        <p:tgtEl>
+                                          <p:spTgt spid="7"/>
+                                        </p:tgtEl>
+                                        <p:attrNameLst>
+                                          <p:attrName>style.visibility</p:attrName>
+                                        </p:attrNameLst>
+                                      </p:cBhvr>
+                                      <p:to>
+                                        <p:strVal val="hidden"/>
+                                      </p:to>
+                                    </p:set>
+                                  </p:childTnLst>
+                                </p:cTn>
+                              </p:par>
+                              <p:par>
+                                <p:cTn id="8" presetID="1" presetClass="entr" presetSubtype="0" fill="hold" nodeType="withEffect">
+                                  <p:stCondLst>
+                                    <p:cond delay="0"/>
+                                  </p:stCondLst>
+                                  <p:childTnLst>
+                                    <p:set>
+                                      <p:cBhvr>
+                                        <p:cTn id="9" dur="1" fill="hold">
+                                          <p:stCondLst>
+                                            <p:cond delay="0"/>
+                                          </p:stCondLst>
+                                        </p:cTn>
+                                        <p:tgtEl>
+                                          <p:spTgt spid="3">
+                                            <p:txEl>
+                                              <p:pRg st="1" end="1"/>
+                                            </p:txEl>
+                                          </p:spTgt>
+                                        </p:tgtEl>
+                                        <p:attrNameLst>
+                                          <p:attrName>style.visibility</p:attrName>
+                                        </p:attrNameLst>
+                                      </p:cBhvr>
+                                      <p:to>
+                                        <p:strVal val="visible"/>
+                                      </p:to>
+                                    </p:set>
+                                  </p:childTnLst>
+                                </p:cTn>
+                              </p:par>
+                              <p:par>
+                                <p:cTn id="10" presetID="10" presetClass="entr" presetSubtype="0" fill="hold" nodeType="withEffect">
+                                  <p:stCondLst>
+                                    <p:cond delay="0"/>
+                                  </p:stCondLst>
+                                  <p:childTnLst>
+                                    <p:set>
+                                      <p:cBhvr>
+                                        <p:cTn id="11" dur="1" fill="hold">
+                                          <p:stCondLst>
+                                            <p:cond delay="0"/>
+                                          </p:stCondLst>
+                                        </p:cTn>
+                                        <p:tgtEl>
+                                          <p:spTgt spid="1026"/>
+                                        </p:tgtEl>
+                                        <p:attrNameLst>
+                                          <p:attrName>style.visibility</p:attrName>
+                                        </p:attrNameLst>
+                                      </p:cBhvr>
+                                      <p:to>
+                                        <p:strVal val="visible"/>
+                                      </p:to>
+                                    </p:set>
+                                    <p:animEffect transition="in" filter="fade">
+                                      <p:cBhvr>
+                                        <p:cTn id="12" dur="500"/>
+                                        <p:tgtEl>
+                                          <p:spTgt spid="1026"/>
+                                        </p:tgtEl>
+                                      </p:cBhvr>
+                                    </p:animEffect>
+                                  </p:childTnLst>
+                                </p:cTn>
+                              </p:par>
+                            </p:childTnLst>
+                          </p:cTn>
+                        </p:par>
+                      </p:childTnLst>
+                    </p:cTn>
+                  </p:par>
+                  <p:par>
+                    <p:cTn id="13" fill="hold">
+                      <p:stCondLst>
+                        <p:cond delay="indefinite"/>
+                      </p:stCondLst>
+                      <p:childTnLst>
+                        <p:par>
+                          <p:cTn id="14" fill="hold">
+                            <p:stCondLst>
+                              <p:cond delay="0"/>
+                            </p:stCondLst>
+                            <p:childTnLst>
+                              <p:par>
+                                <p:cTn id="15" presetID="10" presetClass="exit" presetSubtype="0" fill="hold" nodeType="clickEffect">
+                                  <p:stCondLst>
+                                    <p:cond delay="0"/>
+                                  </p:stCondLst>
+                                  <p:childTnLst>
+                                    <p:animEffect transition="out" filter="fade">
+                                      <p:cBhvr>
+                                        <p:cTn id="16" dur="500"/>
+                                        <p:tgtEl>
+                                          <p:spTgt spid="1026"/>
+                                        </p:tgtEl>
+                                      </p:cBhvr>
+                                    </p:animEffect>
+                                    <p:set>
+                                      <p:cBhvr>
+                                        <p:cTn id="17" dur="1" fill="hold">
+                                          <p:stCondLst>
+                                            <p:cond delay="499"/>
+                                          </p:stCondLst>
+                                        </p:cTn>
+                                        <p:tgtEl>
+                                          <p:spTgt spid="1026"/>
+                                        </p:tgtEl>
+                                        <p:attrNameLst>
+                                          <p:attrName>style.visibility</p:attrName>
+                                        </p:attrNameLst>
+                                      </p:cBhvr>
+                                      <p:to>
+                                        <p:strVal val="hidden"/>
+                                      </p:to>
+                                    </p:set>
+                                  </p:childTnLst>
+                                </p:cTn>
+                              </p:par>
+                              <p:par>
+                                <p:cTn id="18" presetID="10" presetClass="entr" presetSubtype="0" fill="hold" nodeType="withEffect">
+                                  <p:stCondLst>
+                                    <p:cond delay="0"/>
+                                  </p:stCondLst>
+                                  <p:childTnLst>
+                                    <p:set>
+                                      <p:cBhvr>
+                                        <p:cTn id="19" dur="1" fill="hold">
+                                          <p:stCondLst>
+                                            <p:cond delay="0"/>
+                                          </p:stCondLst>
+                                        </p:cTn>
+                                        <p:tgtEl>
+                                          <p:spTgt spid="1027"/>
+                                        </p:tgtEl>
+                                        <p:attrNameLst>
+                                          <p:attrName>style.visibility</p:attrName>
+                                        </p:attrNameLst>
+                                      </p:cBhvr>
+                                      <p:to>
+                                        <p:strVal val="visible"/>
+                                      </p:to>
+                                    </p:set>
+                                    <p:animEffect transition="in" filter="fade">
+                                      <p:cBhvr>
+                                        <p:cTn id="20" dur="500"/>
+                                        <p:tgtEl>
+                                          <p:spTgt spid="1027"/>
+                                        </p:tgtEl>
+                                      </p:cBhvr>
+                                    </p:animEffect>
+                                  </p:childTnLst>
+                                </p:cTn>
+                              </p:par>
+                              <p:par>
+                                <p:cTn id="21" presetID="10" presetClass="entr" presetSubtype="0" fill="hold" nodeType="withEffect">
+                                  <p:stCondLst>
+                                    <p:cond delay="0"/>
+                                  </p:stCondLst>
+                                  <p:childTnLst>
+                                    <p:set>
+                                      <p:cBhvr>
+                                        <p:cTn id="22" dur="1" fill="hold">
+                                          <p:stCondLst>
+                                            <p:cond delay="0"/>
+                                          </p:stCondLst>
+                                        </p:cTn>
+                                        <p:tgtEl>
+                                          <p:spTgt spid="3">
+                                            <p:txEl>
+                                              <p:pRg st="2" end="2"/>
+                                            </p:txEl>
+                                          </p:spTgt>
+                                        </p:tgtEl>
+                                        <p:attrNameLst>
+                                          <p:attrName>style.visibility</p:attrName>
+                                        </p:attrNameLst>
+                                      </p:cBhvr>
+                                      <p:to>
+                                        <p:strVal val="visible"/>
+                                      </p:to>
+                                    </p:set>
+                                    <p:animEffect transition="in" filter="fade">
+                                      <p:cBhvr>
+                                        <p:cTn id="23" dur="500"/>
+                                        <p:tgtEl>
+                                          <p:spTgt spid="3">
+                                            <p:txEl>
+                                              <p:pRg st="2" end="2"/>
+                                            </p:txEl>
+                                          </p:spTgt>
+                                        </p:tgtEl>
+                                      </p:cBhvr>
+                                    </p:animEffect>
+                                  </p:childTnLst>
+                                </p:cTn>
+                              </p:par>
+                            </p:childTnLst>
+                          </p:cTn>
+                        </p:par>
+                      </p:childTnLst>
+                    </p:cTn>
+                  </p:par>
+                </p:childTnLst>
+              </p:cTn>
+              <p:prevCondLst>
+                <p:cond evt="onPrev" delay="0">
+                  <p:tgtEl>
+                    <p:sldTgt/>
+                  </p:tgtEl>
+                </p:cond>
+              </p:prevCondLst>
+              <p:nextCondLst>
+                <p:cond evt="onNext" delay="0">
+                  <p:tgtEl>
+                    <p:sldTgt/>
+                  </p:tgtEl>
+                </p:cond>
+              </p:nextCondLst>
+            </p:seq>
+          </p:childTnLst>
+        </p:cTn>
+      </p:par>
+    </p:tnLst>
+  </p:timing>
+</p:sld>
+</file>
+
+<file path=ppt/slides/slide19.xml><?xml version="1.0" encoding="utf-8"?>
+<p:sld xmlns:a="http://schemas.openxmlformats.org/drawingml/2006/main" xmlns:r="http://schemas.openxmlformats.org/officeDocument/2006/relationships" xmlns:p="http://schemas.openxmlformats.org/presentationml/2006/main">
+  <p:cSld>
+    <p:spTree>
+      <p:nvGrpSpPr>
+        <p:cNvPr id="1" name=""/>
+        <p:cNvGrpSpPr/>
+        <p:nvPr/>
+      </p:nvGrpSpPr>
+      <p:grpSpPr>
+        <a:xfrm>
+          <a:off x="0" y="0"/>
+          <a:ext cx="0" cy="0"/>
+          <a:chOff x="0" y="0"/>
+          <a:chExt cx="0" cy="0"/>
+        </a:xfrm>
+      </p:grpSpPr>
+      <p:sp>
+        <p:nvSpPr>
+          <p:cNvPr id="2" name="Titel 1"/>
+          <p:cNvSpPr>
+            <a:spLocks noGrp="1"/>
+          </p:cNvSpPr>
+          <p:nvPr>
+            <p:ph type="title"/>
+          </p:nvPr>
+        </p:nvSpPr>
+        <p:spPr/>
+        <p:txBody>
+          <a:bodyPr/>
+          <a:lstStyle/>
+          <a:p>
+            <a:r>
+              <a:rPr lang="de-DE" dirty="0" smtClean="0">
+                <a:solidFill>
+                  <a:schemeClr val="bg1">
+                    <a:lumMod val="50000"/>
+                  </a:schemeClr>
+                </a:solidFill>
+              </a:rPr>
+              <a:t>METRICS</a:t>
+            </a:r>
+            <a:endParaRPr lang="de-DE" dirty="0"/>
+          </a:p>
+        </p:txBody>
+      </p:sp>
+      <p:sp>
+        <p:nvSpPr>
+          <p:cNvPr id="3" name="Inhaltsplatzhalter 2"/>
+          <p:cNvSpPr>
+            <a:spLocks noGrp="1"/>
+          </p:cNvSpPr>
+          <p:nvPr>
+            <p:ph idx="1"/>
+          </p:nvPr>
+        </p:nvSpPr>
+        <p:spPr/>
+        <p:txBody>
+          <a:bodyPr/>
+          <a:lstStyle/>
+          <a:p>
+            <a:pPr>
+              <a:buFont typeface="Courier New" panose="02070309020205020404" pitchFamily="49" charset="0"/>
+              <a:buChar char="o"/>
+            </a:pPr>
+            <a:r>
+              <a:rPr lang="de-DE" dirty="0" smtClean="0"/>
+              <a:t> Tools</a:t>
+            </a:r>
+          </a:p>
+          <a:p>
+            <a:pPr lvl="1">
+              <a:buFont typeface="Courier New" panose="02070309020205020404" pitchFamily="49" charset="0"/>
+              <a:buChar char="o"/>
+            </a:pPr>
+            <a:r>
+              <a:rPr lang="de-DE" dirty="0" smtClean="0"/>
+              <a:t> </a:t>
+            </a:r>
+            <a:r>
+              <a:rPr lang="de-DE" dirty="0" err="1" smtClean="0"/>
+              <a:t>MetricsReloaded</a:t>
+            </a:r>
+            <a:endParaRPr lang="de-DE" dirty="0" smtClean="0"/>
+          </a:p>
+          <a:p>
+            <a:pPr lvl="1">
+              <a:buFont typeface="Courier New" panose="02070309020205020404" pitchFamily="49" charset="0"/>
+              <a:buChar char="o"/>
+            </a:pPr>
+            <a:r>
+              <a:rPr lang="de-DE" dirty="0" smtClean="0"/>
+              <a:t> </a:t>
+            </a:r>
+            <a:r>
+              <a:rPr lang="de-DE" dirty="0" err="1" smtClean="0"/>
+              <a:t>Codacy</a:t>
+            </a:r>
+            <a:endParaRPr lang="de-DE" dirty="0" smtClean="0"/>
+          </a:p>
+          <a:p>
+            <a:pPr>
+              <a:buFont typeface="Courier New" panose="02070309020205020404" pitchFamily="49" charset="0"/>
+              <a:buChar char="o"/>
+            </a:pPr>
+            <a:endParaRPr lang="de-DE" dirty="0"/>
+          </a:p>
+          <a:p>
+            <a:pPr>
+              <a:buFont typeface="Courier New" panose="02070309020205020404" pitchFamily="49" charset="0"/>
+              <a:buChar char="o"/>
+            </a:pPr>
+            <a:r>
+              <a:rPr lang="de-DE" dirty="0"/>
+              <a:t> </a:t>
+            </a:r>
+            <a:r>
+              <a:rPr lang="de-DE" dirty="0" err="1" smtClean="0"/>
+              <a:t>Metric</a:t>
+            </a:r>
+            <a:r>
+              <a:rPr lang="de-DE" dirty="0" smtClean="0"/>
+              <a:t> Profile</a:t>
+            </a:r>
+          </a:p>
+          <a:p>
+            <a:pPr lvl="1">
+              <a:buFont typeface="Courier New" panose="02070309020205020404" pitchFamily="49" charset="0"/>
+              <a:buChar char="o"/>
+            </a:pPr>
+            <a:r>
+              <a:rPr lang="de-DE" dirty="0" smtClean="0"/>
+              <a:t> Abhängigkeiten</a:t>
+            </a:r>
+            <a:endParaRPr lang="de-DE" dirty="0"/>
+          </a:p>
+          <a:p>
+            <a:pPr lvl="1">
+              <a:buFont typeface="Courier New" panose="02070309020205020404" pitchFamily="49" charset="0"/>
+              <a:buChar char="o"/>
+            </a:pPr>
+            <a:r>
+              <a:rPr lang="de-DE" dirty="0"/>
+              <a:t> </a:t>
+            </a:r>
+            <a:r>
+              <a:rPr lang="de-DE" dirty="0" err="1" smtClean="0"/>
+              <a:t>zyklomaitsche</a:t>
+            </a:r>
+            <a:r>
+              <a:rPr lang="de-DE" dirty="0" smtClean="0"/>
+              <a:t> Komplexität</a:t>
+            </a:r>
+            <a:endParaRPr lang="de-DE" dirty="0"/>
+          </a:p>
+          <a:p>
+            <a:pPr marL="201168" lvl="1" indent="0">
+              <a:buNone/>
+            </a:pPr>
+            <a:endParaRPr lang="de-DE" dirty="0"/>
+          </a:p>
+        </p:txBody>
+      </p:sp>
+      <p:sp>
+        <p:nvSpPr>
+          <p:cNvPr id="4" name="Foliennummernplatzhalter 3"/>
+          <p:cNvSpPr>
+            <a:spLocks noGrp="1"/>
+          </p:cNvSpPr>
+          <p:nvPr>
+            <p:ph type="sldNum" sz="quarter" idx="12"/>
+          </p:nvPr>
+        </p:nvSpPr>
+        <p:spPr/>
+        <p:txBody>
+          <a:bodyPr/>
+          <a:lstStyle/>
+          <a:p>
+            <a:fld id="{BEA2534F-1EDD-48ED-BC5A-02D188FC5C63}" type="slidenum">
+              <a:rPr lang="de-DE" smtClean="0"/>
+              <a:t>19</a:t>
+            </a:fld>
+            <a:endParaRPr lang="de-DE"/>
+          </a:p>
+        </p:txBody>
+      </p:sp>
+      <p:pic>
+        <p:nvPicPr>
+          <p:cNvPr id="4098" name="Picture 2" descr="C:\Users\mincekara\Desktop\2016-06-15 11_54_55-Nappy-the-ingenious - Codacy - Dashboard.png"/>
+          <p:cNvPicPr>
+            <a:picLocks noChangeAspect="1" noChangeArrowheads="1"/>
+          </p:cNvPicPr>
+          <p:nvPr/>
+        </p:nvPicPr>
+        <p:blipFill>
+          <a:blip r:embed="rId2">
+            <a:extLst>
+              <a:ext uri="{28A0092B-C50C-407E-A947-70E740481C1C}">
+                <a14:useLocalDpi xmlns:a14="http://schemas.microsoft.com/office/drawing/2010/main" val="0"/>
+              </a:ext>
+            </a:extLst>
+          </a:blip>
+          <a:srcRect/>
+          <a:stretch>
+            <a:fillRect/>
+          </a:stretch>
+        </p:blipFill>
+        <p:spPr bwMode="auto">
+          <a:xfrm>
+            <a:off x="4835787" y="1814282"/>
+            <a:ext cx="7093230" cy="2724266"/>
+          </a:xfrm>
+          <a:prstGeom prst="rect">
+            <a:avLst/>
+          </a:prstGeom>
+          <a:noFill/>
+          <a:extLst>
+            <a:ext uri="{909E8E84-426E-40DD-AFC4-6F175D3DCCD1}">
+              <a14:hiddenFill xmlns:a14="http://schemas.microsoft.com/office/drawing/2010/main">
+                <a:solidFill>
+                  <a:srgbClr val="FFFFFF"/>
+                </a:solidFill>
+              </a14:hiddenFill>
+            </a:ext>
+          </a:extLst>
+        </p:spPr>
+      </p:pic>
+      <p:pic>
+        <p:nvPicPr>
+          <p:cNvPr id="4099" name="Picture 3" descr="C:\Users\mincekara\Desktop\2016-06-15 11_56_27-Nappy-the-ingenious - [C__Duales Studium_01 Theorie_IntelliJ_nappydev_Nappy-the-.png"/>
+          <p:cNvPicPr>
+            <a:picLocks noChangeAspect="1" noChangeArrowheads="1"/>
+          </p:cNvPicPr>
+          <p:nvPr/>
+        </p:nvPicPr>
+        <p:blipFill>
+          <a:blip r:embed="rId3">
+            <a:extLst>
+              <a:ext uri="{28A0092B-C50C-407E-A947-70E740481C1C}">
+                <a14:useLocalDpi xmlns:a14="http://schemas.microsoft.com/office/drawing/2010/main" val="0"/>
+              </a:ext>
+            </a:extLst>
+          </a:blip>
+          <a:srcRect/>
+          <a:stretch>
+            <a:fillRect/>
+          </a:stretch>
+        </p:blipFill>
+        <p:spPr bwMode="auto">
+          <a:xfrm>
+            <a:off x="5919260" y="2127386"/>
+            <a:ext cx="5305425" cy="2276475"/>
+          </a:xfrm>
+          <a:prstGeom prst="rect">
+            <a:avLst/>
+          </a:prstGeom>
+          <a:noFill/>
+          <a:extLst>
+            <a:ext uri="{909E8E84-426E-40DD-AFC4-6F175D3DCCD1}">
+              <a14:hiddenFill xmlns:a14="http://schemas.microsoft.com/office/drawing/2010/main">
+                <a:solidFill>
+                  <a:srgbClr val="FFFFFF"/>
+                </a:solidFill>
+              </a14:hiddenFill>
+            </a:ext>
+          </a:extLst>
+        </p:spPr>
+      </p:pic>
+    </p:spTree>
+    <p:extLst>
+      <p:ext uri="{BB962C8B-B14F-4D97-AF65-F5344CB8AC3E}">
+        <p14:creationId xmlns:p14="http://schemas.microsoft.com/office/powerpoint/2010/main" val="1217544904"/>
+      </p:ext>
+    </p:extLst>
+  </p:cSld>
+  <p:clrMapOvr>
+    <a:masterClrMapping/>
+  </p:clrMapOvr>
+  <p:timing>
+    <p:tnLst>
+      <p:par>
+        <p:cTn id="1" dur="indefinite" restart="never" nodeType="tmRoot">
+          <p:childTnLst>
+            <p:seq concurrent="1" nextAc="seek">
+              <p:cTn id="2" dur="indefinite" nodeType="mainSeq">
+                <p:childTnLst>
+                  <p:par>
+                    <p:cTn id="3" fill="hold">
+                      <p:stCondLst>
+                        <p:cond delay="indefinite"/>
+                      </p:stCondLst>
+                      <p:childTnLst>
+                        <p:par>
+                          <p:cTn id="4" fill="hold">
+                            <p:stCondLst>
+                              <p:cond delay="0"/>
+                            </p:stCondLst>
+                            <p:childTnLst>
+                              <p:par>
+                                <p:cTn id="5" presetID="10" presetClass="exit" presetSubtype="0" fill="hold" nodeType="clickEffect">
+                                  <p:stCondLst>
+                                    <p:cond delay="0"/>
+                                  </p:stCondLst>
+                                  <p:childTnLst>
+                                    <p:animEffect transition="out" filter="fade">
+                                      <p:cBhvr>
+                                        <p:cTn id="6" dur="500"/>
+                                        <p:tgtEl>
+                                          <p:spTgt spid="4099"/>
+                                        </p:tgtEl>
+                                      </p:cBhvr>
+                                    </p:animEffect>
+                                    <p:set>
+                                      <p:cBhvr>
+                                        <p:cTn id="7" dur="1" fill="hold">
+                                          <p:stCondLst>
+                                            <p:cond delay="499"/>
+                                          </p:stCondLst>
+                                        </p:cTn>
+                                        <p:tgtEl>
+                                          <p:spTgt spid="4099"/>
+                                        </p:tgtEl>
+                                        <p:attrNameLst>
+                                          <p:attrName>style.visibility</p:attrName>
+                                        </p:attrNameLst>
+                                      </p:cBhvr>
+                                      <p:to>
+                                        <p:strVal val="hidden"/>
+                                      </p:to>
+                                    </p:set>
+                                  </p:childTnLst>
+                                </p:cTn>
+                              </p:par>
+                              <p:par>
+                                <p:cTn id="8" presetID="10" presetClass="entr" presetSubtype="0" fill="hold" nodeType="withEffect">
+                                  <p:stCondLst>
+                                    <p:cond delay="0"/>
+                                  </p:stCondLst>
+                                  <p:childTnLst>
+                                    <p:set>
+                                      <p:cBhvr>
+                                        <p:cTn id="9" dur="1" fill="hold">
+                                          <p:stCondLst>
+                                            <p:cond delay="0"/>
+                                          </p:stCondLst>
+                                        </p:cTn>
+                                        <p:tgtEl>
+                                          <p:spTgt spid="3">
+                                            <p:txEl>
+                                              <p:pRg st="2" end="2"/>
+                                            </p:txEl>
+                                          </p:spTgt>
+                                        </p:tgtEl>
+                                        <p:attrNameLst>
+                                          <p:attrName>style.visibility</p:attrName>
+                                        </p:attrNameLst>
+                                      </p:cBhvr>
+                                      <p:to>
+                                        <p:strVal val="visible"/>
+                                      </p:to>
+                                    </p:set>
+                                    <p:animEffect transition="in" filter="fade">
+                                      <p:cBhvr>
+                                        <p:cTn id="10" dur="500"/>
+                                        <p:tgtEl>
+                                          <p:spTgt spid="3">
+                                            <p:txEl>
+                                              <p:pRg st="2" end="2"/>
+                                            </p:txEl>
+                                          </p:spTgt>
+                                        </p:tgtEl>
+                                      </p:cBhvr>
+                                    </p:animEffect>
+                                  </p:childTnLst>
+                                </p:cTn>
+                              </p:par>
+                              <p:par>
+                                <p:cTn id="11" presetID="10" presetClass="entr" presetSubtype="0" fill="hold" nodeType="withEffect">
+                                  <p:stCondLst>
+                                    <p:cond delay="0"/>
+                                  </p:stCondLst>
+                                  <p:childTnLst>
+                                    <p:set>
+                                      <p:cBhvr>
+                                        <p:cTn id="12" dur="1" fill="hold">
+                                          <p:stCondLst>
+                                            <p:cond delay="0"/>
+                                          </p:stCondLst>
+                                        </p:cTn>
+                                        <p:tgtEl>
+                                          <p:spTgt spid="4098"/>
+                                        </p:tgtEl>
+                                        <p:attrNameLst>
+                                          <p:attrName>style.visibility</p:attrName>
+                                        </p:attrNameLst>
+                                      </p:cBhvr>
+                                      <p:to>
+                                        <p:strVal val="visible"/>
+                                      </p:to>
+                                    </p:set>
+                                    <p:animEffect transition="in" filter="fade">
+                                      <p:cBhvr>
+                                        <p:cTn id="13" dur="500"/>
+                                        <p:tgtEl>
+                                          <p:spTgt spid="4098"/>
+                                        </p:tgtEl>
+                                      </p:cBhvr>
+                                    </p:animEffect>
+                                  </p:childTnLst>
+                                </p:cTn>
+                              </p:par>
+                            </p:childTnLst>
+                          </p:cTn>
+                        </p:par>
+                      </p:childTnLst>
+                    </p:cTn>
+                  </p:par>
+                  <p:par>
+                    <p:cTn id="14" fill="hold">
+                      <p:stCondLst>
+                        <p:cond delay="indefinite"/>
+                      </p:stCondLst>
+                      <p:childTnLst>
+                        <p:par>
+                          <p:cTn id="15" fill="hold">
+                            <p:stCondLst>
+                              <p:cond delay="0"/>
+                            </p:stCondLst>
+                            <p:childTnLst>
+                              <p:par>
+                                <p:cTn id="16" presetID="10" presetClass="entr" presetSubtype="0" fill="hold" nodeType="clickEffect">
+                                  <p:stCondLst>
+                                    <p:cond delay="0"/>
+                                  </p:stCondLst>
+                                  <p:childTnLst>
+                                    <p:set>
+                                      <p:cBhvr>
+                                        <p:cTn id="17" dur="1" fill="hold">
+                                          <p:stCondLst>
+                                            <p:cond delay="0"/>
+                                          </p:stCondLst>
+                                        </p:cTn>
+                                        <p:tgtEl>
+                                          <p:spTgt spid="3">
+                                            <p:txEl>
+                                              <p:pRg st="4" end="4"/>
+                                            </p:txEl>
+                                          </p:spTgt>
+                                        </p:tgtEl>
+                                        <p:attrNameLst>
+                                          <p:attrName>style.visibility</p:attrName>
+                                        </p:attrNameLst>
+                                      </p:cBhvr>
+                                      <p:to>
+                                        <p:strVal val="visible"/>
+                                      </p:to>
+                                    </p:set>
+                                    <p:animEffect transition="in" filter="fade">
+                                      <p:cBhvr>
+                                        <p:cTn id="18" dur="500"/>
+                                        <p:tgtEl>
+                                          <p:spTgt spid="3">
+                                            <p:txEl>
+                                              <p:pRg st="4" end="4"/>
+                                            </p:txEl>
+                                          </p:spTgt>
+                                        </p:tgtEl>
+                                      </p:cBhvr>
+                                    </p:animEffect>
+                                  </p:childTnLst>
+                                </p:cTn>
+                              </p:par>
+                              <p:par>
+                                <p:cTn id="19" presetID="10" presetClass="entr" presetSubtype="0" fill="hold" nodeType="withEffect">
+                                  <p:stCondLst>
+                                    <p:cond delay="0"/>
+                                  </p:stCondLst>
+                                  <p:childTnLst>
+                                    <p:set>
+                                      <p:cBhvr>
+                                        <p:cTn id="20" dur="1" fill="hold">
+                                          <p:stCondLst>
+                                            <p:cond delay="0"/>
+                                          </p:stCondLst>
+                                        </p:cTn>
+                                        <p:tgtEl>
+                                          <p:spTgt spid="3">
+                                            <p:txEl>
+                                              <p:pRg st="5" end="5"/>
+                                            </p:txEl>
+                                          </p:spTgt>
+                                        </p:tgtEl>
+                                        <p:attrNameLst>
+                                          <p:attrName>style.visibility</p:attrName>
+                                        </p:attrNameLst>
+                                      </p:cBhvr>
+                                      <p:to>
+                                        <p:strVal val="visible"/>
+                                      </p:to>
+                                    </p:set>
+                                    <p:animEffect transition="in" filter="fade">
+                                      <p:cBhvr>
+                                        <p:cTn id="21" dur="500"/>
+                                        <p:tgtEl>
+                                          <p:spTgt spid="3">
+                                            <p:txEl>
+                                              <p:pRg st="5" end="5"/>
+                                            </p:txEl>
+                                          </p:spTgt>
+                                        </p:tgtEl>
+                                      </p:cBhvr>
+                                    </p:animEffect>
+                                  </p:childTnLst>
+                                </p:cTn>
+                              </p:par>
+                              <p:par>
+                                <p:cTn id="22" presetID="10" presetClass="entr" presetSubtype="0" fill="hold" nodeType="withEffect">
+                                  <p:stCondLst>
+                                    <p:cond delay="0"/>
+                                  </p:stCondLst>
+                                  <p:childTnLst>
+                                    <p:set>
+                                      <p:cBhvr>
+                                        <p:cTn id="23" dur="1" fill="hold">
+                                          <p:stCondLst>
+                                            <p:cond delay="0"/>
+                                          </p:stCondLst>
+                                        </p:cTn>
+                                        <p:tgtEl>
+                                          <p:spTgt spid="3">
+                                            <p:txEl>
+                                              <p:pRg st="6" end="6"/>
+                                            </p:txEl>
+                                          </p:spTgt>
+                                        </p:tgtEl>
+                                        <p:attrNameLst>
+                                          <p:attrName>style.visibility</p:attrName>
+                                        </p:attrNameLst>
+                                      </p:cBhvr>
+                                      <p:to>
+                                        <p:strVal val="visible"/>
+                                      </p:to>
+                                    </p:set>
+                                    <p:animEffect transition="in" filter="fade">
+                                      <p:cBhvr>
+                                        <p:cTn id="24" dur="500"/>
+                                        <p:tgtEl>
+                                          <p:spTgt spid="3">
+                                            <p:txEl>
+                                              <p:pRg st="6" end="6"/>
+                                            </p:txEl>
+                                          </p:spTgt>
+                                        </p:tgtEl>
+                                      </p:cBhvr>
+                                    </p:animEffect>
+                                  </p:childTnLst>
+                                </p:cTn>
+                              </p:par>
+                              <p:par>
+                                <p:cTn id="25" presetID="10" presetClass="exit" presetSubtype="0" fill="hold" nodeType="withEffect">
+                                  <p:stCondLst>
+                                    <p:cond delay="0"/>
+                                  </p:stCondLst>
+                                  <p:childTnLst>
+                                    <p:animEffect transition="out" filter="fade">
+                                      <p:cBhvr>
+                                        <p:cTn id="26" dur="500"/>
+                                        <p:tgtEl>
+                                          <p:spTgt spid="4098"/>
+                                        </p:tgtEl>
+                                      </p:cBhvr>
+                                    </p:animEffect>
+                                    <p:set>
+                                      <p:cBhvr>
+                                        <p:cTn id="27" dur="1" fill="hold">
+                                          <p:stCondLst>
+                                            <p:cond delay="499"/>
+                                          </p:stCondLst>
+                                        </p:cTn>
+                                        <p:tgtEl>
+                                          <p:spTgt spid="4098"/>
+                                        </p:tgtEl>
+                                        <p:attrNameLst>
+                                          <p:attrName>style.visibility</p:attrName>
+                                        </p:attrNameLst>
+                                      </p:cBhvr>
+                                      <p:to>
+                                        <p:strVal val="hidden"/>
+                                      </p:to>
+                                    </p:set>
+                                  </p:childTnLst>
+                                </p:cTn>
+                              </p:par>
+                            </p:childTnLst>
+                          </p:cTn>
+                        </p:par>
+                      </p:childTnLst>
+                    </p:cTn>
+                  </p:par>
+                </p:childTnLst>
+              </p:cTn>
+              <p:prevCondLst>
+                <p:cond evt="onPrev" delay="0">
+                  <p:tgtEl>
+                    <p:sldTgt/>
+                  </p:tgtEl>
+                </p:cond>
+              </p:prevCondLst>
+              <p:nextCondLst>
+                <p:cond evt="onNext" delay="0">
+                  <p:tgtEl>
+                    <p:sldTgt/>
+                  </p:tgtEl>
+                </p:cond>
+              </p:nextCondLst>
+            </p:seq>
+          </p:childTnLst>
+        </p:cTn>
+      </p:par>
+    </p:tnLst>
+  </p:timing>
+</p:sld>
+</file>
+
+<file path=ppt/slides/slide2.xml><?xml version="1.0" encoding="utf-8"?>
+<p:sld xmlns:a="http://schemas.openxmlformats.org/drawingml/2006/main" xmlns:r="http://schemas.openxmlformats.org/officeDocument/2006/relationships" xmlns:p="http://schemas.openxmlformats.org/presentationml/2006/main">
+  <p:cSld>
+    <p:spTree>
+      <p:nvGrpSpPr>
+        <p:cNvPr id="1" name=""/>
+        <p:cNvGrpSpPr/>
+        <p:nvPr/>
+      </p:nvGrpSpPr>
+      <p:grpSpPr>
+        <a:xfrm>
+          <a:off x="0" y="0"/>
+          <a:ext cx="0" cy="0"/>
+          <a:chOff x="0" y="0"/>
+          <a:chExt cx="0" cy="0"/>
+        </a:xfrm>
+      </p:grpSpPr>
+      <p:sp>
+        <p:nvSpPr>
+          <p:cNvPr id="2" name="Titel 1"/>
+          <p:cNvSpPr>
+            <a:spLocks noGrp="1"/>
+          </p:cNvSpPr>
+          <p:nvPr>
+            <p:ph type="title"/>
+          </p:nvPr>
+        </p:nvSpPr>
+        <p:spPr/>
+        <p:txBody>
+          <a:bodyPr/>
+          <a:lstStyle/>
+          <a:p>
+            <a:r>
+              <a:rPr lang="de-DE" dirty="0" smtClean="0">
+                <a:solidFill>
+                  <a:schemeClr val="bg1">
+                    <a:lumMod val="50000"/>
+                  </a:schemeClr>
+                </a:solidFill>
+              </a:rPr>
+              <a:t>AGENDA</a:t>
+            </a:r>
+            <a:endParaRPr lang="de-DE" dirty="0">
+              <a:solidFill>
+                <a:schemeClr val="bg1">
+                  <a:lumMod val="50000"/>
+                </a:schemeClr>
+              </a:solidFill>
+            </a:endParaRPr>
+          </a:p>
+        </p:txBody>
+      </p:sp>
+      <p:sp>
+        <p:nvSpPr>
+          <p:cNvPr id="3" name="Inhaltsplatzhalter 2"/>
+          <p:cNvSpPr>
+            <a:spLocks noGrp="1"/>
+          </p:cNvSpPr>
+          <p:nvPr>
+            <p:ph sz="half" idx="1"/>
+          </p:nvPr>
+        </p:nvSpPr>
+        <p:spPr/>
+        <p:txBody>
+          <a:bodyPr>
+            <a:normAutofit/>
+          </a:bodyPr>
+          <a:lstStyle/>
+          <a:p>
+            <a:pPr marL="457200" indent="-457200">
+              <a:buFont typeface="+mj-lt"/>
+              <a:buAutoNum type="arabicPeriod"/>
+            </a:pPr>
+            <a:r>
+              <a:rPr lang="de-DE" dirty="0" smtClean="0"/>
+              <a:t>Wer ist </a:t>
+            </a:r>
+            <a:r>
+              <a:rPr lang="de-DE" dirty="0" err="1" smtClean="0"/>
+              <a:t>nappydevelopment</a:t>
+            </a:r>
+            <a:endParaRPr lang="de-DE" dirty="0" smtClean="0"/>
+          </a:p>
+          <a:p>
+            <a:pPr marL="457200" indent="-457200">
+              <a:buFont typeface="+mj-lt"/>
+              <a:buAutoNum type="arabicPeriod"/>
+            </a:pPr>
+            <a:r>
+              <a:rPr lang="de-DE" dirty="0" smtClean="0"/>
+              <a:t>Vision &amp; </a:t>
+            </a:r>
+            <a:r>
+              <a:rPr lang="de-DE" dirty="0" err="1" smtClean="0"/>
+              <a:t>Scope</a:t>
+            </a:r>
+            <a:endParaRPr lang="de-DE" dirty="0" smtClean="0"/>
+          </a:p>
+          <a:p>
+            <a:pPr marL="457200" indent="-457200">
+              <a:buFont typeface="+mj-lt"/>
+              <a:buAutoNum type="arabicPeriod"/>
+            </a:pPr>
+            <a:r>
+              <a:rPr lang="de-DE" dirty="0" smtClean="0"/>
+              <a:t>Software </a:t>
+            </a:r>
+            <a:r>
+              <a:rPr lang="de-DE" dirty="0" err="1" smtClean="0"/>
+              <a:t>Requirements</a:t>
+            </a:r>
+            <a:r>
+              <a:rPr lang="de-DE" dirty="0" smtClean="0"/>
+              <a:t> </a:t>
+            </a:r>
+            <a:r>
+              <a:rPr lang="de-DE" dirty="0" err="1" smtClean="0"/>
+              <a:t>Specification</a:t>
+            </a:r>
+            <a:endParaRPr lang="de-DE" dirty="0" smtClean="0"/>
+          </a:p>
+          <a:p>
+            <a:pPr marL="749808" lvl="1" indent="-457200">
+              <a:buFont typeface="+mj-lt"/>
+              <a:buAutoNum type="arabicPeriod"/>
+            </a:pPr>
+            <a:r>
+              <a:rPr lang="de-DE" dirty="0" err="1" smtClean="0"/>
+              <a:t>Use</a:t>
+            </a:r>
+            <a:r>
+              <a:rPr lang="de-DE" dirty="0" smtClean="0"/>
+              <a:t> </a:t>
+            </a:r>
+            <a:r>
+              <a:rPr lang="de-DE" dirty="0" err="1" smtClean="0"/>
+              <a:t>Case‘s</a:t>
+            </a:r>
+            <a:endParaRPr lang="de-DE" dirty="0" smtClean="0"/>
+          </a:p>
+          <a:p>
+            <a:pPr marL="749808" lvl="1" indent="-457200">
+              <a:buFont typeface="+mj-lt"/>
+              <a:buAutoNum type="arabicPeriod"/>
+            </a:pPr>
+            <a:r>
+              <a:rPr lang="de-DE" dirty="0" smtClean="0"/>
+              <a:t>Non-</a:t>
+            </a:r>
+            <a:r>
+              <a:rPr lang="de-DE" dirty="0" err="1" smtClean="0"/>
+              <a:t>functional</a:t>
+            </a:r>
+            <a:r>
+              <a:rPr lang="de-DE" dirty="0" smtClean="0"/>
+              <a:t> </a:t>
+            </a:r>
+            <a:r>
+              <a:rPr lang="de-DE" dirty="0" err="1" smtClean="0"/>
+              <a:t>Requirements</a:t>
+            </a:r>
+            <a:endParaRPr lang="de-DE" dirty="0" smtClean="0"/>
+          </a:p>
+          <a:p>
+            <a:pPr marL="457200" indent="-457200">
+              <a:buFont typeface="+mj-lt"/>
+              <a:buAutoNum type="arabicPeriod"/>
+            </a:pPr>
+            <a:r>
+              <a:rPr lang="de-DE" dirty="0" smtClean="0"/>
+              <a:t>Project </a:t>
+            </a:r>
+            <a:r>
+              <a:rPr lang="de-DE" dirty="0" err="1" smtClean="0"/>
+              <a:t>Methodology</a:t>
+            </a:r>
+            <a:endParaRPr lang="de-DE" dirty="0" smtClean="0"/>
+          </a:p>
+          <a:p>
+            <a:pPr marL="749808" lvl="1" indent="-457200">
+              <a:buFont typeface="+mj-lt"/>
+              <a:buAutoNum type="arabicPeriod"/>
+            </a:pPr>
+            <a:r>
+              <a:rPr lang="de-DE" dirty="0" smtClean="0"/>
+              <a:t>RUP</a:t>
+            </a:r>
+          </a:p>
+          <a:p>
+            <a:pPr marL="749808" lvl="1" indent="-457200">
+              <a:buFont typeface="+mj-lt"/>
+              <a:buAutoNum type="arabicPeriod"/>
+            </a:pPr>
+            <a:r>
+              <a:rPr lang="de-DE" dirty="0" err="1"/>
+              <a:t>Function</a:t>
+            </a:r>
+            <a:r>
+              <a:rPr lang="de-DE" dirty="0"/>
+              <a:t> </a:t>
+            </a:r>
+            <a:r>
+              <a:rPr lang="de-DE" dirty="0" smtClean="0"/>
+              <a:t>Points</a:t>
+            </a:r>
+            <a:endParaRPr lang="de-DE" dirty="0" smtClean="0"/>
+          </a:p>
+          <a:p>
+            <a:pPr marL="749808" lvl="1" indent="-457200">
+              <a:buFont typeface="+mj-lt"/>
+              <a:buAutoNum type="arabicPeriod"/>
+            </a:pPr>
+            <a:r>
+              <a:rPr lang="de-DE" dirty="0" err="1" smtClean="0"/>
+              <a:t>Scrum</a:t>
+            </a:r>
+            <a:endParaRPr lang="de-DE" dirty="0" smtClean="0"/>
+          </a:p>
+          <a:p>
+            <a:pPr marL="749808" lvl="1" indent="-457200">
+              <a:buFont typeface="+mj-lt"/>
+              <a:buAutoNum type="arabicPeriod"/>
+            </a:pPr>
+            <a:endParaRPr lang="de-DE" dirty="0" smtClean="0"/>
+          </a:p>
+        </p:txBody>
+      </p:sp>
+      <p:sp>
+        <p:nvSpPr>
+          <p:cNvPr id="4" name="Inhaltsplatzhalter 3"/>
+          <p:cNvSpPr>
+            <a:spLocks noGrp="1"/>
+          </p:cNvSpPr>
+          <p:nvPr>
+            <p:ph sz="half" idx="2"/>
+          </p:nvPr>
+        </p:nvSpPr>
+        <p:spPr/>
+        <p:txBody>
+          <a:bodyPr/>
+          <a:lstStyle/>
+          <a:p>
+            <a:pPr marL="457200" indent="-457200">
+              <a:buFont typeface="+mj-lt"/>
+              <a:buAutoNum type="arabicPeriod" startAt="5"/>
+            </a:pPr>
+            <a:r>
+              <a:rPr lang="de-DE" dirty="0"/>
+              <a:t>Quality </a:t>
+            </a:r>
+            <a:r>
+              <a:rPr lang="de-DE" dirty="0" smtClean="0"/>
+              <a:t>Assurance</a:t>
+            </a:r>
+            <a:endParaRPr lang="de-DE" dirty="0"/>
+          </a:p>
+          <a:p>
+            <a:pPr marL="749808" lvl="1" indent="-457200">
+              <a:buFont typeface="+mj-lt"/>
+              <a:buAutoNum type="arabicPeriod"/>
+            </a:pPr>
+            <a:r>
+              <a:rPr lang="de-DE" dirty="0" smtClean="0"/>
+              <a:t>Automation </a:t>
+            </a:r>
+            <a:r>
+              <a:rPr lang="de-DE" dirty="0" err="1" smtClean="0"/>
+              <a:t>and</a:t>
+            </a:r>
+            <a:r>
+              <a:rPr lang="de-DE" dirty="0" smtClean="0"/>
+              <a:t> Integration</a:t>
+            </a:r>
+          </a:p>
+          <a:p>
+            <a:pPr marL="749808" lvl="1" indent="-457200">
+              <a:buFont typeface="+mj-lt"/>
+              <a:buAutoNum type="arabicPeriod"/>
+            </a:pPr>
+            <a:r>
+              <a:rPr lang="de-DE" dirty="0" err="1" smtClean="0"/>
+              <a:t>Riskmanagement</a:t>
+            </a:r>
+            <a:endParaRPr lang="de-DE" dirty="0" smtClean="0"/>
+          </a:p>
+          <a:p>
+            <a:pPr marL="749808" lvl="1" indent="-457200">
+              <a:buFont typeface="+mj-lt"/>
+              <a:buAutoNum type="arabicPeriod"/>
+            </a:pPr>
+            <a:r>
+              <a:rPr lang="de-DE" dirty="0" err="1" smtClean="0"/>
+              <a:t>Testing</a:t>
+            </a:r>
+            <a:endParaRPr lang="de-DE" dirty="0" smtClean="0"/>
+          </a:p>
+          <a:p>
+            <a:pPr marL="749808" lvl="1" indent="-457200">
+              <a:buFont typeface="+mj-lt"/>
+              <a:buAutoNum type="arabicPeriod"/>
+            </a:pPr>
+            <a:r>
+              <a:rPr lang="de-DE" dirty="0" err="1" smtClean="0"/>
+              <a:t>Metrics</a:t>
+            </a:r>
+            <a:endParaRPr lang="de-DE" dirty="0"/>
+          </a:p>
+          <a:p>
+            <a:pPr marL="457200" indent="-457200">
+              <a:buFont typeface="+mj-lt"/>
+              <a:buAutoNum type="arabicPeriod" startAt="5"/>
+            </a:pPr>
+            <a:r>
+              <a:rPr lang="de-DE" dirty="0" smtClean="0"/>
+              <a:t>Technical </a:t>
+            </a:r>
+            <a:r>
+              <a:rPr lang="de-DE" dirty="0" err="1" smtClean="0"/>
+              <a:t>Ability</a:t>
+            </a:r>
+            <a:endParaRPr lang="de-DE" dirty="0" smtClean="0"/>
+          </a:p>
+          <a:p>
+            <a:pPr marL="749808" lvl="1" indent="-457200">
+              <a:buFont typeface="+mj-lt"/>
+              <a:buAutoNum type="arabicPeriod"/>
+            </a:pPr>
+            <a:r>
+              <a:rPr lang="de-DE" dirty="0" err="1"/>
+              <a:t>Architecture</a:t>
+            </a:r>
+            <a:endParaRPr lang="de-DE" dirty="0" smtClean="0"/>
+          </a:p>
+          <a:p>
+            <a:pPr marL="749808" lvl="1" indent="-457200">
+              <a:buFont typeface="+mj-lt"/>
+              <a:buAutoNum type="arabicPeriod"/>
+            </a:pPr>
+            <a:r>
+              <a:rPr lang="de-DE" dirty="0" smtClean="0"/>
+              <a:t>Class </a:t>
+            </a:r>
+            <a:r>
+              <a:rPr lang="de-DE" dirty="0" err="1" smtClean="0"/>
+              <a:t>Diagram</a:t>
+            </a:r>
+            <a:endParaRPr lang="de-DE" dirty="0" smtClean="0"/>
+          </a:p>
+          <a:p>
+            <a:pPr marL="749808" lvl="1" indent="-457200">
+              <a:buFont typeface="+mj-lt"/>
+              <a:buAutoNum type="arabicPeriod"/>
+            </a:pPr>
+            <a:r>
+              <a:rPr lang="de-DE" dirty="0"/>
+              <a:t>Patterns</a:t>
+            </a:r>
+            <a:endParaRPr lang="de-DE" dirty="0" smtClean="0"/>
+          </a:p>
+          <a:p>
+            <a:pPr marL="749808" lvl="1" indent="-457200">
+              <a:buFont typeface="+mj-lt"/>
+              <a:buAutoNum type="arabicPeriod"/>
+            </a:pPr>
+            <a:r>
+              <a:rPr lang="de-DE" dirty="0" smtClean="0"/>
+              <a:t>Demo</a:t>
+            </a:r>
+          </a:p>
+          <a:p>
+            <a:pPr marL="292608" lvl="1" indent="0">
+              <a:buNone/>
+            </a:pPr>
+            <a:endParaRPr lang="de-DE" dirty="0" smtClean="0"/>
+          </a:p>
+          <a:p>
+            <a:pPr marL="749808" lvl="1" indent="-457200">
+              <a:buFont typeface="+mj-lt"/>
+              <a:buAutoNum type="arabicPeriod" startAt="7"/>
+            </a:pPr>
+            <a:endParaRPr lang="de-DE" dirty="0"/>
+          </a:p>
+          <a:p>
+            <a:pPr marL="457200" indent="-457200">
+              <a:buFont typeface="+mj-lt"/>
+              <a:buAutoNum type="arabicPeriod" startAt="5"/>
+            </a:pPr>
+            <a:endParaRPr lang="de-DE" dirty="0" smtClean="0"/>
+          </a:p>
+          <a:p>
+            <a:pPr marL="457200" indent="-457200">
+              <a:buFont typeface="+mj-lt"/>
+              <a:buAutoNum type="arabicPeriod" startAt="5"/>
+            </a:pPr>
+            <a:endParaRPr lang="de-DE" dirty="0"/>
+          </a:p>
+        </p:txBody>
+      </p:sp>
+      <p:sp>
+        <p:nvSpPr>
+          <p:cNvPr id="5" name="Foliennummernplatzhalter 4"/>
+          <p:cNvSpPr>
+            <a:spLocks noGrp="1"/>
+          </p:cNvSpPr>
+          <p:nvPr>
+            <p:ph type="sldNum" sz="quarter" idx="12"/>
+          </p:nvPr>
+        </p:nvSpPr>
+        <p:spPr/>
+        <p:txBody>
+          <a:bodyPr/>
+          <a:lstStyle/>
+          <a:p>
+            <a:fld id="{BEA2534F-1EDD-48ED-BC5A-02D188FC5C63}" type="slidenum">
+              <a:rPr lang="de-DE" smtClean="0"/>
+              <a:t>2</a:t>
+            </a:fld>
+            <a:endParaRPr lang="de-DE" dirty="0"/>
+          </a:p>
+        </p:txBody>
+      </p:sp>
+    </p:spTree>
+    <p:extLst>
+      <p:ext uri="{BB962C8B-B14F-4D97-AF65-F5344CB8AC3E}">
+        <p14:creationId xmlns:p14="http://schemas.microsoft.com/office/powerpoint/2010/main" val="1682555625"/>
+      </p:ext>
+    </p:extLst>
+  </p:cSld>
+  <p:clrMapOvr>
+    <a:masterClrMapping/>
+  </p:clrMapOvr>
+  <p:timing>
+    <p:tnLst>
+      <p:par>
+        <p:cTn id="1" dur="indefinite" restart="never" nodeType="tmRoot"/>
+      </p:par>
+    </p:tnLst>
+  </p:timing>
+</p:sld>
+</file>
+
+<file path=ppt/slides/slide20.xml><?xml version="1.0" encoding="utf-8"?>
+<p:sld xmlns:a="http://schemas.openxmlformats.org/drawingml/2006/main" xmlns:r="http://schemas.openxmlformats.org/officeDocument/2006/relationships" xmlns:p="http://schemas.openxmlformats.org/presentationml/2006/main">
+  <p:cSld>
+    <p:spTree>
+      <p:nvGrpSpPr>
+        <p:cNvPr id="1" name=""/>
+        <p:cNvGrpSpPr/>
+        <p:nvPr/>
+      </p:nvGrpSpPr>
+      <p:grpSpPr>
+        <a:xfrm>
+          <a:off x="0" y="0"/>
+          <a:ext cx="0" cy="0"/>
+          <a:chOff x="0" y="0"/>
+          <a:chExt cx="0" cy="0"/>
+        </a:xfrm>
+      </p:grpSpPr>
+      <p:sp>
+        <p:nvSpPr>
+          <p:cNvPr id="5" name="Titel 4"/>
+          <p:cNvSpPr>
+            <a:spLocks noGrp="1"/>
+          </p:cNvSpPr>
+          <p:nvPr>
+            <p:ph type="ctrTitle"/>
+          </p:nvPr>
+        </p:nvSpPr>
+        <p:spPr/>
+        <p:txBody>
+          <a:bodyPr>
+            <a:normAutofit/>
+          </a:bodyPr>
+          <a:lstStyle/>
+          <a:p>
+            <a:r>
+              <a:rPr lang="de-DE" sz="4800" dirty="0" smtClean="0">
+                <a:solidFill>
+                  <a:schemeClr val="bg1">
+                    <a:lumMod val="50000"/>
+                  </a:schemeClr>
+                </a:solidFill>
+              </a:rPr>
+              <a:t>TECHNICAL ABILITY</a:t>
+            </a:r>
+            <a:endParaRPr lang="de-DE" sz="4800" dirty="0"/>
+          </a:p>
+        </p:txBody>
+      </p:sp>
+      <p:sp>
+        <p:nvSpPr>
+          <p:cNvPr id="6" name="Untertitel 5"/>
+          <p:cNvSpPr>
+            <a:spLocks noGrp="1"/>
+          </p:cNvSpPr>
+          <p:nvPr>
+            <p:ph type="subTitle" idx="1"/>
+          </p:nvPr>
+        </p:nvSpPr>
+        <p:spPr/>
+        <p:txBody>
+          <a:bodyPr/>
+          <a:lstStyle/>
+          <a:p>
+            <a:endParaRPr lang="de-DE"/>
+          </a:p>
+        </p:txBody>
+      </p:sp>
+      <p:sp>
+        <p:nvSpPr>
+          <p:cNvPr id="4" name="Foliennummernplatzhalter 3"/>
+          <p:cNvSpPr>
+            <a:spLocks noGrp="1"/>
+          </p:cNvSpPr>
+          <p:nvPr>
+            <p:ph type="sldNum" sz="quarter" idx="12"/>
+          </p:nvPr>
+        </p:nvSpPr>
+        <p:spPr/>
+        <p:txBody>
+          <a:bodyPr/>
+          <a:lstStyle/>
+          <a:p>
+            <a:fld id="{BEA2534F-1EDD-48ED-BC5A-02D188FC5C63}" type="slidenum">
+              <a:rPr lang="de-DE" smtClean="0"/>
+              <a:t>20</a:t>
+            </a:fld>
+            <a:endParaRPr lang="de-DE"/>
+          </a:p>
+        </p:txBody>
+      </p:sp>
+    </p:spTree>
+    <p:extLst>
+      <p:ext uri="{BB962C8B-B14F-4D97-AF65-F5344CB8AC3E}">
+        <p14:creationId xmlns:p14="http://schemas.microsoft.com/office/powerpoint/2010/main" val="747128951"/>
+      </p:ext>
+    </p:extLst>
+  </p:cSld>
+  <p:clrMapOvr>
+    <a:masterClrMapping/>
+  </p:clrMapOvr>
+  <p:timing>
+    <p:tnLst>
+      <p:par>
+        <p:cTn id="1" dur="indefinite" restart="never" nodeType="tmRoot"/>
+      </p:par>
+    </p:tnLst>
+  </p:timing>
+</p:sld>
+</file>
+
+<file path=ppt/slides/slide21.xml><?xml version="1.0" encoding="utf-8"?>
+<p:sld xmlns:a="http://schemas.openxmlformats.org/drawingml/2006/main" xmlns:r="http://schemas.openxmlformats.org/officeDocument/2006/relationships" xmlns:p="http://schemas.openxmlformats.org/presentationml/2006/main">
+  <p:cSld>
+    <p:spTree>
+      <p:nvGrpSpPr>
+        <p:cNvPr id="1" name=""/>
+        <p:cNvGrpSpPr/>
+        <p:nvPr/>
+      </p:nvGrpSpPr>
+      <p:grpSpPr>
+        <a:xfrm>
+          <a:off x="0" y="0"/>
+          <a:ext cx="0" cy="0"/>
+          <a:chOff x="0" y="0"/>
+          <a:chExt cx="0" cy="0"/>
+        </a:xfrm>
+      </p:grpSpPr>
+      <p:sp>
+        <p:nvSpPr>
+          <p:cNvPr id="2" name="Titel 1"/>
+          <p:cNvSpPr>
+            <a:spLocks noGrp="1"/>
+          </p:cNvSpPr>
+          <p:nvPr>
+            <p:ph type="title"/>
+          </p:nvPr>
+        </p:nvSpPr>
+        <p:spPr/>
+        <p:txBody>
+          <a:bodyPr/>
+          <a:lstStyle/>
+          <a:p>
+            <a:r>
+              <a:rPr lang="de-DE" dirty="0" smtClean="0">
+                <a:solidFill>
+                  <a:schemeClr val="bg1">
+                    <a:lumMod val="50000"/>
+                  </a:schemeClr>
+                </a:solidFill>
+              </a:rPr>
+              <a:t>ARCHITEKTUR</a:t>
+            </a:r>
+            <a:endParaRPr lang="de-DE" dirty="0">
+              <a:solidFill>
+                <a:schemeClr val="bg1">
+                  <a:lumMod val="50000"/>
+                </a:schemeClr>
+              </a:solidFill>
+            </a:endParaRPr>
+          </a:p>
+        </p:txBody>
+      </p:sp>
+      <p:sp>
+        <p:nvSpPr>
+          <p:cNvPr id="5" name="Foliennummernplatzhalter 4"/>
+          <p:cNvSpPr>
+            <a:spLocks noGrp="1"/>
+          </p:cNvSpPr>
+          <p:nvPr>
+            <p:ph type="sldNum" sz="quarter" idx="12"/>
+          </p:nvPr>
+        </p:nvSpPr>
+        <p:spPr/>
+        <p:txBody>
+          <a:bodyPr/>
+          <a:lstStyle/>
+          <a:p>
+            <a:fld id="{BEA2534F-1EDD-48ED-BC5A-02D188FC5C63}" type="slidenum">
+              <a:rPr lang="de-DE" smtClean="0"/>
+              <a:t>21</a:t>
             </a:fld>
             <a:endParaRPr lang="de-DE" dirty="0"/>
           </a:p>
@@ -8074,7 +10389,7 @@
 </p:sld>
 </file>
 
-<file path=ppt/slides/slide15.xml><?xml version="1.0" encoding="utf-8"?>
+<file path=ppt/slides/slide22.xml><?xml version="1.0" encoding="utf-8"?>
 <p:sld xmlns:a="http://schemas.openxmlformats.org/drawingml/2006/main" xmlns:r="http://schemas.openxmlformats.org/officeDocument/2006/relationships" xmlns:p="http://schemas.openxmlformats.org/presentationml/2006/main">
   <p:cSld>
     <p:spTree>
@@ -8114,7 +10429,7 @@
                   </a:schemeClr>
                 </a:solidFill>
               </a:rPr>
-              <a:t>CLASS DIAGRAM &amp; </a:t>
+              <a:t>CLASS </a:t>
             </a:r>
             <a:r>
               <a:rPr lang="de-DE" dirty="0" smtClean="0">
@@ -8124,26 +10439,7 @@
                   </a:schemeClr>
                 </a:solidFill>
               </a:rPr>
-              <a:t/>
-            </a:r>
-            <a:br>
-              <a:rPr lang="de-DE" dirty="0" smtClean="0">
-                <a:solidFill>
-                  <a:schemeClr val="bg1">
-                    <a:lumMod val="50000"/>
-                  </a:schemeClr>
-                </a:solidFill>
-              </a:rPr>
-            </a:br>
-            <a:r>
-              <a:rPr lang="de-DE" dirty="0" smtClean="0">
-                <a:solidFill>
-                  <a:schemeClr val="bg1">
-                    <a:lumMod val="50000"/>
-                  </a:schemeClr>
-                </a:solidFill>
-              </a:rPr>
-              <a:t>ARCHITEKTUR</a:t>
+              <a:t>DIAGRAM</a:t>
             </a:r>
             <a:endParaRPr lang="de-DE" dirty="0">
               <a:solidFill>
@@ -8172,7 +10468,7 @@
           <a:p>
             <a:fld id="{BEA2534F-1EDD-48ED-BC5A-02D188FC5C63}" type="slidenum">
               <a:rPr lang="de-DE" smtClean="0"/>
-              <a:t>15</a:t>
+              <a:t>22</a:t>
             </a:fld>
             <a:endParaRPr lang="de-DE" dirty="0"/>
           </a:p>
@@ -8344,7 +10640,7 @@
 </p:sld>
 </file>
 
-<file path=ppt/slides/slide16.xml><?xml version="1.0" encoding="utf-8"?>
+<file path=ppt/slides/slide23.xml><?xml version="1.0" encoding="utf-8"?>
 <p:sld xmlns:a="http://schemas.openxmlformats.org/drawingml/2006/main" xmlns:r="http://schemas.openxmlformats.org/officeDocument/2006/relationships" xmlns:p="http://schemas.openxmlformats.org/presentationml/2006/main">
   <p:cSld>
     <p:spTree>
@@ -8384,6 +10680,185 @@
                   </a:schemeClr>
                 </a:solidFill>
               </a:rPr>
+              <a:t>PATTERNS</a:t>
+            </a:r>
+            <a:endParaRPr lang="de-DE" dirty="0"/>
+          </a:p>
+        </p:txBody>
+      </p:sp>
+      <p:sp>
+        <p:nvSpPr>
+          <p:cNvPr id="3" name="Inhaltsplatzhalter 2"/>
+          <p:cNvSpPr>
+            <a:spLocks noGrp="1"/>
+          </p:cNvSpPr>
+          <p:nvPr>
+            <p:ph idx="1"/>
+          </p:nvPr>
+        </p:nvSpPr>
+        <p:spPr/>
+        <p:txBody>
+          <a:bodyPr/>
+          <a:lstStyle/>
+          <a:p>
+            <a:pPr>
+              <a:buFont typeface="Courier New" panose="02070309020205020404" pitchFamily="49" charset="0"/>
+              <a:buChar char="o"/>
+            </a:pPr>
+            <a:r>
+              <a:rPr lang="de-DE" dirty="0" smtClean="0"/>
+              <a:t> State Pattern</a:t>
+            </a:r>
+          </a:p>
+          <a:p>
+            <a:pPr>
+              <a:buFont typeface="Courier New" panose="02070309020205020404" pitchFamily="49" charset="0"/>
+              <a:buChar char="o"/>
+            </a:pPr>
+            <a:r>
+              <a:rPr lang="de-DE" dirty="0"/>
+              <a:t> </a:t>
+            </a:r>
+            <a:r>
+              <a:rPr lang="de-DE" dirty="0" smtClean="0"/>
+              <a:t>UC: </a:t>
+            </a:r>
+            <a:r>
+              <a:rPr lang="de-DE" dirty="0" err="1" smtClean="0"/>
+              <a:t>Gamemode</a:t>
+            </a:r>
+            <a:r>
+              <a:rPr lang="de-DE" dirty="0" smtClean="0"/>
+              <a:t> 1 und 2</a:t>
+            </a:r>
+            <a:endParaRPr lang="de-DE" dirty="0" smtClean="0"/>
+          </a:p>
+        </p:txBody>
+      </p:sp>
+      <p:sp>
+        <p:nvSpPr>
+          <p:cNvPr id="4" name="Foliennummernplatzhalter 3"/>
+          <p:cNvSpPr>
+            <a:spLocks noGrp="1"/>
+          </p:cNvSpPr>
+          <p:nvPr>
+            <p:ph type="sldNum" sz="quarter" idx="12"/>
+          </p:nvPr>
+        </p:nvSpPr>
+        <p:spPr/>
+        <p:txBody>
+          <a:bodyPr/>
+          <a:lstStyle/>
+          <a:p>
+            <a:fld id="{BEA2534F-1EDD-48ED-BC5A-02D188FC5C63}" type="slidenum">
+              <a:rPr lang="de-DE" smtClean="0"/>
+              <a:t>23</a:t>
+            </a:fld>
+            <a:endParaRPr lang="de-DE"/>
+          </a:p>
+        </p:txBody>
+      </p:sp>
+      <p:pic>
+        <p:nvPicPr>
+          <p:cNvPr id="3074" name="Picture 2" descr="C:\Duales Studium\01 Theorie\4. Semester\03 Software Engineering\docs\presentation\Final\state pattern.jpg"/>
+          <p:cNvPicPr>
+            <a:picLocks noChangeAspect="1" noChangeArrowheads="1"/>
+          </p:cNvPicPr>
+          <p:nvPr/>
+        </p:nvPicPr>
+        <p:blipFill>
+          <a:blip r:embed="rId3">
+            <a:extLst>
+              <a:ext uri="{28A0092B-C50C-407E-A947-70E740481C1C}">
+                <a14:useLocalDpi xmlns:a14="http://schemas.microsoft.com/office/drawing/2010/main" val="0"/>
+              </a:ext>
+            </a:extLst>
+          </a:blip>
+          <a:srcRect/>
+          <a:stretch>
+            <a:fillRect/>
+          </a:stretch>
+        </p:blipFill>
+        <p:spPr bwMode="auto">
+          <a:xfrm>
+            <a:off x="4449449" y="2207246"/>
+            <a:ext cx="7686675" cy="3714750"/>
+          </a:xfrm>
+          <a:prstGeom prst="rect">
+            <a:avLst/>
+          </a:prstGeom>
+          <a:noFill/>
+          <a:extLst>
+            <a:ext uri="{909E8E84-426E-40DD-AFC4-6F175D3DCCD1}">
+              <a14:hiddenFill xmlns:a14="http://schemas.microsoft.com/office/drawing/2010/main">
+                <a:solidFill>
+                  <a:srgbClr val="FFFFFF"/>
+                </a:solidFill>
+              </a14:hiddenFill>
+            </a:ext>
+          </a:extLst>
+        </p:spPr>
+      </p:pic>
+    </p:spTree>
+    <p:extLst>
+      <p:ext uri="{BB962C8B-B14F-4D97-AF65-F5344CB8AC3E}">
+        <p14:creationId xmlns:p14="http://schemas.microsoft.com/office/powerpoint/2010/main" val="1941755725"/>
+      </p:ext>
+    </p:extLst>
+  </p:cSld>
+  <p:clrMapOvr>
+    <a:masterClrMapping/>
+  </p:clrMapOvr>
+  <p:timing>
+    <p:tnLst>
+      <p:par>
+        <p:cTn id="1" dur="indefinite" restart="never" nodeType="tmRoot"/>
+      </p:par>
+    </p:tnLst>
+  </p:timing>
+</p:sld>
+</file>
+
+<file path=ppt/slides/slide24.xml><?xml version="1.0" encoding="utf-8"?>
+<p:sld xmlns:a="http://schemas.openxmlformats.org/drawingml/2006/main" xmlns:r="http://schemas.openxmlformats.org/officeDocument/2006/relationships" xmlns:p="http://schemas.openxmlformats.org/presentationml/2006/main">
+  <p:cSld>
+    <p:spTree>
+      <p:nvGrpSpPr>
+        <p:cNvPr id="1" name=""/>
+        <p:cNvGrpSpPr/>
+        <p:nvPr/>
+      </p:nvGrpSpPr>
+      <p:grpSpPr>
+        <a:xfrm>
+          <a:off x="0" y="0"/>
+          <a:ext cx="0" cy="0"/>
+          <a:chOff x="0" y="0"/>
+          <a:chExt cx="0" cy="0"/>
+        </a:xfrm>
+      </p:grpSpPr>
+      <p:sp>
+        <p:nvSpPr>
+          <p:cNvPr id="2" name="Titel 1"/>
+          <p:cNvSpPr>
+            <a:spLocks noGrp="1"/>
+          </p:cNvSpPr>
+          <p:nvPr>
+            <p:ph type="title"/>
+          </p:nvPr>
+        </p:nvSpPr>
+        <p:spPr/>
+        <p:txBody>
+          <a:bodyPr/>
+          <a:lstStyle/>
+          <a:p>
+            <a:r>
+              <a:rPr lang="de-DE" dirty="0" smtClean="0">
+                <a:solidFill>
+                  <a:schemeClr val="bg1">
+                    <a:lumMod val="50000"/>
+                  </a:schemeClr>
+                </a:solidFill>
+              </a:rPr>
               <a:t>DATABASE </a:t>
             </a:r>
             <a:br>
@@ -8510,7 +10985,7 @@
           <a:p>
             <a:fld id="{BEA2534F-1EDD-48ED-BC5A-02D188FC5C63}" type="slidenum">
               <a:rPr lang="de-DE" smtClean="0"/>
-              <a:t>16</a:t>
+              <a:t>24</a:t>
             </a:fld>
             <a:endParaRPr lang="de-DE" dirty="0"/>
           </a:p>
@@ -8577,7 +11052,7 @@
 </p:sld>
 </file>
 
-<file path=ppt/slides/slide17.xml><?xml version="1.0" encoding="utf-8"?>
+<file path=ppt/slides/slide25.xml><?xml version="1.0" encoding="utf-8"?>
 <p:sld xmlns:a="http://schemas.openxmlformats.org/drawingml/2006/main" xmlns:r="http://schemas.openxmlformats.org/officeDocument/2006/relationships" xmlns:p="http://schemas.openxmlformats.org/presentationml/2006/main">
   <p:cSld>
     <p:spTree>
@@ -8617,1152 +11092,6 @@
                   </a:schemeClr>
                 </a:solidFill>
               </a:rPr>
-              <a:t>TESTING</a:t>
-            </a:r>
-            <a:endParaRPr lang="de-DE" dirty="0">
-              <a:solidFill>
-                <a:schemeClr val="bg1">
-                  <a:lumMod val="50000"/>
-                </a:schemeClr>
-              </a:solidFill>
-            </a:endParaRPr>
-          </a:p>
-        </p:txBody>
-      </p:sp>
-      <p:sp>
-        <p:nvSpPr>
-          <p:cNvPr id="3" name="Inhaltsplatzhalter 2"/>
-          <p:cNvSpPr>
-            <a:spLocks noGrp="1"/>
-          </p:cNvSpPr>
-          <p:nvPr>
-            <p:ph idx="1"/>
-          </p:nvPr>
-        </p:nvSpPr>
-        <p:spPr/>
-        <p:txBody>
-          <a:bodyPr/>
-          <a:lstStyle/>
-          <a:p>
-            <a:pPr>
-              <a:buFont typeface="Courier New" panose="02070309020205020404" pitchFamily="49" charset="0"/>
-              <a:buChar char="o"/>
-            </a:pPr>
-            <a:r>
-              <a:rPr lang="de-DE" dirty="0" smtClean="0"/>
-              <a:t> </a:t>
-            </a:r>
-            <a:r>
-              <a:rPr lang="de-DE" dirty="0" err="1" smtClean="0"/>
-              <a:t>SikuliX</a:t>
-            </a:r>
-            <a:r>
-              <a:rPr lang="de-DE" dirty="0" smtClean="0"/>
-              <a:t> </a:t>
-            </a:r>
-          </a:p>
-          <a:p>
-            <a:pPr>
-              <a:buFont typeface="Courier New" panose="02070309020205020404" pitchFamily="49" charset="0"/>
-              <a:buChar char="o"/>
-            </a:pPr>
-            <a:r>
-              <a:rPr lang="de-DE" dirty="0" smtClean="0"/>
-              <a:t> </a:t>
-            </a:r>
-            <a:r>
-              <a:rPr lang="de-DE" dirty="0" err="1" smtClean="0"/>
-              <a:t>JUnit</a:t>
-            </a:r>
-            <a:endParaRPr lang="de-DE" dirty="0" smtClean="0"/>
-          </a:p>
-          <a:p>
-            <a:pPr>
-              <a:buFont typeface="Courier New" panose="02070309020205020404" pitchFamily="49" charset="0"/>
-              <a:buChar char="o"/>
-            </a:pPr>
-            <a:r>
-              <a:rPr lang="de-DE" dirty="0" smtClean="0"/>
-              <a:t> </a:t>
-            </a:r>
-            <a:r>
-              <a:rPr lang="de-DE" dirty="0" err="1" smtClean="0"/>
-              <a:t>TestFX</a:t>
-            </a:r>
-            <a:endParaRPr lang="de-DE" dirty="0" smtClean="0"/>
-          </a:p>
-          <a:p>
-            <a:pPr>
-              <a:buFont typeface="Courier New" panose="02070309020205020404" pitchFamily="49" charset="0"/>
-              <a:buChar char="o"/>
-            </a:pPr>
-            <a:r>
-              <a:rPr lang="de-DE" dirty="0" smtClean="0"/>
-              <a:t> Installation Tests</a:t>
-            </a:r>
-            <a:endParaRPr lang="de-DE" dirty="0"/>
-          </a:p>
-        </p:txBody>
-      </p:sp>
-      <p:sp>
-        <p:nvSpPr>
-          <p:cNvPr id="5" name="Foliennummernplatzhalter 4"/>
-          <p:cNvSpPr>
-            <a:spLocks noGrp="1"/>
-          </p:cNvSpPr>
-          <p:nvPr>
-            <p:ph type="sldNum" sz="quarter" idx="12"/>
-          </p:nvPr>
-        </p:nvSpPr>
-        <p:spPr/>
-        <p:txBody>
-          <a:bodyPr/>
-          <a:lstStyle/>
-          <a:p>
-            <a:fld id="{BEA2534F-1EDD-48ED-BC5A-02D188FC5C63}" type="slidenum">
-              <a:rPr lang="de-DE" smtClean="0"/>
-              <a:t>17</a:t>
-            </a:fld>
-            <a:endParaRPr lang="de-DE" dirty="0"/>
-          </a:p>
-        </p:txBody>
-      </p:sp>
-      <p:pic>
-        <p:nvPicPr>
-          <p:cNvPr id="7" name="Picture 2" descr="C:\Users\mincekara\Desktop\2015-12-08 15_13_03-1 UseCase_Gamemode 1.docx - Microsoft Word.png"/>
-          <p:cNvPicPr>
-            <a:picLocks noChangeAspect="1" noChangeArrowheads="1"/>
-          </p:cNvPicPr>
-          <p:nvPr/>
-        </p:nvPicPr>
-        <p:blipFill>
-          <a:blip r:embed="rId3">
-            <a:extLst>
-              <a:ext uri="{28A0092B-C50C-407E-A947-70E740481C1C}">
-                <a14:useLocalDpi xmlns:a14="http://schemas.microsoft.com/office/drawing/2010/main" val="0"/>
-              </a:ext>
-            </a:extLst>
-          </a:blip>
-          <a:srcRect/>
-          <a:stretch>
-            <a:fillRect/>
-          </a:stretch>
-        </p:blipFill>
-        <p:spPr bwMode="auto">
-          <a:xfrm>
-            <a:off x="6607680" y="568711"/>
-            <a:ext cx="4652573" cy="4270917"/>
-          </a:xfrm>
-          <a:prstGeom prst="rect">
-            <a:avLst/>
-          </a:prstGeom>
-          <a:noFill/>
-          <a:extLst>
-            <a:ext uri="{909E8E84-426E-40DD-AFC4-6F175D3DCCD1}">
-              <a14:hiddenFill xmlns:a14="http://schemas.microsoft.com/office/drawing/2010/main">
-                <a:solidFill>
-                  <a:srgbClr val="FFFFFF"/>
-                </a:solidFill>
-              </a14:hiddenFill>
-            </a:ext>
-          </a:extLst>
-        </p:spPr>
-      </p:pic>
-      <p:pic>
-        <p:nvPicPr>
-          <p:cNvPr id="7170" name="Picture 2" descr="C:\Duales Studium\01 Theorie\4. Semester\03 Software Engineering\docs\presentation\Final\2016-06-14 13_38_18-nappydevelopment_Nappy-the-ingenious_ This is our project for softwareengineerin.png"/>
-          <p:cNvPicPr>
-            <a:picLocks noChangeAspect="1" noChangeArrowheads="1"/>
-          </p:cNvPicPr>
-          <p:nvPr/>
-        </p:nvPicPr>
-        <p:blipFill>
-          <a:blip r:embed="rId4">
-            <a:extLst>
-              <a:ext uri="{28A0092B-C50C-407E-A947-70E740481C1C}">
-                <a14:useLocalDpi xmlns:a14="http://schemas.microsoft.com/office/drawing/2010/main" val="0"/>
-              </a:ext>
-            </a:extLst>
-          </a:blip>
-          <a:srcRect/>
-          <a:stretch>
-            <a:fillRect/>
-          </a:stretch>
-        </p:blipFill>
-        <p:spPr bwMode="auto">
-          <a:xfrm>
-            <a:off x="1209444" y="4972747"/>
-            <a:ext cx="5067300" cy="971550"/>
-          </a:xfrm>
-          <a:prstGeom prst="rect">
-            <a:avLst/>
-          </a:prstGeom>
-          <a:noFill/>
-          <a:extLst>
-            <a:ext uri="{909E8E84-426E-40DD-AFC4-6F175D3DCCD1}">
-              <a14:hiddenFill xmlns:a14="http://schemas.microsoft.com/office/drawing/2010/main">
-                <a:solidFill>
-                  <a:srgbClr val="FFFFFF"/>
-                </a:solidFill>
-              </a14:hiddenFill>
-            </a:ext>
-          </a:extLst>
-        </p:spPr>
-      </p:pic>
-    </p:spTree>
-    <p:extLst>
-      <p:ext uri="{BB962C8B-B14F-4D97-AF65-F5344CB8AC3E}">
-        <p14:creationId xmlns:p14="http://schemas.microsoft.com/office/powerpoint/2010/main" val="2319225731"/>
-      </p:ext>
-    </p:extLst>
-  </p:cSld>
-  <p:clrMapOvr>
-    <a:masterClrMapping/>
-  </p:clrMapOvr>
-  <p:timing>
-    <p:tnLst>
-      <p:par>
-        <p:cTn id="1" dur="indefinite" restart="never" nodeType="tmRoot"/>
-      </p:par>
-    </p:tnLst>
-  </p:timing>
-</p:sld>
-</file>
-
-<file path=ppt/slides/slide18.xml><?xml version="1.0" encoding="utf-8"?>
-<p:sld xmlns:a="http://schemas.openxmlformats.org/drawingml/2006/main" xmlns:r="http://schemas.openxmlformats.org/officeDocument/2006/relationships" xmlns:p="http://schemas.openxmlformats.org/presentationml/2006/main">
-  <p:cSld>
-    <p:spTree>
-      <p:nvGrpSpPr>
-        <p:cNvPr id="1" name=""/>
-        <p:cNvGrpSpPr/>
-        <p:nvPr/>
-      </p:nvGrpSpPr>
-      <p:grpSpPr>
-        <a:xfrm>
-          <a:off x="0" y="0"/>
-          <a:ext cx="0" cy="0"/>
-          <a:chOff x="0" y="0"/>
-          <a:chExt cx="0" cy="0"/>
-        </a:xfrm>
-      </p:grpSpPr>
-      <p:sp>
-        <p:nvSpPr>
-          <p:cNvPr id="2" name="Titel 1"/>
-          <p:cNvSpPr>
-            <a:spLocks noGrp="1"/>
-          </p:cNvSpPr>
-          <p:nvPr>
-            <p:ph type="title"/>
-          </p:nvPr>
-        </p:nvSpPr>
-        <p:spPr/>
-        <p:txBody>
-          <a:bodyPr/>
-          <a:lstStyle/>
-          <a:p>
-            <a:r>
-              <a:rPr lang="de-DE" dirty="0" smtClean="0">
-                <a:solidFill>
-                  <a:schemeClr val="bg1">
-                    <a:lumMod val="50000"/>
-                  </a:schemeClr>
-                </a:solidFill>
-              </a:rPr>
-              <a:t>DEPLOYMENT</a:t>
-            </a:r>
-            <a:endParaRPr lang="de-DE" dirty="0">
-              <a:solidFill>
-                <a:schemeClr val="bg1">
-                  <a:lumMod val="50000"/>
-                </a:schemeClr>
-              </a:solidFill>
-            </a:endParaRPr>
-          </a:p>
-        </p:txBody>
-      </p:sp>
-      <p:sp>
-        <p:nvSpPr>
-          <p:cNvPr id="3" name="Inhaltsplatzhalter 2"/>
-          <p:cNvSpPr>
-            <a:spLocks noGrp="1"/>
-          </p:cNvSpPr>
-          <p:nvPr>
-            <p:ph idx="1"/>
-          </p:nvPr>
-        </p:nvSpPr>
-        <p:spPr/>
-        <p:txBody>
-          <a:bodyPr/>
-          <a:lstStyle/>
-          <a:p>
-            <a:pPr>
-              <a:buFont typeface="Courier New" panose="02070309020205020404" pitchFamily="49" charset="0"/>
-              <a:buChar char="o"/>
-            </a:pPr>
-            <a:endParaRPr lang="de-DE" dirty="0"/>
-          </a:p>
-        </p:txBody>
-      </p:sp>
-      <p:sp>
-        <p:nvSpPr>
-          <p:cNvPr id="5" name="Foliennummernplatzhalter 4"/>
-          <p:cNvSpPr>
-            <a:spLocks noGrp="1"/>
-          </p:cNvSpPr>
-          <p:nvPr>
-            <p:ph type="sldNum" sz="quarter" idx="12"/>
-          </p:nvPr>
-        </p:nvSpPr>
-        <p:spPr/>
-        <p:txBody>
-          <a:bodyPr/>
-          <a:lstStyle/>
-          <a:p>
-            <a:fld id="{BEA2534F-1EDD-48ED-BC5A-02D188FC5C63}" type="slidenum">
-              <a:rPr lang="de-DE" smtClean="0"/>
-              <a:t>18</a:t>
-            </a:fld>
-            <a:endParaRPr lang="de-DE" dirty="0"/>
-          </a:p>
-        </p:txBody>
-      </p:sp>
-      <p:pic>
-        <p:nvPicPr>
-          <p:cNvPr id="8" name="Picture 3" descr="C:\Duales Studium\01 Theorie\4. Semester\03 Software Engineering\docs\class diagram\deployment view.png"/>
-          <p:cNvPicPr>
-            <a:picLocks noChangeAspect="1" noChangeArrowheads="1"/>
-          </p:cNvPicPr>
-          <p:nvPr/>
-        </p:nvPicPr>
-        <p:blipFill>
-          <a:blip r:embed="rId3">
-            <a:extLst>
-              <a:ext uri="{28A0092B-C50C-407E-A947-70E740481C1C}">
-                <a14:useLocalDpi xmlns:a14="http://schemas.microsoft.com/office/drawing/2010/main" val="0"/>
-              </a:ext>
-            </a:extLst>
-          </a:blip>
-          <a:srcRect/>
-          <a:stretch>
-            <a:fillRect/>
-          </a:stretch>
-        </p:blipFill>
-        <p:spPr bwMode="auto">
-          <a:xfrm>
-            <a:off x="3048815" y="1929426"/>
-            <a:ext cx="5660286" cy="4044603"/>
-          </a:xfrm>
-          <a:prstGeom prst="rect">
-            <a:avLst/>
-          </a:prstGeom>
-          <a:noFill/>
-          <a:extLst>
-            <a:ext uri="{909E8E84-426E-40DD-AFC4-6F175D3DCCD1}">
-              <a14:hiddenFill xmlns:a14="http://schemas.microsoft.com/office/drawing/2010/main">
-                <a:solidFill>
-                  <a:srgbClr val="FFFFFF"/>
-                </a:solidFill>
-              </a14:hiddenFill>
-            </a:ext>
-          </a:extLst>
-        </p:spPr>
-      </p:pic>
-    </p:spTree>
-    <p:extLst>
-      <p:ext uri="{BB962C8B-B14F-4D97-AF65-F5344CB8AC3E}">
-        <p14:creationId xmlns:p14="http://schemas.microsoft.com/office/powerpoint/2010/main" val="1275396402"/>
-      </p:ext>
-    </p:extLst>
-  </p:cSld>
-  <p:clrMapOvr>
-    <a:masterClrMapping/>
-  </p:clrMapOvr>
-  <p:timing>
-    <p:tnLst>
-      <p:par>
-        <p:cTn id="1" dur="indefinite" restart="never" nodeType="tmRoot"/>
-      </p:par>
-    </p:tnLst>
-  </p:timing>
-</p:sld>
-</file>
-
-<file path=ppt/slides/slide19.xml><?xml version="1.0" encoding="utf-8"?>
-<p:sld xmlns:a="http://schemas.openxmlformats.org/drawingml/2006/main" xmlns:r="http://schemas.openxmlformats.org/officeDocument/2006/relationships" xmlns:p="http://schemas.openxmlformats.org/presentationml/2006/main">
-  <p:cSld>
-    <p:spTree>
-      <p:nvGrpSpPr>
-        <p:cNvPr id="1" name=""/>
-        <p:cNvGrpSpPr/>
-        <p:nvPr/>
-      </p:nvGrpSpPr>
-      <p:grpSpPr>
-        <a:xfrm>
-          <a:off x="0" y="0"/>
-          <a:ext cx="0" cy="0"/>
-          <a:chOff x="0" y="0"/>
-          <a:chExt cx="0" cy="0"/>
-        </a:xfrm>
-      </p:grpSpPr>
-      <p:sp>
-        <p:nvSpPr>
-          <p:cNvPr id="2" name="Titel 1"/>
-          <p:cNvSpPr>
-            <a:spLocks noGrp="1"/>
-          </p:cNvSpPr>
-          <p:nvPr>
-            <p:ph type="title"/>
-          </p:nvPr>
-        </p:nvSpPr>
-        <p:spPr/>
-        <p:txBody>
-          <a:bodyPr/>
-          <a:lstStyle/>
-          <a:p>
-            <a:r>
-              <a:rPr lang="de-DE" dirty="0" smtClean="0">
-                <a:solidFill>
-                  <a:schemeClr val="bg1">
-                    <a:lumMod val="50000"/>
-                  </a:schemeClr>
-                </a:solidFill>
-              </a:rPr>
-              <a:t>ALGORITHMUS GAMEMODE </a:t>
-            </a:r>
-            <a:r>
-              <a:rPr lang="de-DE" dirty="0" smtClean="0">
-                <a:solidFill>
-                  <a:schemeClr val="bg1">
-                    <a:lumMod val="50000"/>
-                  </a:schemeClr>
-                </a:solidFill>
-              </a:rPr>
-              <a:t>1 + 2</a:t>
-            </a:r>
-            <a:endParaRPr lang="de-DE" dirty="0">
-              <a:solidFill>
-                <a:schemeClr val="bg1">
-                  <a:lumMod val="50000"/>
-                </a:schemeClr>
-              </a:solidFill>
-            </a:endParaRPr>
-          </a:p>
-        </p:txBody>
-      </p:sp>
-      <p:sp>
-        <p:nvSpPr>
-          <p:cNvPr id="5" name="Foliennummernplatzhalter 4"/>
-          <p:cNvSpPr>
-            <a:spLocks noGrp="1"/>
-          </p:cNvSpPr>
-          <p:nvPr>
-            <p:ph type="sldNum" sz="quarter" idx="12"/>
-          </p:nvPr>
-        </p:nvSpPr>
-        <p:spPr/>
-        <p:txBody>
-          <a:bodyPr/>
-          <a:lstStyle/>
-          <a:p>
-            <a:fld id="{BEA2534F-1EDD-48ED-BC5A-02D188FC5C63}" type="slidenum">
-              <a:rPr lang="de-DE" smtClean="0"/>
-              <a:t>19</a:t>
-            </a:fld>
-            <a:endParaRPr lang="de-DE" dirty="0"/>
-          </a:p>
-        </p:txBody>
-      </p:sp>
-      <p:pic>
-        <p:nvPicPr>
-          <p:cNvPr id="1026" name="Picture 2" descr="C:\Users\mincekara\Desktop\2015-12-09 08_07_49-Questions.pdf - Foxit Reader.png"/>
-          <p:cNvPicPr>
-            <a:picLocks noChangeAspect="1" noChangeArrowheads="1"/>
-          </p:cNvPicPr>
-          <p:nvPr/>
-        </p:nvPicPr>
-        <p:blipFill>
-          <a:blip r:embed="rId3">
-            <a:extLst>
-              <a:ext uri="{28A0092B-C50C-407E-A947-70E740481C1C}">
-                <a14:useLocalDpi xmlns:a14="http://schemas.microsoft.com/office/drawing/2010/main" val="0"/>
-              </a:ext>
-            </a:extLst>
-          </a:blip>
-          <a:srcRect/>
-          <a:stretch>
-            <a:fillRect/>
-          </a:stretch>
-        </p:blipFill>
-        <p:spPr bwMode="auto">
-          <a:xfrm>
-            <a:off x="1585118" y="1811790"/>
-            <a:ext cx="9021763" cy="4410075"/>
-          </a:xfrm>
-          <a:prstGeom prst="rect">
-            <a:avLst/>
-          </a:prstGeom>
-          <a:noFill/>
-          <a:extLst>
-            <a:ext uri="{909E8E84-426E-40DD-AFC4-6F175D3DCCD1}">
-              <a14:hiddenFill xmlns:a14="http://schemas.microsoft.com/office/drawing/2010/main">
-                <a:solidFill>
-                  <a:srgbClr val="FFFFFF"/>
-                </a:solidFill>
-              </a14:hiddenFill>
-            </a:ext>
-          </a:extLst>
-        </p:spPr>
-      </p:pic>
-    </p:spTree>
-    <p:extLst>
-      <p:ext uri="{BB962C8B-B14F-4D97-AF65-F5344CB8AC3E}">
-        <p14:creationId xmlns:p14="http://schemas.microsoft.com/office/powerpoint/2010/main" val="58973324"/>
-      </p:ext>
-    </p:extLst>
-  </p:cSld>
-  <p:clrMapOvr>
-    <a:masterClrMapping/>
-  </p:clrMapOvr>
-  <p:timing>
-    <p:tnLst>
-      <p:par>
-        <p:cTn id="1" dur="indefinite" restart="never" nodeType="tmRoot"/>
-      </p:par>
-    </p:tnLst>
-  </p:timing>
-</p:sld>
-</file>
-
-<file path=ppt/slides/slide2.xml><?xml version="1.0" encoding="utf-8"?>
-<p:sld xmlns:a="http://schemas.openxmlformats.org/drawingml/2006/main" xmlns:r="http://schemas.openxmlformats.org/officeDocument/2006/relationships" xmlns:p="http://schemas.openxmlformats.org/presentationml/2006/main">
-  <p:cSld>
-    <p:spTree>
-      <p:nvGrpSpPr>
-        <p:cNvPr id="1" name=""/>
-        <p:cNvGrpSpPr/>
-        <p:nvPr/>
-      </p:nvGrpSpPr>
-      <p:grpSpPr>
-        <a:xfrm>
-          <a:off x="0" y="0"/>
-          <a:ext cx="0" cy="0"/>
-          <a:chOff x="0" y="0"/>
-          <a:chExt cx="0" cy="0"/>
-        </a:xfrm>
-      </p:grpSpPr>
-      <p:sp>
-        <p:nvSpPr>
-          <p:cNvPr id="2" name="Titel 1"/>
-          <p:cNvSpPr>
-            <a:spLocks noGrp="1"/>
-          </p:cNvSpPr>
-          <p:nvPr>
-            <p:ph type="title"/>
-          </p:nvPr>
-        </p:nvSpPr>
-        <p:spPr/>
-        <p:txBody>
-          <a:bodyPr/>
-          <a:lstStyle/>
-          <a:p>
-            <a:r>
-              <a:rPr lang="de-DE" dirty="0" smtClean="0">
-                <a:solidFill>
-                  <a:schemeClr val="bg1">
-                    <a:lumMod val="50000"/>
-                  </a:schemeClr>
-                </a:solidFill>
-              </a:rPr>
-              <a:t>AGENDA</a:t>
-            </a:r>
-            <a:endParaRPr lang="de-DE" dirty="0">
-              <a:solidFill>
-                <a:schemeClr val="bg1">
-                  <a:lumMod val="50000"/>
-                </a:schemeClr>
-              </a:solidFill>
-            </a:endParaRPr>
-          </a:p>
-        </p:txBody>
-      </p:sp>
-      <p:sp>
-        <p:nvSpPr>
-          <p:cNvPr id="3" name="Inhaltsplatzhalter 2"/>
-          <p:cNvSpPr>
-            <a:spLocks noGrp="1"/>
-          </p:cNvSpPr>
-          <p:nvPr>
-            <p:ph sz="half" idx="1"/>
-          </p:nvPr>
-        </p:nvSpPr>
-        <p:spPr/>
-        <p:txBody>
-          <a:bodyPr>
-            <a:normAutofit/>
-          </a:bodyPr>
-          <a:lstStyle/>
-          <a:p>
-            <a:pPr marL="457200" indent="-457200">
-              <a:buFont typeface="+mj-lt"/>
-              <a:buAutoNum type="arabicPeriod"/>
-            </a:pPr>
-            <a:r>
-              <a:rPr lang="de-DE" dirty="0" smtClean="0"/>
-              <a:t>Wer ist </a:t>
-            </a:r>
-            <a:r>
-              <a:rPr lang="de-DE" dirty="0" err="1" smtClean="0"/>
-              <a:t>nappydevelopment</a:t>
-            </a:r>
-            <a:endParaRPr lang="de-DE" dirty="0" smtClean="0"/>
-          </a:p>
-          <a:p>
-            <a:pPr marL="457200" indent="-457200">
-              <a:buFont typeface="+mj-lt"/>
-              <a:buAutoNum type="arabicPeriod"/>
-            </a:pPr>
-            <a:r>
-              <a:rPr lang="de-DE" dirty="0" smtClean="0"/>
-              <a:t>Vision &amp; </a:t>
-            </a:r>
-            <a:r>
-              <a:rPr lang="de-DE" dirty="0" err="1" smtClean="0"/>
-              <a:t>Scope</a:t>
-            </a:r>
-            <a:endParaRPr lang="de-DE" dirty="0" smtClean="0"/>
-          </a:p>
-          <a:p>
-            <a:pPr marL="457200" indent="-457200">
-              <a:buFont typeface="+mj-lt"/>
-              <a:buAutoNum type="arabicPeriod"/>
-            </a:pPr>
-            <a:r>
-              <a:rPr lang="de-DE" dirty="0" smtClean="0"/>
-              <a:t>Software </a:t>
-            </a:r>
-            <a:r>
-              <a:rPr lang="de-DE" dirty="0" err="1" smtClean="0"/>
-              <a:t>Requirements</a:t>
-            </a:r>
-            <a:r>
-              <a:rPr lang="de-DE" dirty="0" smtClean="0"/>
-              <a:t> </a:t>
-            </a:r>
-            <a:r>
-              <a:rPr lang="de-DE" dirty="0" err="1" smtClean="0"/>
-              <a:t>Specification</a:t>
-            </a:r>
-            <a:endParaRPr lang="de-DE" dirty="0" smtClean="0"/>
-          </a:p>
-          <a:p>
-            <a:pPr marL="457200" indent="-457200">
-              <a:buFont typeface="+mj-lt"/>
-              <a:buAutoNum type="arabicPeriod"/>
-            </a:pPr>
-            <a:r>
-              <a:rPr lang="de-DE" dirty="0" smtClean="0"/>
-              <a:t>RUP &amp; </a:t>
-            </a:r>
-            <a:r>
-              <a:rPr lang="de-DE" dirty="0" err="1" smtClean="0"/>
-              <a:t>long</a:t>
-            </a:r>
-            <a:r>
-              <a:rPr lang="de-DE" dirty="0" smtClean="0"/>
-              <a:t>-term </a:t>
-            </a:r>
-            <a:r>
-              <a:rPr lang="de-DE" dirty="0" err="1" smtClean="0"/>
-              <a:t>planning</a:t>
-            </a:r>
-            <a:endParaRPr lang="de-DE" dirty="0" smtClean="0"/>
-          </a:p>
-          <a:p>
-            <a:pPr marL="457200" indent="-457200">
-              <a:buFont typeface="+mj-lt"/>
-              <a:buAutoNum type="arabicPeriod"/>
-            </a:pPr>
-            <a:r>
-              <a:rPr lang="de-DE" dirty="0" smtClean="0"/>
-              <a:t>JIRA</a:t>
-            </a:r>
-          </a:p>
-          <a:p>
-            <a:pPr marL="457200" indent="-457200">
-              <a:buFont typeface="+mj-lt"/>
-              <a:buAutoNum type="arabicPeriod"/>
-            </a:pPr>
-            <a:r>
-              <a:rPr lang="de-DE" dirty="0" err="1" smtClean="0"/>
-              <a:t>Riskmanagement</a:t>
-            </a:r>
-            <a:endParaRPr lang="de-DE" dirty="0" smtClean="0"/>
-          </a:p>
-        </p:txBody>
-      </p:sp>
-      <p:sp>
-        <p:nvSpPr>
-          <p:cNvPr id="4" name="Inhaltsplatzhalter 3"/>
-          <p:cNvSpPr>
-            <a:spLocks noGrp="1"/>
-          </p:cNvSpPr>
-          <p:nvPr>
-            <p:ph sz="half" idx="2"/>
-          </p:nvPr>
-        </p:nvSpPr>
-        <p:spPr/>
-        <p:txBody>
-          <a:bodyPr/>
-          <a:lstStyle/>
-          <a:p>
-            <a:pPr marL="457200" indent="-457200">
-              <a:buFont typeface="+mj-lt"/>
-              <a:buAutoNum type="arabicPeriod" startAt="7"/>
-            </a:pPr>
-            <a:r>
-              <a:rPr lang="de-DE" dirty="0" smtClean="0"/>
-              <a:t>Class Diagramm &amp; Architektur</a:t>
-            </a:r>
-          </a:p>
-          <a:p>
-            <a:pPr marL="457200" indent="-457200">
-              <a:buFont typeface="+mj-lt"/>
-              <a:buAutoNum type="arabicPeriod" startAt="7"/>
-            </a:pPr>
-            <a:r>
-              <a:rPr lang="de-DE" dirty="0" err="1" smtClean="0"/>
-              <a:t>Testing</a:t>
-            </a:r>
-            <a:endParaRPr lang="de-DE" dirty="0" smtClean="0"/>
-          </a:p>
-          <a:p>
-            <a:pPr marL="457200" indent="-457200">
-              <a:buFont typeface="+mj-lt"/>
-              <a:buAutoNum type="arabicPeriod" startAt="7"/>
-            </a:pPr>
-            <a:r>
-              <a:rPr lang="de-DE" dirty="0" smtClean="0"/>
-              <a:t>Algorithmus 1 + 2</a:t>
-            </a:r>
-            <a:endParaRPr lang="de-DE" dirty="0"/>
-          </a:p>
-          <a:p>
-            <a:pPr marL="457200" indent="-457200">
-              <a:buFont typeface="+mj-lt"/>
-              <a:buAutoNum type="arabicPeriod" startAt="7"/>
-            </a:pPr>
-            <a:r>
-              <a:rPr lang="de-DE" dirty="0" smtClean="0"/>
-              <a:t>Software Patterns</a:t>
-            </a:r>
-          </a:p>
-          <a:p>
-            <a:pPr marL="457200" indent="-457200">
-              <a:buFont typeface="+mj-lt"/>
-              <a:buAutoNum type="arabicPeriod" startAt="7"/>
-            </a:pPr>
-            <a:r>
-              <a:rPr lang="de-DE" dirty="0" err="1" smtClean="0"/>
-              <a:t>Metrics</a:t>
-            </a:r>
-            <a:endParaRPr lang="de-DE" dirty="0" smtClean="0"/>
-          </a:p>
-          <a:p>
-            <a:pPr marL="457200" indent="-457200">
-              <a:buFont typeface="+mj-lt"/>
-              <a:buAutoNum type="arabicPeriod" startAt="7"/>
-            </a:pPr>
-            <a:r>
-              <a:rPr lang="de-DE" dirty="0" smtClean="0"/>
-              <a:t>Demo</a:t>
-            </a:r>
-          </a:p>
-          <a:p>
-            <a:pPr marL="457200" indent="-457200">
-              <a:buFont typeface="+mj-lt"/>
-              <a:buAutoNum type="arabicPeriod" startAt="7"/>
-            </a:pPr>
-            <a:endParaRPr lang="de-DE" dirty="0" smtClean="0"/>
-          </a:p>
-          <a:p>
-            <a:pPr marL="457200" indent="-457200">
-              <a:buFont typeface="+mj-lt"/>
-              <a:buAutoNum type="arabicPeriod" startAt="7"/>
-            </a:pPr>
-            <a:endParaRPr lang="de-DE" dirty="0"/>
-          </a:p>
-        </p:txBody>
-      </p:sp>
-      <p:sp>
-        <p:nvSpPr>
-          <p:cNvPr id="5" name="Foliennummernplatzhalter 4"/>
-          <p:cNvSpPr>
-            <a:spLocks noGrp="1"/>
-          </p:cNvSpPr>
-          <p:nvPr>
-            <p:ph type="sldNum" sz="quarter" idx="12"/>
-          </p:nvPr>
-        </p:nvSpPr>
-        <p:spPr/>
-        <p:txBody>
-          <a:bodyPr/>
-          <a:lstStyle/>
-          <a:p>
-            <a:fld id="{BEA2534F-1EDD-48ED-BC5A-02D188FC5C63}" type="slidenum">
-              <a:rPr lang="de-DE" smtClean="0"/>
-              <a:t>2</a:t>
-            </a:fld>
-            <a:endParaRPr lang="de-DE" dirty="0"/>
-          </a:p>
-        </p:txBody>
-      </p:sp>
-    </p:spTree>
-    <p:extLst>
-      <p:ext uri="{BB962C8B-B14F-4D97-AF65-F5344CB8AC3E}">
-        <p14:creationId xmlns:p14="http://schemas.microsoft.com/office/powerpoint/2010/main" val="1682555625"/>
-      </p:ext>
-    </p:extLst>
-  </p:cSld>
-  <p:clrMapOvr>
-    <a:masterClrMapping/>
-  </p:clrMapOvr>
-  <p:timing>
-    <p:tnLst>
-      <p:par>
-        <p:cTn id="1" dur="indefinite" restart="never" nodeType="tmRoot"/>
-      </p:par>
-    </p:tnLst>
-  </p:timing>
-</p:sld>
-</file>
-
-<file path=ppt/slides/slide20.xml><?xml version="1.0" encoding="utf-8"?>
-<p:sld xmlns:a="http://schemas.openxmlformats.org/drawingml/2006/main" xmlns:r="http://schemas.openxmlformats.org/officeDocument/2006/relationships" xmlns:p="http://schemas.openxmlformats.org/presentationml/2006/main">
-  <p:cSld>
-    <p:spTree>
-      <p:nvGrpSpPr>
-        <p:cNvPr id="1" name=""/>
-        <p:cNvGrpSpPr/>
-        <p:nvPr/>
-      </p:nvGrpSpPr>
-      <p:grpSpPr>
-        <a:xfrm>
-          <a:off x="0" y="0"/>
-          <a:ext cx="0" cy="0"/>
-          <a:chOff x="0" y="0"/>
-          <a:chExt cx="0" cy="0"/>
-        </a:xfrm>
-      </p:grpSpPr>
-      <p:sp>
-        <p:nvSpPr>
-          <p:cNvPr id="2" name="Titel 1"/>
-          <p:cNvSpPr>
-            <a:spLocks noGrp="1"/>
-          </p:cNvSpPr>
-          <p:nvPr>
-            <p:ph type="title"/>
-          </p:nvPr>
-        </p:nvSpPr>
-        <p:spPr/>
-        <p:txBody>
-          <a:bodyPr/>
-          <a:lstStyle/>
-          <a:p>
-            <a:r>
-              <a:rPr lang="de-DE" dirty="0" smtClean="0">
-                <a:solidFill>
-                  <a:schemeClr val="bg1">
-                    <a:lumMod val="50000"/>
-                  </a:schemeClr>
-                </a:solidFill>
-              </a:rPr>
-              <a:t>SOFTWARE </a:t>
-            </a:r>
-            <a:br>
-              <a:rPr lang="de-DE" dirty="0" smtClean="0">
-                <a:solidFill>
-                  <a:schemeClr val="bg1">
-                    <a:lumMod val="50000"/>
-                  </a:schemeClr>
-                </a:solidFill>
-              </a:rPr>
-            </a:br>
-            <a:r>
-              <a:rPr lang="de-DE" dirty="0" smtClean="0">
-                <a:solidFill>
-                  <a:schemeClr val="bg1">
-                    <a:lumMod val="50000"/>
-                  </a:schemeClr>
-                </a:solidFill>
-              </a:rPr>
-              <a:t>PATTERNS</a:t>
-            </a:r>
-            <a:endParaRPr lang="de-DE" dirty="0"/>
-          </a:p>
-        </p:txBody>
-      </p:sp>
-      <p:sp>
-        <p:nvSpPr>
-          <p:cNvPr id="3" name="Inhaltsplatzhalter 2"/>
-          <p:cNvSpPr>
-            <a:spLocks noGrp="1"/>
-          </p:cNvSpPr>
-          <p:nvPr>
-            <p:ph idx="1"/>
-          </p:nvPr>
-        </p:nvSpPr>
-        <p:spPr/>
-        <p:txBody>
-          <a:bodyPr/>
-          <a:lstStyle/>
-          <a:p>
-            <a:pPr>
-              <a:buFont typeface="Courier New" panose="02070309020205020404" pitchFamily="49" charset="0"/>
-              <a:buChar char="o"/>
-            </a:pPr>
-            <a:r>
-              <a:rPr lang="de-DE" dirty="0" smtClean="0"/>
-              <a:t> State Pattern</a:t>
-            </a:r>
-          </a:p>
-          <a:p>
-            <a:pPr>
-              <a:buFont typeface="Courier New" panose="02070309020205020404" pitchFamily="49" charset="0"/>
-              <a:buChar char="o"/>
-            </a:pPr>
-            <a:r>
-              <a:rPr lang="de-DE" dirty="0"/>
-              <a:t> </a:t>
-            </a:r>
-            <a:endParaRPr lang="de-DE" dirty="0" smtClean="0"/>
-          </a:p>
-        </p:txBody>
-      </p:sp>
-      <p:sp>
-        <p:nvSpPr>
-          <p:cNvPr id="4" name="Foliennummernplatzhalter 3"/>
-          <p:cNvSpPr>
-            <a:spLocks noGrp="1"/>
-          </p:cNvSpPr>
-          <p:nvPr>
-            <p:ph type="sldNum" sz="quarter" idx="12"/>
-          </p:nvPr>
-        </p:nvSpPr>
-        <p:spPr/>
-        <p:txBody>
-          <a:bodyPr/>
-          <a:lstStyle/>
-          <a:p>
-            <a:fld id="{BEA2534F-1EDD-48ED-BC5A-02D188FC5C63}" type="slidenum">
-              <a:rPr lang="de-DE" smtClean="0"/>
-              <a:t>20</a:t>
-            </a:fld>
-            <a:endParaRPr lang="de-DE"/>
-          </a:p>
-        </p:txBody>
-      </p:sp>
-      <p:pic>
-        <p:nvPicPr>
-          <p:cNvPr id="6" name="Grafik 5" descr="after_pattern.png"/>
-          <p:cNvPicPr/>
-          <p:nvPr/>
-        </p:nvPicPr>
-        <p:blipFill>
-          <a:blip r:embed="rId3" cstate="print">
-            <a:extLst>
-              <a:ext uri="{28A0092B-C50C-407E-A947-70E740481C1C}">
-                <a14:useLocalDpi xmlns:a14="http://schemas.microsoft.com/office/drawing/2010/main" val="0"/>
-              </a:ext>
-            </a:extLst>
-          </a:blip>
-          <a:srcRect/>
-          <a:stretch>
-            <a:fillRect/>
-          </a:stretch>
-        </p:blipFill>
-        <p:spPr bwMode="auto">
-          <a:xfrm>
-            <a:off x="6077416" y="11151"/>
-            <a:ext cx="5969502" cy="6298240"/>
-          </a:xfrm>
-          <a:prstGeom prst="rect">
-            <a:avLst/>
-          </a:prstGeom>
-          <a:noFill/>
-          <a:ln>
-            <a:noFill/>
-          </a:ln>
-        </p:spPr>
-      </p:pic>
-    </p:spTree>
-    <p:extLst>
-      <p:ext uri="{BB962C8B-B14F-4D97-AF65-F5344CB8AC3E}">
-        <p14:creationId xmlns:p14="http://schemas.microsoft.com/office/powerpoint/2010/main" val="40514667"/>
-      </p:ext>
-    </p:extLst>
-  </p:cSld>
-  <p:clrMapOvr>
-    <a:masterClrMapping/>
-  </p:clrMapOvr>
-  <p:timing>
-    <p:tnLst>
-      <p:par>
-        <p:cTn id="1" dur="indefinite" restart="never" nodeType="tmRoot"/>
-      </p:par>
-    </p:tnLst>
-  </p:timing>
-</p:sld>
-</file>
-
-<file path=ppt/slides/slide21.xml><?xml version="1.0" encoding="utf-8"?>
-<p:sld xmlns:a="http://schemas.openxmlformats.org/drawingml/2006/main" xmlns:r="http://schemas.openxmlformats.org/officeDocument/2006/relationships" xmlns:p="http://schemas.openxmlformats.org/presentationml/2006/main">
-  <p:cSld>
-    <p:spTree>
-      <p:nvGrpSpPr>
-        <p:cNvPr id="1" name=""/>
-        <p:cNvGrpSpPr/>
-        <p:nvPr/>
-      </p:nvGrpSpPr>
-      <p:grpSpPr>
-        <a:xfrm>
-          <a:off x="0" y="0"/>
-          <a:ext cx="0" cy="0"/>
-          <a:chOff x="0" y="0"/>
-          <a:chExt cx="0" cy="0"/>
-        </a:xfrm>
-      </p:grpSpPr>
-      <p:sp>
-        <p:nvSpPr>
-          <p:cNvPr id="2" name="Titel 1"/>
-          <p:cNvSpPr>
-            <a:spLocks noGrp="1"/>
-          </p:cNvSpPr>
-          <p:nvPr>
-            <p:ph type="title"/>
-          </p:nvPr>
-        </p:nvSpPr>
-        <p:spPr/>
-        <p:txBody>
-          <a:bodyPr/>
-          <a:lstStyle/>
-          <a:p>
-            <a:r>
-              <a:rPr lang="de-DE" dirty="0" smtClean="0">
-                <a:solidFill>
-                  <a:schemeClr val="bg1">
-                    <a:lumMod val="50000"/>
-                  </a:schemeClr>
-                </a:solidFill>
-              </a:rPr>
-              <a:t>METRICS</a:t>
-            </a:r>
-            <a:endParaRPr lang="de-DE" dirty="0"/>
-          </a:p>
-        </p:txBody>
-      </p:sp>
-      <p:sp>
-        <p:nvSpPr>
-          <p:cNvPr id="3" name="Inhaltsplatzhalter 2"/>
-          <p:cNvSpPr>
-            <a:spLocks noGrp="1"/>
-          </p:cNvSpPr>
-          <p:nvPr>
-            <p:ph idx="1"/>
-          </p:nvPr>
-        </p:nvSpPr>
-        <p:spPr/>
-        <p:txBody>
-          <a:bodyPr/>
-          <a:lstStyle/>
-          <a:p>
-            <a:endParaRPr lang="de-DE" dirty="0"/>
-          </a:p>
-        </p:txBody>
-      </p:sp>
-      <p:sp>
-        <p:nvSpPr>
-          <p:cNvPr id="4" name="Foliennummernplatzhalter 3"/>
-          <p:cNvSpPr>
-            <a:spLocks noGrp="1"/>
-          </p:cNvSpPr>
-          <p:nvPr>
-            <p:ph type="sldNum" sz="quarter" idx="12"/>
-          </p:nvPr>
-        </p:nvSpPr>
-        <p:spPr/>
-        <p:txBody>
-          <a:bodyPr/>
-          <a:lstStyle/>
-          <a:p>
-            <a:fld id="{BEA2534F-1EDD-48ED-BC5A-02D188FC5C63}" type="slidenum">
-              <a:rPr lang="de-DE" smtClean="0"/>
-              <a:t>21</a:t>
-            </a:fld>
-            <a:endParaRPr lang="de-DE"/>
-          </a:p>
-        </p:txBody>
-      </p:sp>
-    </p:spTree>
-    <p:extLst>
-      <p:ext uri="{BB962C8B-B14F-4D97-AF65-F5344CB8AC3E}">
-        <p14:creationId xmlns:p14="http://schemas.microsoft.com/office/powerpoint/2010/main" val="1217544904"/>
-      </p:ext>
-    </p:extLst>
-  </p:cSld>
-  <p:clrMapOvr>
-    <a:masterClrMapping/>
-  </p:clrMapOvr>
-  <p:timing>
-    <p:tnLst>
-      <p:par>
-        <p:cTn id="1" dur="indefinite" restart="never" nodeType="tmRoot"/>
-      </p:par>
-    </p:tnLst>
-  </p:timing>
-</p:sld>
-</file>
-
-<file path=ppt/slides/slide22.xml><?xml version="1.0" encoding="utf-8"?>
-<p:sld xmlns:a="http://schemas.openxmlformats.org/drawingml/2006/main" xmlns:r="http://schemas.openxmlformats.org/officeDocument/2006/relationships" xmlns:p="http://schemas.openxmlformats.org/presentationml/2006/main">
-  <p:cSld>
-    <p:spTree>
-      <p:nvGrpSpPr>
-        <p:cNvPr id="1" name=""/>
-        <p:cNvGrpSpPr/>
-        <p:nvPr/>
-      </p:nvGrpSpPr>
-      <p:grpSpPr>
-        <a:xfrm>
-          <a:off x="0" y="0"/>
-          <a:ext cx="0" cy="0"/>
-          <a:chOff x="0" y="0"/>
-          <a:chExt cx="0" cy="0"/>
-        </a:xfrm>
-      </p:grpSpPr>
-      <p:sp>
-        <p:nvSpPr>
-          <p:cNvPr id="2" name="Titel 1"/>
-          <p:cNvSpPr>
-            <a:spLocks noGrp="1"/>
-          </p:cNvSpPr>
-          <p:nvPr>
-            <p:ph type="title"/>
-          </p:nvPr>
-        </p:nvSpPr>
-        <p:spPr/>
-        <p:txBody>
-          <a:bodyPr/>
-          <a:lstStyle/>
-          <a:p>
-            <a:r>
-              <a:rPr lang="de-DE" dirty="0" smtClean="0">
-                <a:solidFill>
-                  <a:schemeClr val="bg1">
-                    <a:lumMod val="50000"/>
-                  </a:schemeClr>
-                </a:solidFill>
-              </a:rPr>
               <a:t>DEMO – ENJOY </a:t>
             </a:r>
             <a:r>
@@ -9919,7 +11248,7 @@
           <a:p>
             <a:fld id="{BEA2534F-1EDD-48ED-BC5A-02D188FC5C63}" type="slidenum">
               <a:rPr lang="de-DE" smtClean="0"/>
-              <a:t>22</a:t>
+              <a:t>25</a:t>
             </a:fld>
             <a:endParaRPr lang="de-DE" dirty="0"/>
           </a:p>
@@ -9945,244 +11274,7 @@
 </p:sld>
 </file>
 
-<file path=ppt/slides/slide23.xml><?xml version="1.0" encoding="utf-8"?>
-<p:sld xmlns:a="http://schemas.openxmlformats.org/drawingml/2006/main" xmlns:r="http://schemas.openxmlformats.org/officeDocument/2006/relationships" xmlns:p="http://schemas.openxmlformats.org/presentationml/2006/main">
-  <p:cSld>
-    <p:spTree>
-      <p:nvGrpSpPr>
-        <p:cNvPr id="1" name=""/>
-        <p:cNvGrpSpPr/>
-        <p:nvPr/>
-      </p:nvGrpSpPr>
-      <p:grpSpPr>
-        <a:xfrm>
-          <a:off x="0" y="0"/>
-          <a:ext cx="0" cy="0"/>
-          <a:chOff x="0" y="0"/>
-          <a:chExt cx="0" cy="0"/>
-        </a:xfrm>
-      </p:grpSpPr>
-      <p:sp>
-        <p:nvSpPr>
-          <p:cNvPr id="2" name="Titel 1"/>
-          <p:cNvSpPr>
-            <a:spLocks noGrp="1"/>
-          </p:cNvSpPr>
-          <p:nvPr>
-            <p:ph type="title"/>
-          </p:nvPr>
-        </p:nvSpPr>
-        <p:spPr/>
-        <p:txBody>
-          <a:bodyPr/>
-          <a:lstStyle/>
-          <a:p>
-            <a:r>
-              <a:rPr lang="de-DE" smtClean="0">
-                <a:solidFill>
-                  <a:schemeClr val="bg1">
-                    <a:lumMod val="50000"/>
-                  </a:schemeClr>
-                </a:solidFill>
-              </a:rPr>
-              <a:t>LINKS</a:t>
-            </a:r>
-            <a:endParaRPr lang="de-DE" dirty="0">
-              <a:solidFill>
-                <a:schemeClr val="bg1">
-                  <a:lumMod val="50000"/>
-                </a:schemeClr>
-              </a:solidFill>
-            </a:endParaRPr>
-          </a:p>
-        </p:txBody>
-      </p:sp>
-      <p:sp>
-        <p:nvSpPr>
-          <p:cNvPr id="3" name="Inhaltsplatzhalter 2"/>
-          <p:cNvSpPr>
-            <a:spLocks noGrp="1"/>
-          </p:cNvSpPr>
-          <p:nvPr>
-            <p:ph idx="1"/>
-          </p:nvPr>
-        </p:nvSpPr>
-        <p:spPr/>
-        <p:txBody>
-          <a:bodyPr>
-            <a:normAutofit/>
-          </a:bodyPr>
-          <a:lstStyle/>
-          <a:p>
-            <a:r>
-              <a:rPr lang="de-DE" dirty="0" err="1" smtClean="0"/>
-              <a:t>GitHub</a:t>
-            </a:r>
-            <a:r>
-              <a:rPr lang="de-DE" dirty="0"/>
-              <a:t> – Code: </a:t>
-            </a:r>
-            <a:r>
-              <a:rPr lang="de-DE" dirty="0">
-                <a:hlinkClick r:id="rId2"/>
-              </a:rPr>
-              <a:t>https://</a:t>
-            </a:r>
-            <a:r>
-              <a:rPr lang="de-DE" dirty="0" smtClean="0">
-                <a:hlinkClick r:id="rId2"/>
-              </a:rPr>
-              <a:t>github.com/nappydevelopment/Nappy-the-ingenious</a:t>
-            </a:r>
-            <a:r>
-              <a:rPr lang="de-DE" dirty="0" smtClean="0"/>
-              <a:t> </a:t>
-            </a:r>
-          </a:p>
-          <a:p>
-            <a:r>
-              <a:rPr lang="de-DE" dirty="0" err="1" smtClean="0"/>
-              <a:t>GitHub</a:t>
-            </a:r>
-            <a:r>
-              <a:rPr lang="de-DE" dirty="0"/>
-              <a:t> – Doku: </a:t>
-            </a:r>
-            <a:r>
-              <a:rPr lang="de-DE" dirty="0">
-                <a:hlinkClick r:id="rId3"/>
-              </a:rPr>
-              <a:t>https://</a:t>
-            </a:r>
-            <a:r>
-              <a:rPr lang="de-DE" dirty="0" smtClean="0">
-                <a:hlinkClick r:id="rId3"/>
-              </a:rPr>
-              <a:t>github.com/nappydevelopment/docs</a:t>
-            </a:r>
-            <a:endParaRPr lang="de-DE" dirty="0" smtClean="0"/>
-          </a:p>
-          <a:p>
-            <a:r>
-              <a:rPr lang="de-DE" dirty="0"/>
-              <a:t>Blog: </a:t>
-            </a:r>
-            <a:r>
-              <a:rPr lang="de-DE" dirty="0">
-                <a:hlinkClick r:id="rId4"/>
-              </a:rPr>
-              <a:t>https://nappydevelopment.wordpress.com</a:t>
-            </a:r>
-            <a:r>
-              <a:rPr lang="de-DE" dirty="0" smtClean="0">
-                <a:hlinkClick r:id="rId4"/>
-              </a:rPr>
-              <a:t>/</a:t>
-            </a:r>
-            <a:r>
-              <a:rPr lang="de-DE" dirty="0" smtClean="0"/>
-              <a:t> </a:t>
-            </a:r>
-          </a:p>
-          <a:p>
-            <a:r>
-              <a:rPr lang="de-DE" dirty="0" smtClean="0"/>
-              <a:t>Gantt-Chart: </a:t>
-            </a:r>
-            <a:r>
-              <a:rPr lang="de-DE" dirty="0">
-                <a:hlinkClick r:id="rId5"/>
-              </a:rPr>
-              <a:t>https://github.com/nappydevelopment/docs/blob/master/pdfs/SE_GanttChart_UntilMidterm.pdf</a:t>
-            </a:r>
-            <a:r>
-              <a:rPr lang="de-DE" dirty="0"/>
-              <a:t> </a:t>
-            </a:r>
-            <a:endParaRPr lang="de-DE" dirty="0" smtClean="0"/>
-          </a:p>
-          <a:p>
-            <a:r>
-              <a:rPr lang="de-DE" dirty="0" smtClean="0"/>
-              <a:t>SRS</a:t>
-            </a:r>
-            <a:r>
-              <a:rPr lang="de-DE" dirty="0" smtClean="0"/>
-              <a:t>: </a:t>
-            </a:r>
-            <a:r>
-              <a:rPr lang="de-DE" dirty="0" smtClean="0">
-                <a:hlinkClick r:id="rId6"/>
-              </a:rPr>
-              <a:t>https</a:t>
-            </a:r>
-            <a:r>
-              <a:rPr lang="de-DE" dirty="0">
-                <a:hlinkClick r:id="rId6"/>
-              </a:rPr>
-              <a:t>://</a:t>
-            </a:r>
-            <a:r>
-              <a:rPr lang="de-DE" dirty="0" smtClean="0">
-                <a:hlinkClick r:id="rId6"/>
-              </a:rPr>
-              <a:t>github.com/nappydevelopment/docs/blob/master/pdfs/Software%20Requirements%20Specification.pdf</a:t>
-            </a:r>
-            <a:r>
-              <a:rPr lang="de-DE" dirty="0" smtClean="0"/>
-              <a:t> </a:t>
-            </a:r>
-            <a:endParaRPr lang="de-DE" dirty="0" smtClean="0"/>
-          </a:p>
-          <a:p>
-            <a:endParaRPr lang="de-DE" dirty="0"/>
-          </a:p>
-        </p:txBody>
-      </p:sp>
-      <p:sp>
-        <p:nvSpPr>
-          <p:cNvPr id="5" name="Foliennummernplatzhalter 4"/>
-          <p:cNvSpPr>
-            <a:spLocks noGrp="1"/>
-          </p:cNvSpPr>
-          <p:nvPr>
-            <p:ph type="sldNum" sz="quarter" idx="12"/>
-          </p:nvPr>
-        </p:nvSpPr>
-        <p:spPr/>
-        <p:txBody>
-          <a:bodyPr/>
-          <a:lstStyle/>
-          <a:p>
-            <a:fld id="{BEA2534F-1EDD-48ED-BC5A-02D188FC5C63}" type="slidenum">
-              <a:rPr lang="de-DE" smtClean="0"/>
-              <a:t>23</a:t>
-            </a:fld>
-            <a:endParaRPr lang="de-DE" dirty="0"/>
-          </a:p>
-        </p:txBody>
-      </p:sp>
-    </p:spTree>
-    <p:extLst>
-      <p:ext uri="{BB962C8B-B14F-4D97-AF65-F5344CB8AC3E}">
-        <p14:creationId xmlns:p14="http://schemas.microsoft.com/office/powerpoint/2010/main" val="1913881986"/>
-      </p:ext>
-    </p:extLst>
-  </p:cSld>
-  <p:clrMapOvr>
-    <a:masterClrMapping/>
-  </p:clrMapOvr>
-  <p:timing>
-    <p:tnLst>
-      <p:par>
-        <p:cTn id="1" dur="indefinite" restart="never" nodeType="tmRoot"/>
-      </p:par>
-    </p:tnLst>
-  </p:timing>
-</p:sld>
-</file>
-
-<file path=ppt/slides/slide24.xml><?xml version="1.0" encoding="utf-8"?>
+<file path=ppt/slides/slide26.xml><?xml version="1.0" encoding="utf-8"?>
 <p:sld xmlns:a="http://schemas.openxmlformats.org/drawingml/2006/main" xmlns:r="http://schemas.openxmlformats.org/officeDocument/2006/relationships" xmlns:p="http://schemas.openxmlformats.org/presentationml/2006/main">
   <p:cSld>
     <p:spTree>
@@ -10257,7 +11349,7 @@
           <a:p>
             <a:fld id="{BEA2534F-1EDD-48ED-BC5A-02D188FC5C63}" type="slidenum">
               <a:rPr lang="de-DE" smtClean="0"/>
-              <a:t>24</a:t>
+              <a:t>26</a:t>
             </a:fld>
             <a:endParaRPr lang="de-DE"/>
           </a:p>
@@ -10311,7 +11403,7 @@
 </p:sld>
 </file>
 
-<file path=ppt/slides/slide25.xml><?xml version="1.0" encoding="utf-8"?>
+<file path=ppt/slides/slide27.xml><?xml version="1.0" encoding="utf-8"?>
 <p:sld xmlns:a="http://schemas.openxmlformats.org/drawingml/2006/main" xmlns:r="http://schemas.openxmlformats.org/officeDocument/2006/relationships" xmlns:p="http://schemas.openxmlformats.org/presentationml/2006/main">
   <p:cSld>
     <p:spTree>
@@ -10345,7 +11437,7 @@
           <a:p>
             <a:fld id="{BEA2534F-1EDD-48ED-BC5A-02D188FC5C63}" type="slidenum">
               <a:rPr lang="de-DE" smtClean="0"/>
-              <a:t>25</a:t>
+              <a:t>27</a:t>
             </a:fld>
             <a:endParaRPr lang="de-DE"/>
           </a:p>
@@ -12200,6 +13292,16 @@
           <a:lstStyle/>
           <a:p>
             <a:r>
+              <a:rPr lang="de-DE" sz="4800" b="1" dirty="0" smtClean="0">
+                <a:solidFill>
+                  <a:schemeClr val="bg1">
+                    <a:lumMod val="50000"/>
+                  </a:schemeClr>
+                </a:solidFill>
+              </a:rPr>
+              <a:t>S</a:t>
+            </a:r>
+            <a:r>
               <a:rPr lang="de-DE" sz="4800" dirty="0" smtClean="0">
                 <a:solidFill>
                   <a:schemeClr val="bg1">
@@ -12207,7 +13309,17 @@
                   </a:schemeClr>
                 </a:solidFill>
               </a:rPr>
-              <a:t>Software </a:t>
+              <a:t>oftware </a:t>
+            </a:r>
+            <a:r>
+              <a:rPr lang="de-DE" sz="4800" b="1" dirty="0" err="1" smtClean="0">
+                <a:solidFill>
+                  <a:schemeClr val="bg1">
+                    <a:lumMod val="50000"/>
+                  </a:schemeClr>
+                </a:solidFill>
+              </a:rPr>
+              <a:t>R</a:t>
             </a:r>
             <a:r>
               <a:rPr lang="de-DE" sz="4800" dirty="0" err="1" smtClean="0">
@@ -12217,7 +13329,7 @@
                   </a:schemeClr>
                 </a:solidFill>
               </a:rPr>
-              <a:t>Requirements</a:t>
+              <a:t>equirements</a:t>
             </a:r>
             <a:r>
               <a:rPr lang="de-DE" sz="4800" dirty="0" smtClean="0">
@@ -12230,6 +13342,16 @@
               <a:t> </a:t>
             </a:r>
             <a:r>
+              <a:rPr lang="de-DE" sz="4800" b="1" dirty="0" err="1" smtClean="0">
+                <a:solidFill>
+                  <a:schemeClr val="bg1">
+                    <a:lumMod val="50000"/>
+                  </a:schemeClr>
+                </a:solidFill>
+              </a:rPr>
+              <a:t>S</a:t>
+            </a:r>
+            <a:r>
               <a:rPr lang="de-DE" sz="4800" dirty="0" err="1" smtClean="0">
                 <a:solidFill>
                   <a:schemeClr val="bg1">
@@ -12237,7 +13359,7 @@
                   </a:schemeClr>
                 </a:solidFill>
               </a:rPr>
-              <a:t>Specification</a:t>
+              <a:t>pecification</a:t>
             </a:r>
             <a:endParaRPr lang="de-DE" sz="4800" dirty="0">
               <a:solidFill>
@@ -12806,7 +13928,7 @@
                   </a:schemeClr>
                 </a:solidFill>
               </a:rPr>
-              <a:t>Non-functional Requirements</a:t>
+              <a:t>NON-FUNCTIONAL REQUIREMENTS</a:t>
             </a:r>
             <a:endParaRPr lang="en-US" dirty="0">
               <a:solidFill>
@@ -13013,6 +14135,116 @@
       </p:grpSpPr>
       <p:sp>
         <p:nvSpPr>
+          <p:cNvPr id="5" name="Titel 4"/>
+          <p:cNvSpPr>
+            <a:spLocks noGrp="1"/>
+          </p:cNvSpPr>
+          <p:nvPr>
+            <p:ph type="ctrTitle"/>
+          </p:nvPr>
+        </p:nvSpPr>
+        <p:spPr/>
+        <p:txBody>
+          <a:bodyPr>
+            <a:normAutofit/>
+          </a:bodyPr>
+          <a:lstStyle/>
+          <a:p>
+            <a:r>
+              <a:rPr lang="de-DE" sz="4800" dirty="0" smtClean="0">
+                <a:solidFill>
+                  <a:schemeClr val="bg1">
+                    <a:lumMod val="50000"/>
+                  </a:schemeClr>
+                </a:solidFill>
+              </a:rPr>
+              <a:t>PROJECT METHODOLOGY</a:t>
+            </a:r>
+            <a:endParaRPr lang="de-DE" sz="4800" dirty="0"/>
+          </a:p>
+        </p:txBody>
+      </p:sp>
+      <p:sp>
+        <p:nvSpPr>
+          <p:cNvPr id="6" name="Untertitel 5"/>
+          <p:cNvSpPr>
+            <a:spLocks noGrp="1"/>
+          </p:cNvSpPr>
+          <p:nvPr>
+            <p:ph type="subTitle" idx="1"/>
+          </p:nvPr>
+        </p:nvSpPr>
+        <p:spPr/>
+        <p:txBody>
+          <a:bodyPr/>
+          <a:lstStyle/>
+          <a:p>
+            <a:endParaRPr lang="de-DE"/>
+          </a:p>
+        </p:txBody>
+      </p:sp>
+      <p:sp>
+        <p:nvSpPr>
+          <p:cNvPr id="4" name="Foliennummernplatzhalter 3"/>
+          <p:cNvSpPr>
+            <a:spLocks noGrp="1"/>
+          </p:cNvSpPr>
+          <p:nvPr>
+            <p:ph type="sldNum" sz="quarter" idx="12"/>
+          </p:nvPr>
+        </p:nvSpPr>
+        <p:spPr/>
+        <p:txBody>
+          <a:bodyPr/>
+          <a:lstStyle/>
+          <a:p>
+            <a:fld id="{BEA2534F-1EDD-48ED-BC5A-02D188FC5C63}" type="slidenum">
+              <a:rPr lang="de-DE" smtClean="0"/>
+              <a:t>8</a:t>
+            </a:fld>
+            <a:endParaRPr lang="de-DE"/>
+          </a:p>
+        </p:txBody>
+      </p:sp>
+    </p:spTree>
+    <p:extLst>
+      <p:ext uri="{BB962C8B-B14F-4D97-AF65-F5344CB8AC3E}">
+        <p14:creationId xmlns:p14="http://schemas.microsoft.com/office/powerpoint/2010/main" val="379314019"/>
+      </p:ext>
+    </p:extLst>
+  </p:cSld>
+  <p:clrMapOvr>
+    <a:masterClrMapping/>
+  </p:clrMapOvr>
+  <p:timing>
+    <p:tnLst>
+      <p:par>
+        <p:cTn id="1" dur="indefinite" restart="never" nodeType="tmRoot"/>
+      </p:par>
+    </p:tnLst>
+  </p:timing>
+</p:sld>
+</file>
+
+<file path=ppt/slides/slide9.xml><?xml version="1.0" encoding="utf-8"?>
+<p:sld xmlns:a="http://schemas.openxmlformats.org/drawingml/2006/main" xmlns:r="http://schemas.openxmlformats.org/officeDocument/2006/relationships" xmlns:p="http://schemas.openxmlformats.org/presentationml/2006/main">
+  <p:cSld>
+    <p:spTree>
+      <p:nvGrpSpPr>
+        <p:cNvPr id="1" name=""/>
+        <p:cNvGrpSpPr/>
+        <p:nvPr/>
+      </p:nvGrpSpPr>
+      <p:grpSpPr>
+        <a:xfrm>
+          <a:off x="0" y="0"/>
+          <a:ext cx="0" cy="0"/>
+          <a:chOff x="0" y="0"/>
+          <a:chExt cx="0" cy="0"/>
+        </a:xfrm>
+      </p:grpSpPr>
+      <p:sp>
+        <p:nvSpPr>
           <p:cNvPr id="2" name="Titel 1"/>
           <p:cNvSpPr>
             <a:spLocks noGrp="1"/>
@@ -13121,7 +14353,7 @@
           <a:p>
             <a:fld id="{BEA2534F-1EDD-48ED-BC5A-02D188FC5C63}" type="slidenum">
               <a:rPr lang="de-DE" smtClean="0"/>
-              <a:t>8</a:t>
+              <a:t>9</a:t>
             </a:fld>
             <a:endParaRPr lang="de-DE" dirty="0"/>
           </a:p>
@@ -13161,142 +14393,6 @@
     <p:extLst>
       <p:ext uri="{BB962C8B-B14F-4D97-AF65-F5344CB8AC3E}">
         <p14:creationId xmlns:p14="http://schemas.microsoft.com/office/powerpoint/2010/main" val="1394839781"/>
-      </p:ext>
-    </p:extLst>
-  </p:cSld>
-  <p:clrMapOvr>
-    <a:masterClrMapping/>
-  </p:clrMapOvr>
-  <p:timing>
-    <p:tnLst>
-      <p:par>
-        <p:cTn id="1" dur="indefinite" restart="never" nodeType="tmRoot"/>
-      </p:par>
-    </p:tnLst>
-  </p:timing>
-</p:sld>
-</file>
-
-<file path=ppt/slides/slide9.xml><?xml version="1.0" encoding="utf-8"?>
-<p:sld xmlns:a="http://schemas.openxmlformats.org/drawingml/2006/main" xmlns:r="http://schemas.openxmlformats.org/officeDocument/2006/relationships" xmlns:p="http://schemas.openxmlformats.org/presentationml/2006/main">
-  <p:cSld>
-    <p:spTree>
-      <p:nvGrpSpPr>
-        <p:cNvPr id="1" name=""/>
-        <p:cNvGrpSpPr/>
-        <p:nvPr/>
-      </p:nvGrpSpPr>
-      <p:grpSpPr>
-        <a:xfrm>
-          <a:off x="0" y="0"/>
-          <a:ext cx="0" cy="0"/>
-          <a:chOff x="0" y="0"/>
-          <a:chExt cx="0" cy="0"/>
-        </a:xfrm>
-      </p:grpSpPr>
-      <p:sp>
-        <p:nvSpPr>
-          <p:cNvPr id="2" name="Titel 1"/>
-          <p:cNvSpPr>
-            <a:spLocks noGrp="1"/>
-          </p:cNvSpPr>
-          <p:nvPr>
-            <p:ph type="title"/>
-          </p:nvPr>
-        </p:nvSpPr>
-        <p:spPr/>
-        <p:txBody>
-          <a:bodyPr/>
-          <a:lstStyle/>
-          <a:p>
-            <a:r>
-              <a:rPr lang="de-DE" dirty="0" smtClean="0">
-                <a:solidFill>
-                  <a:schemeClr val="bg1">
-                    <a:lumMod val="50000"/>
-                  </a:schemeClr>
-                </a:solidFill>
-              </a:rPr>
-              <a:t>GANTT-CHART</a:t>
-            </a:r>
-            <a:endParaRPr lang="de-DE" dirty="0">
-              <a:solidFill>
-                <a:schemeClr val="bg1">
-                  <a:lumMod val="50000"/>
-                </a:schemeClr>
-              </a:solidFill>
-            </a:endParaRPr>
-          </a:p>
-        </p:txBody>
-      </p:sp>
-      <p:sp>
-        <p:nvSpPr>
-          <p:cNvPr id="5" name="Foliennummernplatzhalter 4"/>
-          <p:cNvSpPr>
-            <a:spLocks noGrp="1"/>
-          </p:cNvSpPr>
-          <p:nvPr>
-            <p:ph type="sldNum" sz="quarter" idx="12"/>
-          </p:nvPr>
-        </p:nvSpPr>
-        <p:spPr/>
-        <p:txBody>
-          <a:bodyPr/>
-          <a:lstStyle/>
-          <a:p>
-            <a:fld id="{BEA2534F-1EDD-48ED-BC5A-02D188FC5C63}" type="slidenum">
-              <a:rPr lang="de-DE" smtClean="0"/>
-              <a:t>9</a:t>
-            </a:fld>
-            <a:endParaRPr lang="de-DE" dirty="0"/>
-          </a:p>
-        </p:txBody>
-      </p:sp>
-      <p:pic>
-        <p:nvPicPr>
-          <p:cNvPr id="1026" name="Picture 2" descr="C:\Users\mincekara\Desktop\2015-12-09 12_53_18-Project Professional - SE_GanttChart.mpp.png"/>
-          <p:cNvPicPr>
-            <a:picLocks noChangeAspect="1" noChangeArrowheads="1"/>
-          </p:cNvPicPr>
-          <p:nvPr/>
-        </p:nvPicPr>
-        <p:blipFill>
-          <a:blip r:embed="rId3">
-            <a:extLst>
-              <a:ext uri="{28A0092B-C50C-407E-A947-70E740481C1C}">
-                <a14:useLocalDpi xmlns:a14="http://schemas.microsoft.com/office/drawing/2010/main" val="0"/>
-              </a:ext>
-            </a:extLst>
-          </a:blip>
-          <a:srcRect/>
-          <a:stretch>
-            <a:fillRect/>
-          </a:stretch>
-        </p:blipFill>
-        <p:spPr bwMode="auto">
-          <a:xfrm>
-            <a:off x="2651125" y="1863723"/>
-            <a:ext cx="6808561" cy="4013202"/>
-          </a:xfrm>
-          <a:prstGeom prst="rect">
-            <a:avLst/>
-          </a:prstGeom>
-          <a:noFill/>
-          <a:extLst>
-            <a:ext uri="{909E8E84-426E-40DD-AFC4-6F175D3DCCD1}">
-              <a14:hiddenFill xmlns:a14="http://schemas.microsoft.com/office/drawing/2010/main">
-                <a:solidFill>
-                  <a:srgbClr val="FFFFFF"/>
-                </a:solidFill>
-              </a14:hiddenFill>
-            </a:ext>
-          </a:extLst>
-        </p:spPr>
-      </p:pic>
-    </p:spTree>
-    <p:extLst>
-      <p:ext uri="{BB962C8B-B14F-4D97-AF65-F5344CB8AC3E}">
-        <p14:creationId xmlns:p14="http://schemas.microsoft.com/office/powerpoint/2010/main" val="1201528850"/>
       </p:ext>
     </p:extLst>
   </p:cSld>
@@ -13590,7 +14686,7 @@
   <a:extraClrSchemeLst/>
   <a:extLst>
     <a:ext uri="{05A4C25C-085E-4340-85A3-A5531E510DB2}">
-      <thm15:themeFamily xmlns="" xmlns:thm15="http://schemas.microsoft.com/office/thememl/2012/main" name="Retrospect" id="{5F128B03-DCCA-4EEB-AB3B-CF2899314A46}" vid="{3F1AAB62-24C6-49D2-8E01-B56FAC9A3DCD}"/>
+      <thm15:themeFamily xmlns:thm15="http://schemas.microsoft.com/office/thememl/2012/main" xmlns="" name="Retrospect" id="{5F128B03-DCCA-4EEB-AB3B-CF2899314A46}" vid="{3F1AAB62-24C6-49D2-8E01-B56FAC9A3DCD}"/>
     </a:ext>
   </a:extLst>
 </a:theme>
@@ -13851,7 +14947,7 @@
   <a:extraClrSchemeLst/>
   <a:extLst>
     <a:ext uri="{05A4C25C-085E-4340-85A3-A5531E510DB2}">
-      <thm15:themeFamily xmlns="" xmlns:thm15="http://schemas.microsoft.com/office/thememl/2012/main" name="Office Theme" id="{62F939B6-93AF-4DB8-9C6B-D6C7DFDC589F}" vid="{4A3C46E8-61CC-4603-A589-7422A47A8E4A}"/>
+      <thm15:themeFamily xmlns:thm15="http://schemas.microsoft.com/office/thememl/2012/main" xmlns="" name="Office Theme" id="{62F939B6-93AF-4DB8-9C6B-D6C7DFDC589F}" vid="{4A3C46E8-61CC-4603-A589-7422A47A8E4A}"/>
     </a:ext>
   </a:extLst>
 </a:theme>

--- a/presentation/Final/Final.pptx
+++ b/presentation/Final/Final.pptx
@@ -135,7 +135,7 @@
   </p:defaultTextStyle>
   <p:extLst>
     <p:ext uri="{EFAFB233-063F-42B5-8137-9DF3F51BA10A}">
-      <p15:sldGuideLst xmlns:p15="http://schemas.microsoft.com/office/powerpoint/2012/main" xmlns="">
+      <p15:sldGuideLst xmlns="" xmlns:p15="http://schemas.microsoft.com/office/powerpoint/2012/main">
         <p15:guide id="1" orient="horz" pos="2160">
           <p15:clr>
             <a:srgbClr val="A4A3A4"/>
@@ -316,11 +316,11 @@
           <c:showPercent val="0"/>
           <c:showBubbleSize val="0"/>
         </c:dLbls>
-        <c:axId val="84154240"/>
-        <c:axId val="84168704"/>
+        <c:axId val="84170624"/>
+        <c:axId val="84180992"/>
       </c:scatterChart>
       <c:valAx>
-        <c:axId val="84154240"/>
+        <c:axId val="84170624"/>
         <c:scaling>
           <c:orientation val="minMax"/>
         </c:scaling>
@@ -351,12 +351,12 @@
         <c:majorTickMark val="out"/>
         <c:minorTickMark val="none"/>
         <c:tickLblPos val="nextTo"/>
-        <c:crossAx val="84168704"/>
+        <c:crossAx val="84180992"/>
         <c:crosses val="autoZero"/>
         <c:crossBetween val="midCat"/>
       </c:valAx>
       <c:valAx>
-        <c:axId val="84168704"/>
+        <c:axId val="84180992"/>
         <c:scaling>
           <c:orientation val="minMax"/>
         </c:scaling>
@@ -392,7 +392,7 @@
             <a:noFill/>
           </a:ln>
         </c:spPr>
-        <c:crossAx val="84154240"/>
+        <c:crossAx val="84170624"/>
         <c:crosses val="autoZero"/>
         <c:crossBetween val="midCat"/>
       </c:valAx>
@@ -731,11 +731,11 @@
           <c:showPercent val="0"/>
           <c:showBubbleSize val="0"/>
         </c:dLbls>
-        <c:axId val="84208256"/>
-        <c:axId val="84546304"/>
+        <c:axId val="84744448"/>
+        <c:axId val="84751104"/>
       </c:scatterChart>
       <c:valAx>
-        <c:axId val="84208256"/>
+        <c:axId val="84744448"/>
         <c:scaling>
           <c:orientation val="minMax"/>
         </c:scaling>
@@ -764,12 +764,12 @@
         <c:majorTickMark val="none"/>
         <c:minorTickMark val="none"/>
         <c:tickLblPos val="nextTo"/>
-        <c:crossAx val="84546304"/>
+        <c:crossAx val="84751104"/>
         <c:crosses val="autoZero"/>
         <c:crossBetween val="midCat"/>
       </c:valAx>
       <c:valAx>
-        <c:axId val="84546304"/>
+        <c:axId val="84751104"/>
         <c:scaling>
           <c:orientation val="minMax"/>
         </c:scaling>
@@ -799,7 +799,7 @@
         <c:majorTickMark val="none"/>
         <c:minorTickMark val="none"/>
         <c:tickLblPos val="nextTo"/>
-        <c:crossAx val="84208256"/>
+        <c:crossAx val="84744448"/>
         <c:crosses val="autoZero"/>
         <c:crossBetween val="midCat"/>
       </c:valAx>
@@ -8324,6 +8324,47 @@
           </a:extLst>
         </p:spPr>
       </p:pic>
+      <p:pic>
+        <p:nvPicPr>
+          <p:cNvPr id="1026" name="Picture 2" descr="C:\Duales Studium\01 Theorie\4. Semester\03 Software Engineering\docs\presentation\Final\2016-06-14 20_16_58-[NAP-102] Travis Build Error_ master - JIRA.png"/>
+          <p:cNvPicPr>
+            <a:picLocks noChangeAspect="1" noChangeArrowheads="1"/>
+          </p:cNvPicPr>
+          <p:nvPr/>
+        </p:nvPicPr>
+        <p:blipFill>
+          <a:blip r:embed="rId4" cstate="print">
+            <a:extLst>
+              <a:ext uri="{28A0092B-C50C-407E-A947-70E740481C1C}">
+                <a14:useLocalDpi xmlns:a14="http://schemas.microsoft.com/office/drawing/2010/main" val="0"/>
+              </a:ext>
+            </a:extLst>
+          </a:blip>
+          <a:srcRect/>
+          <a:stretch>
+            <a:fillRect/>
+          </a:stretch>
+        </p:blipFill>
+        <p:spPr bwMode="auto">
+          <a:xfrm>
+            <a:off x="7957459" y="5162549"/>
+            <a:ext cx="3460977" cy="1147978"/>
+          </a:xfrm>
+          <a:prstGeom prst="rect">
+            <a:avLst/>
+          </a:prstGeom>
+          <a:noFill/>
+          <a:extLst>
+            <a:ext uri="{909E8E84-426E-40DD-AFC4-6F175D3DCCD1}">
+              <a14:hiddenFill xmlns:a14="http://schemas.microsoft.com/office/drawing/2010/main">
+                <a:solidFill>
+                  <a:srgbClr val="FFFFFF"/>
+                </a:solidFill>
+              </a14:hiddenFill>
+            </a:ext>
+          </a:extLst>
+        </p:spPr>
+      </p:pic>
     </p:spTree>
     <p:extLst>
       <p:ext uri="{BB962C8B-B14F-4D97-AF65-F5344CB8AC3E}">
@@ -8588,11 +8629,7 @@
             </a:pPr>
             <a:r>
               <a:rPr lang="de-DE" dirty="0" smtClean="0"/>
-              <a:t> Installation </a:t>
-            </a:r>
-            <a:r>
-              <a:rPr lang="de-DE" dirty="0" smtClean="0"/>
-              <a:t>Tests</a:t>
+              <a:t> Installation Tests</a:t>
             </a:r>
             <a:endParaRPr lang="de-DE" dirty="0"/>
           </a:p>
@@ -9907,7 +9944,6 @@
               <a:rPr lang="de-DE" dirty="0" smtClean="0"/>
               <a:t>Points</a:t>
             </a:r>
-            <a:endParaRPr lang="de-DE" dirty="0" smtClean="0"/>
           </a:p>
           <a:p>
             <a:pPr marL="749808" lvl="1" indent="-457200">
@@ -10429,17 +10465,7 @@
                   </a:schemeClr>
                 </a:solidFill>
               </a:rPr>
-              <a:t>CLASS </a:t>
-            </a:r>
-            <a:r>
-              <a:rPr lang="de-DE" dirty="0" smtClean="0">
-                <a:solidFill>
-                  <a:schemeClr val="bg1">
-                    <a:lumMod val="50000"/>
-                  </a:schemeClr>
-                </a:solidFill>
-              </a:rPr>
-              <a:t>DIAGRAM</a:t>
+              <a:t>CLASS DIAGRAM</a:t>
             </a:r>
             <a:endParaRPr lang="de-DE" dirty="0">
               <a:solidFill>
@@ -10731,7 +10757,6 @@
               <a:rPr lang="de-DE" dirty="0" smtClean="0"/>
               <a:t> 1 und 2</a:t>
             </a:r>
-            <a:endParaRPr lang="de-DE" dirty="0" smtClean="0"/>
           </a:p>
         </p:txBody>
       </p:sp>
@@ -14686,7 +14711,7 @@
   <a:extraClrSchemeLst/>
   <a:extLst>
     <a:ext uri="{05A4C25C-085E-4340-85A3-A5531E510DB2}">
-      <thm15:themeFamily xmlns:thm15="http://schemas.microsoft.com/office/thememl/2012/main" xmlns="" name="Retrospect" id="{5F128B03-DCCA-4EEB-AB3B-CF2899314A46}" vid="{3F1AAB62-24C6-49D2-8E01-B56FAC9A3DCD}"/>
+      <thm15:themeFamily xmlns="" xmlns:thm15="http://schemas.microsoft.com/office/thememl/2012/main" name="Retrospect" id="{5F128B03-DCCA-4EEB-AB3B-CF2899314A46}" vid="{3F1AAB62-24C6-49D2-8E01-B56FAC9A3DCD}"/>
     </a:ext>
   </a:extLst>
 </a:theme>
@@ -14947,7 +14972,7 @@
   <a:extraClrSchemeLst/>
   <a:extLst>
     <a:ext uri="{05A4C25C-085E-4340-85A3-A5531E510DB2}">
-      <thm15:themeFamily xmlns:thm15="http://schemas.microsoft.com/office/thememl/2012/main" xmlns="" name="Office Theme" id="{62F939B6-93AF-4DB8-9C6B-D6C7DFDC589F}" vid="{4A3C46E8-61CC-4603-A589-7422A47A8E4A}"/>
+      <thm15:themeFamily xmlns="" xmlns:thm15="http://schemas.microsoft.com/office/thememl/2012/main" name="Office Theme" id="{62F939B6-93AF-4DB8-9C6B-D6C7DFDC589F}" vid="{4A3C46E8-61CC-4603-A589-7422A47A8E4A}"/>
     </a:ext>
   </a:extLst>
 </a:theme>

--- a/presentation/Final/Final.pptx
+++ b/presentation/Final/Final.pptx
@@ -5,7 +5,7 @@
     <p:sldMasterId id="2147483684" r:id="rId1"/>
   </p:sldMasterIdLst>
   <p:notesMasterIdLst>
-    <p:notesMasterId r:id="rId29"/>
+    <p:notesMasterId r:id="rId32"/>
   </p:notesMasterIdLst>
   <p:sldIdLst>
     <p:sldId id="256" r:id="rId2"/>
@@ -33,8 +33,11 @@
     <p:sldId id="295" r:id="rId24"/>
     <p:sldId id="263" r:id="rId25"/>
     <p:sldId id="268" r:id="rId26"/>
-    <p:sldId id="277" r:id="rId27"/>
-    <p:sldId id="282" r:id="rId28"/>
+    <p:sldId id="296" r:id="rId27"/>
+    <p:sldId id="277" r:id="rId28"/>
+    <p:sldId id="282" r:id="rId29"/>
+    <p:sldId id="297" r:id="rId30"/>
+    <p:sldId id="298" r:id="rId31"/>
   </p:sldIdLst>
   <p:sldSz cx="12192000" cy="6858000"/>
   <p:notesSz cx="6858000" cy="9144000"/>
@@ -135,7 +138,7 @@
   </p:defaultTextStyle>
   <p:extLst>
     <p:ext uri="{EFAFB233-063F-42B5-8137-9DF3F51BA10A}">
-      <p15:sldGuideLst xmlns="" xmlns:p15="http://schemas.microsoft.com/office/powerpoint/2012/main">
+      <p15:sldGuideLst xmlns:p15="http://schemas.microsoft.com/office/powerpoint/2012/main">
         <p15:guide id="1" orient="horz" pos="2160">
           <p15:clr>
             <a:srgbClr val="A4A3A4"/>
@@ -153,7 +156,7 @@
 </file>
 
 <file path=ppt/charts/chart1.xml><?xml version="1.0" encoding="utf-8"?>
-<c:chartSpace xmlns:c="http://schemas.openxmlformats.org/drawingml/2006/chart" xmlns:a="http://schemas.openxmlformats.org/drawingml/2006/main" xmlns:r="http://schemas.openxmlformats.org/officeDocument/2006/relationships">
+<c:chartSpace xmlns:c="http://schemas.openxmlformats.org/drawingml/2006/chart" xmlns:a="http://schemas.openxmlformats.org/drawingml/2006/main" xmlns:r="http://schemas.openxmlformats.org/officeDocument/2006/relationships" xmlns:c16r2="http://schemas.microsoft.com/office/drawing/2015/06/chart">
   <c:date1904 val="0"/>
   <c:lang val="de-DE"/>
   <c:roundedCorners val="0"/>
@@ -201,7 +204,7 @@
               </c:spPr>
             </c:marker>
             <c:bubble3D val="0"/>
-            <c:extLst xmlns:c16r2="http://schemas.microsoft.com/office/drawing/2015/06/chart">
+            <c:extLst>
               <c:ext xmlns:c16="http://schemas.microsoft.com/office/drawing/2014/chart" uri="{C3380CC4-5D6E-409C-BE32-E72D297353CC}">
                 <c16:uniqueId val="{00000002-1185-4C1A-B1A4-BC1C676DBECF}"/>
               </c:ext>
@@ -217,7 +220,7 @@
               </c:spPr>
             </c:marker>
             <c:bubble3D val="0"/>
-            <c:extLst xmlns:c16r2="http://schemas.microsoft.com/office/drawing/2015/06/chart">
+            <c:extLst>
               <c:ext xmlns:c16="http://schemas.microsoft.com/office/drawing/2014/chart" uri="{C3380CC4-5D6E-409C-BE32-E72D297353CC}">
                 <c16:uniqueId val="{00000001-1185-4C1A-B1A4-BC1C676DBECF}"/>
               </c:ext>
@@ -233,7 +236,7 @@
               </c:spPr>
             </c:marker>
             <c:bubble3D val="0"/>
-            <c:extLst xmlns:c16r2="http://schemas.microsoft.com/office/drawing/2015/06/chart">
+            <c:extLst>
               <c:ext xmlns:c16="http://schemas.microsoft.com/office/drawing/2014/chart" uri="{C3380CC4-5D6E-409C-BE32-E72D297353CC}">
                 <c16:uniqueId val="{00000000-1185-4C1A-B1A4-BC1C676DBECF}"/>
               </c:ext>
@@ -302,7 +305,7 @@
             </c:numRef>
           </c:yVal>
           <c:smooth val="0"/>
-          <c:extLst xmlns:c16r2="http://schemas.microsoft.com/office/drawing/2015/06/chart">
+          <c:extLst>
             <c:ext xmlns:c16="http://schemas.microsoft.com/office/drawing/2014/chart" uri="{C3380CC4-5D6E-409C-BE32-E72D297353CC}">
               <c16:uniqueId val="{00000000-684E-462E-B6C5-08C4C156CB9E}"/>
             </c:ext>
@@ -452,7 +455,7 @@
 </file>
 
 <file path=ppt/charts/chart2.xml><?xml version="1.0" encoding="utf-8"?>
-<c:chartSpace xmlns:c="http://schemas.openxmlformats.org/drawingml/2006/chart" xmlns:a="http://schemas.openxmlformats.org/drawingml/2006/main" xmlns:r="http://schemas.openxmlformats.org/officeDocument/2006/relationships">
+<c:chartSpace xmlns:c="http://schemas.openxmlformats.org/drawingml/2006/chart" xmlns:a="http://schemas.openxmlformats.org/drawingml/2006/main" xmlns:r="http://schemas.openxmlformats.org/officeDocument/2006/relationships" xmlns:c16r2="http://schemas.microsoft.com/office/drawing/2015/06/chart">
   <c:date1904 val="0"/>
   <c:lang val="de-DE"/>
   <c:roundedCorners val="0"/>
@@ -549,7 +552,7 @@
             </c:numRef>
           </c:yVal>
           <c:smooth val="0"/>
-          <c:extLst xmlns:c16r2="http://schemas.microsoft.com/office/drawing/2015/06/chart">
+          <c:extLst>
             <c:ext xmlns:c16="http://schemas.microsoft.com/office/drawing/2014/chart" uri="{C3380CC4-5D6E-409C-BE32-E72D297353CC}">
               <c16:uniqueId val="{00000000-3913-4CCA-937B-BFE2918FD451}"/>
             </c:ext>
@@ -633,7 +636,7 @@
             </c:numRef>
           </c:yVal>
           <c:smooth val="0"/>
-          <c:extLst xmlns:c16r2="http://schemas.microsoft.com/office/drawing/2015/06/chart">
+          <c:extLst>
             <c:ext xmlns:c16="http://schemas.microsoft.com/office/drawing/2014/chart" uri="{C3380CC4-5D6E-409C-BE32-E72D297353CC}">
               <c16:uniqueId val="{00000001-3913-4CCA-937B-BFE2918FD451}"/>
             </c:ext>
@@ -717,7 +720,7 @@
             </c:numRef>
           </c:yVal>
           <c:smooth val="0"/>
-          <c:extLst xmlns:c16r2="http://schemas.microsoft.com/office/drawing/2015/06/chart">
+          <c:extLst>
             <c:ext xmlns:c16="http://schemas.microsoft.com/office/drawing/2014/chart" uri="{C3380CC4-5D6E-409C-BE32-E72D297353CC}">
               <c16:uniqueId val="{00000002-3913-4CCA-937B-BFE2918FD451}"/>
             </c:ext>
@@ -1592,7 +1595,7 @@
               <a:rPr lang="de-DE" smtClean="0"/>
               <a:t>16</a:t>
             </a:fld>
-            <a:endParaRPr lang="de-DE"/>
+            <a:endParaRPr lang="de-DE" dirty="0"/>
           </a:p>
         </p:txBody>
       </p:sp>
@@ -1680,7 +1683,7 @@
               <a:rPr lang="de-DE" smtClean="0"/>
               <a:t>17</a:t>
             </a:fld>
-            <a:endParaRPr lang="de-DE"/>
+            <a:endParaRPr lang="de-DE" dirty="0"/>
           </a:p>
         </p:txBody>
       </p:sp>
@@ -2303,6 +2306,270 @@
     <p:extLst>
       <p:ext uri="{BB962C8B-B14F-4D97-AF65-F5344CB8AC3E}">
         <p14:creationId xmlns:p14="http://schemas.microsoft.com/office/powerpoint/2010/main" val="3050164613"/>
+      </p:ext>
+    </p:extLst>
+  </p:cSld>
+  <p:clrMapOvr>
+    <a:masterClrMapping/>
+  </p:clrMapOvr>
+</p:notes>
+</file>
+
+<file path=ppt/notesSlides/notesSlide21.xml><?xml version="1.0" encoding="utf-8"?>
+<p:notes xmlns:a="http://schemas.openxmlformats.org/drawingml/2006/main" xmlns:r="http://schemas.openxmlformats.org/officeDocument/2006/relationships" xmlns:p="http://schemas.openxmlformats.org/presentationml/2006/main">
+  <p:cSld>
+    <p:spTree>
+      <p:nvGrpSpPr>
+        <p:cNvPr id="1" name=""/>
+        <p:cNvGrpSpPr/>
+        <p:nvPr/>
+      </p:nvGrpSpPr>
+      <p:grpSpPr>
+        <a:xfrm>
+          <a:off x="0" y="0"/>
+          <a:ext cx="0" cy="0"/>
+          <a:chOff x="0" y="0"/>
+          <a:chExt cx="0" cy="0"/>
+        </a:xfrm>
+      </p:grpSpPr>
+      <p:sp>
+        <p:nvSpPr>
+          <p:cNvPr id="2" name="Folienbildplatzhalter 1"/>
+          <p:cNvSpPr>
+            <a:spLocks noGrp="1" noRot="1" noChangeAspect="1"/>
+          </p:cNvSpPr>
+          <p:nvPr>
+            <p:ph type="sldImg"/>
+          </p:nvPr>
+        </p:nvSpPr>
+        <p:spPr/>
+      </p:sp>
+      <p:sp>
+        <p:nvSpPr>
+          <p:cNvPr id="3" name="Notizenplatzhalter 2"/>
+          <p:cNvSpPr>
+            <a:spLocks noGrp="1"/>
+          </p:cNvSpPr>
+          <p:nvPr>
+            <p:ph type="body" idx="1"/>
+          </p:nvPr>
+        </p:nvSpPr>
+        <p:spPr/>
+        <p:txBody>
+          <a:bodyPr/>
+          <a:lstStyle/>
+          <a:p>
+            <a:r>
+              <a:rPr lang="de-DE" dirty="0" smtClean="0"/>
+              <a:t>MANU</a:t>
+            </a:r>
+            <a:endParaRPr lang="de-DE" dirty="0"/>
+          </a:p>
+        </p:txBody>
+      </p:sp>
+      <p:sp>
+        <p:nvSpPr>
+          <p:cNvPr id="4" name="Foliennummernplatzhalter 3"/>
+          <p:cNvSpPr>
+            <a:spLocks noGrp="1"/>
+          </p:cNvSpPr>
+          <p:nvPr>
+            <p:ph type="sldNum" sz="quarter" idx="10"/>
+          </p:nvPr>
+        </p:nvSpPr>
+        <p:spPr/>
+        <p:txBody>
+          <a:bodyPr/>
+          <a:lstStyle/>
+          <a:p>
+            <a:fld id="{4C40B096-980F-4B1D-B616-BA01D9772A24}" type="slidenum">
+              <a:rPr lang="de-DE" smtClean="0"/>
+              <a:t>26</a:t>
+            </a:fld>
+            <a:endParaRPr lang="de-DE"/>
+          </a:p>
+        </p:txBody>
+      </p:sp>
+    </p:spTree>
+    <p:extLst>
+      <p:ext uri="{BB962C8B-B14F-4D97-AF65-F5344CB8AC3E}">
+        <p14:creationId xmlns:p14="http://schemas.microsoft.com/office/powerpoint/2010/main" val="1710683816"/>
+      </p:ext>
+    </p:extLst>
+  </p:cSld>
+  <p:clrMapOvr>
+    <a:masterClrMapping/>
+  </p:clrMapOvr>
+</p:notes>
+</file>
+
+<file path=ppt/notesSlides/notesSlide22.xml><?xml version="1.0" encoding="utf-8"?>
+<p:notes xmlns:a="http://schemas.openxmlformats.org/drawingml/2006/main" xmlns:r="http://schemas.openxmlformats.org/officeDocument/2006/relationships" xmlns:p="http://schemas.openxmlformats.org/presentationml/2006/main">
+  <p:cSld>
+    <p:spTree>
+      <p:nvGrpSpPr>
+        <p:cNvPr id="1" name=""/>
+        <p:cNvGrpSpPr/>
+        <p:nvPr/>
+      </p:nvGrpSpPr>
+      <p:grpSpPr>
+        <a:xfrm>
+          <a:off x="0" y="0"/>
+          <a:ext cx="0" cy="0"/>
+          <a:chOff x="0" y="0"/>
+          <a:chExt cx="0" cy="0"/>
+        </a:xfrm>
+      </p:grpSpPr>
+      <p:sp>
+        <p:nvSpPr>
+          <p:cNvPr id="2" name="Folienbildplatzhalter 1"/>
+          <p:cNvSpPr>
+            <a:spLocks noGrp="1" noRot="1" noChangeAspect="1"/>
+          </p:cNvSpPr>
+          <p:nvPr>
+            <p:ph type="sldImg"/>
+          </p:nvPr>
+        </p:nvSpPr>
+        <p:spPr/>
+      </p:sp>
+      <p:sp>
+        <p:nvSpPr>
+          <p:cNvPr id="3" name="Notizenplatzhalter 2"/>
+          <p:cNvSpPr>
+            <a:spLocks noGrp="1"/>
+          </p:cNvSpPr>
+          <p:nvPr>
+            <p:ph type="body" idx="1"/>
+          </p:nvPr>
+        </p:nvSpPr>
+        <p:spPr/>
+        <p:txBody>
+          <a:bodyPr/>
+          <a:lstStyle/>
+          <a:p>
+            <a:r>
+              <a:rPr lang="de-DE" dirty="0" smtClean="0"/>
+              <a:t>MANU</a:t>
+            </a:r>
+            <a:endParaRPr lang="de-DE" dirty="0"/>
+          </a:p>
+        </p:txBody>
+      </p:sp>
+      <p:sp>
+        <p:nvSpPr>
+          <p:cNvPr id="4" name="Foliennummernplatzhalter 3"/>
+          <p:cNvSpPr>
+            <a:spLocks noGrp="1"/>
+          </p:cNvSpPr>
+          <p:nvPr>
+            <p:ph type="sldNum" sz="quarter" idx="10"/>
+          </p:nvPr>
+        </p:nvSpPr>
+        <p:spPr/>
+        <p:txBody>
+          <a:bodyPr/>
+          <a:lstStyle/>
+          <a:p>
+            <a:fld id="{4C40B096-980F-4B1D-B616-BA01D9772A24}" type="slidenum">
+              <a:rPr lang="de-DE" smtClean="0"/>
+              <a:t>29</a:t>
+            </a:fld>
+            <a:endParaRPr lang="de-DE"/>
+          </a:p>
+        </p:txBody>
+      </p:sp>
+    </p:spTree>
+    <p:extLst>
+      <p:ext uri="{BB962C8B-B14F-4D97-AF65-F5344CB8AC3E}">
+        <p14:creationId xmlns:p14="http://schemas.microsoft.com/office/powerpoint/2010/main" val="3978802102"/>
+      </p:ext>
+    </p:extLst>
+  </p:cSld>
+  <p:clrMapOvr>
+    <a:masterClrMapping/>
+  </p:clrMapOvr>
+</p:notes>
+</file>
+
+<file path=ppt/notesSlides/notesSlide23.xml><?xml version="1.0" encoding="utf-8"?>
+<p:notes xmlns:a="http://schemas.openxmlformats.org/drawingml/2006/main" xmlns:r="http://schemas.openxmlformats.org/officeDocument/2006/relationships" xmlns:p="http://schemas.openxmlformats.org/presentationml/2006/main">
+  <p:cSld>
+    <p:spTree>
+      <p:nvGrpSpPr>
+        <p:cNvPr id="1" name=""/>
+        <p:cNvGrpSpPr/>
+        <p:nvPr/>
+      </p:nvGrpSpPr>
+      <p:grpSpPr>
+        <a:xfrm>
+          <a:off x="0" y="0"/>
+          <a:ext cx="0" cy="0"/>
+          <a:chOff x="0" y="0"/>
+          <a:chExt cx="0" cy="0"/>
+        </a:xfrm>
+      </p:grpSpPr>
+      <p:sp>
+        <p:nvSpPr>
+          <p:cNvPr id="2" name="Folienbildplatzhalter 1"/>
+          <p:cNvSpPr>
+            <a:spLocks noGrp="1" noRot="1" noChangeAspect="1"/>
+          </p:cNvSpPr>
+          <p:nvPr>
+            <p:ph type="sldImg"/>
+          </p:nvPr>
+        </p:nvSpPr>
+        <p:spPr/>
+      </p:sp>
+      <p:sp>
+        <p:nvSpPr>
+          <p:cNvPr id="3" name="Notizenplatzhalter 2"/>
+          <p:cNvSpPr>
+            <a:spLocks noGrp="1"/>
+          </p:cNvSpPr>
+          <p:nvPr>
+            <p:ph type="body" idx="1"/>
+          </p:nvPr>
+        </p:nvSpPr>
+        <p:spPr/>
+        <p:txBody>
+          <a:bodyPr/>
+          <a:lstStyle/>
+          <a:p>
+            <a:r>
+              <a:rPr lang="de-DE" dirty="0" smtClean="0"/>
+              <a:t>MANU</a:t>
+            </a:r>
+            <a:endParaRPr lang="de-DE" dirty="0"/>
+          </a:p>
+        </p:txBody>
+      </p:sp>
+      <p:sp>
+        <p:nvSpPr>
+          <p:cNvPr id="4" name="Foliennummernplatzhalter 3"/>
+          <p:cNvSpPr>
+            <a:spLocks noGrp="1"/>
+          </p:cNvSpPr>
+          <p:nvPr>
+            <p:ph type="sldNum" sz="quarter" idx="10"/>
+          </p:nvPr>
+        </p:nvSpPr>
+        <p:spPr/>
+        <p:txBody>
+          <a:bodyPr/>
+          <a:lstStyle/>
+          <a:p>
+            <a:fld id="{4C40B096-980F-4B1D-B616-BA01D9772A24}" type="slidenum">
+              <a:rPr lang="de-DE" smtClean="0"/>
+              <a:t>30</a:t>
+            </a:fld>
+            <a:endParaRPr lang="de-DE"/>
+          </a:p>
+        </p:txBody>
+      </p:sp>
+    </p:spTree>
+    <p:extLst>
+      <p:ext uri="{BB962C8B-B14F-4D97-AF65-F5344CB8AC3E}">
+        <p14:creationId xmlns:p14="http://schemas.microsoft.com/office/powerpoint/2010/main" val="3432888230"/>
       </p:ext>
     </p:extLst>
   </p:cSld>
@@ -8241,6 +8508,16 @@
           <a:lstStyle/>
           <a:p>
             <a:r>
+              <a:rPr lang="de-DE" dirty="0">
+                <a:solidFill>
+                  <a:schemeClr val="bg1">
+                    <a:lumMod val="50000"/>
+                  </a:schemeClr>
+                </a:solidFill>
+              </a:rPr>
+              <a:t>ENVIRONMENT, </a:t>
+            </a:r>
+            <a:r>
               <a:rPr lang="de-DE" dirty="0" smtClean="0">
                 <a:solidFill>
                   <a:schemeClr val="bg1">
@@ -8248,7 +8525,7 @@
                   </a:schemeClr>
                 </a:solidFill>
               </a:rPr>
-              <a:t>DEPLOYMENT</a:t>
+              <a:t>INTEGRATION AND AUTOMATION</a:t>
             </a:r>
             <a:endParaRPr lang="de-DE" dirty="0">
               <a:solidFill>
@@ -8365,6 +8642,47 @@
           </a:extLst>
         </p:spPr>
       </p:pic>
+      <p:pic>
+        <p:nvPicPr>
+          <p:cNvPr id="3" name="Picture 2" descr="https://cloud.google.com/tools/images/icon_IntelliJIDEA.png"/>
+          <p:cNvPicPr>
+            <a:picLocks noChangeAspect="1" noChangeArrowheads="1"/>
+          </p:cNvPicPr>
+          <p:nvPr/>
+        </p:nvPicPr>
+        <p:blipFill>
+          <a:blip r:embed="rId5" cstate="print">
+            <a:extLst>
+              <a:ext uri="{28A0092B-C50C-407E-A947-70E740481C1C}">
+                <a14:useLocalDpi xmlns:a14="http://schemas.microsoft.com/office/drawing/2010/main" val="0"/>
+              </a:ext>
+            </a:extLst>
+          </a:blip>
+          <a:srcRect/>
+          <a:stretch>
+            <a:fillRect/>
+          </a:stretch>
+        </p:blipFill>
+        <p:spPr bwMode="auto">
+          <a:xfrm>
+            <a:off x="3163115" y="5467350"/>
+            <a:ext cx="363538" cy="363538"/>
+          </a:xfrm>
+          <a:prstGeom prst="rect">
+            <a:avLst/>
+          </a:prstGeom>
+          <a:noFill/>
+          <a:extLst>
+            <a:ext uri="{909E8E84-426E-40DD-AFC4-6F175D3DCCD1}">
+              <a14:hiddenFill xmlns:a14="http://schemas.microsoft.com/office/drawing/2010/main">
+                <a:solidFill>
+                  <a:srgbClr val="FFFFFF"/>
+                </a:solidFill>
+              </a14:hiddenFill>
+            </a:ext>
+          </a:extLst>
+        </p:spPr>
+      </p:pic>
     </p:spTree>
     <p:extLst>
       <p:ext uri="{BB962C8B-B14F-4D97-AF65-F5344CB8AC3E}">
@@ -8450,7 +8768,7 @@
               <a:rPr lang="de-DE" smtClean="0"/>
               <a:t>17</a:t>
             </a:fld>
-            <a:endParaRPr lang="de-DE"/>
+            <a:endParaRPr lang="de-DE" dirty="0"/>
           </a:p>
         </p:txBody>
       </p:sp>
@@ -9912,8 +10230,8 @@
               <a:t>Project </a:t>
             </a:r>
             <a:r>
-              <a:rPr lang="de-DE" dirty="0" err="1" smtClean="0"/>
-              <a:t>Methodology</a:t>
+              <a:rPr lang="de-DE" dirty="0" smtClean="0"/>
+              <a:t>Management</a:t>
             </a:r>
             <a:endParaRPr lang="de-DE" dirty="0" smtClean="0"/>
           </a:p>
@@ -10001,16 +10319,21 @@
             </a:pPr>
             <a:r>
               <a:rPr lang="de-DE" dirty="0" smtClean="0"/>
-              <a:t>Automation </a:t>
+              <a:t>Environment, </a:t>
+            </a:r>
+            <a:r>
+              <a:rPr lang="de-DE" dirty="0" smtClean="0"/>
+              <a:t>Integration </a:t>
             </a:r>
             <a:r>
               <a:rPr lang="de-DE" dirty="0" err="1" smtClean="0"/>
               <a:t>and</a:t>
             </a:r>
             <a:r>
-              <a:rPr lang="de-DE" dirty="0" smtClean="0"/>
-              <a:t> Integration</a:t>
-            </a:r>
+              <a:rPr lang="de-DE" dirty="0" err="1" smtClean="0"/>
+              <a:t>Automation</a:t>
+            </a:r>
+            <a:endParaRPr lang="de-DE" dirty="0" smtClean="0"/>
           </a:p>
           <a:p>
             <a:pPr marL="749808" lvl="1" indent="-457200">
@@ -10329,7 +10652,7 @@
                   </a:schemeClr>
                 </a:solidFill>
               </a:rPr>
-              <a:t>ARCHITEKTUR</a:t>
+              <a:t>ARCHITECTURE</a:t>
             </a:r>
             <a:endParaRPr lang="de-DE" dirty="0">
               <a:solidFill>
@@ -11316,6 +11639,127 @@
           <a:chExt cx="0" cy="0"/>
         </a:xfrm>
       </p:grpSpPr>
+      <p:sp>
+        <p:nvSpPr>
+          <p:cNvPr id="2" name="Titel 1"/>
+          <p:cNvSpPr>
+            <a:spLocks noGrp="1"/>
+          </p:cNvSpPr>
+          <p:nvPr>
+            <p:ph type="title"/>
+          </p:nvPr>
+        </p:nvSpPr>
+        <p:spPr/>
+        <p:txBody>
+          <a:bodyPr/>
+          <a:lstStyle/>
+          <a:p>
+            <a:r>
+              <a:rPr lang="de-DE" dirty="0" smtClean="0">
+                <a:solidFill>
+                  <a:schemeClr val="bg1">
+                    <a:lumMod val="50000"/>
+                  </a:schemeClr>
+                </a:solidFill>
+              </a:rPr>
+              <a:t>AUSBLICK?</a:t>
+            </a:r>
+            <a:endParaRPr lang="de-DE" dirty="0">
+              <a:solidFill>
+                <a:schemeClr val="bg1">
+                  <a:lumMod val="50000"/>
+                </a:schemeClr>
+              </a:solidFill>
+            </a:endParaRPr>
+          </a:p>
+        </p:txBody>
+      </p:sp>
+      <p:sp>
+        <p:nvSpPr>
+          <p:cNvPr id="3" name="Inhaltsplatzhalter 2"/>
+          <p:cNvSpPr>
+            <a:spLocks noGrp="1"/>
+          </p:cNvSpPr>
+          <p:nvPr>
+            <p:ph idx="1"/>
+          </p:nvPr>
+        </p:nvSpPr>
+        <p:spPr>
+          <a:xfrm>
+            <a:off x="1097280" y="1845733"/>
+            <a:ext cx="10058400" cy="4685695"/>
+          </a:xfrm>
+        </p:spPr>
+        <p:txBody>
+          <a:bodyPr>
+            <a:normAutofit/>
+          </a:bodyPr>
+          <a:lstStyle/>
+          <a:p>
+            <a:endParaRPr lang="de-DE" dirty="0"/>
+          </a:p>
+        </p:txBody>
+      </p:sp>
+      <p:sp>
+        <p:nvSpPr>
+          <p:cNvPr id="5" name="Foliennummernplatzhalter 4"/>
+          <p:cNvSpPr>
+            <a:spLocks noGrp="1"/>
+          </p:cNvSpPr>
+          <p:nvPr>
+            <p:ph type="sldNum" sz="quarter" idx="12"/>
+          </p:nvPr>
+        </p:nvSpPr>
+        <p:spPr/>
+        <p:txBody>
+          <a:bodyPr/>
+          <a:lstStyle/>
+          <a:p>
+            <a:fld id="{BEA2534F-1EDD-48ED-BC5A-02D188FC5C63}" type="slidenum">
+              <a:rPr lang="de-DE" smtClean="0"/>
+              <a:t>26</a:t>
+            </a:fld>
+            <a:endParaRPr lang="de-DE" dirty="0"/>
+          </a:p>
+        </p:txBody>
+      </p:sp>
+    </p:spTree>
+    <p:extLst>
+      <p:ext uri="{BB962C8B-B14F-4D97-AF65-F5344CB8AC3E}">
+        <p14:creationId xmlns:p14="http://schemas.microsoft.com/office/powerpoint/2010/main" val="3074163556"/>
+      </p:ext>
+    </p:extLst>
+  </p:cSld>
+  <p:clrMapOvr>
+    <a:masterClrMapping/>
+  </p:clrMapOvr>
+  <p:timing>
+    <p:tnLst>
+      <p:par>
+        <p:cTn id="1" dur="indefinite" restart="never" nodeType="tmRoot"/>
+      </p:par>
+    </p:tnLst>
+  </p:timing>
+</p:sld>
+</file>
+
+<file path=ppt/slides/slide27.xml><?xml version="1.0" encoding="utf-8"?>
+<p:sld xmlns:a="http://schemas.openxmlformats.org/drawingml/2006/main" xmlns:r="http://schemas.openxmlformats.org/officeDocument/2006/relationships" xmlns:p="http://schemas.openxmlformats.org/presentationml/2006/main">
+  <p:cSld>
+    <p:spTree>
+      <p:nvGrpSpPr>
+        <p:cNvPr id="1" name=""/>
+        <p:cNvGrpSpPr/>
+        <p:nvPr/>
+      </p:nvGrpSpPr>
+      <p:grpSpPr>
+        <a:xfrm>
+          <a:off x="0" y="0"/>
+          <a:ext cx="0" cy="0"/>
+          <a:chOff x="0" y="0"/>
+          <a:chExt cx="0" cy="0"/>
+        </a:xfrm>
+      </p:grpSpPr>
       <p:pic>
         <p:nvPicPr>
           <p:cNvPr id="3074" name="Picture 2" descr="C:\Duales Studium\01 Theorie\4. Semester\03 Software Engineering\docs\logos\nappy2.png"/>
@@ -11374,7 +11818,7 @@
           <a:p>
             <a:fld id="{BEA2534F-1EDD-48ED-BC5A-02D188FC5C63}" type="slidenum">
               <a:rPr lang="de-DE" smtClean="0"/>
-              <a:t>26</a:t>
+              <a:t>27</a:t>
             </a:fld>
             <a:endParaRPr lang="de-DE"/>
           </a:p>
@@ -11428,7 +11872,7 @@
 </p:sld>
 </file>
 
-<file path=ppt/slides/slide27.xml><?xml version="1.0" encoding="utf-8"?>
+<file path=ppt/slides/slide28.xml><?xml version="1.0" encoding="utf-8"?>
 <p:sld xmlns:a="http://schemas.openxmlformats.org/drawingml/2006/main" xmlns:r="http://schemas.openxmlformats.org/officeDocument/2006/relationships" xmlns:p="http://schemas.openxmlformats.org/presentationml/2006/main">
   <p:cSld>
     <p:spTree>
@@ -11462,7 +11906,7 @@
           <a:p>
             <a:fld id="{BEA2534F-1EDD-48ED-BC5A-02D188FC5C63}" type="slidenum">
               <a:rPr lang="de-DE" smtClean="0"/>
-              <a:t>27</a:t>
+              <a:t>28</a:t>
             </a:fld>
             <a:endParaRPr lang="de-DE"/>
           </a:p>
@@ -11837,6 +12281,467 @@
 </p:sld>
 </file>
 
+<file path=ppt/slides/slide29.xml><?xml version="1.0" encoding="utf-8"?>
+<p:sld xmlns:a="http://schemas.openxmlformats.org/drawingml/2006/main" xmlns:r="http://schemas.openxmlformats.org/officeDocument/2006/relationships" xmlns:p="http://schemas.openxmlformats.org/presentationml/2006/main">
+  <p:cSld>
+    <p:spTree>
+      <p:nvGrpSpPr>
+        <p:cNvPr id="1" name=""/>
+        <p:cNvGrpSpPr/>
+        <p:nvPr/>
+      </p:nvGrpSpPr>
+      <p:grpSpPr>
+        <a:xfrm>
+          <a:off x="0" y="0"/>
+          <a:ext cx="0" cy="0"/>
+          <a:chOff x="0" y="0"/>
+          <a:chExt cx="0" cy="0"/>
+        </a:xfrm>
+      </p:grpSpPr>
+      <p:sp>
+        <p:nvSpPr>
+          <p:cNvPr id="2" name="Titel 1"/>
+          <p:cNvSpPr>
+            <a:spLocks noGrp="1"/>
+          </p:cNvSpPr>
+          <p:nvPr>
+            <p:ph type="title"/>
+          </p:nvPr>
+        </p:nvSpPr>
+        <p:spPr/>
+        <p:txBody>
+          <a:bodyPr/>
+          <a:lstStyle/>
+          <a:p>
+            <a:r>
+              <a:rPr lang="de-DE" dirty="0" smtClean="0">
+                <a:solidFill>
+                  <a:schemeClr val="bg1">
+                    <a:lumMod val="50000"/>
+                  </a:schemeClr>
+                </a:solidFill>
+              </a:rPr>
+              <a:t>LINKS</a:t>
+            </a:r>
+            <a:endParaRPr lang="de-DE" dirty="0">
+              <a:solidFill>
+                <a:schemeClr val="bg1">
+                  <a:lumMod val="50000"/>
+                </a:schemeClr>
+              </a:solidFill>
+            </a:endParaRPr>
+          </a:p>
+        </p:txBody>
+      </p:sp>
+      <p:sp>
+        <p:nvSpPr>
+          <p:cNvPr id="3" name="Inhaltsplatzhalter 2"/>
+          <p:cNvSpPr>
+            <a:spLocks noGrp="1"/>
+          </p:cNvSpPr>
+          <p:nvPr>
+            <p:ph idx="1"/>
+          </p:nvPr>
+        </p:nvSpPr>
+        <p:spPr>
+          <a:xfrm>
+            <a:off x="1097280" y="1731433"/>
+            <a:ext cx="10058400" cy="4355041"/>
+          </a:xfrm>
+        </p:spPr>
+        <p:txBody>
+          <a:bodyPr>
+            <a:noAutofit/>
+          </a:bodyPr>
+          <a:lstStyle/>
+          <a:p>
+            <a:r>
+              <a:rPr lang="de-DE" sz="1100" dirty="0"/>
+              <a:t>JIRA - </a:t>
+            </a:r>
+            <a:r>
+              <a:rPr lang="de-DE" sz="1100" dirty="0">
+                <a:hlinkClick r:id="rId3"/>
+              </a:rPr>
+              <a:t>http://</a:t>
+            </a:r>
+            <a:r>
+              <a:rPr lang="de-DE" sz="1100" dirty="0" smtClean="0">
+                <a:hlinkClick r:id="rId3"/>
+              </a:rPr>
+              <a:t>193.196.7.27:8080/secure/RapidBoard.jspa?rapidView=8&amp;projectKey=NAP&amp;view=planning</a:t>
+            </a:r>
+            <a:endParaRPr lang="de-DE" sz="1100" dirty="0" smtClean="0"/>
+          </a:p>
+          <a:p>
+            <a:r>
+              <a:rPr lang="de-DE" sz="1100" dirty="0" smtClean="0"/>
+              <a:t>Code </a:t>
+            </a:r>
+            <a:r>
+              <a:rPr lang="de-DE" sz="1100" dirty="0"/>
+              <a:t>- </a:t>
+            </a:r>
+            <a:r>
+              <a:rPr lang="de-DE" sz="1100" dirty="0">
+                <a:hlinkClick r:id="rId4"/>
+              </a:rPr>
+              <a:t>https://</a:t>
+            </a:r>
+            <a:r>
+              <a:rPr lang="de-DE" sz="1100" dirty="0" smtClean="0">
+                <a:hlinkClick r:id="rId4"/>
+              </a:rPr>
+              <a:t>github.com/nappydevelopment/Nappy-the-ingenious</a:t>
+            </a:r>
+            <a:r>
+              <a:rPr lang="de-DE" sz="1100" dirty="0" smtClean="0"/>
+              <a:t> </a:t>
+            </a:r>
+          </a:p>
+          <a:p>
+            <a:r>
+              <a:rPr lang="de-DE" sz="1100" dirty="0"/>
+              <a:t>Download - </a:t>
+            </a:r>
+            <a:r>
+              <a:rPr lang="de-DE" sz="1100" dirty="0">
+                <a:hlinkClick r:id="rId5"/>
+              </a:rPr>
+              <a:t>https://</a:t>
+            </a:r>
+            <a:r>
+              <a:rPr lang="de-DE" sz="1100" dirty="0" smtClean="0">
+                <a:hlinkClick r:id="rId5"/>
+              </a:rPr>
+              <a:t>github.com/nappydevelopment/Nappy-the-ingenious/blob/master/README.md</a:t>
+            </a:r>
+            <a:r>
+              <a:rPr lang="de-DE" sz="1100" dirty="0" smtClean="0"/>
+              <a:t> </a:t>
+            </a:r>
+          </a:p>
+          <a:p>
+            <a:r>
+              <a:rPr lang="de-DE" sz="1100" dirty="0"/>
+              <a:t>Coveralls - </a:t>
+            </a:r>
+            <a:r>
+              <a:rPr lang="de-DE" sz="1100" dirty="0">
+                <a:hlinkClick r:id="rId6"/>
+              </a:rPr>
+              <a:t>https://</a:t>
+            </a:r>
+            <a:r>
+              <a:rPr lang="de-DE" sz="1100" dirty="0" smtClean="0">
+                <a:hlinkClick r:id="rId6"/>
+              </a:rPr>
+              <a:t>coveralls.io/github/nappydevelopment/Nappy-the-ingenious?branch=master</a:t>
+            </a:r>
+            <a:r>
+              <a:rPr lang="de-DE" sz="1100" dirty="0" smtClean="0"/>
+              <a:t> </a:t>
+            </a:r>
+          </a:p>
+          <a:p>
+            <a:r>
+              <a:rPr lang="de-DE" sz="1100" dirty="0" err="1" smtClean="0"/>
+              <a:t>Codacy</a:t>
+            </a:r>
+            <a:r>
+              <a:rPr lang="de-DE" sz="1100" dirty="0"/>
+              <a:t> - </a:t>
+            </a:r>
+            <a:r>
+              <a:rPr lang="de-DE" sz="1100" dirty="0">
+                <a:hlinkClick r:id="rId7"/>
+              </a:rPr>
+              <a:t>https://</a:t>
+            </a:r>
+            <a:r>
+              <a:rPr lang="de-DE" sz="1100" dirty="0" smtClean="0">
+                <a:hlinkClick r:id="rId7"/>
+              </a:rPr>
+              <a:t>www.codacy.com/app/NappyDevelopment/Nappy-the-ingenious/dashboard</a:t>
+            </a:r>
+            <a:r>
+              <a:rPr lang="de-DE" sz="1100" dirty="0" smtClean="0"/>
+              <a:t> </a:t>
+            </a:r>
+          </a:p>
+          <a:p>
+            <a:r>
+              <a:rPr lang="de-DE" sz="1100" dirty="0" err="1" smtClean="0"/>
+              <a:t>SonarQube</a:t>
+            </a:r>
+            <a:r>
+              <a:rPr lang="de-DE" sz="1100" dirty="0"/>
+              <a:t> - </a:t>
+            </a:r>
+            <a:r>
+              <a:rPr lang="de-DE" sz="1100" dirty="0">
+                <a:hlinkClick r:id="rId8"/>
+              </a:rPr>
+              <a:t>http://</a:t>
+            </a:r>
+            <a:r>
+              <a:rPr lang="de-DE" sz="1100" dirty="0" smtClean="0">
+                <a:hlinkClick r:id="rId8"/>
+              </a:rPr>
+              <a:t>193.196.7.25/overview?id=5235</a:t>
+            </a:r>
+            <a:r>
+              <a:rPr lang="de-DE" sz="1100" dirty="0" smtClean="0"/>
+              <a:t> </a:t>
+            </a:r>
+          </a:p>
+          <a:p>
+            <a:r>
+              <a:rPr lang="de-DE" sz="1100" dirty="0"/>
+              <a:t>Blog - </a:t>
+            </a:r>
+            <a:r>
+              <a:rPr lang="de-DE" sz="1100" dirty="0">
+                <a:hlinkClick r:id="rId9"/>
+              </a:rPr>
+              <a:t>https://nappydevelopment.wordpress.com</a:t>
+            </a:r>
+            <a:r>
+              <a:rPr lang="de-DE" sz="1100" dirty="0" smtClean="0">
+                <a:hlinkClick r:id="rId9"/>
+              </a:rPr>
+              <a:t>/</a:t>
+            </a:r>
+            <a:r>
+              <a:rPr lang="de-DE" sz="1100" dirty="0" smtClean="0"/>
+              <a:t> </a:t>
+            </a:r>
+          </a:p>
+          <a:p>
+            <a:r>
+              <a:rPr lang="de-DE" sz="1100" dirty="0" smtClean="0"/>
+              <a:t>Blog </a:t>
+            </a:r>
+            <a:r>
+              <a:rPr lang="de-DE" sz="1100" dirty="0" err="1" smtClean="0"/>
+              <a:t>as</a:t>
+            </a:r>
+            <a:r>
+              <a:rPr lang="de-DE" sz="1100" dirty="0"/>
+              <a:t> PDF - </a:t>
+            </a:r>
+            <a:r>
+              <a:rPr lang="de-DE" sz="1100" dirty="0">
+                <a:hlinkClick r:id="rId10"/>
+              </a:rPr>
+              <a:t>https://</a:t>
+            </a:r>
+            <a:r>
+              <a:rPr lang="de-DE" sz="1100" dirty="0" smtClean="0">
+                <a:hlinkClick r:id="rId10"/>
+              </a:rPr>
+              <a:t>github.com/nappydevelopment/docs/blob/master/pdfs/Blog%20As%20Book.pdf</a:t>
+            </a:r>
+            <a:r>
+              <a:rPr lang="de-DE" sz="1100" dirty="0" smtClean="0"/>
+              <a:t> </a:t>
+            </a:r>
+          </a:p>
+          <a:p>
+            <a:r>
+              <a:rPr lang="de-DE" sz="1100" dirty="0" err="1" smtClean="0"/>
+              <a:t>Docs</a:t>
+            </a:r>
+            <a:r>
+              <a:rPr lang="de-DE" sz="1100" dirty="0" smtClean="0"/>
+              <a:t> </a:t>
+            </a:r>
+            <a:r>
+              <a:rPr lang="de-DE" sz="1100" dirty="0"/>
+              <a:t>- </a:t>
+            </a:r>
+            <a:r>
+              <a:rPr lang="de-DE" sz="1100" dirty="0">
+                <a:hlinkClick r:id="rId11"/>
+              </a:rPr>
+              <a:t>https://github.com/nappydevelopment/docs/</a:t>
+            </a:r>
+            <a:r>
+              <a:rPr lang="de-DE" sz="1100" dirty="0"/>
+              <a:t> </a:t>
+            </a:r>
+            <a:endParaRPr lang="de-DE" sz="1100" dirty="0" smtClean="0"/>
+          </a:p>
+          <a:p>
+            <a:r>
+              <a:rPr lang="de-DE" sz="1100" dirty="0"/>
+              <a:t>SRS - </a:t>
+            </a:r>
+            <a:r>
+              <a:rPr lang="de-DE" sz="1100" dirty="0">
+                <a:hlinkClick r:id="rId12"/>
+              </a:rPr>
+              <a:t>https://</a:t>
+            </a:r>
+            <a:r>
+              <a:rPr lang="de-DE" sz="1100" dirty="0" smtClean="0">
+                <a:hlinkClick r:id="rId12"/>
+              </a:rPr>
+              <a:t>github.com/nappydevelopment/docs/blob/master/pdfs/Software%20Requirements%20Specification.pdf</a:t>
+            </a:r>
+            <a:r>
+              <a:rPr lang="de-DE" sz="1100" dirty="0" smtClean="0"/>
+              <a:t> </a:t>
+            </a:r>
+          </a:p>
+          <a:p>
+            <a:r>
+              <a:rPr lang="de-DE" sz="1100" dirty="0"/>
+              <a:t>SAD - </a:t>
+            </a:r>
+            <a:r>
+              <a:rPr lang="de-DE" sz="1100" dirty="0">
+                <a:hlinkClick r:id="rId13"/>
+              </a:rPr>
+              <a:t>https://</a:t>
+            </a:r>
+            <a:r>
+              <a:rPr lang="de-DE" sz="1100" dirty="0" smtClean="0">
+                <a:hlinkClick r:id="rId13"/>
+              </a:rPr>
+              <a:t>github.com/nappydevelopment/docs/blob/master/pdfs/Software%20Architecture%20Document.pdf</a:t>
+            </a:r>
+            <a:r>
+              <a:rPr lang="de-DE" sz="1100" dirty="0" smtClean="0"/>
+              <a:t> </a:t>
+            </a:r>
+          </a:p>
+          <a:p>
+            <a:r>
+              <a:rPr lang="de-DE" sz="1100" dirty="0"/>
+              <a:t>Testplan - </a:t>
+            </a:r>
+            <a:r>
+              <a:rPr lang="de-DE" sz="1100" dirty="0">
+                <a:hlinkClick r:id="rId14"/>
+              </a:rPr>
+              <a:t>https://</a:t>
+            </a:r>
+            <a:r>
+              <a:rPr lang="de-DE" sz="1100" dirty="0" smtClean="0">
+                <a:hlinkClick r:id="rId14"/>
+              </a:rPr>
+              <a:t>github.com/nappydevelopment/docs/blob/master/pdfs/Test%20Plan.pdf</a:t>
+            </a:r>
+            <a:r>
+              <a:rPr lang="de-DE" sz="1100" dirty="0" smtClean="0"/>
+              <a:t> </a:t>
+            </a:r>
+          </a:p>
+          <a:p>
+            <a:r>
+              <a:rPr lang="de-DE" sz="1100" dirty="0" err="1" smtClean="0"/>
+              <a:t>Riskmanagement</a:t>
+            </a:r>
+            <a:r>
+              <a:rPr lang="de-DE" sz="1100" dirty="0"/>
+              <a:t> - </a:t>
+            </a:r>
+            <a:r>
+              <a:rPr lang="de-DE" sz="1100" dirty="0">
+                <a:hlinkClick r:id="rId15"/>
+              </a:rPr>
+              <a:t>https://</a:t>
+            </a:r>
+            <a:r>
+              <a:rPr lang="de-DE" sz="1100" dirty="0" smtClean="0">
+                <a:hlinkClick r:id="rId15"/>
+              </a:rPr>
+              <a:t>github.com/nappydevelopment/docs/blob/master/pdfs/Riskmanagment.pdf</a:t>
+            </a:r>
+            <a:r>
+              <a:rPr lang="de-DE" sz="1100" dirty="0" smtClean="0"/>
+              <a:t> </a:t>
+            </a:r>
+          </a:p>
+          <a:p>
+            <a:r>
+              <a:rPr lang="de-DE" sz="1100" dirty="0" err="1" smtClean="0"/>
+              <a:t>Function</a:t>
+            </a:r>
+            <a:r>
+              <a:rPr lang="de-DE" sz="1100" dirty="0" smtClean="0"/>
+              <a:t> </a:t>
+            </a:r>
+            <a:r>
+              <a:rPr lang="de-DE" sz="1100" dirty="0"/>
+              <a:t>Points - </a:t>
+            </a:r>
+            <a:r>
+              <a:rPr lang="de-DE" sz="1100" dirty="0">
+                <a:hlinkClick r:id="rId16"/>
+              </a:rPr>
+              <a:t>https://</a:t>
+            </a:r>
+            <a:r>
+              <a:rPr lang="de-DE" sz="1100" dirty="0" smtClean="0">
+                <a:hlinkClick r:id="rId16"/>
+              </a:rPr>
+              <a:t>github.com/nappydevelopment/docs/blob/master/pdfs/Usecase%20doc.pdf</a:t>
+            </a:r>
+            <a:endParaRPr lang="de-DE" sz="1100" dirty="0" smtClean="0"/>
+          </a:p>
+          <a:p>
+            <a:endParaRPr lang="de-DE" sz="1100" dirty="0" smtClean="0"/>
+          </a:p>
+          <a:p>
+            <a:endParaRPr lang="de-DE" sz="1100" dirty="0"/>
+          </a:p>
+        </p:txBody>
+      </p:sp>
+      <p:sp>
+        <p:nvSpPr>
+          <p:cNvPr id="5" name="Foliennummernplatzhalter 4"/>
+          <p:cNvSpPr>
+            <a:spLocks noGrp="1"/>
+          </p:cNvSpPr>
+          <p:nvPr>
+            <p:ph type="sldNum" sz="quarter" idx="12"/>
+          </p:nvPr>
+        </p:nvSpPr>
+        <p:spPr/>
+        <p:txBody>
+          <a:bodyPr/>
+          <a:lstStyle/>
+          <a:p>
+            <a:fld id="{BEA2534F-1EDD-48ED-BC5A-02D188FC5C63}" type="slidenum">
+              <a:rPr lang="de-DE" smtClean="0"/>
+              <a:t>29</a:t>
+            </a:fld>
+            <a:endParaRPr lang="de-DE" dirty="0"/>
+          </a:p>
+        </p:txBody>
+      </p:sp>
+    </p:spTree>
+    <p:extLst>
+      <p:ext uri="{BB962C8B-B14F-4D97-AF65-F5344CB8AC3E}">
+        <p14:creationId xmlns:p14="http://schemas.microsoft.com/office/powerpoint/2010/main" val="4156659667"/>
+      </p:ext>
+    </p:extLst>
+  </p:cSld>
+  <p:clrMapOvr>
+    <a:masterClrMapping/>
+  </p:clrMapOvr>
+  <p:timing>
+    <p:tnLst>
+      <p:par>
+        <p:cTn id="1" dur="indefinite" restart="never" nodeType="tmRoot"/>
+      </p:par>
+    </p:tnLst>
+  </p:timing>
+</p:sld>
+</file>
+
 <file path=ppt/slides/slide3.xml><?xml version="1.0" encoding="utf-8"?>
 <p:sld xmlns:a="http://schemas.openxmlformats.org/drawingml/2006/main" xmlns:r="http://schemas.openxmlformats.org/officeDocument/2006/relationships" xmlns:p="http://schemas.openxmlformats.org/presentationml/2006/main">
   <p:cSld>
@@ -11909,8 +12814,20 @@
                 <a:tableStyleId>{3B4B98B0-60AC-42C2-AFA5-B58CD77FA1E5}</a:tableStyleId>
               </a:tblPr>
               <a:tblGrid>
-                <a:gridCol w="4914900"/>
-                <a:gridCol w="4914900"/>
+                <a:gridCol w="4914900">
+                  <a:extLst>
+                    <a:ext uri="{9D8B030D-6E8A-4147-A177-3AD203B41FA5}">
+                      <a16:colId xmlns:a16="http://schemas.microsoft.com/office/drawing/2014/main" val="20000"/>
+                    </a:ext>
+                  </a:extLst>
+                </a:gridCol>
+                <a:gridCol w="4914900">
+                  <a:extLst>
+                    <a:ext uri="{9D8B030D-6E8A-4147-A177-3AD203B41FA5}">
+                      <a16:colId xmlns:a16="http://schemas.microsoft.com/office/drawing/2014/main" val="20001"/>
+                    </a:ext>
+                  </a:extLst>
+                </a:gridCol>
               </a:tblGrid>
               <a:tr h="391885">
                 <a:tc>
@@ -11977,6 +12894,11 @@
                   </a:txBody>
                   <a:tcPr marL="68580" marR="68580" marT="0" marB="0"/>
                 </a:tc>
+                <a:extLst>
+                  <a:ext uri="{0D108BD9-81ED-4DB2-BD59-A6C34878D82A}">
+                    <a16:rowId xmlns:a16="http://schemas.microsoft.com/office/drawing/2014/main" val="10000"/>
+                  </a:ext>
+                </a:extLst>
               </a:tr>
               <a:tr h="391885">
                 <a:tc>
@@ -12067,6 +12989,11 @@
                   </a:txBody>
                   <a:tcPr marL="68580" marR="68580" marT="0" marB="0"/>
                 </a:tc>
+                <a:extLst>
+                  <a:ext uri="{0D108BD9-81ED-4DB2-BD59-A6C34878D82A}">
+                    <a16:rowId xmlns:a16="http://schemas.microsoft.com/office/drawing/2014/main" val="10001"/>
+                  </a:ext>
+                </a:extLst>
               </a:tr>
               <a:tr h="391885">
                 <a:tc>
@@ -12128,6 +13055,11 @@
                   </a:txBody>
                   <a:tcPr marL="68580" marR="68580" marT="0" marB="0"/>
                 </a:tc>
+                <a:extLst>
+                  <a:ext uri="{0D108BD9-81ED-4DB2-BD59-A6C34878D82A}">
+                    <a16:rowId xmlns:a16="http://schemas.microsoft.com/office/drawing/2014/main" val="10002"/>
+                  </a:ext>
+                </a:extLst>
               </a:tr>
               <a:tr h="391885">
                 <a:tc>
@@ -12201,6 +13133,11 @@
                   </a:txBody>
                   <a:tcPr marL="68580" marR="68580" marT="0" marB="0"/>
                 </a:tc>
+                <a:extLst>
+                  <a:ext uri="{0D108BD9-81ED-4DB2-BD59-A6C34878D82A}">
+                    <a16:rowId xmlns:a16="http://schemas.microsoft.com/office/drawing/2014/main" val="10003"/>
+                  </a:ext>
+                </a:extLst>
               </a:tr>
               <a:tr h="391885">
                 <a:tc>
@@ -12262,6 +13199,11 @@
                   </a:txBody>
                   <a:tcPr marL="68580" marR="68580" marT="0" marB="0"/>
                 </a:tc>
+                <a:extLst>
+                  <a:ext uri="{0D108BD9-81ED-4DB2-BD59-A6C34878D82A}">
+                    <a16:rowId xmlns:a16="http://schemas.microsoft.com/office/drawing/2014/main" val="10004"/>
+                  </a:ext>
+                </a:extLst>
               </a:tr>
               <a:tr h="391885">
                 <a:tc>
@@ -12325,6 +13267,11 @@
                   </a:txBody>
                   <a:tcPr marL="68580" marR="68580" marT="0" marB="0"/>
                 </a:tc>
+                <a:extLst>
+                  <a:ext uri="{0D108BD9-81ED-4DB2-BD59-A6C34878D82A}">
+                    <a16:rowId xmlns:a16="http://schemas.microsoft.com/office/drawing/2014/main" val="10005"/>
+                  </a:ext>
+                </a:extLst>
               </a:tr>
               <a:tr h="391885">
                 <a:tc>
@@ -12400,6 +13347,11 @@
                   </a:txBody>
                   <a:tcPr marL="68580" marR="68580" marT="0" marB="0"/>
                 </a:tc>
+                <a:extLst>
+                  <a:ext uri="{0D108BD9-81ED-4DB2-BD59-A6C34878D82A}">
+                    <a16:rowId xmlns:a16="http://schemas.microsoft.com/office/drawing/2014/main" val="10006"/>
+                  </a:ext>
+                </a:extLst>
               </a:tr>
               <a:tr h="391885">
                 <a:tc>
@@ -12461,6 +13413,11 @@
                   </a:txBody>
                   <a:tcPr marL="68580" marR="68580" marT="0" marB="0"/>
                 </a:tc>
+                <a:extLst>
+                  <a:ext uri="{0D108BD9-81ED-4DB2-BD59-A6C34878D82A}">
+                    <a16:rowId xmlns:a16="http://schemas.microsoft.com/office/drawing/2014/main" val="10007"/>
+                  </a:ext>
+                </a:extLst>
               </a:tr>
               <a:tr h="391885">
                 <a:tc>
@@ -12543,6 +13500,11 @@
                   </a:txBody>
                   <a:tcPr marL="68580" marR="68580" marT="0" marB="0"/>
                 </a:tc>
+                <a:extLst>
+                  <a:ext uri="{0D108BD9-81ED-4DB2-BD59-A6C34878D82A}">
+                    <a16:rowId xmlns:a16="http://schemas.microsoft.com/office/drawing/2014/main" val="10008"/>
+                  </a:ext>
+                </a:extLst>
               </a:tr>
               <a:tr h="391885">
                 <a:tc>
@@ -12625,6 +13587,11 @@
                   </a:txBody>
                   <a:tcPr marL="68580" marR="68580" marT="0" marB="0"/>
                 </a:tc>
+                <a:extLst>
+                  <a:ext uri="{0D108BD9-81ED-4DB2-BD59-A6C34878D82A}">
+                    <a16:rowId xmlns:a16="http://schemas.microsoft.com/office/drawing/2014/main" val="10009"/>
+                  </a:ext>
+                </a:extLst>
               </a:tr>
             </a:tbl>
           </a:graphicData>
@@ -12657,6 +13624,43 @@
     <p:extLst>
       <p:ext uri="{BB962C8B-B14F-4D97-AF65-F5344CB8AC3E}">
         <p14:creationId xmlns:p14="http://schemas.microsoft.com/office/powerpoint/2010/main" val="3108508054"/>
+      </p:ext>
+    </p:extLst>
+  </p:cSld>
+  <p:clrMapOvr>
+    <a:masterClrMapping/>
+  </p:clrMapOvr>
+  <p:timing>
+    <p:tnLst>
+      <p:par>
+        <p:cTn id="1" dur="indefinite" restart="never" nodeType="tmRoot"/>
+      </p:par>
+    </p:tnLst>
+  </p:timing>
+</p:sld>
+</file>
+
+<file path=ppt/slides/slide30.xml><?xml version="1.0" encoding="utf-8"?>
+<p:sld xmlns:a="http://schemas.openxmlformats.org/drawingml/2006/main" xmlns:r="http://schemas.openxmlformats.org/officeDocument/2006/relationships" xmlns:p="http://schemas.openxmlformats.org/presentationml/2006/main">
+  <p:cSld>
+    <p:spTree>
+      <p:nvGrpSpPr>
+        <p:cNvPr id="1" name=""/>
+        <p:cNvGrpSpPr/>
+        <p:nvPr/>
+      </p:nvGrpSpPr>
+      <p:grpSpPr>
+        <a:xfrm>
+          <a:off x="0" y="0"/>
+          <a:ext cx="0" cy="0"/>
+          <a:chOff x="0" y="0"/>
+          <a:chExt cx="0" cy="0"/>
+        </a:xfrm>
+      </p:grpSpPr>
+    </p:spTree>
+    <p:extLst>
+      <p:ext uri="{BB962C8B-B14F-4D97-AF65-F5344CB8AC3E}">
+        <p14:creationId xmlns:p14="http://schemas.microsoft.com/office/powerpoint/2010/main" val="1963750634"/>
       </p:ext>
     </p:extLst>
   </p:cSld>
@@ -13893,6 +14897,36 @@
           </a:p>
         </p:txBody>
       </p:sp>
+      <p:pic>
+        <p:nvPicPr>
+          <p:cNvPr id="8" name="Grafik 7"/>
+          <p:cNvPicPr>
+            <a:picLocks noChangeAspect="1"/>
+          </p:cNvPicPr>
+          <p:nvPr/>
+        </p:nvPicPr>
+        <p:blipFill>
+          <a:blip r:embed="rId4">
+            <a:extLst>
+              <a:ext uri="{28A0092B-C50C-407E-A947-70E740481C1C}">
+                <a14:useLocalDpi xmlns:a14="http://schemas.microsoft.com/office/drawing/2010/main" val="0"/>
+              </a:ext>
+            </a:extLst>
+          </a:blip>
+          <a:stretch>
+            <a:fillRect/>
+          </a:stretch>
+        </p:blipFill>
+        <p:spPr>
+          <a:xfrm>
+            <a:off x="-3992563" y="-18576"/>
+            <a:ext cx="3944938" cy="6858000"/>
+          </a:xfrm>
+          <a:prstGeom prst="rect">
+            <a:avLst/>
+          </a:prstGeom>
+        </p:spPr>
+      </p:pic>
     </p:spTree>
     <p:extLst>
       <p:ext uri="{BB962C8B-B14F-4D97-AF65-F5344CB8AC3E}">
@@ -13906,7 +14940,70 @@
   <p:timing>
     <p:tnLst>
       <p:par>
-        <p:cTn id="1" dur="indefinite" restart="never" nodeType="tmRoot"/>
+        <p:cTn id="1" dur="indefinite" restart="never" nodeType="tmRoot">
+          <p:childTnLst>
+            <p:seq concurrent="1" nextAc="seek">
+              <p:cTn id="2" dur="indefinite" nodeType="mainSeq">
+                <p:childTnLst>
+                  <p:par>
+                    <p:cTn id="3" fill="hold">
+                      <p:stCondLst>
+                        <p:cond delay="indefinite"/>
+                      </p:stCondLst>
+                      <p:childTnLst>
+                        <p:par>
+                          <p:cTn id="4" fill="hold">
+                            <p:stCondLst>
+                              <p:cond delay="0"/>
+                            </p:stCondLst>
+                            <p:childTnLst>
+                              <p:par>
+                                <p:cTn id="5" presetID="42" presetClass="path" presetSubtype="0" accel="50000" decel="50000" fill="hold" nodeType="clickEffect">
+                                  <p:stCondLst>
+                                    <p:cond delay="0"/>
+                                  </p:stCondLst>
+                                  <p:childTnLst>
+                                    <p:animMotion origin="layout" path="M -5E-6 -2.22222E-6 L 1.32995 -0.00208 " pathEditMode="relative" rAng="0" ptsTypes="AA">
+                                      <p:cBhvr>
+                                        <p:cTn id="6" dur="1000" fill="hold"/>
+                                        <p:tgtEl>
+                                          <p:spTgt spid="8"/>
+                                        </p:tgtEl>
+                                        <p:attrNameLst>
+                                          <p:attrName>ppt_x</p:attrName>
+                                          <p:attrName>ppt_y</p:attrName>
+                                        </p:attrNameLst>
+                                      </p:cBhvr>
+                                      <p:rCtr x="66497" y="-116"/>
+                                    </p:animMotion>
+                                  </p:childTnLst>
+                                </p:cTn>
+                              </p:par>
+                            </p:childTnLst>
+                          </p:cTn>
+                        </p:par>
+                      </p:childTnLst>
+                    </p:cTn>
+                  </p:par>
+                </p:childTnLst>
+              </p:cTn>
+              <p:prevCondLst>
+                <p:cond evt="onPrev" delay="0">
+                  <p:tgtEl>
+                    <p:sldTgt/>
+                  </p:tgtEl>
+                </p:cond>
+              </p:prevCondLst>
+              <p:nextCondLst>
+                <p:cond evt="onNext" delay="0">
+                  <p:tgtEl>
+                    <p:sldTgt/>
+                  </p:tgtEl>
+                </p:cond>
+              </p:nextCondLst>
+            </p:seq>
+          </p:childTnLst>
+        </p:cTn>
       </p:par>
     </p:tnLst>
   </p:timing>
@@ -14183,7 +15280,17 @@
                   </a:schemeClr>
                 </a:solidFill>
               </a:rPr>
-              <a:t>PROJECT METHODOLOGY</a:t>
+              <a:t>PROJECT </a:t>
+            </a:r>
+            <a:r>
+              <a:rPr lang="de-DE" sz="4800" dirty="0" smtClean="0">
+                <a:solidFill>
+                  <a:schemeClr val="bg1">
+                    <a:lumMod val="50000"/>
+                  </a:schemeClr>
+                </a:solidFill>
+              </a:rPr>
+              <a:t>MANAGEMENT</a:t>
             </a:r>
             <a:endParaRPr lang="de-DE" sz="4800" dirty="0"/>
           </a:p>
@@ -14711,7 +15818,7 @@
   <a:extraClrSchemeLst/>
   <a:extLst>
     <a:ext uri="{05A4C25C-085E-4340-85A3-A5531E510DB2}">
-      <thm15:themeFamily xmlns="" xmlns:thm15="http://schemas.microsoft.com/office/thememl/2012/main" name="Retrospect" id="{5F128B03-DCCA-4EEB-AB3B-CF2899314A46}" vid="{3F1AAB62-24C6-49D2-8E01-B56FAC9A3DCD}"/>
+      <thm15:themeFamily xmlns:thm15="http://schemas.microsoft.com/office/thememl/2012/main" name="Retrospect" id="{5F128B03-DCCA-4EEB-AB3B-CF2899314A46}" vid="{3F1AAB62-24C6-49D2-8E01-B56FAC9A3DCD}"/>
     </a:ext>
   </a:extLst>
 </a:theme>
@@ -14972,7 +16079,7 @@
   <a:extraClrSchemeLst/>
   <a:extLst>
     <a:ext uri="{05A4C25C-085E-4340-85A3-A5531E510DB2}">
-      <thm15:themeFamily xmlns="" xmlns:thm15="http://schemas.microsoft.com/office/thememl/2012/main" name="Office Theme" id="{62F939B6-93AF-4DB8-9C6B-D6C7DFDC589F}" vid="{4A3C46E8-61CC-4603-A589-7422A47A8E4A}"/>
+      <thm15:themeFamily xmlns:thm15="http://schemas.microsoft.com/office/thememl/2012/main" name="Office Theme" id="{62F939B6-93AF-4DB8-9C6B-D6C7DFDC589F}" vid="{4A3C46E8-61CC-4603-A589-7422A47A8E4A}"/>
     </a:ext>
   </a:extLst>
 </a:theme>

--- a/presentation/Final/Final.pptx
+++ b/presentation/Final/Final.pptx
@@ -138,7 +138,7 @@
   </p:defaultTextStyle>
   <p:extLst>
     <p:ext uri="{EFAFB233-063F-42B5-8137-9DF3F51BA10A}">
-      <p15:sldGuideLst xmlns:p15="http://schemas.microsoft.com/office/powerpoint/2012/main">
+      <p15:sldGuideLst xmlns:p15="http://schemas.microsoft.com/office/powerpoint/2012/main" xmlns="">
         <p15:guide id="1" orient="horz" pos="2160">
           <p15:clr>
             <a:srgbClr val="A4A3A4"/>
@@ -156,7 +156,7 @@
 </file>
 
 <file path=ppt/charts/chart1.xml><?xml version="1.0" encoding="utf-8"?>
-<c:chartSpace xmlns:c="http://schemas.openxmlformats.org/drawingml/2006/chart" xmlns:a="http://schemas.openxmlformats.org/drawingml/2006/main" xmlns:r="http://schemas.openxmlformats.org/officeDocument/2006/relationships" xmlns:c16r2="http://schemas.microsoft.com/office/drawing/2015/06/chart">
+<c:chartSpace xmlns:c="http://schemas.openxmlformats.org/drawingml/2006/chart" xmlns:a="http://schemas.openxmlformats.org/drawingml/2006/main" xmlns:r="http://schemas.openxmlformats.org/officeDocument/2006/relationships">
   <c:date1904 val="0"/>
   <c:lang val="de-DE"/>
   <c:roundedCorners val="0"/>
@@ -204,7 +204,7 @@
               </c:spPr>
             </c:marker>
             <c:bubble3D val="0"/>
-            <c:extLst>
+            <c:extLst xmlns:c16r2="http://schemas.microsoft.com/office/drawing/2015/06/chart">
               <c:ext xmlns:c16="http://schemas.microsoft.com/office/drawing/2014/chart" uri="{C3380CC4-5D6E-409C-BE32-E72D297353CC}">
                 <c16:uniqueId val="{00000002-1185-4C1A-B1A4-BC1C676DBECF}"/>
               </c:ext>
@@ -220,7 +220,7 @@
               </c:spPr>
             </c:marker>
             <c:bubble3D val="0"/>
-            <c:extLst>
+            <c:extLst xmlns:c16r2="http://schemas.microsoft.com/office/drawing/2015/06/chart">
               <c:ext xmlns:c16="http://schemas.microsoft.com/office/drawing/2014/chart" uri="{C3380CC4-5D6E-409C-BE32-E72D297353CC}">
                 <c16:uniqueId val="{00000001-1185-4C1A-B1A4-BC1C676DBECF}"/>
               </c:ext>
@@ -236,7 +236,7 @@
               </c:spPr>
             </c:marker>
             <c:bubble3D val="0"/>
-            <c:extLst>
+            <c:extLst xmlns:c16r2="http://schemas.microsoft.com/office/drawing/2015/06/chart">
               <c:ext xmlns:c16="http://schemas.microsoft.com/office/drawing/2014/chart" uri="{C3380CC4-5D6E-409C-BE32-E72D297353CC}">
                 <c16:uniqueId val="{00000000-1185-4C1A-B1A4-BC1C676DBECF}"/>
               </c:ext>
@@ -305,7 +305,7 @@
             </c:numRef>
           </c:yVal>
           <c:smooth val="0"/>
-          <c:extLst>
+          <c:extLst xmlns:c16r2="http://schemas.microsoft.com/office/drawing/2015/06/chart">
             <c:ext xmlns:c16="http://schemas.microsoft.com/office/drawing/2014/chart" uri="{C3380CC4-5D6E-409C-BE32-E72D297353CC}">
               <c16:uniqueId val="{00000000-684E-462E-B6C5-08C4C156CB9E}"/>
             </c:ext>
@@ -319,11 +319,11 @@
           <c:showPercent val="0"/>
           <c:showBubbleSize val="0"/>
         </c:dLbls>
-        <c:axId val="84170624"/>
-        <c:axId val="84180992"/>
+        <c:axId val="117262208"/>
+        <c:axId val="117272576"/>
       </c:scatterChart>
       <c:valAx>
-        <c:axId val="84170624"/>
+        <c:axId val="117262208"/>
         <c:scaling>
           <c:orientation val="minMax"/>
         </c:scaling>
@@ -354,12 +354,12 @@
         <c:majorTickMark val="out"/>
         <c:minorTickMark val="none"/>
         <c:tickLblPos val="nextTo"/>
-        <c:crossAx val="84180992"/>
+        <c:crossAx val="117272576"/>
         <c:crosses val="autoZero"/>
         <c:crossBetween val="midCat"/>
       </c:valAx>
       <c:valAx>
-        <c:axId val="84180992"/>
+        <c:axId val="117272576"/>
         <c:scaling>
           <c:orientation val="minMax"/>
         </c:scaling>
@@ -395,7 +395,7 @@
             <a:noFill/>
           </a:ln>
         </c:spPr>
-        <c:crossAx val="84170624"/>
+        <c:crossAx val="117262208"/>
         <c:crosses val="autoZero"/>
         <c:crossBetween val="midCat"/>
       </c:valAx>
@@ -455,7 +455,7 @@
 </file>
 
 <file path=ppt/charts/chart2.xml><?xml version="1.0" encoding="utf-8"?>
-<c:chartSpace xmlns:c="http://schemas.openxmlformats.org/drawingml/2006/chart" xmlns:a="http://schemas.openxmlformats.org/drawingml/2006/main" xmlns:r="http://schemas.openxmlformats.org/officeDocument/2006/relationships" xmlns:c16r2="http://schemas.microsoft.com/office/drawing/2015/06/chart">
+<c:chartSpace xmlns:c="http://schemas.openxmlformats.org/drawingml/2006/chart" xmlns:a="http://schemas.openxmlformats.org/drawingml/2006/main" xmlns:r="http://schemas.openxmlformats.org/officeDocument/2006/relationships">
   <c:date1904 val="0"/>
   <c:lang val="de-DE"/>
   <c:roundedCorners val="0"/>
@@ -552,7 +552,7 @@
             </c:numRef>
           </c:yVal>
           <c:smooth val="0"/>
-          <c:extLst>
+          <c:extLst xmlns:c16r2="http://schemas.microsoft.com/office/drawing/2015/06/chart">
             <c:ext xmlns:c16="http://schemas.microsoft.com/office/drawing/2014/chart" uri="{C3380CC4-5D6E-409C-BE32-E72D297353CC}">
               <c16:uniqueId val="{00000000-3913-4CCA-937B-BFE2918FD451}"/>
             </c:ext>
@@ -636,7 +636,7 @@
             </c:numRef>
           </c:yVal>
           <c:smooth val="0"/>
-          <c:extLst>
+          <c:extLst xmlns:c16r2="http://schemas.microsoft.com/office/drawing/2015/06/chart">
             <c:ext xmlns:c16="http://schemas.microsoft.com/office/drawing/2014/chart" uri="{C3380CC4-5D6E-409C-BE32-E72D297353CC}">
               <c16:uniqueId val="{00000001-3913-4CCA-937B-BFE2918FD451}"/>
             </c:ext>
@@ -720,7 +720,7 @@
             </c:numRef>
           </c:yVal>
           <c:smooth val="0"/>
-          <c:extLst>
+          <c:extLst xmlns:c16r2="http://schemas.microsoft.com/office/drawing/2015/06/chart">
             <c:ext xmlns:c16="http://schemas.microsoft.com/office/drawing/2014/chart" uri="{C3380CC4-5D6E-409C-BE32-E72D297353CC}">
               <c16:uniqueId val="{00000002-3913-4CCA-937B-BFE2918FD451}"/>
             </c:ext>
@@ -734,11 +734,11 @@
           <c:showPercent val="0"/>
           <c:showBubbleSize val="0"/>
         </c:dLbls>
-        <c:axId val="84744448"/>
-        <c:axId val="84751104"/>
+        <c:axId val="117836800"/>
+        <c:axId val="117846784"/>
       </c:scatterChart>
       <c:valAx>
-        <c:axId val="84744448"/>
+        <c:axId val="117836800"/>
         <c:scaling>
           <c:orientation val="minMax"/>
         </c:scaling>
@@ -767,12 +767,12 @@
         <c:majorTickMark val="none"/>
         <c:minorTickMark val="none"/>
         <c:tickLblPos val="nextTo"/>
-        <c:crossAx val="84751104"/>
+        <c:crossAx val="117846784"/>
         <c:crosses val="autoZero"/>
         <c:crossBetween val="midCat"/>
       </c:valAx>
       <c:valAx>
-        <c:axId val="84751104"/>
+        <c:axId val="117846784"/>
         <c:scaling>
           <c:orientation val="minMax"/>
         </c:scaling>
@@ -802,7 +802,7 @@
         <c:majorTickMark val="none"/>
         <c:minorTickMark val="none"/>
         <c:tickLblPos val="nextTo"/>
-        <c:crossAx val="84744448"/>
+        <c:crossAx val="117836800"/>
         <c:crosses val="autoZero"/>
         <c:crossBetween val="midCat"/>
       </c:valAx>
@@ -904,7 +904,7 @@
           <a:p>
             <a:fld id="{C0A0DE52-51EE-48D6-A3E1-906697FA33DC}" type="datetimeFigureOut">
               <a:rPr lang="de-DE" smtClean="0"/>
-              <a:t>15.06.2016</a:t>
+              <a:t>16.06.2016</a:t>
             </a:fld>
             <a:endParaRPr lang="de-DE"/>
           </a:p>
@@ -3421,7 +3421,7 @@
           <a:p>
             <a:fld id="{CD6A7F28-3C18-4912-BB88-C12E8A59C161}" type="datetime1">
               <a:rPr lang="de-DE" smtClean="0"/>
-              <a:t>15.06.2016</a:t>
+              <a:t>16.06.2016</a:t>
             </a:fld>
             <a:endParaRPr lang="de-DE"/>
           </a:p>
@@ -3629,7 +3629,7 @@
           <a:p>
             <a:fld id="{81756F6A-7B7A-43DC-82F3-7E01290D98B1}" type="datetime1">
               <a:rPr lang="de-DE" smtClean="0"/>
-              <a:t>15.06.2016</a:t>
+              <a:t>16.06.2016</a:t>
             </a:fld>
             <a:endParaRPr lang="de-DE"/>
           </a:p>
@@ -3885,7 +3885,7 @@
           <a:p>
             <a:fld id="{EC2FC49F-B693-49DD-9D20-5804A0A01324}" type="datetime1">
               <a:rPr lang="de-DE" smtClean="0"/>
-              <a:t>15.06.2016</a:t>
+              <a:t>16.06.2016</a:t>
             </a:fld>
             <a:endParaRPr lang="de-DE"/>
           </a:p>
@@ -4059,7 +4059,7 @@
           <a:p>
             <a:fld id="{39DE121D-6ED8-4B94-81EB-4100FF3C215B}" type="datetime1">
               <a:rPr lang="de-DE" smtClean="0"/>
-              <a:t>15.06.2016</a:t>
+              <a:t>16.06.2016</a:t>
             </a:fld>
             <a:endParaRPr lang="de-DE"/>
           </a:p>
@@ -4402,7 +4402,7 @@
           <a:p>
             <a:fld id="{0A509442-0934-434D-8753-E55E764C75F3}" type="datetime1">
               <a:rPr lang="de-DE" smtClean="0"/>
-              <a:t>15.06.2016</a:t>
+              <a:t>16.06.2016</a:t>
             </a:fld>
             <a:endParaRPr lang="de-DE"/>
           </a:p>
@@ -4677,7 +4677,7 @@
           <a:p>
             <a:fld id="{1C78DEC8-56A5-43F5-8742-9FAB8B197B4A}" type="datetime1">
               <a:rPr lang="de-DE" smtClean="0"/>
-              <a:t>15.06.2016</a:t>
+              <a:t>16.06.2016</a:t>
             </a:fld>
             <a:endParaRPr lang="de-DE"/>
           </a:p>
@@ -5056,7 +5056,7 @@
           <a:p>
             <a:fld id="{FB6FB729-14FF-4DFE-8E5D-F146DFC23072}" type="datetime1">
               <a:rPr lang="de-DE" smtClean="0"/>
-              <a:t>15.06.2016</a:t>
+              <a:t>16.06.2016</a:t>
             </a:fld>
             <a:endParaRPr lang="de-DE"/>
           </a:p>
@@ -5174,7 +5174,7 @@
           <a:p>
             <a:fld id="{A3E14951-8B92-46E0-B36C-BC3C6465B317}" type="datetime1">
               <a:rPr lang="de-DE" smtClean="0"/>
-              <a:t>15.06.2016</a:t>
+              <a:t>16.06.2016</a:t>
             </a:fld>
             <a:endParaRPr lang="de-DE"/>
           </a:p>
@@ -5345,7 +5345,7 @@
           <a:p>
             <a:fld id="{1B97BF04-17EE-4D30-A5DC-657F7DF8B438}" type="datetime1">
               <a:rPr lang="de-DE" smtClean="0"/>
-              <a:t>15.06.2016</a:t>
+              <a:t>16.06.2016</a:t>
             </a:fld>
             <a:endParaRPr lang="de-DE"/>
           </a:p>
@@ -5699,7 +5699,7 @@
           <a:p>
             <a:fld id="{D39FFCB6-E004-4439-ADE7-E2718A613C86}" type="datetime1">
               <a:rPr lang="de-DE" smtClean="0"/>
-              <a:t>15.06.2016</a:t>
+              <a:t>16.06.2016</a:t>
             </a:fld>
             <a:endParaRPr lang="de-DE"/>
           </a:p>
@@ -6081,7 +6081,7 @@
           <a:p>
             <a:fld id="{AAC563FF-7A44-41B8-A110-DC70BD1ED6BE}" type="datetime1">
               <a:rPr lang="de-DE" smtClean="0"/>
-              <a:t>15.06.2016</a:t>
+              <a:t>16.06.2016</a:t>
             </a:fld>
             <a:endParaRPr lang="de-DE"/>
           </a:p>
@@ -6368,7 +6368,7 @@
           <a:p>
             <a:fld id="{8770F427-6CB4-49FD-9158-EBC15CECCBF6}" type="datetime1">
               <a:rPr lang="de-DE" smtClean="0"/>
-              <a:t>15.06.2016</a:t>
+              <a:t>16.06.2016</a:t>
             </a:fld>
             <a:endParaRPr lang="de-DE"/>
           </a:p>
@@ -10227,13 +10227,8 @@
             </a:pPr>
             <a:r>
               <a:rPr lang="de-DE" dirty="0" smtClean="0"/>
-              <a:t>Project </a:t>
-            </a:r>
-            <a:r>
-              <a:rPr lang="de-DE" dirty="0" smtClean="0"/>
-              <a:t>Management</a:t>
-            </a:r>
-            <a:endParaRPr lang="de-DE" dirty="0" smtClean="0"/>
+              <a:t>Project Management</a:t>
+            </a:r>
           </a:p>
           <a:p>
             <a:pPr marL="749808" lvl="1" indent="-457200">
@@ -10319,19 +10314,11 @@
             </a:pPr>
             <a:r>
               <a:rPr lang="de-DE" dirty="0" smtClean="0"/>
-              <a:t>Environment, </a:t>
-            </a:r>
-            <a:r>
-              <a:rPr lang="de-DE" dirty="0" smtClean="0"/>
-              <a:t>Integration </a:t>
+              <a:t>Environment, Integration </a:t>
             </a:r>
             <a:r>
               <a:rPr lang="de-DE" dirty="0" err="1" smtClean="0"/>
-              <a:t>and</a:t>
-            </a:r>
-            <a:r>
-              <a:rPr lang="de-DE" dirty="0" err="1" smtClean="0"/>
-              <a:t>Automation</a:t>
+              <a:t>andAutomation</a:t>
             </a:r>
             <a:endParaRPr lang="de-DE" dirty="0" smtClean="0"/>
           </a:p>
@@ -10873,7 +10860,7 @@
         <p:spPr>
           <a:xfrm>
             <a:off x="1260088" y="1996070"/>
-            <a:ext cx="4917687" cy="2031325"/>
+            <a:ext cx="4917687" cy="923330"/>
           </a:xfrm>
           <a:prstGeom prst="rect">
             <a:avLst/>
@@ -10895,54 +10882,9 @@
             </a:pPr>
             <a:r>
               <a:rPr lang="de-DE" dirty="0" smtClean="0"/>
-              <a:t>Java FX</a:t>
-            </a:r>
-          </a:p>
-          <a:p>
-            <a:pPr marL="285750" indent="-285750">
-              <a:buClr>
-                <a:srgbClr val="FFC000"/>
-              </a:buClr>
-              <a:buFont typeface="Courier New" panose="02070309020205020404" pitchFamily="49" charset="0"/>
-              <a:buChar char="o"/>
-            </a:pPr>
+              <a:t>Abgeschlossenheit</a:t>
+            </a:r>
             <a:endParaRPr lang="de-DE" dirty="0" smtClean="0"/>
-          </a:p>
-          <a:p>
-            <a:pPr marL="285750" indent="-285750">
-              <a:buClr>
-                <a:srgbClr val="FFC000"/>
-              </a:buClr>
-              <a:buFont typeface="Courier New" panose="02070309020205020404" pitchFamily="49" charset="0"/>
-              <a:buChar char="o"/>
-            </a:pPr>
-            <a:r>
-              <a:rPr lang="de-DE" dirty="0" smtClean="0"/>
-              <a:t>Jede Stage hat ihr eigenes MVC-Konzept</a:t>
-            </a:r>
-          </a:p>
-          <a:p>
-            <a:pPr marL="285750" indent="-285750">
-              <a:buClr>
-                <a:srgbClr val="FFC000"/>
-              </a:buClr>
-              <a:buFont typeface="Courier New" panose="02070309020205020404" pitchFamily="49" charset="0"/>
-              <a:buChar char="o"/>
-            </a:pPr>
-            <a:endParaRPr lang="de-DE" dirty="0"/>
-          </a:p>
-          <a:p>
-            <a:pPr marL="285750" indent="-285750">
-              <a:buClr>
-                <a:srgbClr val="FFC000"/>
-              </a:buClr>
-              <a:buFont typeface="Courier New" panose="02070309020205020404" pitchFamily="49" charset="0"/>
-              <a:buChar char="o"/>
-            </a:pPr>
-            <a:r>
-              <a:rPr lang="de-DE" dirty="0" smtClean="0"/>
-              <a:t>Abgeschlossenheit</a:t>
-            </a:r>
           </a:p>
           <a:p>
             <a:pPr marL="285750" indent="-285750">
@@ -12817,14 +12759,14 @@
                 <a:gridCol w="4914900">
                   <a:extLst>
                     <a:ext uri="{9D8B030D-6E8A-4147-A177-3AD203B41FA5}">
-                      <a16:colId xmlns:a16="http://schemas.microsoft.com/office/drawing/2014/main" val="20000"/>
+                      <a16:colId xmlns:a16="http://schemas.microsoft.com/office/drawing/2014/main" xmlns="" val="20000"/>
                     </a:ext>
                   </a:extLst>
                 </a:gridCol>
                 <a:gridCol w="4914900">
                   <a:extLst>
                     <a:ext uri="{9D8B030D-6E8A-4147-A177-3AD203B41FA5}">
-                      <a16:colId xmlns:a16="http://schemas.microsoft.com/office/drawing/2014/main" val="20001"/>
+                      <a16:colId xmlns:a16="http://schemas.microsoft.com/office/drawing/2014/main" xmlns="" val="20001"/>
                     </a:ext>
                   </a:extLst>
                 </a:gridCol>
@@ -12896,7 +12838,7 @@
                 </a:tc>
                 <a:extLst>
                   <a:ext uri="{0D108BD9-81ED-4DB2-BD59-A6C34878D82A}">
-                    <a16:rowId xmlns:a16="http://schemas.microsoft.com/office/drawing/2014/main" val="10000"/>
+                    <a16:rowId xmlns:a16="http://schemas.microsoft.com/office/drawing/2014/main" xmlns="" val="10000"/>
                   </a:ext>
                 </a:extLst>
               </a:tr>
@@ -12991,7 +12933,7 @@
                 </a:tc>
                 <a:extLst>
                   <a:ext uri="{0D108BD9-81ED-4DB2-BD59-A6C34878D82A}">
-                    <a16:rowId xmlns:a16="http://schemas.microsoft.com/office/drawing/2014/main" val="10001"/>
+                    <a16:rowId xmlns:a16="http://schemas.microsoft.com/office/drawing/2014/main" xmlns="" val="10001"/>
                   </a:ext>
                 </a:extLst>
               </a:tr>
@@ -13057,7 +12999,7 @@
                 </a:tc>
                 <a:extLst>
                   <a:ext uri="{0D108BD9-81ED-4DB2-BD59-A6C34878D82A}">
-                    <a16:rowId xmlns:a16="http://schemas.microsoft.com/office/drawing/2014/main" val="10002"/>
+                    <a16:rowId xmlns:a16="http://schemas.microsoft.com/office/drawing/2014/main" xmlns="" val="10002"/>
                   </a:ext>
                 </a:extLst>
               </a:tr>
@@ -13135,7 +13077,7 @@
                 </a:tc>
                 <a:extLst>
                   <a:ext uri="{0D108BD9-81ED-4DB2-BD59-A6C34878D82A}">
-                    <a16:rowId xmlns:a16="http://schemas.microsoft.com/office/drawing/2014/main" val="10003"/>
+                    <a16:rowId xmlns:a16="http://schemas.microsoft.com/office/drawing/2014/main" xmlns="" val="10003"/>
                   </a:ext>
                 </a:extLst>
               </a:tr>
@@ -13201,7 +13143,7 @@
                 </a:tc>
                 <a:extLst>
                   <a:ext uri="{0D108BD9-81ED-4DB2-BD59-A6C34878D82A}">
-                    <a16:rowId xmlns:a16="http://schemas.microsoft.com/office/drawing/2014/main" val="10004"/>
+                    <a16:rowId xmlns:a16="http://schemas.microsoft.com/office/drawing/2014/main" xmlns="" val="10004"/>
                   </a:ext>
                 </a:extLst>
               </a:tr>
@@ -13269,7 +13211,7 @@
                 </a:tc>
                 <a:extLst>
                   <a:ext uri="{0D108BD9-81ED-4DB2-BD59-A6C34878D82A}">
-                    <a16:rowId xmlns:a16="http://schemas.microsoft.com/office/drawing/2014/main" val="10005"/>
+                    <a16:rowId xmlns:a16="http://schemas.microsoft.com/office/drawing/2014/main" xmlns="" val="10005"/>
                   </a:ext>
                 </a:extLst>
               </a:tr>
@@ -13349,7 +13291,7 @@
                 </a:tc>
                 <a:extLst>
                   <a:ext uri="{0D108BD9-81ED-4DB2-BD59-A6C34878D82A}">
-                    <a16:rowId xmlns:a16="http://schemas.microsoft.com/office/drawing/2014/main" val="10006"/>
+                    <a16:rowId xmlns:a16="http://schemas.microsoft.com/office/drawing/2014/main" xmlns="" val="10006"/>
                   </a:ext>
                 </a:extLst>
               </a:tr>
@@ -13415,7 +13357,7 @@
                 </a:tc>
                 <a:extLst>
                   <a:ext uri="{0D108BD9-81ED-4DB2-BD59-A6C34878D82A}">
-                    <a16:rowId xmlns:a16="http://schemas.microsoft.com/office/drawing/2014/main" val="10007"/>
+                    <a16:rowId xmlns:a16="http://schemas.microsoft.com/office/drawing/2014/main" xmlns="" val="10007"/>
                   </a:ext>
                 </a:extLst>
               </a:tr>
@@ -13502,7 +13444,7 @@
                 </a:tc>
                 <a:extLst>
                   <a:ext uri="{0D108BD9-81ED-4DB2-BD59-A6C34878D82A}">
-                    <a16:rowId xmlns:a16="http://schemas.microsoft.com/office/drawing/2014/main" val="10008"/>
+                    <a16:rowId xmlns:a16="http://schemas.microsoft.com/office/drawing/2014/main" xmlns="" val="10008"/>
                   </a:ext>
                 </a:extLst>
               </a:tr>
@@ -13589,7 +13531,7 @@
                 </a:tc>
                 <a:extLst>
                   <a:ext uri="{0D108BD9-81ED-4DB2-BD59-A6C34878D82A}">
-                    <a16:rowId xmlns:a16="http://schemas.microsoft.com/office/drawing/2014/main" val="10009"/>
+                    <a16:rowId xmlns:a16="http://schemas.microsoft.com/office/drawing/2014/main" xmlns="" val="10009"/>
                   </a:ext>
                 </a:extLst>
               </a:tr>
@@ -14830,29 +14772,59 @@
           </a:p>
         </p:txBody>
       </p:sp>
+      <p:sp>
+        <p:nvSpPr>
+          <p:cNvPr id="7" name="Textfeld 6"/>
+          <p:cNvSpPr txBox="1"/>
+          <p:nvPr/>
+        </p:nvSpPr>
+        <p:spPr>
+          <a:xfrm>
+            <a:off x="9478996" y="1550432"/>
+            <a:ext cx="1735104" cy="369332"/>
+          </a:xfrm>
+          <a:prstGeom prst="rect">
+            <a:avLst/>
+          </a:prstGeom>
+          <a:solidFill>
+            <a:schemeClr val="bg1"/>
+          </a:solidFill>
+        </p:spPr>
+        <p:txBody>
+          <a:bodyPr wrap="square" rtlCol="0">
+            <a:spAutoFit/>
+          </a:bodyPr>
+          <a:lstStyle/>
+          <a:p>
+            <a:endParaRPr lang="de-DE" dirty="0"/>
+          </a:p>
+        </p:txBody>
+      </p:sp>
       <p:pic>
         <p:nvPicPr>
-          <p:cNvPr id="1031" name="Picture 7" descr="C:\Users\mincekara\Desktop\index.png"/>
+          <p:cNvPr id="1026" name="Picture 2" descr="C:\Users\mincekara\Desktop\2016-06-16 09_15_52-Overall Use Case Diagram.pdf - Adobe Acrobat Reader DC.png"/>
           <p:cNvPicPr>
             <a:picLocks noChangeAspect="1" noChangeArrowheads="1"/>
           </p:cNvPicPr>
           <p:nvPr/>
         </p:nvPicPr>
-        <p:blipFill rotWithShape="1">
-          <a:blip r:embed="rId3" cstate="print">
+        <p:blipFill>
+          <a:blip r:embed="rId3">
             <a:extLst>
               <a:ext uri="{28A0092B-C50C-407E-A947-70E740481C1C}">
                 <a14:useLocalDpi xmlns:a14="http://schemas.microsoft.com/office/drawing/2010/main" val="0"/>
               </a:ext>
             </a:extLst>
           </a:blip>
-          <a:srcRect t="6194" r="4010" b="2914"/>
-          <a:stretch/>
+          <a:srcRect/>
+          <a:stretch>
+            <a:fillRect/>
+          </a:stretch>
         </p:blipFill>
         <p:spPr bwMode="auto">
           <a:xfrm>
-            <a:off x="5898446" y="0"/>
-            <a:ext cx="3658568" cy="6248400"/>
+            <a:off x="6192615" y="0"/>
+            <a:ext cx="3482367" cy="6335713"/>
           </a:xfrm>
           <a:prstGeom prst="rect">
             <a:avLst/>
@@ -14869,64 +14841,6 @@
           </a:extLst>
         </p:spPr>
       </p:pic>
-      <p:sp>
-        <p:nvSpPr>
-          <p:cNvPr id="7" name="Textfeld 6"/>
-          <p:cNvSpPr txBox="1"/>
-          <p:nvPr/>
-        </p:nvSpPr>
-        <p:spPr>
-          <a:xfrm>
-            <a:off x="9478996" y="1550432"/>
-            <a:ext cx="1735104" cy="369332"/>
-          </a:xfrm>
-          <a:prstGeom prst="rect">
-            <a:avLst/>
-          </a:prstGeom>
-          <a:solidFill>
-            <a:schemeClr val="bg1"/>
-          </a:solidFill>
-        </p:spPr>
-        <p:txBody>
-          <a:bodyPr wrap="square" rtlCol="0">
-            <a:spAutoFit/>
-          </a:bodyPr>
-          <a:lstStyle/>
-          <a:p>
-            <a:endParaRPr lang="de-DE" dirty="0"/>
-          </a:p>
-        </p:txBody>
-      </p:sp>
-      <p:pic>
-        <p:nvPicPr>
-          <p:cNvPr id="8" name="Grafik 7"/>
-          <p:cNvPicPr>
-            <a:picLocks noChangeAspect="1"/>
-          </p:cNvPicPr>
-          <p:nvPr/>
-        </p:nvPicPr>
-        <p:blipFill>
-          <a:blip r:embed="rId4">
-            <a:extLst>
-              <a:ext uri="{28A0092B-C50C-407E-A947-70E740481C1C}">
-                <a14:useLocalDpi xmlns:a14="http://schemas.microsoft.com/office/drawing/2010/main" val="0"/>
-              </a:ext>
-            </a:extLst>
-          </a:blip>
-          <a:stretch>
-            <a:fillRect/>
-          </a:stretch>
-        </p:blipFill>
-        <p:spPr>
-          <a:xfrm>
-            <a:off x="-3992563" y="-18576"/>
-            <a:ext cx="3944938" cy="6858000"/>
-          </a:xfrm>
-          <a:prstGeom prst="rect">
-            <a:avLst/>
-          </a:prstGeom>
-        </p:spPr>
-      </p:pic>
     </p:spTree>
     <p:extLst>
       <p:ext uri="{BB962C8B-B14F-4D97-AF65-F5344CB8AC3E}">
@@ -14940,70 +14854,7 @@
   <p:timing>
     <p:tnLst>
       <p:par>
-        <p:cTn id="1" dur="indefinite" restart="never" nodeType="tmRoot">
-          <p:childTnLst>
-            <p:seq concurrent="1" nextAc="seek">
-              <p:cTn id="2" dur="indefinite" nodeType="mainSeq">
-                <p:childTnLst>
-                  <p:par>
-                    <p:cTn id="3" fill="hold">
-                      <p:stCondLst>
-                        <p:cond delay="indefinite"/>
-                      </p:stCondLst>
-                      <p:childTnLst>
-                        <p:par>
-                          <p:cTn id="4" fill="hold">
-                            <p:stCondLst>
-                              <p:cond delay="0"/>
-                            </p:stCondLst>
-                            <p:childTnLst>
-                              <p:par>
-                                <p:cTn id="5" presetID="42" presetClass="path" presetSubtype="0" accel="50000" decel="50000" fill="hold" nodeType="clickEffect">
-                                  <p:stCondLst>
-                                    <p:cond delay="0"/>
-                                  </p:stCondLst>
-                                  <p:childTnLst>
-                                    <p:animMotion origin="layout" path="M -5E-6 -2.22222E-6 L 1.32995 -0.00208 " pathEditMode="relative" rAng="0" ptsTypes="AA">
-                                      <p:cBhvr>
-                                        <p:cTn id="6" dur="1000" fill="hold"/>
-                                        <p:tgtEl>
-                                          <p:spTgt spid="8"/>
-                                        </p:tgtEl>
-                                        <p:attrNameLst>
-                                          <p:attrName>ppt_x</p:attrName>
-                                          <p:attrName>ppt_y</p:attrName>
-                                        </p:attrNameLst>
-                                      </p:cBhvr>
-                                      <p:rCtr x="66497" y="-116"/>
-                                    </p:animMotion>
-                                  </p:childTnLst>
-                                </p:cTn>
-                              </p:par>
-                            </p:childTnLst>
-                          </p:cTn>
-                        </p:par>
-                      </p:childTnLst>
-                    </p:cTn>
-                  </p:par>
-                </p:childTnLst>
-              </p:cTn>
-              <p:prevCondLst>
-                <p:cond evt="onPrev" delay="0">
-                  <p:tgtEl>
-                    <p:sldTgt/>
-                  </p:tgtEl>
-                </p:cond>
-              </p:prevCondLst>
-              <p:nextCondLst>
-                <p:cond evt="onNext" delay="0">
-                  <p:tgtEl>
-                    <p:sldTgt/>
-                  </p:tgtEl>
-                </p:cond>
-              </p:nextCondLst>
-            </p:seq>
-          </p:childTnLst>
-        </p:cTn>
+        <p:cTn id="1" dur="indefinite" restart="never" nodeType="tmRoot"/>
       </p:par>
     </p:tnLst>
   </p:timing>
@@ -15141,23 +14992,13 @@
             </a:pPr>
             <a:r>
               <a:rPr lang="de-DE" dirty="0" smtClean="0"/>
-              <a:t> Nach Start: ~0,5 Sekunden</a:t>
-            </a:r>
-            <a:endParaRPr lang="de-DE" dirty="0"/>
-          </a:p>
-          <a:p>
-            <a:pPr>
-              <a:buFont typeface="Courier New" panose="02070309020205020404" pitchFamily="49" charset="0"/>
-              <a:buChar char="o"/>
-            </a:pPr>
-            <a:r>
-              <a:rPr lang="de-DE" dirty="0"/>
-              <a:t> </a:t>
+              <a:t> Nach Start: ~0,5 </a:t>
             </a:r>
             <a:r>
               <a:rPr lang="de-DE" dirty="0" smtClean="0"/>
-              <a:t>Ressourcennutzung</a:t>
-            </a:r>
+              <a:t>Sekunden</a:t>
+            </a:r>
+            <a:endParaRPr lang="de-DE" dirty="0" smtClean="0"/>
           </a:p>
           <a:p>
             <a:pPr>
@@ -15280,17 +15121,7 @@
                   </a:schemeClr>
                 </a:solidFill>
               </a:rPr>
-              <a:t>PROJECT </a:t>
-            </a:r>
-            <a:r>
-              <a:rPr lang="de-DE" sz="4800" dirty="0" smtClean="0">
-                <a:solidFill>
-                  <a:schemeClr val="bg1">
-                    <a:lumMod val="50000"/>
-                  </a:schemeClr>
-                </a:solidFill>
-              </a:rPr>
-              <a:t>MANAGEMENT</a:t>
+              <a:t>PROJECT MANAGEMENT</a:t>
             </a:r>
             <a:endParaRPr lang="de-DE" sz="4800" dirty="0"/>
           </a:p>
@@ -15818,7 +15649,7 @@
   <a:extraClrSchemeLst/>
   <a:extLst>
     <a:ext uri="{05A4C25C-085E-4340-85A3-A5531E510DB2}">
-      <thm15:themeFamily xmlns:thm15="http://schemas.microsoft.com/office/thememl/2012/main" name="Retrospect" id="{5F128B03-DCCA-4EEB-AB3B-CF2899314A46}" vid="{3F1AAB62-24C6-49D2-8E01-B56FAC9A3DCD}"/>
+      <thm15:themeFamily xmlns:thm15="http://schemas.microsoft.com/office/thememl/2012/main" xmlns="" name="Retrospect" id="{5F128B03-DCCA-4EEB-AB3B-CF2899314A46}" vid="{3F1AAB62-24C6-49D2-8E01-B56FAC9A3DCD}"/>
     </a:ext>
   </a:extLst>
 </a:theme>
@@ -16079,7 +15910,7 @@
   <a:extraClrSchemeLst/>
   <a:extLst>
     <a:ext uri="{05A4C25C-085E-4340-85A3-A5531E510DB2}">
-      <thm15:themeFamily xmlns:thm15="http://schemas.microsoft.com/office/thememl/2012/main" name="Office Theme" id="{62F939B6-93AF-4DB8-9C6B-D6C7DFDC589F}" vid="{4A3C46E8-61CC-4603-A589-7422A47A8E4A}"/>
+      <thm15:themeFamily xmlns:thm15="http://schemas.microsoft.com/office/thememl/2012/main" xmlns="" name="Office Theme" id="{62F939B6-93AF-4DB8-9C6B-D6C7DFDC589F}" vid="{4A3C46E8-61CC-4603-A589-7422A47A8E4A}"/>
     </a:ext>
   </a:extLst>
 </a:theme>
